--- a/Chinese_Medical_Text_Classification.pptx
+++ b/Chinese_Medical_Text_Classification.pptx
@@ -5,7 +5,7 @@
     <p:sldMasterId id="2147483648" r:id="rId1"/>
   </p:sldMasterIdLst>
   <p:notesMasterIdLst>
-    <p:notesMasterId r:id="rId15"/>
+    <p:notesMasterId r:id="rId12"/>
   </p:notesMasterIdLst>
   <p:sldIdLst>
     <p:sldId id="257" r:id="rId2"/>
@@ -14,13 +14,10 @@
     <p:sldId id="261" r:id="rId5"/>
     <p:sldId id="260" r:id="rId6"/>
     <p:sldId id="262" r:id="rId7"/>
-    <p:sldId id="264" r:id="rId8"/>
-    <p:sldId id="265" r:id="rId9"/>
-    <p:sldId id="266" r:id="rId10"/>
-    <p:sldId id="267" r:id="rId11"/>
-    <p:sldId id="263" r:id="rId12"/>
-    <p:sldId id="268" r:id="rId13"/>
-    <p:sldId id="269" r:id="rId14"/>
+    <p:sldId id="270" r:id="rId8"/>
+    <p:sldId id="263" r:id="rId9"/>
+    <p:sldId id="268" r:id="rId10"/>
+    <p:sldId id="269" r:id="rId11"/>
   </p:sldIdLst>
   <p:sldSz cx="12192000" cy="6858000"/>
   <p:notesSz cx="6858000" cy="9144000"/>
@@ -209,7 +206,7 @@
           <a:p>
             <a:fld id="{2B4B4D16-E996-465E-A353-C08C73FFF8FD}" type="datetimeFigureOut">
               <a:rPr lang="en-US" smtClean="0"/>
-              <a:t>12/8/2019</a:t>
+              <a:t>12/10/2019</a:t>
             </a:fld>
             <a:endParaRPr lang="en-US"/>
           </a:p>
@@ -580,1197 +577,6 @@
       </p:grpSpPr>
       <p:sp>
         <p:nvSpPr>
-          <p:cNvPr id="2" name="幻灯片图像占位符 1"/>
-          <p:cNvSpPr>
-            <a:spLocks noGrp="1" noRot="1" noChangeAspect="1"/>
-          </p:cNvSpPr>
-          <p:nvPr>
-            <p:ph type="sldImg"/>
-          </p:nvPr>
-        </p:nvSpPr>
-        <p:spPr/>
-      </p:sp>
-      <p:sp>
-        <p:nvSpPr>
-          <p:cNvPr id="3" name="备注占位符 2"/>
-          <p:cNvSpPr>
-            <a:spLocks noGrp="1"/>
-          </p:cNvSpPr>
-          <p:nvPr>
-            <p:ph type="body" idx="1"/>
-          </p:nvPr>
-        </p:nvSpPr>
-        <p:spPr/>
-        <p:txBody>
-          <a:bodyPr/>
-          <a:lstStyle/>
-          <a:p>
-            <a:endParaRPr lang="zh-CN" altLang="en-US" dirty="0"/>
-          </a:p>
-        </p:txBody>
-      </p:sp>
-      <p:sp>
-        <p:nvSpPr>
-          <p:cNvPr id="4" name="灯片编号占位符 3"/>
-          <p:cNvSpPr>
-            <a:spLocks noGrp="1"/>
-          </p:cNvSpPr>
-          <p:nvPr>
-            <p:ph type="sldNum" sz="quarter" idx="10"/>
-          </p:nvPr>
-        </p:nvSpPr>
-        <p:spPr/>
-        <p:txBody>
-          <a:bodyPr/>
-          <a:lstStyle/>
-          <a:p>
-            <a:fld id="{1A25E1CB-BD39-4538-B191-98D762944504}" type="slidenum">
-              <a:rPr lang="zh-CN" altLang="en-US" smtClean="0"/>
-              <a:t>10</a:t>
-            </a:fld>
-            <a:endParaRPr lang="zh-CN" altLang="en-US"/>
-          </a:p>
-        </p:txBody>
-      </p:sp>
-    </p:spTree>
-    <p:extLst>
-      <p:ext uri="{BB962C8B-B14F-4D97-AF65-F5344CB8AC3E}">
-        <p14:creationId xmlns:p14="http://schemas.microsoft.com/office/powerpoint/2010/main" val="1696150886"/>
-      </p:ext>
-    </p:extLst>
-  </p:cSld>
-  <p:clrMapOvr>
-    <a:masterClrMapping/>
-  </p:clrMapOvr>
-</p:notes>
-</file>
-
-<file path=ppt/notesSlides/notesSlide11.xml><?xml version="1.0" encoding="utf-8"?>
-<p:notes xmlns:a="http://schemas.openxmlformats.org/drawingml/2006/main" xmlns:r="http://schemas.openxmlformats.org/officeDocument/2006/relationships" xmlns:p="http://schemas.openxmlformats.org/presentationml/2006/main">
-  <p:cSld>
-    <p:spTree>
-      <p:nvGrpSpPr>
-        <p:cNvPr id="1" name=""/>
-        <p:cNvGrpSpPr/>
-        <p:nvPr/>
-      </p:nvGrpSpPr>
-      <p:grpSpPr>
-        <a:xfrm>
-          <a:off x="0" y="0"/>
-          <a:ext cx="0" cy="0"/>
-          <a:chOff x="0" y="0"/>
-          <a:chExt cx="0" cy="0"/>
-        </a:xfrm>
-      </p:grpSpPr>
-      <p:sp>
-        <p:nvSpPr>
-          <p:cNvPr id="2" name="幻灯片图像占位符 1"/>
-          <p:cNvSpPr>
-            <a:spLocks noGrp="1" noRot="1" noChangeAspect="1"/>
-          </p:cNvSpPr>
-          <p:nvPr>
-            <p:ph type="sldImg"/>
-          </p:nvPr>
-        </p:nvSpPr>
-        <p:spPr/>
-      </p:sp>
-      <p:sp>
-        <p:nvSpPr>
-          <p:cNvPr id="3" name="备注占位符 2"/>
-          <p:cNvSpPr>
-            <a:spLocks noGrp="1"/>
-          </p:cNvSpPr>
-          <p:nvPr>
-            <p:ph type="body" idx="1"/>
-          </p:nvPr>
-        </p:nvSpPr>
-        <p:spPr/>
-        <p:txBody>
-          <a:bodyPr/>
-          <a:lstStyle/>
-          <a:p>
-            <a:pPr marL="0" marR="0" lvl="0" indent="0" algn="l" defTabSz="914400" rtl="0" eaLnBrk="1" fontAlgn="auto" latinLnBrk="0" hangingPunct="1">
-              <a:lnSpc>
-                <a:spcPct val="100000"/>
-              </a:lnSpc>
-              <a:spcBef>
-                <a:spcPts val="0"/>
-              </a:spcBef>
-              <a:spcAft>
-                <a:spcPts val="0"/>
-              </a:spcAft>
-              <a:buClrTx/>
-              <a:buSzTx/>
-              <a:buFontTx/>
-              <a:buNone/>
-              <a:tabLst/>
-              <a:defRPr/>
-            </a:pPr>
-            <a:r>
-              <a:rPr lang="zh-CN" altLang="en-US" sz="1200" b="0" i="0" kern="1200" dirty="0" smtClean="0">
-                <a:solidFill>
-                  <a:schemeClr val="tx1"/>
-                </a:solidFill>
-                <a:effectLst/>
-                <a:latin typeface="+mn-lt"/>
-                <a:ea typeface="+mn-ea"/>
-                <a:cs typeface="+mn-cs"/>
-              </a:rPr>
-              <a:t>学习率 </a:t>
-            </a:r>
-            <a:r>
-              <a:rPr lang="en-US" altLang="zh-CN" sz="1200" b="0" i="0" kern="1200" dirty="0" smtClean="0">
-                <a:solidFill>
-                  <a:schemeClr val="tx1"/>
-                </a:solidFill>
-                <a:effectLst/>
-                <a:latin typeface="+mn-lt"/>
-                <a:ea typeface="+mn-ea"/>
-                <a:cs typeface="+mn-cs"/>
-              </a:rPr>
-              <a:t>(</a:t>
-            </a:r>
-            <a:r>
-              <a:rPr lang="en-US" sz="1200" b="0" i="0" kern="1200" dirty="0" smtClean="0">
-                <a:solidFill>
-                  <a:schemeClr val="tx1"/>
-                </a:solidFill>
-                <a:effectLst/>
-                <a:latin typeface="+mn-lt"/>
-                <a:ea typeface="+mn-ea"/>
-                <a:cs typeface="+mn-cs"/>
-              </a:rPr>
-              <a:t>learning rate)，</a:t>
-            </a:r>
-            <a:r>
-              <a:rPr lang="zh-CN" altLang="en-US" sz="1200" b="0" i="0" kern="1200" dirty="0" smtClean="0">
-                <a:solidFill>
-                  <a:schemeClr val="tx1"/>
-                </a:solidFill>
-                <a:effectLst/>
-                <a:latin typeface="+mn-lt"/>
-                <a:ea typeface="+mn-ea"/>
-                <a:cs typeface="+mn-cs"/>
-              </a:rPr>
-              <a:t>控制 模型的 </a:t>
-            </a:r>
-            <a:r>
-              <a:rPr lang="zh-CN" altLang="en-US" sz="1200" b="1" i="0" kern="1200" dirty="0" smtClean="0">
-                <a:solidFill>
-                  <a:schemeClr val="tx1"/>
-                </a:solidFill>
-                <a:effectLst/>
-                <a:latin typeface="+mn-lt"/>
-                <a:ea typeface="+mn-ea"/>
-                <a:cs typeface="+mn-cs"/>
-              </a:rPr>
-              <a:t>学习进度</a:t>
-            </a:r>
-            <a:r>
-              <a:rPr lang="zh-CN" altLang="en-US" sz="1200" b="0" i="0" kern="1200" dirty="0" smtClean="0">
-                <a:solidFill>
-                  <a:schemeClr val="tx1"/>
-                </a:solidFill>
-                <a:effectLst/>
-                <a:latin typeface="+mn-lt"/>
-                <a:ea typeface="+mn-ea"/>
-                <a:cs typeface="+mn-cs"/>
-              </a:rPr>
-              <a:t>。</a:t>
-            </a:r>
-            <a:endParaRPr lang="en-US" altLang="zh-CN" sz="1200" b="0" i="0" kern="1200" dirty="0" smtClean="0">
-              <a:solidFill>
-                <a:schemeClr val="tx1"/>
-              </a:solidFill>
-              <a:effectLst/>
-              <a:latin typeface="+mn-lt"/>
-              <a:ea typeface="+mn-ea"/>
-              <a:cs typeface="+mn-cs"/>
-            </a:endParaRPr>
-          </a:p>
-          <a:p>
-            <a:pPr marL="0" marR="0" lvl="0" indent="0" algn="l" defTabSz="914400" rtl="0" eaLnBrk="1" fontAlgn="auto" latinLnBrk="0" hangingPunct="1">
-              <a:lnSpc>
-                <a:spcPct val="100000"/>
-              </a:lnSpc>
-              <a:spcBef>
-                <a:spcPts val="0"/>
-              </a:spcBef>
-              <a:spcAft>
-                <a:spcPts val="0"/>
-              </a:spcAft>
-              <a:buClrTx/>
-              <a:buSzTx/>
-              <a:buFontTx/>
-              <a:buNone/>
-              <a:tabLst/>
-              <a:defRPr/>
-            </a:pPr>
-            <a:r>
-              <a:rPr lang="zh-CN" altLang="en-US" sz="1200" b="0" i="0" kern="1200" dirty="0" smtClean="0">
-                <a:solidFill>
-                  <a:schemeClr val="tx1"/>
-                </a:solidFill>
-                <a:effectLst/>
-                <a:latin typeface="+mn-lt"/>
-                <a:ea typeface="+mn-ea"/>
-                <a:cs typeface="+mn-cs"/>
-              </a:rPr>
-              <a:t>刚开始训练时：学习率以 </a:t>
-            </a:r>
-            <a:r>
-              <a:rPr lang="en-US" altLang="zh-CN" sz="1200" b="0" i="0" kern="1200" dirty="0" smtClean="0">
-                <a:solidFill>
-                  <a:schemeClr val="tx1"/>
-                </a:solidFill>
-                <a:effectLst/>
-                <a:latin typeface="+mn-lt"/>
-                <a:ea typeface="+mn-ea"/>
-                <a:cs typeface="+mn-cs"/>
-              </a:rPr>
-              <a:t>0.01 ~ 0.001 </a:t>
-            </a:r>
-            <a:r>
-              <a:rPr lang="zh-CN" altLang="en-US" sz="1200" b="0" i="0" kern="1200" dirty="0" smtClean="0">
-                <a:solidFill>
-                  <a:schemeClr val="tx1"/>
-                </a:solidFill>
-                <a:effectLst/>
-                <a:latin typeface="+mn-lt"/>
-                <a:ea typeface="+mn-ea"/>
-                <a:cs typeface="+mn-cs"/>
-              </a:rPr>
-              <a:t>为宜。</a:t>
-            </a:r>
-          </a:p>
-          <a:p>
-            <a:pPr marL="0" marR="0" lvl="0" indent="0" algn="l" defTabSz="914400" rtl="0" eaLnBrk="1" fontAlgn="auto" latinLnBrk="0" hangingPunct="1">
-              <a:lnSpc>
-                <a:spcPct val="100000"/>
-              </a:lnSpc>
-              <a:spcBef>
-                <a:spcPts val="0"/>
-              </a:spcBef>
-              <a:spcAft>
-                <a:spcPts val="0"/>
-              </a:spcAft>
-              <a:buClrTx/>
-              <a:buSzTx/>
-              <a:buFontTx/>
-              <a:buNone/>
-              <a:tabLst/>
-              <a:defRPr/>
-            </a:pPr>
-            <a:endParaRPr lang="en-US" altLang="zh-CN" sz="1200" b="0" i="0" kern="1200" dirty="0" smtClean="0">
-              <a:solidFill>
-                <a:schemeClr val="tx1"/>
-              </a:solidFill>
-              <a:effectLst/>
-              <a:latin typeface="+mn-lt"/>
-              <a:ea typeface="+mn-ea"/>
-              <a:cs typeface="+mn-cs"/>
-            </a:endParaRPr>
-          </a:p>
-          <a:p>
-            <a:pPr marL="0" marR="0" lvl="0" indent="0" algn="l" defTabSz="914400" rtl="0" eaLnBrk="1" fontAlgn="auto" latinLnBrk="0" hangingPunct="1">
-              <a:lnSpc>
-                <a:spcPct val="100000"/>
-              </a:lnSpc>
-              <a:spcBef>
-                <a:spcPts val="0"/>
-              </a:spcBef>
-              <a:spcAft>
-                <a:spcPts val="0"/>
-              </a:spcAft>
-              <a:buClrTx/>
-              <a:buSzTx/>
-              <a:buFontTx/>
-              <a:buNone/>
-              <a:tabLst/>
-              <a:defRPr/>
-            </a:pPr>
-            <a:endParaRPr lang="en-US" altLang="zh-CN" sz="1200" b="0" i="0" kern="1200" dirty="0" smtClean="0">
-              <a:solidFill>
-                <a:schemeClr val="tx1"/>
-              </a:solidFill>
-              <a:effectLst/>
-              <a:latin typeface="+mn-lt"/>
-              <a:ea typeface="+mn-ea"/>
-              <a:cs typeface="+mn-cs"/>
-            </a:endParaRPr>
-          </a:p>
-          <a:p>
-            <a:pPr marL="0" marR="0" lvl="0" indent="0" algn="l" defTabSz="914400" rtl="0" eaLnBrk="1" fontAlgn="auto" latinLnBrk="0" hangingPunct="1">
-              <a:lnSpc>
-                <a:spcPct val="100000"/>
-              </a:lnSpc>
-              <a:spcBef>
-                <a:spcPts val="0"/>
-              </a:spcBef>
-              <a:spcAft>
-                <a:spcPts val="0"/>
-              </a:spcAft>
-              <a:buClrTx/>
-              <a:buSzTx/>
-              <a:buFontTx/>
-              <a:buNone/>
-              <a:tabLst/>
-              <a:defRPr/>
-            </a:pPr>
-            <a:r>
-              <a:rPr lang="en-US" altLang="zh-CN" sz="1200" b="0" i="0" kern="1200" dirty="0" smtClean="0">
-                <a:solidFill>
-                  <a:schemeClr val="tx1"/>
-                </a:solidFill>
-                <a:effectLst/>
-                <a:latin typeface="+mn-lt"/>
-                <a:ea typeface="+mn-ea"/>
-                <a:cs typeface="+mn-cs"/>
-              </a:rPr>
-              <a:t>mini-batch</a:t>
-            </a:r>
-            <a:r>
-              <a:rPr lang="zh-CN" altLang="en-US" sz="1200" b="0" i="0" kern="1200" dirty="0" smtClean="0">
-                <a:solidFill>
-                  <a:schemeClr val="tx1"/>
-                </a:solidFill>
-                <a:effectLst/>
-                <a:latin typeface="+mn-lt"/>
-                <a:ea typeface="+mn-ea"/>
-                <a:cs typeface="+mn-cs"/>
-              </a:rPr>
-              <a:t>批大小，就是每次调整参数前所选取的样本（称为</a:t>
-            </a:r>
-            <a:r>
-              <a:rPr lang="en-US" altLang="zh-CN" dirty="0" smtClean="0"/>
-              <a:t>mini-batch</a:t>
-            </a:r>
-            <a:r>
-              <a:rPr lang="zh-CN" altLang="en-US" sz="1200" b="0" i="0" kern="1200" dirty="0" smtClean="0">
-                <a:solidFill>
-                  <a:schemeClr val="tx1"/>
-                </a:solidFill>
-                <a:effectLst/>
-                <a:latin typeface="+mn-lt"/>
-                <a:ea typeface="+mn-ea"/>
-                <a:cs typeface="+mn-cs"/>
-              </a:rPr>
-              <a:t>或</a:t>
-            </a:r>
-            <a:r>
-              <a:rPr lang="en-US" altLang="zh-CN" dirty="0" smtClean="0"/>
-              <a:t>batch</a:t>
-            </a:r>
-            <a:r>
-              <a:rPr lang="zh-CN" altLang="en-US" sz="1200" b="0" i="0" kern="1200" dirty="0" smtClean="0">
-                <a:solidFill>
-                  <a:schemeClr val="tx1"/>
-                </a:solidFill>
-                <a:effectLst/>
-                <a:latin typeface="+mn-lt"/>
-                <a:ea typeface="+mn-ea"/>
-                <a:cs typeface="+mn-cs"/>
-              </a:rPr>
-              <a:t>）数量</a:t>
-            </a:r>
-            <a:r>
-              <a:rPr lang="en-US" altLang="zh-CN" sz="1200" b="0" i="0" kern="1200" dirty="0" smtClean="0">
-                <a:solidFill>
-                  <a:schemeClr val="tx1"/>
-                </a:solidFill>
-                <a:effectLst/>
-                <a:latin typeface="+mn-lt"/>
-                <a:ea typeface="+mn-ea"/>
-                <a:cs typeface="+mn-cs"/>
-              </a:rPr>
-              <a:t>.</a:t>
-            </a:r>
-          </a:p>
-          <a:p>
-            <a:pPr marL="0" marR="0" lvl="0" indent="0" algn="l" defTabSz="914400" rtl="0" eaLnBrk="1" fontAlgn="auto" latinLnBrk="0" hangingPunct="1">
-              <a:lnSpc>
-                <a:spcPct val="100000"/>
-              </a:lnSpc>
-              <a:spcBef>
-                <a:spcPts val="0"/>
-              </a:spcBef>
-              <a:spcAft>
-                <a:spcPts val="0"/>
-              </a:spcAft>
-              <a:buClrTx/>
-              <a:buSzTx/>
-              <a:buFontTx/>
-              <a:buNone/>
-              <a:tabLst/>
-              <a:defRPr/>
-            </a:pPr>
-            <a:r>
-              <a:rPr lang="zh-CN" altLang="en-US" sz="1200" b="0" i="0" kern="1200" dirty="0" smtClean="0">
-                <a:solidFill>
-                  <a:schemeClr val="tx1"/>
-                </a:solidFill>
-                <a:effectLst/>
-                <a:latin typeface="+mn-lt"/>
-                <a:ea typeface="+mn-ea"/>
-                <a:cs typeface="+mn-cs"/>
-              </a:rPr>
-              <a:t>如果批大小为</a:t>
-            </a:r>
-            <a:r>
-              <a:rPr lang="en-US" altLang="zh-CN" sz="1200" b="0" i="0" kern="1200" dirty="0" smtClean="0">
-                <a:solidFill>
-                  <a:schemeClr val="tx1"/>
-                </a:solidFill>
-                <a:effectLst/>
-                <a:latin typeface="+mn-lt"/>
-                <a:ea typeface="+mn-ea"/>
-                <a:cs typeface="+mn-cs"/>
-              </a:rPr>
-              <a:t>N</a:t>
-            </a:r>
-            <a:r>
-              <a:rPr lang="zh-CN" altLang="en-US" sz="1200" b="0" i="0" kern="1200" dirty="0" smtClean="0">
-                <a:solidFill>
-                  <a:schemeClr val="tx1"/>
-                </a:solidFill>
-                <a:effectLst/>
-                <a:latin typeface="+mn-lt"/>
-                <a:ea typeface="+mn-ea"/>
-                <a:cs typeface="+mn-cs"/>
-              </a:rPr>
-              <a:t>，每次会选取</a:t>
-            </a:r>
-            <a:r>
-              <a:rPr lang="en-US" altLang="zh-CN" sz="1200" b="0" i="0" kern="1200" dirty="0" smtClean="0">
-                <a:solidFill>
-                  <a:schemeClr val="tx1"/>
-                </a:solidFill>
-                <a:effectLst/>
-                <a:latin typeface="+mn-lt"/>
-                <a:ea typeface="+mn-ea"/>
-                <a:cs typeface="+mn-cs"/>
-              </a:rPr>
-              <a:t>N</a:t>
-            </a:r>
-            <a:r>
-              <a:rPr lang="zh-CN" altLang="en-US" sz="1200" b="0" i="0" kern="1200" dirty="0" smtClean="0">
-                <a:solidFill>
-                  <a:schemeClr val="tx1"/>
-                </a:solidFill>
-                <a:effectLst/>
-                <a:latin typeface="+mn-lt"/>
-                <a:ea typeface="+mn-ea"/>
-                <a:cs typeface="+mn-cs"/>
-              </a:rPr>
-              <a:t>个样本，分别代入网络，算出它们分别对应的参数调整值，然后将所有调整值取平均，作为最后的调整值，以此调整网络的参数。</a:t>
-            </a:r>
-            <a:endParaRPr lang="en-US" altLang="zh-CN" sz="1200" b="0" i="0" kern="1200" dirty="0" smtClean="0">
-              <a:solidFill>
-                <a:schemeClr val="tx1"/>
-              </a:solidFill>
-              <a:effectLst/>
-              <a:latin typeface="+mn-lt"/>
-              <a:ea typeface="+mn-ea"/>
-              <a:cs typeface="+mn-cs"/>
-            </a:endParaRPr>
-          </a:p>
-          <a:p>
-            <a:pPr marL="0" marR="0" lvl="0" indent="0" algn="l" defTabSz="914400" rtl="0" eaLnBrk="1" fontAlgn="auto" latinLnBrk="0" hangingPunct="1">
-              <a:lnSpc>
-                <a:spcPct val="100000"/>
-              </a:lnSpc>
-              <a:spcBef>
-                <a:spcPts val="0"/>
-              </a:spcBef>
-              <a:spcAft>
-                <a:spcPts val="0"/>
-              </a:spcAft>
-              <a:buClrTx/>
-              <a:buSzTx/>
-              <a:buFontTx/>
-              <a:buNone/>
-              <a:tabLst/>
-              <a:defRPr/>
-            </a:pPr>
-            <a:r>
-              <a:rPr lang="zh-CN" altLang="en-US" sz="1200" b="0" i="0" kern="1200" dirty="0" smtClean="0">
-                <a:solidFill>
-                  <a:schemeClr val="tx1"/>
-                </a:solidFill>
-                <a:effectLst/>
-                <a:latin typeface="+mn-lt"/>
-                <a:ea typeface="+mn-ea"/>
-                <a:cs typeface="+mn-cs"/>
-              </a:rPr>
-              <a:t>如果批大小</a:t>
-            </a:r>
-            <a:r>
-              <a:rPr lang="en-US" altLang="zh-CN" sz="1200" b="0" i="0" kern="1200" dirty="0" smtClean="0">
-                <a:solidFill>
-                  <a:schemeClr val="tx1"/>
-                </a:solidFill>
-                <a:effectLst/>
-                <a:latin typeface="+mn-lt"/>
-                <a:ea typeface="+mn-ea"/>
-                <a:cs typeface="+mn-cs"/>
-              </a:rPr>
-              <a:t>N</a:t>
-            </a:r>
-            <a:r>
-              <a:rPr lang="zh-CN" altLang="en-US" sz="1200" b="0" i="0" kern="1200" dirty="0" smtClean="0">
-                <a:solidFill>
-                  <a:schemeClr val="tx1"/>
-                </a:solidFill>
-                <a:effectLst/>
-                <a:latin typeface="+mn-lt"/>
-                <a:ea typeface="+mn-ea"/>
-                <a:cs typeface="+mn-cs"/>
-              </a:rPr>
-              <a:t>很大，例如和全部样本的个数一样，那么可保证得到的调整值很稳定，是最能让全体样本受益的改变。</a:t>
-            </a:r>
-            <a:endParaRPr lang="en-US" altLang="zh-CN" sz="1200" b="0" i="0" kern="1200" dirty="0" smtClean="0">
-              <a:solidFill>
-                <a:schemeClr val="tx1"/>
-              </a:solidFill>
-              <a:effectLst/>
-              <a:latin typeface="+mn-lt"/>
-              <a:ea typeface="+mn-ea"/>
-              <a:cs typeface="+mn-cs"/>
-            </a:endParaRPr>
-          </a:p>
-          <a:p>
-            <a:pPr marL="0" marR="0" lvl="0" indent="0" algn="l" defTabSz="914400" rtl="0" eaLnBrk="1" fontAlgn="auto" latinLnBrk="0" hangingPunct="1">
-              <a:lnSpc>
-                <a:spcPct val="100000"/>
-              </a:lnSpc>
-              <a:spcBef>
-                <a:spcPts val="0"/>
-              </a:spcBef>
-              <a:spcAft>
-                <a:spcPts val="0"/>
-              </a:spcAft>
-              <a:buClrTx/>
-              <a:buSzTx/>
-              <a:buFontTx/>
-              <a:buNone/>
-              <a:tabLst/>
-              <a:defRPr/>
-            </a:pPr>
-            <a:r>
-              <a:rPr lang="zh-CN" altLang="en-US" sz="1200" b="0" i="0" kern="1200" dirty="0" smtClean="0">
-                <a:solidFill>
-                  <a:schemeClr val="tx1"/>
-                </a:solidFill>
-                <a:effectLst/>
-                <a:latin typeface="+mn-lt"/>
-                <a:ea typeface="+mn-ea"/>
-                <a:cs typeface="+mn-cs"/>
-              </a:rPr>
-              <a:t>如果批大小</a:t>
-            </a:r>
-            <a:r>
-              <a:rPr lang="en-US" altLang="zh-CN" sz="1200" b="0" i="0" kern="1200" dirty="0" smtClean="0">
-                <a:solidFill>
-                  <a:schemeClr val="tx1"/>
-                </a:solidFill>
-                <a:effectLst/>
-                <a:latin typeface="+mn-lt"/>
-                <a:ea typeface="+mn-ea"/>
-                <a:cs typeface="+mn-cs"/>
-              </a:rPr>
-              <a:t>N</a:t>
-            </a:r>
-            <a:r>
-              <a:rPr lang="zh-CN" altLang="en-US" sz="1200" b="0" i="0" kern="1200" dirty="0" smtClean="0">
-                <a:solidFill>
-                  <a:schemeClr val="tx1"/>
-                </a:solidFill>
-                <a:effectLst/>
-                <a:latin typeface="+mn-lt"/>
-                <a:ea typeface="+mn-ea"/>
-                <a:cs typeface="+mn-cs"/>
-              </a:rPr>
-              <a:t>较小，例如为</a:t>
-            </a:r>
-            <a:r>
-              <a:rPr lang="en-US" altLang="zh-CN" sz="1200" b="0" i="0" kern="1200" dirty="0" smtClean="0">
-                <a:solidFill>
-                  <a:schemeClr val="tx1"/>
-                </a:solidFill>
-                <a:effectLst/>
-                <a:latin typeface="+mn-lt"/>
-                <a:ea typeface="+mn-ea"/>
-                <a:cs typeface="+mn-cs"/>
-              </a:rPr>
-              <a:t>1</a:t>
-            </a:r>
-            <a:r>
-              <a:rPr lang="zh-CN" altLang="en-US" sz="1200" b="0" i="0" kern="1200" dirty="0" smtClean="0">
-                <a:solidFill>
-                  <a:schemeClr val="tx1"/>
-                </a:solidFill>
-                <a:effectLst/>
-                <a:latin typeface="+mn-lt"/>
-                <a:ea typeface="+mn-ea"/>
-                <a:cs typeface="+mn-cs"/>
-              </a:rPr>
-              <a:t>，那么得到的调整值有一定的随机性，因为对于某个样本最有效的调整，对于另一个样本不一定最有效。</a:t>
-            </a:r>
-            <a:endParaRPr lang="en-US" altLang="zh-CN" sz="1200" b="0" i="0" kern="1200" dirty="0" smtClean="0">
-              <a:solidFill>
-                <a:schemeClr val="tx1"/>
-              </a:solidFill>
-              <a:effectLst/>
-              <a:latin typeface="+mn-lt"/>
-              <a:ea typeface="+mn-ea"/>
-              <a:cs typeface="+mn-cs"/>
-            </a:endParaRPr>
-          </a:p>
-          <a:p>
-            <a:pPr marL="0" marR="0" lvl="0" indent="0" algn="l" defTabSz="914400" rtl="0" eaLnBrk="1" fontAlgn="auto" latinLnBrk="0" hangingPunct="1">
-              <a:lnSpc>
-                <a:spcPct val="100000"/>
-              </a:lnSpc>
-              <a:spcBef>
-                <a:spcPts val="0"/>
-              </a:spcBef>
-              <a:spcAft>
-                <a:spcPts val="0"/>
-              </a:spcAft>
-              <a:buClrTx/>
-              <a:buSzTx/>
-              <a:buFontTx/>
-              <a:buNone/>
-              <a:tabLst/>
-              <a:defRPr/>
-            </a:pPr>
-            <a:r>
-              <a:rPr lang="zh-CN" altLang="en-US" sz="1200" b="0" i="0" kern="1200" dirty="0" smtClean="0">
-                <a:solidFill>
-                  <a:schemeClr val="tx1"/>
-                </a:solidFill>
-                <a:effectLst/>
-                <a:latin typeface="+mn-lt"/>
-                <a:ea typeface="+mn-ea"/>
-                <a:cs typeface="+mn-cs"/>
-              </a:rPr>
-              <a:t>那么批大小是否越大越好？绝非如此，很多时候恰好相反。合适的批大小对于网络的训练很重要。</a:t>
-            </a:r>
-            <a:endParaRPr lang="en-US" altLang="zh-CN" sz="1200" b="0" i="0" kern="1200" dirty="0" smtClean="0">
-              <a:solidFill>
-                <a:schemeClr val="tx1"/>
-              </a:solidFill>
-              <a:effectLst/>
-              <a:latin typeface="+mn-lt"/>
-              <a:ea typeface="+mn-ea"/>
-              <a:cs typeface="+mn-cs"/>
-            </a:endParaRPr>
-          </a:p>
-          <a:p>
-            <a:pPr marL="0" marR="0" lvl="0" indent="0" algn="l" defTabSz="914400" rtl="0" eaLnBrk="1" fontAlgn="auto" latinLnBrk="0" hangingPunct="1">
-              <a:lnSpc>
-                <a:spcPct val="100000"/>
-              </a:lnSpc>
-              <a:spcBef>
-                <a:spcPts val="0"/>
-              </a:spcBef>
-              <a:spcAft>
-                <a:spcPts val="0"/>
-              </a:spcAft>
-              <a:buClrTx/>
-              <a:buSzTx/>
-              <a:buFontTx/>
-              <a:buNone/>
-              <a:tabLst/>
-              <a:defRPr/>
-            </a:pPr>
-            <a:endParaRPr lang="en-US" dirty="0" smtClean="0"/>
-          </a:p>
-          <a:p>
-            <a:pPr marL="0" marR="0" lvl="0" indent="0" algn="l" defTabSz="914400" rtl="0" eaLnBrk="1" fontAlgn="auto" latinLnBrk="0" hangingPunct="1">
-              <a:lnSpc>
-                <a:spcPct val="100000"/>
-              </a:lnSpc>
-              <a:spcBef>
-                <a:spcPts val="0"/>
-              </a:spcBef>
-              <a:spcAft>
-                <a:spcPts val="0"/>
-              </a:spcAft>
-              <a:buClrTx/>
-              <a:buSzTx/>
-              <a:buFontTx/>
-              <a:buNone/>
-              <a:tabLst/>
-              <a:defRPr/>
-            </a:pPr>
-            <a:r>
-              <a:rPr lang="zh-CN" altLang="en-US" sz="1200" dirty="0" smtClean="0">
-                <a:solidFill>
-                  <a:schemeClr val="tx1"/>
-                </a:solidFill>
-                <a:latin typeface="Times New Roman" panose="02020603050405020304" pitchFamily="18" charset="0"/>
-                <a:cs typeface="Times New Roman" panose="02020603050405020304" pitchFamily="18" charset="0"/>
-              </a:rPr>
-              <a:t>迭代期</a:t>
-            </a:r>
-            <a:r>
-              <a:rPr lang="en-US" altLang="zh-CN" sz="1200" dirty="0" smtClean="0">
-                <a:solidFill>
-                  <a:schemeClr val="tx1"/>
-                </a:solidFill>
-                <a:latin typeface="Times New Roman" panose="02020603050405020304" pitchFamily="18" charset="0"/>
-                <a:cs typeface="Times New Roman" panose="02020603050405020304" pitchFamily="18" charset="0"/>
-              </a:rPr>
-              <a:t>(Epoch)</a:t>
-            </a:r>
-            <a:endParaRPr lang="en-US" dirty="0" smtClean="0"/>
-          </a:p>
-          <a:p>
-            <a:r>
-              <a:rPr lang="zh-CN" altLang="en-US" sz="1200" b="0" i="0" kern="1200" dirty="0" smtClean="0">
-                <a:solidFill>
-                  <a:schemeClr val="tx1"/>
-                </a:solidFill>
-                <a:effectLst/>
-                <a:latin typeface="+mn-lt"/>
-                <a:ea typeface="+mn-ea"/>
-                <a:cs typeface="+mn-cs"/>
-              </a:rPr>
-              <a:t>每学习一遍数据集，就称为</a:t>
-            </a:r>
-            <a:r>
-              <a:rPr lang="en-US" altLang="zh-CN" sz="1200" b="0" i="0" kern="1200" dirty="0" smtClean="0">
-                <a:solidFill>
-                  <a:schemeClr val="tx1"/>
-                </a:solidFill>
-                <a:effectLst/>
-                <a:latin typeface="+mn-lt"/>
-                <a:ea typeface="+mn-ea"/>
-                <a:cs typeface="+mn-cs"/>
-              </a:rPr>
-              <a:t>1</a:t>
-            </a:r>
-            <a:r>
-              <a:rPr lang="zh-CN" altLang="en-US" sz="1200" b="0" i="0" kern="1200" dirty="0" smtClean="0">
-                <a:solidFill>
-                  <a:schemeClr val="tx1"/>
-                </a:solidFill>
-                <a:effectLst/>
-                <a:latin typeface="+mn-lt"/>
-                <a:ea typeface="+mn-ea"/>
-                <a:cs typeface="+mn-cs"/>
-              </a:rPr>
-              <a:t>个</a:t>
-            </a:r>
-            <a:r>
-              <a:rPr lang="en-US" altLang="zh-CN" dirty="0" smtClean="0"/>
-              <a:t>epoch</a:t>
-            </a:r>
-            <a:r>
-              <a:rPr lang="zh-CN" altLang="en-US" dirty="0" smtClean="0"/>
-              <a:t>。</a:t>
-            </a:r>
-            <a:endParaRPr lang="en-US" altLang="zh-CN" dirty="0" smtClean="0"/>
-          </a:p>
-          <a:p>
-            <a:r>
-              <a:rPr lang="zh-CN" altLang="en-US" sz="1200" b="0" i="0" kern="1200" dirty="0" smtClean="0">
-                <a:solidFill>
-                  <a:schemeClr val="tx1"/>
-                </a:solidFill>
-                <a:effectLst/>
-                <a:latin typeface="+mn-lt"/>
-                <a:ea typeface="+mn-ea"/>
-                <a:cs typeface="+mn-cs"/>
-              </a:rPr>
-              <a:t>若数据集中有</a:t>
-            </a:r>
-            <a:r>
-              <a:rPr lang="en-US" altLang="zh-CN" sz="1200" b="0" i="0" kern="1200" dirty="0" smtClean="0">
-                <a:solidFill>
-                  <a:schemeClr val="tx1"/>
-                </a:solidFill>
-                <a:effectLst/>
-                <a:latin typeface="+mn-lt"/>
-                <a:ea typeface="+mn-ea"/>
-                <a:cs typeface="+mn-cs"/>
-              </a:rPr>
-              <a:t>1000</a:t>
-            </a:r>
-            <a:r>
-              <a:rPr lang="zh-CN" altLang="en-US" sz="1200" b="0" i="0" kern="1200" dirty="0" smtClean="0">
-                <a:solidFill>
-                  <a:schemeClr val="tx1"/>
-                </a:solidFill>
-                <a:effectLst/>
-                <a:latin typeface="+mn-lt"/>
-                <a:ea typeface="+mn-ea"/>
-                <a:cs typeface="+mn-cs"/>
-              </a:rPr>
-              <a:t>个样本，批大小为</a:t>
-            </a:r>
-            <a:r>
-              <a:rPr lang="en-US" altLang="zh-CN" sz="1200" b="0" i="0" kern="1200" dirty="0" smtClean="0">
-                <a:solidFill>
-                  <a:schemeClr val="tx1"/>
-                </a:solidFill>
-                <a:effectLst/>
-                <a:latin typeface="+mn-lt"/>
-                <a:ea typeface="+mn-ea"/>
-                <a:cs typeface="+mn-cs"/>
-              </a:rPr>
-              <a:t>10</a:t>
-            </a:r>
-            <a:r>
-              <a:rPr lang="zh-CN" altLang="en-US" sz="1200" b="0" i="0" kern="1200" dirty="0" smtClean="0">
-                <a:solidFill>
-                  <a:schemeClr val="tx1"/>
-                </a:solidFill>
-                <a:effectLst/>
-                <a:latin typeface="+mn-lt"/>
-                <a:ea typeface="+mn-ea"/>
-                <a:cs typeface="+mn-cs"/>
-              </a:rPr>
-              <a:t>，那么将全部样本训练</a:t>
-            </a:r>
-            <a:r>
-              <a:rPr lang="en-US" altLang="zh-CN" sz="1200" b="0" i="0" kern="1200" dirty="0" smtClean="0">
-                <a:solidFill>
-                  <a:schemeClr val="tx1"/>
-                </a:solidFill>
-                <a:effectLst/>
-                <a:latin typeface="+mn-lt"/>
-                <a:ea typeface="+mn-ea"/>
-                <a:cs typeface="+mn-cs"/>
-              </a:rPr>
-              <a:t>1</a:t>
-            </a:r>
-            <a:r>
-              <a:rPr lang="zh-CN" altLang="en-US" sz="1200" b="0" i="0" kern="1200" dirty="0" smtClean="0">
-                <a:solidFill>
-                  <a:schemeClr val="tx1"/>
-                </a:solidFill>
-                <a:effectLst/>
-                <a:latin typeface="+mn-lt"/>
-                <a:ea typeface="+mn-ea"/>
-                <a:cs typeface="+mn-cs"/>
-              </a:rPr>
-              <a:t>遍后，网络会被调整</a:t>
-            </a:r>
-            <a:r>
-              <a:rPr lang="en-US" altLang="zh-CN" sz="1200" b="0" i="0" kern="1200" dirty="0" smtClean="0">
-                <a:solidFill>
-                  <a:schemeClr val="tx1"/>
-                </a:solidFill>
-                <a:effectLst/>
-                <a:latin typeface="+mn-lt"/>
-                <a:ea typeface="+mn-ea"/>
-                <a:cs typeface="+mn-cs"/>
-              </a:rPr>
-              <a:t>1000/10=100</a:t>
-            </a:r>
-            <a:r>
-              <a:rPr lang="zh-CN" altLang="en-US" sz="1200" b="0" i="0" kern="1200" dirty="0" smtClean="0">
-                <a:solidFill>
-                  <a:schemeClr val="tx1"/>
-                </a:solidFill>
-                <a:effectLst/>
-                <a:latin typeface="+mn-lt"/>
-                <a:ea typeface="+mn-ea"/>
-                <a:cs typeface="+mn-cs"/>
-              </a:rPr>
-              <a:t>次。但这并不意味着网络已达到最优，我们可重复这个过程，让网络再学</a:t>
-            </a:r>
-            <a:r>
-              <a:rPr lang="en-US" altLang="zh-CN" sz="1200" b="0" i="0" kern="1200" dirty="0" smtClean="0">
-                <a:solidFill>
-                  <a:schemeClr val="tx1"/>
-                </a:solidFill>
-                <a:effectLst/>
-                <a:latin typeface="+mn-lt"/>
-                <a:ea typeface="+mn-ea"/>
-                <a:cs typeface="+mn-cs"/>
-              </a:rPr>
-              <a:t>1</a:t>
-            </a:r>
-            <a:r>
-              <a:rPr lang="zh-CN" altLang="en-US" sz="1200" b="0" i="0" kern="1200" dirty="0" smtClean="0">
-                <a:solidFill>
-                  <a:schemeClr val="tx1"/>
-                </a:solidFill>
-                <a:effectLst/>
-                <a:latin typeface="+mn-lt"/>
-                <a:ea typeface="+mn-ea"/>
-                <a:cs typeface="+mn-cs"/>
-              </a:rPr>
-              <a:t>遍、</a:t>
-            </a:r>
-            <a:r>
-              <a:rPr lang="en-US" altLang="zh-CN" sz="1200" b="0" i="0" kern="1200" dirty="0" smtClean="0">
-                <a:solidFill>
-                  <a:schemeClr val="tx1"/>
-                </a:solidFill>
-                <a:effectLst/>
-                <a:latin typeface="+mn-lt"/>
-                <a:ea typeface="+mn-ea"/>
-                <a:cs typeface="+mn-cs"/>
-              </a:rPr>
-              <a:t>2</a:t>
-            </a:r>
-            <a:r>
-              <a:rPr lang="zh-CN" altLang="en-US" sz="1200" b="0" i="0" kern="1200" dirty="0" smtClean="0">
-                <a:solidFill>
-                  <a:schemeClr val="tx1"/>
-                </a:solidFill>
-                <a:effectLst/>
-                <a:latin typeface="+mn-lt"/>
-                <a:ea typeface="+mn-ea"/>
-                <a:cs typeface="+mn-cs"/>
-              </a:rPr>
-              <a:t>遍、</a:t>
-            </a:r>
-            <a:r>
-              <a:rPr lang="en-US" altLang="zh-CN" sz="1200" b="0" i="0" kern="1200" dirty="0" smtClean="0">
-                <a:solidFill>
-                  <a:schemeClr val="tx1"/>
-                </a:solidFill>
-                <a:effectLst/>
-                <a:latin typeface="+mn-lt"/>
-                <a:ea typeface="+mn-ea"/>
-                <a:cs typeface="+mn-cs"/>
-              </a:rPr>
-              <a:t>3</a:t>
-            </a:r>
-            <a:r>
-              <a:rPr lang="zh-CN" altLang="en-US" sz="1200" b="0" i="0" kern="1200" dirty="0" smtClean="0">
-                <a:solidFill>
-                  <a:schemeClr val="tx1"/>
-                </a:solidFill>
-                <a:effectLst/>
-                <a:latin typeface="+mn-lt"/>
-                <a:ea typeface="+mn-ea"/>
-                <a:cs typeface="+mn-cs"/>
-              </a:rPr>
-              <a:t>遍数据集。</a:t>
-            </a:r>
-            <a:endParaRPr lang="en-US" altLang="zh-CN" sz="1200" b="0" i="0" kern="1200" dirty="0" smtClean="0">
-              <a:solidFill>
-                <a:schemeClr val="tx1"/>
-              </a:solidFill>
-              <a:effectLst/>
-              <a:latin typeface="+mn-lt"/>
-              <a:ea typeface="+mn-ea"/>
-              <a:cs typeface="+mn-cs"/>
-            </a:endParaRPr>
-          </a:p>
-          <a:p>
-            <a:r>
-              <a:rPr lang="zh-CN" altLang="en-US" sz="1200" b="0" i="0" kern="1200" dirty="0" smtClean="0">
-                <a:solidFill>
-                  <a:schemeClr val="tx1"/>
-                </a:solidFill>
-                <a:effectLst/>
-                <a:latin typeface="+mn-lt"/>
-                <a:ea typeface="+mn-ea"/>
-                <a:cs typeface="+mn-cs"/>
-              </a:rPr>
-              <a:t>注意每一个</a:t>
-            </a:r>
-            <a:r>
-              <a:rPr lang="en-US" altLang="zh-CN" dirty="0" smtClean="0"/>
-              <a:t>epoch</a:t>
-            </a:r>
-            <a:r>
-              <a:rPr lang="zh-CN" altLang="en-US" sz="1200" b="0" i="0" kern="1200" dirty="0" smtClean="0">
-                <a:solidFill>
-                  <a:schemeClr val="tx1"/>
-                </a:solidFill>
-                <a:effectLst/>
-                <a:latin typeface="+mn-lt"/>
-                <a:ea typeface="+mn-ea"/>
-                <a:cs typeface="+mn-cs"/>
-              </a:rPr>
-              <a:t>都需</a:t>
-            </a:r>
-            <a:r>
-              <a:rPr lang="zh-CN" altLang="en-US" dirty="0" smtClean="0"/>
-              <a:t>打乱数据的顺序</a:t>
-            </a:r>
-            <a:r>
-              <a:rPr lang="zh-CN" altLang="en-US" sz="1200" b="0" i="0" kern="1200" dirty="0" smtClean="0">
-                <a:solidFill>
-                  <a:schemeClr val="tx1"/>
-                </a:solidFill>
-                <a:effectLst/>
-                <a:latin typeface="+mn-lt"/>
-                <a:ea typeface="+mn-ea"/>
-                <a:cs typeface="+mn-cs"/>
-              </a:rPr>
-              <a:t>，以使网络受到的调整更具有多样性。同时，我们会不断监督网络的训练效果。通常情况下，网络的性能提高速度会越来越慢，在几十到几百个</a:t>
-            </a:r>
-            <a:r>
-              <a:rPr lang="en-US" altLang="zh-CN" dirty="0" smtClean="0"/>
-              <a:t>epoch</a:t>
-            </a:r>
-            <a:r>
-              <a:rPr lang="zh-CN" altLang="en-US" sz="1200" b="0" i="0" kern="1200" dirty="0" smtClean="0">
-                <a:solidFill>
-                  <a:schemeClr val="tx1"/>
-                </a:solidFill>
-                <a:effectLst/>
-                <a:latin typeface="+mn-lt"/>
-                <a:ea typeface="+mn-ea"/>
-                <a:cs typeface="+mn-cs"/>
-              </a:rPr>
-              <a:t>后网络的性能会趋于稳定，即性能基本不再提高。</a:t>
-            </a:r>
-            <a:endParaRPr lang="en-US" dirty="0" smtClean="0"/>
-          </a:p>
-          <a:p>
-            <a:endParaRPr lang="zh-CN" altLang="en-US" dirty="0"/>
-          </a:p>
-        </p:txBody>
-      </p:sp>
-      <p:sp>
-        <p:nvSpPr>
-          <p:cNvPr id="4" name="灯片编号占位符 3"/>
-          <p:cNvSpPr>
-            <a:spLocks noGrp="1"/>
-          </p:cNvSpPr>
-          <p:nvPr>
-            <p:ph type="sldNum" sz="quarter" idx="10"/>
-          </p:nvPr>
-        </p:nvSpPr>
-        <p:spPr/>
-        <p:txBody>
-          <a:bodyPr/>
-          <a:lstStyle/>
-          <a:p>
-            <a:fld id="{1A25E1CB-BD39-4538-B191-98D762944504}" type="slidenum">
-              <a:rPr lang="zh-CN" altLang="en-US" smtClean="0"/>
-              <a:t>11</a:t>
-            </a:fld>
-            <a:endParaRPr lang="zh-CN" altLang="en-US"/>
-          </a:p>
-        </p:txBody>
-      </p:sp>
-    </p:spTree>
-    <p:extLst>
-      <p:ext uri="{BB962C8B-B14F-4D97-AF65-F5344CB8AC3E}">
-        <p14:creationId xmlns:p14="http://schemas.microsoft.com/office/powerpoint/2010/main" val="2810026625"/>
-      </p:ext>
-    </p:extLst>
-  </p:cSld>
-  <p:clrMapOvr>
-    <a:masterClrMapping/>
-  </p:clrMapOvr>
-</p:notes>
-</file>
-
-<file path=ppt/notesSlides/notesSlide12.xml><?xml version="1.0" encoding="utf-8"?>
-<p:notes xmlns:a="http://schemas.openxmlformats.org/drawingml/2006/main" xmlns:r="http://schemas.openxmlformats.org/officeDocument/2006/relationships" xmlns:p="http://schemas.openxmlformats.org/presentationml/2006/main">
-  <p:cSld>
-    <p:spTree>
-      <p:nvGrpSpPr>
-        <p:cNvPr id="1" name=""/>
-        <p:cNvGrpSpPr/>
-        <p:nvPr/>
-      </p:nvGrpSpPr>
-      <p:grpSpPr>
-        <a:xfrm>
-          <a:off x="0" y="0"/>
-          <a:ext cx="0" cy="0"/>
-          <a:chOff x="0" y="0"/>
-          <a:chExt cx="0" cy="0"/>
-        </a:xfrm>
-      </p:grpSpPr>
-      <p:sp>
-        <p:nvSpPr>
-          <p:cNvPr id="2" name="幻灯片图像占位符 1"/>
-          <p:cNvSpPr>
-            <a:spLocks noGrp="1" noRot="1" noChangeAspect="1"/>
-          </p:cNvSpPr>
-          <p:nvPr>
-            <p:ph type="sldImg"/>
-          </p:nvPr>
-        </p:nvSpPr>
-        <p:spPr/>
-      </p:sp>
-      <p:sp>
-        <p:nvSpPr>
-          <p:cNvPr id="3" name="备注占位符 2"/>
-          <p:cNvSpPr>
-            <a:spLocks noGrp="1"/>
-          </p:cNvSpPr>
-          <p:nvPr>
-            <p:ph type="body" idx="1"/>
-          </p:nvPr>
-        </p:nvSpPr>
-        <p:spPr/>
-        <p:txBody>
-          <a:bodyPr/>
-          <a:lstStyle/>
-          <a:p>
-            <a:endParaRPr lang="zh-CN" altLang="en-US" dirty="0"/>
-          </a:p>
-        </p:txBody>
-      </p:sp>
-      <p:sp>
-        <p:nvSpPr>
-          <p:cNvPr id="4" name="灯片编号占位符 3"/>
-          <p:cNvSpPr>
-            <a:spLocks noGrp="1"/>
-          </p:cNvSpPr>
-          <p:nvPr>
-            <p:ph type="sldNum" sz="quarter" idx="10"/>
-          </p:nvPr>
-        </p:nvSpPr>
-        <p:spPr/>
-        <p:txBody>
-          <a:bodyPr/>
-          <a:lstStyle/>
-          <a:p>
-            <a:fld id="{1A25E1CB-BD39-4538-B191-98D762944504}" type="slidenum">
-              <a:rPr lang="zh-CN" altLang="en-US" smtClean="0"/>
-              <a:t>12</a:t>
-            </a:fld>
-            <a:endParaRPr lang="zh-CN" altLang="en-US"/>
-          </a:p>
-        </p:txBody>
-      </p:sp>
-    </p:spTree>
-    <p:extLst>
-      <p:ext uri="{BB962C8B-B14F-4D97-AF65-F5344CB8AC3E}">
-        <p14:creationId xmlns:p14="http://schemas.microsoft.com/office/powerpoint/2010/main" val="1949517867"/>
-      </p:ext>
-    </p:extLst>
-  </p:cSld>
-  <p:clrMapOvr>
-    <a:masterClrMapping/>
-  </p:clrMapOvr>
-</p:notes>
-</file>
-
-<file path=ppt/notesSlides/notesSlide13.xml><?xml version="1.0" encoding="utf-8"?>
-<p:notes xmlns:a="http://schemas.openxmlformats.org/drawingml/2006/main" xmlns:r="http://schemas.openxmlformats.org/officeDocument/2006/relationships" xmlns:p="http://schemas.openxmlformats.org/presentationml/2006/main">
-  <p:cSld>
-    <p:spTree>
-      <p:nvGrpSpPr>
-        <p:cNvPr id="1" name=""/>
-        <p:cNvGrpSpPr/>
-        <p:nvPr/>
-      </p:nvGrpSpPr>
-      <p:grpSpPr>
-        <a:xfrm>
-          <a:off x="0" y="0"/>
-          <a:ext cx="0" cy="0"/>
-          <a:chOff x="0" y="0"/>
-          <a:chExt cx="0" cy="0"/>
-        </a:xfrm>
-      </p:grpSpPr>
-      <p:sp>
-        <p:nvSpPr>
           <p:cNvPr id="2" name="Slide Image Placeholder 1"/>
           <p:cNvSpPr>
             <a:spLocks noGrp="1" noRot="1" noChangeAspect="1"/>
@@ -1817,7 +623,7 @@
           <a:p>
             <a:fld id="{53D3951D-FB64-4F2D-9F47-6FDB91D60FF1}" type="slidenum">
               <a:rPr lang="en-US" smtClean="0"/>
-              <a:t>13</a:t>
+              <a:t>10</a:t>
             </a:fld>
             <a:endParaRPr lang="en-US"/>
           </a:p>
@@ -2300,6 +1106,945 @@
           <a:bodyPr/>
           <a:lstStyle/>
           <a:p>
+            <a:pPr marL="0" marR="0" lvl="0" indent="0" algn="l" defTabSz="914400" rtl="0" eaLnBrk="1" fontAlgn="auto" latinLnBrk="0" hangingPunct="1">
+              <a:lnSpc>
+                <a:spcPct val="100000"/>
+              </a:lnSpc>
+              <a:spcBef>
+                <a:spcPts val="0"/>
+              </a:spcBef>
+              <a:spcAft>
+                <a:spcPts val="0"/>
+              </a:spcAft>
+              <a:buClrTx/>
+              <a:buSzTx/>
+              <a:buFontTx/>
+              <a:buNone/>
+              <a:tabLst/>
+              <a:defRPr/>
+            </a:pPr>
+            <a:r>
+              <a:rPr lang="zh-CN" altLang="en-US" sz="1200" b="0" i="0" kern="1200" dirty="0" smtClean="0">
+                <a:solidFill>
+                  <a:schemeClr val="tx1"/>
+                </a:solidFill>
+                <a:effectLst/>
+                <a:latin typeface="+mn-lt"/>
+                <a:ea typeface="+mn-ea"/>
+                <a:cs typeface="+mn-cs"/>
+              </a:rPr>
+              <a:t>学习率 </a:t>
+            </a:r>
+            <a:r>
+              <a:rPr lang="en-US" altLang="zh-CN" sz="1200" b="0" i="0" kern="1200" dirty="0" smtClean="0">
+                <a:solidFill>
+                  <a:schemeClr val="tx1"/>
+                </a:solidFill>
+                <a:effectLst/>
+                <a:latin typeface="+mn-lt"/>
+                <a:ea typeface="+mn-ea"/>
+                <a:cs typeface="+mn-cs"/>
+              </a:rPr>
+              <a:t>(</a:t>
+            </a:r>
+            <a:r>
+              <a:rPr lang="en-US" sz="1200" b="0" i="0" kern="1200" dirty="0" smtClean="0">
+                <a:solidFill>
+                  <a:schemeClr val="tx1"/>
+                </a:solidFill>
+                <a:effectLst/>
+                <a:latin typeface="+mn-lt"/>
+                <a:ea typeface="+mn-ea"/>
+                <a:cs typeface="+mn-cs"/>
+              </a:rPr>
+              <a:t>learning rate)，</a:t>
+            </a:r>
+            <a:r>
+              <a:rPr lang="zh-CN" altLang="en-US" sz="1200" b="0" i="0" kern="1200" dirty="0" smtClean="0">
+                <a:solidFill>
+                  <a:schemeClr val="tx1"/>
+                </a:solidFill>
+                <a:effectLst/>
+                <a:latin typeface="+mn-lt"/>
+                <a:ea typeface="+mn-ea"/>
+                <a:cs typeface="+mn-cs"/>
+              </a:rPr>
+              <a:t>控制 模型的 </a:t>
+            </a:r>
+            <a:r>
+              <a:rPr lang="zh-CN" altLang="en-US" sz="1200" b="1" i="0" kern="1200" dirty="0" smtClean="0">
+                <a:solidFill>
+                  <a:schemeClr val="tx1"/>
+                </a:solidFill>
+                <a:effectLst/>
+                <a:latin typeface="+mn-lt"/>
+                <a:ea typeface="+mn-ea"/>
+                <a:cs typeface="+mn-cs"/>
+              </a:rPr>
+              <a:t>学习进度</a:t>
+            </a:r>
+            <a:r>
+              <a:rPr lang="zh-CN" altLang="en-US" sz="1200" b="0" i="0" kern="1200" dirty="0" smtClean="0">
+                <a:solidFill>
+                  <a:schemeClr val="tx1"/>
+                </a:solidFill>
+                <a:effectLst/>
+                <a:latin typeface="+mn-lt"/>
+                <a:ea typeface="+mn-ea"/>
+                <a:cs typeface="+mn-cs"/>
+              </a:rPr>
+              <a:t>。</a:t>
+            </a:r>
+            <a:endParaRPr lang="en-US" altLang="zh-CN" sz="1200" b="0" i="0" kern="1200" dirty="0" smtClean="0">
+              <a:solidFill>
+                <a:schemeClr val="tx1"/>
+              </a:solidFill>
+              <a:effectLst/>
+              <a:latin typeface="+mn-lt"/>
+              <a:ea typeface="+mn-ea"/>
+              <a:cs typeface="+mn-cs"/>
+            </a:endParaRPr>
+          </a:p>
+          <a:p>
+            <a:pPr marL="0" marR="0" lvl="0" indent="0" algn="l" defTabSz="914400" rtl="0" eaLnBrk="1" fontAlgn="auto" latinLnBrk="0" hangingPunct="1">
+              <a:lnSpc>
+                <a:spcPct val="100000"/>
+              </a:lnSpc>
+              <a:spcBef>
+                <a:spcPts val="0"/>
+              </a:spcBef>
+              <a:spcAft>
+                <a:spcPts val="0"/>
+              </a:spcAft>
+              <a:buClrTx/>
+              <a:buSzTx/>
+              <a:buFontTx/>
+              <a:buNone/>
+              <a:tabLst/>
+              <a:defRPr/>
+            </a:pPr>
+            <a:r>
+              <a:rPr lang="zh-CN" altLang="en-US" sz="1200" b="0" i="0" kern="1200" dirty="0" smtClean="0">
+                <a:solidFill>
+                  <a:schemeClr val="tx1"/>
+                </a:solidFill>
+                <a:effectLst/>
+                <a:latin typeface="+mn-lt"/>
+                <a:ea typeface="+mn-ea"/>
+                <a:cs typeface="+mn-cs"/>
+              </a:rPr>
+              <a:t>刚开始训练时：学习率以 </a:t>
+            </a:r>
+            <a:r>
+              <a:rPr lang="en-US" altLang="zh-CN" sz="1200" b="0" i="0" kern="1200" dirty="0" smtClean="0">
+                <a:solidFill>
+                  <a:schemeClr val="tx1"/>
+                </a:solidFill>
+                <a:effectLst/>
+                <a:latin typeface="+mn-lt"/>
+                <a:ea typeface="+mn-ea"/>
+                <a:cs typeface="+mn-cs"/>
+              </a:rPr>
+              <a:t>0.01 ~ 0.001 </a:t>
+            </a:r>
+            <a:r>
+              <a:rPr lang="zh-CN" altLang="en-US" sz="1200" b="0" i="0" kern="1200" dirty="0" smtClean="0">
+                <a:solidFill>
+                  <a:schemeClr val="tx1"/>
+                </a:solidFill>
+                <a:effectLst/>
+                <a:latin typeface="+mn-lt"/>
+                <a:ea typeface="+mn-ea"/>
+                <a:cs typeface="+mn-cs"/>
+              </a:rPr>
+              <a:t>为宜。</a:t>
+            </a:r>
+          </a:p>
+          <a:p>
+            <a:pPr marL="0" marR="0" lvl="0" indent="0" algn="l" defTabSz="914400" rtl="0" eaLnBrk="1" fontAlgn="auto" latinLnBrk="0" hangingPunct="1">
+              <a:lnSpc>
+                <a:spcPct val="100000"/>
+              </a:lnSpc>
+              <a:spcBef>
+                <a:spcPts val="0"/>
+              </a:spcBef>
+              <a:spcAft>
+                <a:spcPts val="0"/>
+              </a:spcAft>
+              <a:buClrTx/>
+              <a:buSzTx/>
+              <a:buFontTx/>
+              <a:buNone/>
+              <a:tabLst/>
+              <a:defRPr/>
+            </a:pPr>
+            <a:endParaRPr lang="en-US" altLang="zh-CN" sz="1200" b="0" i="0" kern="1200" dirty="0" smtClean="0">
+              <a:solidFill>
+                <a:schemeClr val="tx1"/>
+              </a:solidFill>
+              <a:effectLst/>
+              <a:latin typeface="+mn-lt"/>
+              <a:ea typeface="+mn-ea"/>
+              <a:cs typeface="+mn-cs"/>
+            </a:endParaRPr>
+          </a:p>
+          <a:p>
+            <a:pPr marL="0" marR="0" lvl="0" indent="0" algn="l" defTabSz="914400" rtl="0" eaLnBrk="1" fontAlgn="auto" latinLnBrk="0" hangingPunct="1">
+              <a:lnSpc>
+                <a:spcPct val="100000"/>
+              </a:lnSpc>
+              <a:spcBef>
+                <a:spcPts val="0"/>
+              </a:spcBef>
+              <a:spcAft>
+                <a:spcPts val="0"/>
+              </a:spcAft>
+              <a:buClrTx/>
+              <a:buSzTx/>
+              <a:buFontTx/>
+              <a:buNone/>
+              <a:tabLst/>
+              <a:defRPr/>
+            </a:pPr>
+            <a:endParaRPr lang="en-US" altLang="zh-CN" sz="1200" b="0" i="0" kern="1200" dirty="0" smtClean="0">
+              <a:solidFill>
+                <a:schemeClr val="tx1"/>
+              </a:solidFill>
+              <a:effectLst/>
+              <a:latin typeface="+mn-lt"/>
+              <a:ea typeface="+mn-ea"/>
+              <a:cs typeface="+mn-cs"/>
+            </a:endParaRPr>
+          </a:p>
+          <a:p>
+            <a:pPr marL="0" marR="0" lvl="0" indent="0" algn="l" defTabSz="914400" rtl="0" eaLnBrk="1" fontAlgn="auto" latinLnBrk="0" hangingPunct="1">
+              <a:lnSpc>
+                <a:spcPct val="100000"/>
+              </a:lnSpc>
+              <a:spcBef>
+                <a:spcPts val="0"/>
+              </a:spcBef>
+              <a:spcAft>
+                <a:spcPts val="0"/>
+              </a:spcAft>
+              <a:buClrTx/>
+              <a:buSzTx/>
+              <a:buFontTx/>
+              <a:buNone/>
+              <a:tabLst/>
+              <a:defRPr/>
+            </a:pPr>
+            <a:r>
+              <a:rPr lang="en-US" altLang="zh-CN" sz="1200" b="0" i="0" kern="1200" dirty="0" smtClean="0">
+                <a:solidFill>
+                  <a:schemeClr val="tx1"/>
+                </a:solidFill>
+                <a:effectLst/>
+                <a:latin typeface="+mn-lt"/>
+                <a:ea typeface="+mn-ea"/>
+                <a:cs typeface="+mn-cs"/>
+              </a:rPr>
+              <a:t>mini-batch</a:t>
+            </a:r>
+            <a:r>
+              <a:rPr lang="zh-CN" altLang="en-US" sz="1200" b="0" i="0" kern="1200" dirty="0" smtClean="0">
+                <a:solidFill>
+                  <a:schemeClr val="tx1"/>
+                </a:solidFill>
+                <a:effectLst/>
+                <a:latin typeface="+mn-lt"/>
+                <a:ea typeface="+mn-ea"/>
+                <a:cs typeface="+mn-cs"/>
+              </a:rPr>
+              <a:t>批大小，就是每次调整参数前所选取的样本（称为</a:t>
+            </a:r>
+            <a:r>
+              <a:rPr lang="en-US" altLang="zh-CN" dirty="0" smtClean="0"/>
+              <a:t>mini-batch</a:t>
+            </a:r>
+            <a:r>
+              <a:rPr lang="zh-CN" altLang="en-US" sz="1200" b="0" i="0" kern="1200" dirty="0" smtClean="0">
+                <a:solidFill>
+                  <a:schemeClr val="tx1"/>
+                </a:solidFill>
+                <a:effectLst/>
+                <a:latin typeface="+mn-lt"/>
+                <a:ea typeface="+mn-ea"/>
+                <a:cs typeface="+mn-cs"/>
+              </a:rPr>
+              <a:t>或</a:t>
+            </a:r>
+            <a:r>
+              <a:rPr lang="en-US" altLang="zh-CN" dirty="0" smtClean="0"/>
+              <a:t>batch</a:t>
+            </a:r>
+            <a:r>
+              <a:rPr lang="zh-CN" altLang="en-US" sz="1200" b="0" i="0" kern="1200" dirty="0" smtClean="0">
+                <a:solidFill>
+                  <a:schemeClr val="tx1"/>
+                </a:solidFill>
+                <a:effectLst/>
+                <a:latin typeface="+mn-lt"/>
+                <a:ea typeface="+mn-ea"/>
+                <a:cs typeface="+mn-cs"/>
+              </a:rPr>
+              <a:t>）数量</a:t>
+            </a:r>
+            <a:r>
+              <a:rPr lang="en-US" altLang="zh-CN" sz="1200" b="0" i="0" kern="1200" dirty="0" smtClean="0">
+                <a:solidFill>
+                  <a:schemeClr val="tx1"/>
+                </a:solidFill>
+                <a:effectLst/>
+                <a:latin typeface="+mn-lt"/>
+                <a:ea typeface="+mn-ea"/>
+                <a:cs typeface="+mn-cs"/>
+              </a:rPr>
+              <a:t>.</a:t>
+            </a:r>
+          </a:p>
+          <a:p>
+            <a:pPr marL="0" marR="0" lvl="0" indent="0" algn="l" defTabSz="914400" rtl="0" eaLnBrk="1" fontAlgn="auto" latinLnBrk="0" hangingPunct="1">
+              <a:lnSpc>
+                <a:spcPct val="100000"/>
+              </a:lnSpc>
+              <a:spcBef>
+                <a:spcPts val="0"/>
+              </a:spcBef>
+              <a:spcAft>
+                <a:spcPts val="0"/>
+              </a:spcAft>
+              <a:buClrTx/>
+              <a:buSzTx/>
+              <a:buFontTx/>
+              <a:buNone/>
+              <a:tabLst/>
+              <a:defRPr/>
+            </a:pPr>
+            <a:r>
+              <a:rPr lang="zh-CN" altLang="en-US" sz="1200" b="0" i="0" kern="1200" dirty="0" smtClean="0">
+                <a:solidFill>
+                  <a:schemeClr val="tx1"/>
+                </a:solidFill>
+                <a:effectLst/>
+                <a:latin typeface="+mn-lt"/>
+                <a:ea typeface="+mn-ea"/>
+                <a:cs typeface="+mn-cs"/>
+              </a:rPr>
+              <a:t>如果批大小为</a:t>
+            </a:r>
+            <a:r>
+              <a:rPr lang="en-US" altLang="zh-CN" sz="1200" b="0" i="0" kern="1200" dirty="0" smtClean="0">
+                <a:solidFill>
+                  <a:schemeClr val="tx1"/>
+                </a:solidFill>
+                <a:effectLst/>
+                <a:latin typeface="+mn-lt"/>
+                <a:ea typeface="+mn-ea"/>
+                <a:cs typeface="+mn-cs"/>
+              </a:rPr>
+              <a:t>N</a:t>
+            </a:r>
+            <a:r>
+              <a:rPr lang="zh-CN" altLang="en-US" sz="1200" b="0" i="0" kern="1200" dirty="0" smtClean="0">
+                <a:solidFill>
+                  <a:schemeClr val="tx1"/>
+                </a:solidFill>
+                <a:effectLst/>
+                <a:latin typeface="+mn-lt"/>
+                <a:ea typeface="+mn-ea"/>
+                <a:cs typeface="+mn-cs"/>
+              </a:rPr>
+              <a:t>，每次会选取</a:t>
+            </a:r>
+            <a:r>
+              <a:rPr lang="en-US" altLang="zh-CN" sz="1200" b="0" i="0" kern="1200" dirty="0" smtClean="0">
+                <a:solidFill>
+                  <a:schemeClr val="tx1"/>
+                </a:solidFill>
+                <a:effectLst/>
+                <a:latin typeface="+mn-lt"/>
+                <a:ea typeface="+mn-ea"/>
+                <a:cs typeface="+mn-cs"/>
+              </a:rPr>
+              <a:t>N</a:t>
+            </a:r>
+            <a:r>
+              <a:rPr lang="zh-CN" altLang="en-US" sz="1200" b="0" i="0" kern="1200" dirty="0" smtClean="0">
+                <a:solidFill>
+                  <a:schemeClr val="tx1"/>
+                </a:solidFill>
+                <a:effectLst/>
+                <a:latin typeface="+mn-lt"/>
+                <a:ea typeface="+mn-ea"/>
+                <a:cs typeface="+mn-cs"/>
+              </a:rPr>
+              <a:t>个样本，分别代入网络，算出它们分别对应的参数调整值，然后将所有调整值取平均，作为最后的调整值，以此调整网络的参数。</a:t>
+            </a:r>
+            <a:endParaRPr lang="en-US" altLang="zh-CN" sz="1200" b="0" i="0" kern="1200" dirty="0" smtClean="0">
+              <a:solidFill>
+                <a:schemeClr val="tx1"/>
+              </a:solidFill>
+              <a:effectLst/>
+              <a:latin typeface="+mn-lt"/>
+              <a:ea typeface="+mn-ea"/>
+              <a:cs typeface="+mn-cs"/>
+            </a:endParaRPr>
+          </a:p>
+          <a:p>
+            <a:pPr marL="0" marR="0" lvl="0" indent="0" algn="l" defTabSz="914400" rtl="0" eaLnBrk="1" fontAlgn="auto" latinLnBrk="0" hangingPunct="1">
+              <a:lnSpc>
+                <a:spcPct val="100000"/>
+              </a:lnSpc>
+              <a:spcBef>
+                <a:spcPts val="0"/>
+              </a:spcBef>
+              <a:spcAft>
+                <a:spcPts val="0"/>
+              </a:spcAft>
+              <a:buClrTx/>
+              <a:buSzTx/>
+              <a:buFontTx/>
+              <a:buNone/>
+              <a:tabLst/>
+              <a:defRPr/>
+            </a:pPr>
+            <a:r>
+              <a:rPr lang="zh-CN" altLang="en-US" sz="1200" b="0" i="0" kern="1200" dirty="0" smtClean="0">
+                <a:solidFill>
+                  <a:schemeClr val="tx1"/>
+                </a:solidFill>
+                <a:effectLst/>
+                <a:latin typeface="+mn-lt"/>
+                <a:ea typeface="+mn-ea"/>
+                <a:cs typeface="+mn-cs"/>
+              </a:rPr>
+              <a:t>如果批大小</a:t>
+            </a:r>
+            <a:r>
+              <a:rPr lang="en-US" altLang="zh-CN" sz="1200" b="0" i="0" kern="1200" dirty="0" smtClean="0">
+                <a:solidFill>
+                  <a:schemeClr val="tx1"/>
+                </a:solidFill>
+                <a:effectLst/>
+                <a:latin typeface="+mn-lt"/>
+                <a:ea typeface="+mn-ea"/>
+                <a:cs typeface="+mn-cs"/>
+              </a:rPr>
+              <a:t>N</a:t>
+            </a:r>
+            <a:r>
+              <a:rPr lang="zh-CN" altLang="en-US" sz="1200" b="0" i="0" kern="1200" dirty="0" smtClean="0">
+                <a:solidFill>
+                  <a:schemeClr val="tx1"/>
+                </a:solidFill>
+                <a:effectLst/>
+                <a:latin typeface="+mn-lt"/>
+                <a:ea typeface="+mn-ea"/>
+                <a:cs typeface="+mn-cs"/>
+              </a:rPr>
+              <a:t>很大，例如和全部样本的个数一样，那么可保证得到的调整值很稳定，是最能让全体样本受益的改变。</a:t>
+            </a:r>
+            <a:endParaRPr lang="en-US" altLang="zh-CN" sz="1200" b="0" i="0" kern="1200" dirty="0" smtClean="0">
+              <a:solidFill>
+                <a:schemeClr val="tx1"/>
+              </a:solidFill>
+              <a:effectLst/>
+              <a:latin typeface="+mn-lt"/>
+              <a:ea typeface="+mn-ea"/>
+              <a:cs typeface="+mn-cs"/>
+            </a:endParaRPr>
+          </a:p>
+          <a:p>
+            <a:pPr marL="0" marR="0" lvl="0" indent="0" algn="l" defTabSz="914400" rtl="0" eaLnBrk="1" fontAlgn="auto" latinLnBrk="0" hangingPunct="1">
+              <a:lnSpc>
+                <a:spcPct val="100000"/>
+              </a:lnSpc>
+              <a:spcBef>
+                <a:spcPts val="0"/>
+              </a:spcBef>
+              <a:spcAft>
+                <a:spcPts val="0"/>
+              </a:spcAft>
+              <a:buClrTx/>
+              <a:buSzTx/>
+              <a:buFontTx/>
+              <a:buNone/>
+              <a:tabLst/>
+              <a:defRPr/>
+            </a:pPr>
+            <a:r>
+              <a:rPr lang="zh-CN" altLang="en-US" sz="1200" b="0" i="0" kern="1200" dirty="0" smtClean="0">
+                <a:solidFill>
+                  <a:schemeClr val="tx1"/>
+                </a:solidFill>
+                <a:effectLst/>
+                <a:latin typeface="+mn-lt"/>
+                <a:ea typeface="+mn-ea"/>
+                <a:cs typeface="+mn-cs"/>
+              </a:rPr>
+              <a:t>如果批大小</a:t>
+            </a:r>
+            <a:r>
+              <a:rPr lang="en-US" altLang="zh-CN" sz="1200" b="0" i="0" kern="1200" dirty="0" smtClean="0">
+                <a:solidFill>
+                  <a:schemeClr val="tx1"/>
+                </a:solidFill>
+                <a:effectLst/>
+                <a:latin typeface="+mn-lt"/>
+                <a:ea typeface="+mn-ea"/>
+                <a:cs typeface="+mn-cs"/>
+              </a:rPr>
+              <a:t>N</a:t>
+            </a:r>
+            <a:r>
+              <a:rPr lang="zh-CN" altLang="en-US" sz="1200" b="0" i="0" kern="1200" dirty="0" smtClean="0">
+                <a:solidFill>
+                  <a:schemeClr val="tx1"/>
+                </a:solidFill>
+                <a:effectLst/>
+                <a:latin typeface="+mn-lt"/>
+                <a:ea typeface="+mn-ea"/>
+                <a:cs typeface="+mn-cs"/>
+              </a:rPr>
+              <a:t>较小，例如为</a:t>
+            </a:r>
+            <a:r>
+              <a:rPr lang="en-US" altLang="zh-CN" sz="1200" b="0" i="0" kern="1200" dirty="0" smtClean="0">
+                <a:solidFill>
+                  <a:schemeClr val="tx1"/>
+                </a:solidFill>
+                <a:effectLst/>
+                <a:latin typeface="+mn-lt"/>
+                <a:ea typeface="+mn-ea"/>
+                <a:cs typeface="+mn-cs"/>
+              </a:rPr>
+              <a:t>1</a:t>
+            </a:r>
+            <a:r>
+              <a:rPr lang="zh-CN" altLang="en-US" sz="1200" b="0" i="0" kern="1200" dirty="0" smtClean="0">
+                <a:solidFill>
+                  <a:schemeClr val="tx1"/>
+                </a:solidFill>
+                <a:effectLst/>
+                <a:latin typeface="+mn-lt"/>
+                <a:ea typeface="+mn-ea"/>
+                <a:cs typeface="+mn-cs"/>
+              </a:rPr>
+              <a:t>，那么得到的调整值有一定的随机性，因为对于某个样本最有效的调整，对于另一个样本不一定最有效。</a:t>
+            </a:r>
+            <a:endParaRPr lang="en-US" altLang="zh-CN" sz="1200" b="0" i="0" kern="1200" dirty="0" smtClean="0">
+              <a:solidFill>
+                <a:schemeClr val="tx1"/>
+              </a:solidFill>
+              <a:effectLst/>
+              <a:latin typeface="+mn-lt"/>
+              <a:ea typeface="+mn-ea"/>
+              <a:cs typeface="+mn-cs"/>
+            </a:endParaRPr>
+          </a:p>
+          <a:p>
+            <a:pPr marL="0" marR="0" lvl="0" indent="0" algn="l" defTabSz="914400" rtl="0" eaLnBrk="1" fontAlgn="auto" latinLnBrk="0" hangingPunct="1">
+              <a:lnSpc>
+                <a:spcPct val="100000"/>
+              </a:lnSpc>
+              <a:spcBef>
+                <a:spcPts val="0"/>
+              </a:spcBef>
+              <a:spcAft>
+                <a:spcPts val="0"/>
+              </a:spcAft>
+              <a:buClrTx/>
+              <a:buSzTx/>
+              <a:buFontTx/>
+              <a:buNone/>
+              <a:tabLst/>
+              <a:defRPr/>
+            </a:pPr>
+            <a:r>
+              <a:rPr lang="zh-CN" altLang="en-US" sz="1200" b="0" i="0" kern="1200" dirty="0" smtClean="0">
+                <a:solidFill>
+                  <a:schemeClr val="tx1"/>
+                </a:solidFill>
+                <a:effectLst/>
+                <a:latin typeface="+mn-lt"/>
+                <a:ea typeface="+mn-ea"/>
+                <a:cs typeface="+mn-cs"/>
+              </a:rPr>
+              <a:t>那么批大小是否越大越好？绝非如此，很多时候恰好相反。合适的批大小对于网络的训练很重要。</a:t>
+            </a:r>
+            <a:endParaRPr lang="en-US" altLang="zh-CN" sz="1200" b="0" i="0" kern="1200" dirty="0" smtClean="0">
+              <a:solidFill>
+                <a:schemeClr val="tx1"/>
+              </a:solidFill>
+              <a:effectLst/>
+              <a:latin typeface="+mn-lt"/>
+              <a:ea typeface="+mn-ea"/>
+              <a:cs typeface="+mn-cs"/>
+            </a:endParaRPr>
+          </a:p>
+          <a:p>
+            <a:pPr marL="0" marR="0" lvl="0" indent="0" algn="l" defTabSz="914400" rtl="0" eaLnBrk="1" fontAlgn="auto" latinLnBrk="0" hangingPunct="1">
+              <a:lnSpc>
+                <a:spcPct val="100000"/>
+              </a:lnSpc>
+              <a:spcBef>
+                <a:spcPts val="0"/>
+              </a:spcBef>
+              <a:spcAft>
+                <a:spcPts val="0"/>
+              </a:spcAft>
+              <a:buClrTx/>
+              <a:buSzTx/>
+              <a:buFontTx/>
+              <a:buNone/>
+              <a:tabLst/>
+              <a:defRPr/>
+            </a:pPr>
+            <a:endParaRPr lang="en-US" dirty="0" smtClean="0"/>
+          </a:p>
+          <a:p>
+            <a:pPr marL="0" marR="0" lvl="0" indent="0" algn="l" defTabSz="914400" rtl="0" eaLnBrk="1" fontAlgn="auto" latinLnBrk="0" hangingPunct="1">
+              <a:lnSpc>
+                <a:spcPct val="100000"/>
+              </a:lnSpc>
+              <a:spcBef>
+                <a:spcPts val="0"/>
+              </a:spcBef>
+              <a:spcAft>
+                <a:spcPts val="0"/>
+              </a:spcAft>
+              <a:buClrTx/>
+              <a:buSzTx/>
+              <a:buFontTx/>
+              <a:buNone/>
+              <a:tabLst/>
+              <a:defRPr/>
+            </a:pPr>
+            <a:r>
+              <a:rPr lang="zh-CN" altLang="en-US" sz="1200" dirty="0" smtClean="0">
+                <a:solidFill>
+                  <a:schemeClr val="tx1"/>
+                </a:solidFill>
+                <a:latin typeface="Times New Roman" panose="02020603050405020304" pitchFamily="18" charset="0"/>
+                <a:cs typeface="Times New Roman" panose="02020603050405020304" pitchFamily="18" charset="0"/>
+              </a:rPr>
+              <a:t>迭代期</a:t>
+            </a:r>
+            <a:r>
+              <a:rPr lang="en-US" altLang="zh-CN" sz="1200" dirty="0" smtClean="0">
+                <a:solidFill>
+                  <a:schemeClr val="tx1"/>
+                </a:solidFill>
+                <a:latin typeface="Times New Roman" panose="02020603050405020304" pitchFamily="18" charset="0"/>
+                <a:cs typeface="Times New Roman" panose="02020603050405020304" pitchFamily="18" charset="0"/>
+              </a:rPr>
+              <a:t>(Epoch)</a:t>
+            </a:r>
+            <a:endParaRPr lang="en-US" dirty="0" smtClean="0"/>
+          </a:p>
+          <a:p>
+            <a:r>
+              <a:rPr lang="zh-CN" altLang="en-US" sz="1200" b="0" i="0" kern="1200" dirty="0" smtClean="0">
+                <a:solidFill>
+                  <a:schemeClr val="tx1"/>
+                </a:solidFill>
+                <a:effectLst/>
+                <a:latin typeface="+mn-lt"/>
+                <a:ea typeface="+mn-ea"/>
+                <a:cs typeface="+mn-cs"/>
+              </a:rPr>
+              <a:t>每学习一遍数据集，就称为</a:t>
+            </a:r>
+            <a:r>
+              <a:rPr lang="en-US" altLang="zh-CN" sz="1200" b="0" i="0" kern="1200" dirty="0" smtClean="0">
+                <a:solidFill>
+                  <a:schemeClr val="tx1"/>
+                </a:solidFill>
+                <a:effectLst/>
+                <a:latin typeface="+mn-lt"/>
+                <a:ea typeface="+mn-ea"/>
+                <a:cs typeface="+mn-cs"/>
+              </a:rPr>
+              <a:t>1</a:t>
+            </a:r>
+            <a:r>
+              <a:rPr lang="zh-CN" altLang="en-US" sz="1200" b="0" i="0" kern="1200" dirty="0" smtClean="0">
+                <a:solidFill>
+                  <a:schemeClr val="tx1"/>
+                </a:solidFill>
+                <a:effectLst/>
+                <a:latin typeface="+mn-lt"/>
+                <a:ea typeface="+mn-ea"/>
+                <a:cs typeface="+mn-cs"/>
+              </a:rPr>
+              <a:t>个</a:t>
+            </a:r>
+            <a:r>
+              <a:rPr lang="en-US" altLang="zh-CN" dirty="0" smtClean="0"/>
+              <a:t>epoch</a:t>
+            </a:r>
+            <a:r>
+              <a:rPr lang="zh-CN" altLang="en-US" dirty="0" smtClean="0"/>
+              <a:t>。</a:t>
+            </a:r>
+            <a:endParaRPr lang="en-US" altLang="zh-CN" dirty="0" smtClean="0"/>
+          </a:p>
+          <a:p>
+            <a:r>
+              <a:rPr lang="zh-CN" altLang="en-US" sz="1200" b="0" i="0" kern="1200" dirty="0" smtClean="0">
+                <a:solidFill>
+                  <a:schemeClr val="tx1"/>
+                </a:solidFill>
+                <a:effectLst/>
+                <a:latin typeface="+mn-lt"/>
+                <a:ea typeface="+mn-ea"/>
+                <a:cs typeface="+mn-cs"/>
+              </a:rPr>
+              <a:t>若数据集中有</a:t>
+            </a:r>
+            <a:r>
+              <a:rPr lang="en-US" altLang="zh-CN" sz="1200" b="0" i="0" kern="1200" dirty="0" smtClean="0">
+                <a:solidFill>
+                  <a:schemeClr val="tx1"/>
+                </a:solidFill>
+                <a:effectLst/>
+                <a:latin typeface="+mn-lt"/>
+                <a:ea typeface="+mn-ea"/>
+                <a:cs typeface="+mn-cs"/>
+              </a:rPr>
+              <a:t>1000</a:t>
+            </a:r>
+            <a:r>
+              <a:rPr lang="zh-CN" altLang="en-US" sz="1200" b="0" i="0" kern="1200" dirty="0" smtClean="0">
+                <a:solidFill>
+                  <a:schemeClr val="tx1"/>
+                </a:solidFill>
+                <a:effectLst/>
+                <a:latin typeface="+mn-lt"/>
+                <a:ea typeface="+mn-ea"/>
+                <a:cs typeface="+mn-cs"/>
+              </a:rPr>
+              <a:t>个样本，批大小为</a:t>
+            </a:r>
+            <a:r>
+              <a:rPr lang="en-US" altLang="zh-CN" sz="1200" b="0" i="0" kern="1200" dirty="0" smtClean="0">
+                <a:solidFill>
+                  <a:schemeClr val="tx1"/>
+                </a:solidFill>
+                <a:effectLst/>
+                <a:latin typeface="+mn-lt"/>
+                <a:ea typeface="+mn-ea"/>
+                <a:cs typeface="+mn-cs"/>
+              </a:rPr>
+              <a:t>10</a:t>
+            </a:r>
+            <a:r>
+              <a:rPr lang="zh-CN" altLang="en-US" sz="1200" b="0" i="0" kern="1200" dirty="0" smtClean="0">
+                <a:solidFill>
+                  <a:schemeClr val="tx1"/>
+                </a:solidFill>
+                <a:effectLst/>
+                <a:latin typeface="+mn-lt"/>
+                <a:ea typeface="+mn-ea"/>
+                <a:cs typeface="+mn-cs"/>
+              </a:rPr>
+              <a:t>，那么将全部样本训练</a:t>
+            </a:r>
+            <a:r>
+              <a:rPr lang="en-US" altLang="zh-CN" sz="1200" b="0" i="0" kern="1200" dirty="0" smtClean="0">
+                <a:solidFill>
+                  <a:schemeClr val="tx1"/>
+                </a:solidFill>
+                <a:effectLst/>
+                <a:latin typeface="+mn-lt"/>
+                <a:ea typeface="+mn-ea"/>
+                <a:cs typeface="+mn-cs"/>
+              </a:rPr>
+              <a:t>1</a:t>
+            </a:r>
+            <a:r>
+              <a:rPr lang="zh-CN" altLang="en-US" sz="1200" b="0" i="0" kern="1200" dirty="0" smtClean="0">
+                <a:solidFill>
+                  <a:schemeClr val="tx1"/>
+                </a:solidFill>
+                <a:effectLst/>
+                <a:latin typeface="+mn-lt"/>
+                <a:ea typeface="+mn-ea"/>
+                <a:cs typeface="+mn-cs"/>
+              </a:rPr>
+              <a:t>遍后，网络会被调整</a:t>
+            </a:r>
+            <a:r>
+              <a:rPr lang="en-US" altLang="zh-CN" sz="1200" b="0" i="0" kern="1200" dirty="0" smtClean="0">
+                <a:solidFill>
+                  <a:schemeClr val="tx1"/>
+                </a:solidFill>
+                <a:effectLst/>
+                <a:latin typeface="+mn-lt"/>
+                <a:ea typeface="+mn-ea"/>
+                <a:cs typeface="+mn-cs"/>
+              </a:rPr>
+              <a:t>1000/10=100</a:t>
+            </a:r>
+            <a:r>
+              <a:rPr lang="zh-CN" altLang="en-US" sz="1200" b="0" i="0" kern="1200" dirty="0" smtClean="0">
+                <a:solidFill>
+                  <a:schemeClr val="tx1"/>
+                </a:solidFill>
+                <a:effectLst/>
+                <a:latin typeface="+mn-lt"/>
+                <a:ea typeface="+mn-ea"/>
+                <a:cs typeface="+mn-cs"/>
+              </a:rPr>
+              <a:t>次。但这并不意味着网络已达到最优，我们可重复这个过程，让网络再学</a:t>
+            </a:r>
+            <a:r>
+              <a:rPr lang="en-US" altLang="zh-CN" sz="1200" b="0" i="0" kern="1200" dirty="0" smtClean="0">
+                <a:solidFill>
+                  <a:schemeClr val="tx1"/>
+                </a:solidFill>
+                <a:effectLst/>
+                <a:latin typeface="+mn-lt"/>
+                <a:ea typeface="+mn-ea"/>
+                <a:cs typeface="+mn-cs"/>
+              </a:rPr>
+              <a:t>1</a:t>
+            </a:r>
+            <a:r>
+              <a:rPr lang="zh-CN" altLang="en-US" sz="1200" b="0" i="0" kern="1200" dirty="0" smtClean="0">
+                <a:solidFill>
+                  <a:schemeClr val="tx1"/>
+                </a:solidFill>
+                <a:effectLst/>
+                <a:latin typeface="+mn-lt"/>
+                <a:ea typeface="+mn-ea"/>
+                <a:cs typeface="+mn-cs"/>
+              </a:rPr>
+              <a:t>遍、</a:t>
+            </a:r>
+            <a:r>
+              <a:rPr lang="en-US" altLang="zh-CN" sz="1200" b="0" i="0" kern="1200" dirty="0" smtClean="0">
+                <a:solidFill>
+                  <a:schemeClr val="tx1"/>
+                </a:solidFill>
+                <a:effectLst/>
+                <a:latin typeface="+mn-lt"/>
+                <a:ea typeface="+mn-ea"/>
+                <a:cs typeface="+mn-cs"/>
+              </a:rPr>
+              <a:t>2</a:t>
+            </a:r>
+            <a:r>
+              <a:rPr lang="zh-CN" altLang="en-US" sz="1200" b="0" i="0" kern="1200" dirty="0" smtClean="0">
+                <a:solidFill>
+                  <a:schemeClr val="tx1"/>
+                </a:solidFill>
+                <a:effectLst/>
+                <a:latin typeface="+mn-lt"/>
+                <a:ea typeface="+mn-ea"/>
+                <a:cs typeface="+mn-cs"/>
+              </a:rPr>
+              <a:t>遍、</a:t>
+            </a:r>
+            <a:r>
+              <a:rPr lang="en-US" altLang="zh-CN" sz="1200" b="0" i="0" kern="1200" dirty="0" smtClean="0">
+                <a:solidFill>
+                  <a:schemeClr val="tx1"/>
+                </a:solidFill>
+                <a:effectLst/>
+                <a:latin typeface="+mn-lt"/>
+                <a:ea typeface="+mn-ea"/>
+                <a:cs typeface="+mn-cs"/>
+              </a:rPr>
+              <a:t>3</a:t>
+            </a:r>
+            <a:r>
+              <a:rPr lang="zh-CN" altLang="en-US" sz="1200" b="0" i="0" kern="1200" dirty="0" smtClean="0">
+                <a:solidFill>
+                  <a:schemeClr val="tx1"/>
+                </a:solidFill>
+                <a:effectLst/>
+                <a:latin typeface="+mn-lt"/>
+                <a:ea typeface="+mn-ea"/>
+                <a:cs typeface="+mn-cs"/>
+              </a:rPr>
+              <a:t>遍数据集。</a:t>
+            </a:r>
+            <a:endParaRPr lang="en-US" altLang="zh-CN" sz="1200" b="0" i="0" kern="1200" dirty="0" smtClean="0">
+              <a:solidFill>
+                <a:schemeClr val="tx1"/>
+              </a:solidFill>
+              <a:effectLst/>
+              <a:latin typeface="+mn-lt"/>
+              <a:ea typeface="+mn-ea"/>
+              <a:cs typeface="+mn-cs"/>
+            </a:endParaRPr>
+          </a:p>
+          <a:p>
+            <a:r>
+              <a:rPr lang="zh-CN" altLang="en-US" sz="1200" b="0" i="0" kern="1200" dirty="0" smtClean="0">
+                <a:solidFill>
+                  <a:schemeClr val="tx1"/>
+                </a:solidFill>
+                <a:effectLst/>
+                <a:latin typeface="+mn-lt"/>
+                <a:ea typeface="+mn-ea"/>
+                <a:cs typeface="+mn-cs"/>
+              </a:rPr>
+              <a:t>注意每一个</a:t>
+            </a:r>
+            <a:r>
+              <a:rPr lang="en-US" altLang="zh-CN" dirty="0" smtClean="0"/>
+              <a:t>epoch</a:t>
+            </a:r>
+            <a:r>
+              <a:rPr lang="zh-CN" altLang="en-US" sz="1200" b="0" i="0" kern="1200" dirty="0" smtClean="0">
+                <a:solidFill>
+                  <a:schemeClr val="tx1"/>
+                </a:solidFill>
+                <a:effectLst/>
+                <a:latin typeface="+mn-lt"/>
+                <a:ea typeface="+mn-ea"/>
+                <a:cs typeface="+mn-cs"/>
+              </a:rPr>
+              <a:t>都需</a:t>
+            </a:r>
+            <a:r>
+              <a:rPr lang="zh-CN" altLang="en-US" dirty="0" smtClean="0"/>
+              <a:t>打乱数据的顺序</a:t>
+            </a:r>
+            <a:r>
+              <a:rPr lang="zh-CN" altLang="en-US" sz="1200" b="0" i="0" kern="1200" dirty="0" smtClean="0">
+                <a:solidFill>
+                  <a:schemeClr val="tx1"/>
+                </a:solidFill>
+                <a:effectLst/>
+                <a:latin typeface="+mn-lt"/>
+                <a:ea typeface="+mn-ea"/>
+                <a:cs typeface="+mn-cs"/>
+              </a:rPr>
+              <a:t>，以使网络受到的调整更具有多样性。同时，我们会不断监督网络的训练效果。通常情况下，网络的性能提高速度会越来越慢，在几十到几百个</a:t>
+            </a:r>
+            <a:r>
+              <a:rPr lang="en-US" altLang="zh-CN" dirty="0" smtClean="0"/>
+              <a:t>epoch</a:t>
+            </a:r>
+            <a:r>
+              <a:rPr lang="zh-CN" altLang="en-US" sz="1200" b="0" i="0" kern="1200" dirty="0" smtClean="0">
+                <a:solidFill>
+                  <a:schemeClr val="tx1"/>
+                </a:solidFill>
+                <a:effectLst/>
+                <a:latin typeface="+mn-lt"/>
+                <a:ea typeface="+mn-ea"/>
+                <a:cs typeface="+mn-cs"/>
+              </a:rPr>
+              <a:t>后网络的性能会趋于稳定，即性能基本不再提高。</a:t>
+            </a:r>
+            <a:endParaRPr lang="en-US" dirty="0" smtClean="0"/>
+          </a:p>
+          <a:p>
             <a:endParaRPr lang="zh-CN" altLang="en-US" dirty="0"/>
           </a:p>
         </p:txBody>
@@ -2330,7 +2075,7 @@
     </p:spTree>
     <p:extLst>
       <p:ext uri="{BB962C8B-B14F-4D97-AF65-F5344CB8AC3E}">
-        <p14:creationId xmlns:p14="http://schemas.microsoft.com/office/powerpoint/2010/main" val="1389755303"/>
+        <p14:creationId xmlns:p14="http://schemas.microsoft.com/office/powerpoint/2010/main" val="3201000321"/>
       </p:ext>
     </p:extLst>
   </p:cSld>
@@ -2384,6 +2129,945 @@
           <a:bodyPr/>
           <a:lstStyle/>
           <a:p>
+            <a:pPr marL="0" marR="0" lvl="0" indent="0" algn="l" defTabSz="914400" rtl="0" eaLnBrk="1" fontAlgn="auto" latinLnBrk="0" hangingPunct="1">
+              <a:lnSpc>
+                <a:spcPct val="100000"/>
+              </a:lnSpc>
+              <a:spcBef>
+                <a:spcPts val="0"/>
+              </a:spcBef>
+              <a:spcAft>
+                <a:spcPts val="0"/>
+              </a:spcAft>
+              <a:buClrTx/>
+              <a:buSzTx/>
+              <a:buFontTx/>
+              <a:buNone/>
+              <a:tabLst/>
+              <a:defRPr/>
+            </a:pPr>
+            <a:r>
+              <a:rPr lang="zh-CN" altLang="en-US" sz="1200" b="0" i="0" kern="1200" dirty="0" smtClean="0">
+                <a:solidFill>
+                  <a:schemeClr val="tx1"/>
+                </a:solidFill>
+                <a:effectLst/>
+                <a:latin typeface="+mn-lt"/>
+                <a:ea typeface="+mn-ea"/>
+                <a:cs typeface="+mn-cs"/>
+              </a:rPr>
+              <a:t>学习率 </a:t>
+            </a:r>
+            <a:r>
+              <a:rPr lang="en-US" altLang="zh-CN" sz="1200" b="0" i="0" kern="1200" dirty="0" smtClean="0">
+                <a:solidFill>
+                  <a:schemeClr val="tx1"/>
+                </a:solidFill>
+                <a:effectLst/>
+                <a:latin typeface="+mn-lt"/>
+                <a:ea typeface="+mn-ea"/>
+                <a:cs typeface="+mn-cs"/>
+              </a:rPr>
+              <a:t>(</a:t>
+            </a:r>
+            <a:r>
+              <a:rPr lang="en-US" sz="1200" b="0" i="0" kern="1200" dirty="0" smtClean="0">
+                <a:solidFill>
+                  <a:schemeClr val="tx1"/>
+                </a:solidFill>
+                <a:effectLst/>
+                <a:latin typeface="+mn-lt"/>
+                <a:ea typeface="+mn-ea"/>
+                <a:cs typeface="+mn-cs"/>
+              </a:rPr>
+              <a:t>learning rate)，</a:t>
+            </a:r>
+            <a:r>
+              <a:rPr lang="zh-CN" altLang="en-US" sz="1200" b="0" i="0" kern="1200" dirty="0" smtClean="0">
+                <a:solidFill>
+                  <a:schemeClr val="tx1"/>
+                </a:solidFill>
+                <a:effectLst/>
+                <a:latin typeface="+mn-lt"/>
+                <a:ea typeface="+mn-ea"/>
+                <a:cs typeface="+mn-cs"/>
+              </a:rPr>
+              <a:t>控制 模型的 </a:t>
+            </a:r>
+            <a:r>
+              <a:rPr lang="zh-CN" altLang="en-US" sz="1200" b="1" i="0" kern="1200" dirty="0" smtClean="0">
+                <a:solidFill>
+                  <a:schemeClr val="tx1"/>
+                </a:solidFill>
+                <a:effectLst/>
+                <a:latin typeface="+mn-lt"/>
+                <a:ea typeface="+mn-ea"/>
+                <a:cs typeface="+mn-cs"/>
+              </a:rPr>
+              <a:t>学习进度</a:t>
+            </a:r>
+            <a:r>
+              <a:rPr lang="zh-CN" altLang="en-US" sz="1200" b="0" i="0" kern="1200" dirty="0" smtClean="0">
+                <a:solidFill>
+                  <a:schemeClr val="tx1"/>
+                </a:solidFill>
+                <a:effectLst/>
+                <a:latin typeface="+mn-lt"/>
+                <a:ea typeface="+mn-ea"/>
+                <a:cs typeface="+mn-cs"/>
+              </a:rPr>
+              <a:t>。</a:t>
+            </a:r>
+            <a:endParaRPr lang="en-US" altLang="zh-CN" sz="1200" b="0" i="0" kern="1200" dirty="0" smtClean="0">
+              <a:solidFill>
+                <a:schemeClr val="tx1"/>
+              </a:solidFill>
+              <a:effectLst/>
+              <a:latin typeface="+mn-lt"/>
+              <a:ea typeface="+mn-ea"/>
+              <a:cs typeface="+mn-cs"/>
+            </a:endParaRPr>
+          </a:p>
+          <a:p>
+            <a:pPr marL="0" marR="0" lvl="0" indent="0" algn="l" defTabSz="914400" rtl="0" eaLnBrk="1" fontAlgn="auto" latinLnBrk="0" hangingPunct="1">
+              <a:lnSpc>
+                <a:spcPct val="100000"/>
+              </a:lnSpc>
+              <a:spcBef>
+                <a:spcPts val="0"/>
+              </a:spcBef>
+              <a:spcAft>
+                <a:spcPts val="0"/>
+              </a:spcAft>
+              <a:buClrTx/>
+              <a:buSzTx/>
+              <a:buFontTx/>
+              <a:buNone/>
+              <a:tabLst/>
+              <a:defRPr/>
+            </a:pPr>
+            <a:r>
+              <a:rPr lang="zh-CN" altLang="en-US" sz="1200" b="0" i="0" kern="1200" dirty="0" smtClean="0">
+                <a:solidFill>
+                  <a:schemeClr val="tx1"/>
+                </a:solidFill>
+                <a:effectLst/>
+                <a:latin typeface="+mn-lt"/>
+                <a:ea typeface="+mn-ea"/>
+                <a:cs typeface="+mn-cs"/>
+              </a:rPr>
+              <a:t>刚开始训练时：学习率以 </a:t>
+            </a:r>
+            <a:r>
+              <a:rPr lang="en-US" altLang="zh-CN" sz="1200" b="0" i="0" kern="1200" dirty="0" smtClean="0">
+                <a:solidFill>
+                  <a:schemeClr val="tx1"/>
+                </a:solidFill>
+                <a:effectLst/>
+                <a:latin typeface="+mn-lt"/>
+                <a:ea typeface="+mn-ea"/>
+                <a:cs typeface="+mn-cs"/>
+              </a:rPr>
+              <a:t>0.01 ~ 0.001 </a:t>
+            </a:r>
+            <a:r>
+              <a:rPr lang="zh-CN" altLang="en-US" sz="1200" b="0" i="0" kern="1200" dirty="0" smtClean="0">
+                <a:solidFill>
+                  <a:schemeClr val="tx1"/>
+                </a:solidFill>
+                <a:effectLst/>
+                <a:latin typeface="+mn-lt"/>
+                <a:ea typeface="+mn-ea"/>
+                <a:cs typeface="+mn-cs"/>
+              </a:rPr>
+              <a:t>为宜。</a:t>
+            </a:r>
+          </a:p>
+          <a:p>
+            <a:pPr marL="0" marR="0" lvl="0" indent="0" algn="l" defTabSz="914400" rtl="0" eaLnBrk="1" fontAlgn="auto" latinLnBrk="0" hangingPunct="1">
+              <a:lnSpc>
+                <a:spcPct val="100000"/>
+              </a:lnSpc>
+              <a:spcBef>
+                <a:spcPts val="0"/>
+              </a:spcBef>
+              <a:spcAft>
+                <a:spcPts val="0"/>
+              </a:spcAft>
+              <a:buClrTx/>
+              <a:buSzTx/>
+              <a:buFontTx/>
+              <a:buNone/>
+              <a:tabLst/>
+              <a:defRPr/>
+            </a:pPr>
+            <a:endParaRPr lang="en-US" altLang="zh-CN" sz="1200" b="0" i="0" kern="1200" dirty="0" smtClean="0">
+              <a:solidFill>
+                <a:schemeClr val="tx1"/>
+              </a:solidFill>
+              <a:effectLst/>
+              <a:latin typeface="+mn-lt"/>
+              <a:ea typeface="+mn-ea"/>
+              <a:cs typeface="+mn-cs"/>
+            </a:endParaRPr>
+          </a:p>
+          <a:p>
+            <a:pPr marL="0" marR="0" lvl="0" indent="0" algn="l" defTabSz="914400" rtl="0" eaLnBrk="1" fontAlgn="auto" latinLnBrk="0" hangingPunct="1">
+              <a:lnSpc>
+                <a:spcPct val="100000"/>
+              </a:lnSpc>
+              <a:spcBef>
+                <a:spcPts val="0"/>
+              </a:spcBef>
+              <a:spcAft>
+                <a:spcPts val="0"/>
+              </a:spcAft>
+              <a:buClrTx/>
+              <a:buSzTx/>
+              <a:buFontTx/>
+              <a:buNone/>
+              <a:tabLst/>
+              <a:defRPr/>
+            </a:pPr>
+            <a:endParaRPr lang="en-US" altLang="zh-CN" sz="1200" b="0" i="0" kern="1200" dirty="0" smtClean="0">
+              <a:solidFill>
+                <a:schemeClr val="tx1"/>
+              </a:solidFill>
+              <a:effectLst/>
+              <a:latin typeface="+mn-lt"/>
+              <a:ea typeface="+mn-ea"/>
+              <a:cs typeface="+mn-cs"/>
+            </a:endParaRPr>
+          </a:p>
+          <a:p>
+            <a:pPr marL="0" marR="0" lvl="0" indent="0" algn="l" defTabSz="914400" rtl="0" eaLnBrk="1" fontAlgn="auto" latinLnBrk="0" hangingPunct="1">
+              <a:lnSpc>
+                <a:spcPct val="100000"/>
+              </a:lnSpc>
+              <a:spcBef>
+                <a:spcPts val="0"/>
+              </a:spcBef>
+              <a:spcAft>
+                <a:spcPts val="0"/>
+              </a:spcAft>
+              <a:buClrTx/>
+              <a:buSzTx/>
+              <a:buFontTx/>
+              <a:buNone/>
+              <a:tabLst/>
+              <a:defRPr/>
+            </a:pPr>
+            <a:r>
+              <a:rPr lang="en-US" altLang="zh-CN" sz="1200" b="0" i="0" kern="1200" dirty="0" smtClean="0">
+                <a:solidFill>
+                  <a:schemeClr val="tx1"/>
+                </a:solidFill>
+                <a:effectLst/>
+                <a:latin typeface="+mn-lt"/>
+                <a:ea typeface="+mn-ea"/>
+                <a:cs typeface="+mn-cs"/>
+              </a:rPr>
+              <a:t>mini-batch</a:t>
+            </a:r>
+            <a:r>
+              <a:rPr lang="zh-CN" altLang="en-US" sz="1200" b="0" i="0" kern="1200" dirty="0" smtClean="0">
+                <a:solidFill>
+                  <a:schemeClr val="tx1"/>
+                </a:solidFill>
+                <a:effectLst/>
+                <a:latin typeface="+mn-lt"/>
+                <a:ea typeface="+mn-ea"/>
+                <a:cs typeface="+mn-cs"/>
+              </a:rPr>
+              <a:t>批大小，就是每次调整参数前所选取的样本（称为</a:t>
+            </a:r>
+            <a:r>
+              <a:rPr lang="en-US" altLang="zh-CN" dirty="0" smtClean="0"/>
+              <a:t>mini-batch</a:t>
+            </a:r>
+            <a:r>
+              <a:rPr lang="zh-CN" altLang="en-US" sz="1200" b="0" i="0" kern="1200" dirty="0" smtClean="0">
+                <a:solidFill>
+                  <a:schemeClr val="tx1"/>
+                </a:solidFill>
+                <a:effectLst/>
+                <a:latin typeface="+mn-lt"/>
+                <a:ea typeface="+mn-ea"/>
+                <a:cs typeface="+mn-cs"/>
+              </a:rPr>
+              <a:t>或</a:t>
+            </a:r>
+            <a:r>
+              <a:rPr lang="en-US" altLang="zh-CN" dirty="0" smtClean="0"/>
+              <a:t>batch</a:t>
+            </a:r>
+            <a:r>
+              <a:rPr lang="zh-CN" altLang="en-US" sz="1200" b="0" i="0" kern="1200" dirty="0" smtClean="0">
+                <a:solidFill>
+                  <a:schemeClr val="tx1"/>
+                </a:solidFill>
+                <a:effectLst/>
+                <a:latin typeface="+mn-lt"/>
+                <a:ea typeface="+mn-ea"/>
+                <a:cs typeface="+mn-cs"/>
+              </a:rPr>
+              <a:t>）数量</a:t>
+            </a:r>
+            <a:r>
+              <a:rPr lang="en-US" altLang="zh-CN" sz="1200" b="0" i="0" kern="1200" dirty="0" smtClean="0">
+                <a:solidFill>
+                  <a:schemeClr val="tx1"/>
+                </a:solidFill>
+                <a:effectLst/>
+                <a:latin typeface="+mn-lt"/>
+                <a:ea typeface="+mn-ea"/>
+                <a:cs typeface="+mn-cs"/>
+              </a:rPr>
+              <a:t>.</a:t>
+            </a:r>
+          </a:p>
+          <a:p>
+            <a:pPr marL="0" marR="0" lvl="0" indent="0" algn="l" defTabSz="914400" rtl="0" eaLnBrk="1" fontAlgn="auto" latinLnBrk="0" hangingPunct="1">
+              <a:lnSpc>
+                <a:spcPct val="100000"/>
+              </a:lnSpc>
+              <a:spcBef>
+                <a:spcPts val="0"/>
+              </a:spcBef>
+              <a:spcAft>
+                <a:spcPts val="0"/>
+              </a:spcAft>
+              <a:buClrTx/>
+              <a:buSzTx/>
+              <a:buFontTx/>
+              <a:buNone/>
+              <a:tabLst/>
+              <a:defRPr/>
+            </a:pPr>
+            <a:r>
+              <a:rPr lang="zh-CN" altLang="en-US" sz="1200" b="0" i="0" kern="1200" dirty="0" smtClean="0">
+                <a:solidFill>
+                  <a:schemeClr val="tx1"/>
+                </a:solidFill>
+                <a:effectLst/>
+                <a:latin typeface="+mn-lt"/>
+                <a:ea typeface="+mn-ea"/>
+                <a:cs typeface="+mn-cs"/>
+              </a:rPr>
+              <a:t>如果批大小为</a:t>
+            </a:r>
+            <a:r>
+              <a:rPr lang="en-US" altLang="zh-CN" sz="1200" b="0" i="0" kern="1200" dirty="0" smtClean="0">
+                <a:solidFill>
+                  <a:schemeClr val="tx1"/>
+                </a:solidFill>
+                <a:effectLst/>
+                <a:latin typeface="+mn-lt"/>
+                <a:ea typeface="+mn-ea"/>
+                <a:cs typeface="+mn-cs"/>
+              </a:rPr>
+              <a:t>N</a:t>
+            </a:r>
+            <a:r>
+              <a:rPr lang="zh-CN" altLang="en-US" sz="1200" b="0" i="0" kern="1200" dirty="0" smtClean="0">
+                <a:solidFill>
+                  <a:schemeClr val="tx1"/>
+                </a:solidFill>
+                <a:effectLst/>
+                <a:latin typeface="+mn-lt"/>
+                <a:ea typeface="+mn-ea"/>
+                <a:cs typeface="+mn-cs"/>
+              </a:rPr>
+              <a:t>，每次会选取</a:t>
+            </a:r>
+            <a:r>
+              <a:rPr lang="en-US" altLang="zh-CN" sz="1200" b="0" i="0" kern="1200" dirty="0" smtClean="0">
+                <a:solidFill>
+                  <a:schemeClr val="tx1"/>
+                </a:solidFill>
+                <a:effectLst/>
+                <a:latin typeface="+mn-lt"/>
+                <a:ea typeface="+mn-ea"/>
+                <a:cs typeface="+mn-cs"/>
+              </a:rPr>
+              <a:t>N</a:t>
+            </a:r>
+            <a:r>
+              <a:rPr lang="zh-CN" altLang="en-US" sz="1200" b="0" i="0" kern="1200" dirty="0" smtClean="0">
+                <a:solidFill>
+                  <a:schemeClr val="tx1"/>
+                </a:solidFill>
+                <a:effectLst/>
+                <a:latin typeface="+mn-lt"/>
+                <a:ea typeface="+mn-ea"/>
+                <a:cs typeface="+mn-cs"/>
+              </a:rPr>
+              <a:t>个样本，分别代入网络，算出它们分别对应的参数调整值，然后将所有调整值取平均，作为最后的调整值，以此调整网络的参数。</a:t>
+            </a:r>
+            <a:endParaRPr lang="en-US" altLang="zh-CN" sz="1200" b="0" i="0" kern="1200" dirty="0" smtClean="0">
+              <a:solidFill>
+                <a:schemeClr val="tx1"/>
+              </a:solidFill>
+              <a:effectLst/>
+              <a:latin typeface="+mn-lt"/>
+              <a:ea typeface="+mn-ea"/>
+              <a:cs typeface="+mn-cs"/>
+            </a:endParaRPr>
+          </a:p>
+          <a:p>
+            <a:pPr marL="0" marR="0" lvl="0" indent="0" algn="l" defTabSz="914400" rtl="0" eaLnBrk="1" fontAlgn="auto" latinLnBrk="0" hangingPunct="1">
+              <a:lnSpc>
+                <a:spcPct val="100000"/>
+              </a:lnSpc>
+              <a:spcBef>
+                <a:spcPts val="0"/>
+              </a:spcBef>
+              <a:spcAft>
+                <a:spcPts val="0"/>
+              </a:spcAft>
+              <a:buClrTx/>
+              <a:buSzTx/>
+              <a:buFontTx/>
+              <a:buNone/>
+              <a:tabLst/>
+              <a:defRPr/>
+            </a:pPr>
+            <a:r>
+              <a:rPr lang="zh-CN" altLang="en-US" sz="1200" b="0" i="0" kern="1200" dirty="0" smtClean="0">
+                <a:solidFill>
+                  <a:schemeClr val="tx1"/>
+                </a:solidFill>
+                <a:effectLst/>
+                <a:latin typeface="+mn-lt"/>
+                <a:ea typeface="+mn-ea"/>
+                <a:cs typeface="+mn-cs"/>
+              </a:rPr>
+              <a:t>如果批大小</a:t>
+            </a:r>
+            <a:r>
+              <a:rPr lang="en-US" altLang="zh-CN" sz="1200" b="0" i="0" kern="1200" dirty="0" smtClean="0">
+                <a:solidFill>
+                  <a:schemeClr val="tx1"/>
+                </a:solidFill>
+                <a:effectLst/>
+                <a:latin typeface="+mn-lt"/>
+                <a:ea typeface="+mn-ea"/>
+                <a:cs typeface="+mn-cs"/>
+              </a:rPr>
+              <a:t>N</a:t>
+            </a:r>
+            <a:r>
+              <a:rPr lang="zh-CN" altLang="en-US" sz="1200" b="0" i="0" kern="1200" dirty="0" smtClean="0">
+                <a:solidFill>
+                  <a:schemeClr val="tx1"/>
+                </a:solidFill>
+                <a:effectLst/>
+                <a:latin typeface="+mn-lt"/>
+                <a:ea typeface="+mn-ea"/>
+                <a:cs typeface="+mn-cs"/>
+              </a:rPr>
+              <a:t>很大，例如和全部样本的个数一样，那么可保证得到的调整值很稳定，是最能让全体样本受益的改变。</a:t>
+            </a:r>
+            <a:endParaRPr lang="en-US" altLang="zh-CN" sz="1200" b="0" i="0" kern="1200" dirty="0" smtClean="0">
+              <a:solidFill>
+                <a:schemeClr val="tx1"/>
+              </a:solidFill>
+              <a:effectLst/>
+              <a:latin typeface="+mn-lt"/>
+              <a:ea typeface="+mn-ea"/>
+              <a:cs typeface="+mn-cs"/>
+            </a:endParaRPr>
+          </a:p>
+          <a:p>
+            <a:pPr marL="0" marR="0" lvl="0" indent="0" algn="l" defTabSz="914400" rtl="0" eaLnBrk="1" fontAlgn="auto" latinLnBrk="0" hangingPunct="1">
+              <a:lnSpc>
+                <a:spcPct val="100000"/>
+              </a:lnSpc>
+              <a:spcBef>
+                <a:spcPts val="0"/>
+              </a:spcBef>
+              <a:spcAft>
+                <a:spcPts val="0"/>
+              </a:spcAft>
+              <a:buClrTx/>
+              <a:buSzTx/>
+              <a:buFontTx/>
+              <a:buNone/>
+              <a:tabLst/>
+              <a:defRPr/>
+            </a:pPr>
+            <a:r>
+              <a:rPr lang="zh-CN" altLang="en-US" sz="1200" b="0" i="0" kern="1200" dirty="0" smtClean="0">
+                <a:solidFill>
+                  <a:schemeClr val="tx1"/>
+                </a:solidFill>
+                <a:effectLst/>
+                <a:latin typeface="+mn-lt"/>
+                <a:ea typeface="+mn-ea"/>
+                <a:cs typeface="+mn-cs"/>
+              </a:rPr>
+              <a:t>如果批大小</a:t>
+            </a:r>
+            <a:r>
+              <a:rPr lang="en-US" altLang="zh-CN" sz="1200" b="0" i="0" kern="1200" dirty="0" smtClean="0">
+                <a:solidFill>
+                  <a:schemeClr val="tx1"/>
+                </a:solidFill>
+                <a:effectLst/>
+                <a:latin typeface="+mn-lt"/>
+                <a:ea typeface="+mn-ea"/>
+                <a:cs typeface="+mn-cs"/>
+              </a:rPr>
+              <a:t>N</a:t>
+            </a:r>
+            <a:r>
+              <a:rPr lang="zh-CN" altLang="en-US" sz="1200" b="0" i="0" kern="1200" dirty="0" smtClean="0">
+                <a:solidFill>
+                  <a:schemeClr val="tx1"/>
+                </a:solidFill>
+                <a:effectLst/>
+                <a:latin typeface="+mn-lt"/>
+                <a:ea typeface="+mn-ea"/>
+                <a:cs typeface="+mn-cs"/>
+              </a:rPr>
+              <a:t>较小，例如为</a:t>
+            </a:r>
+            <a:r>
+              <a:rPr lang="en-US" altLang="zh-CN" sz="1200" b="0" i="0" kern="1200" dirty="0" smtClean="0">
+                <a:solidFill>
+                  <a:schemeClr val="tx1"/>
+                </a:solidFill>
+                <a:effectLst/>
+                <a:latin typeface="+mn-lt"/>
+                <a:ea typeface="+mn-ea"/>
+                <a:cs typeface="+mn-cs"/>
+              </a:rPr>
+              <a:t>1</a:t>
+            </a:r>
+            <a:r>
+              <a:rPr lang="zh-CN" altLang="en-US" sz="1200" b="0" i="0" kern="1200" dirty="0" smtClean="0">
+                <a:solidFill>
+                  <a:schemeClr val="tx1"/>
+                </a:solidFill>
+                <a:effectLst/>
+                <a:latin typeface="+mn-lt"/>
+                <a:ea typeface="+mn-ea"/>
+                <a:cs typeface="+mn-cs"/>
+              </a:rPr>
+              <a:t>，那么得到的调整值有一定的随机性，因为对于某个样本最有效的调整，对于另一个样本不一定最有效。</a:t>
+            </a:r>
+            <a:endParaRPr lang="en-US" altLang="zh-CN" sz="1200" b="0" i="0" kern="1200" dirty="0" smtClean="0">
+              <a:solidFill>
+                <a:schemeClr val="tx1"/>
+              </a:solidFill>
+              <a:effectLst/>
+              <a:latin typeface="+mn-lt"/>
+              <a:ea typeface="+mn-ea"/>
+              <a:cs typeface="+mn-cs"/>
+            </a:endParaRPr>
+          </a:p>
+          <a:p>
+            <a:pPr marL="0" marR="0" lvl="0" indent="0" algn="l" defTabSz="914400" rtl="0" eaLnBrk="1" fontAlgn="auto" latinLnBrk="0" hangingPunct="1">
+              <a:lnSpc>
+                <a:spcPct val="100000"/>
+              </a:lnSpc>
+              <a:spcBef>
+                <a:spcPts val="0"/>
+              </a:spcBef>
+              <a:spcAft>
+                <a:spcPts val="0"/>
+              </a:spcAft>
+              <a:buClrTx/>
+              <a:buSzTx/>
+              <a:buFontTx/>
+              <a:buNone/>
+              <a:tabLst/>
+              <a:defRPr/>
+            </a:pPr>
+            <a:r>
+              <a:rPr lang="zh-CN" altLang="en-US" sz="1200" b="0" i="0" kern="1200" dirty="0" smtClean="0">
+                <a:solidFill>
+                  <a:schemeClr val="tx1"/>
+                </a:solidFill>
+                <a:effectLst/>
+                <a:latin typeface="+mn-lt"/>
+                <a:ea typeface="+mn-ea"/>
+                <a:cs typeface="+mn-cs"/>
+              </a:rPr>
+              <a:t>那么批大小是否越大越好？绝非如此，很多时候恰好相反。合适的批大小对于网络的训练很重要。</a:t>
+            </a:r>
+            <a:endParaRPr lang="en-US" altLang="zh-CN" sz="1200" b="0" i="0" kern="1200" dirty="0" smtClean="0">
+              <a:solidFill>
+                <a:schemeClr val="tx1"/>
+              </a:solidFill>
+              <a:effectLst/>
+              <a:latin typeface="+mn-lt"/>
+              <a:ea typeface="+mn-ea"/>
+              <a:cs typeface="+mn-cs"/>
+            </a:endParaRPr>
+          </a:p>
+          <a:p>
+            <a:pPr marL="0" marR="0" lvl="0" indent="0" algn="l" defTabSz="914400" rtl="0" eaLnBrk="1" fontAlgn="auto" latinLnBrk="0" hangingPunct="1">
+              <a:lnSpc>
+                <a:spcPct val="100000"/>
+              </a:lnSpc>
+              <a:spcBef>
+                <a:spcPts val="0"/>
+              </a:spcBef>
+              <a:spcAft>
+                <a:spcPts val="0"/>
+              </a:spcAft>
+              <a:buClrTx/>
+              <a:buSzTx/>
+              <a:buFontTx/>
+              <a:buNone/>
+              <a:tabLst/>
+              <a:defRPr/>
+            </a:pPr>
+            <a:endParaRPr lang="en-US" dirty="0" smtClean="0"/>
+          </a:p>
+          <a:p>
+            <a:pPr marL="0" marR="0" lvl="0" indent="0" algn="l" defTabSz="914400" rtl="0" eaLnBrk="1" fontAlgn="auto" latinLnBrk="0" hangingPunct="1">
+              <a:lnSpc>
+                <a:spcPct val="100000"/>
+              </a:lnSpc>
+              <a:spcBef>
+                <a:spcPts val="0"/>
+              </a:spcBef>
+              <a:spcAft>
+                <a:spcPts val="0"/>
+              </a:spcAft>
+              <a:buClrTx/>
+              <a:buSzTx/>
+              <a:buFontTx/>
+              <a:buNone/>
+              <a:tabLst/>
+              <a:defRPr/>
+            </a:pPr>
+            <a:r>
+              <a:rPr lang="zh-CN" altLang="en-US" sz="1200" dirty="0" smtClean="0">
+                <a:solidFill>
+                  <a:schemeClr val="tx1"/>
+                </a:solidFill>
+                <a:latin typeface="Times New Roman" panose="02020603050405020304" pitchFamily="18" charset="0"/>
+                <a:cs typeface="Times New Roman" panose="02020603050405020304" pitchFamily="18" charset="0"/>
+              </a:rPr>
+              <a:t>迭代期</a:t>
+            </a:r>
+            <a:r>
+              <a:rPr lang="en-US" altLang="zh-CN" sz="1200" dirty="0" smtClean="0">
+                <a:solidFill>
+                  <a:schemeClr val="tx1"/>
+                </a:solidFill>
+                <a:latin typeface="Times New Roman" panose="02020603050405020304" pitchFamily="18" charset="0"/>
+                <a:cs typeface="Times New Roman" panose="02020603050405020304" pitchFamily="18" charset="0"/>
+              </a:rPr>
+              <a:t>(Epoch)</a:t>
+            </a:r>
+            <a:endParaRPr lang="en-US" dirty="0" smtClean="0"/>
+          </a:p>
+          <a:p>
+            <a:r>
+              <a:rPr lang="zh-CN" altLang="en-US" sz="1200" b="0" i="0" kern="1200" dirty="0" smtClean="0">
+                <a:solidFill>
+                  <a:schemeClr val="tx1"/>
+                </a:solidFill>
+                <a:effectLst/>
+                <a:latin typeface="+mn-lt"/>
+                <a:ea typeface="+mn-ea"/>
+                <a:cs typeface="+mn-cs"/>
+              </a:rPr>
+              <a:t>每学习一遍数据集，就称为</a:t>
+            </a:r>
+            <a:r>
+              <a:rPr lang="en-US" altLang="zh-CN" sz="1200" b="0" i="0" kern="1200" dirty="0" smtClean="0">
+                <a:solidFill>
+                  <a:schemeClr val="tx1"/>
+                </a:solidFill>
+                <a:effectLst/>
+                <a:latin typeface="+mn-lt"/>
+                <a:ea typeface="+mn-ea"/>
+                <a:cs typeface="+mn-cs"/>
+              </a:rPr>
+              <a:t>1</a:t>
+            </a:r>
+            <a:r>
+              <a:rPr lang="zh-CN" altLang="en-US" sz="1200" b="0" i="0" kern="1200" dirty="0" smtClean="0">
+                <a:solidFill>
+                  <a:schemeClr val="tx1"/>
+                </a:solidFill>
+                <a:effectLst/>
+                <a:latin typeface="+mn-lt"/>
+                <a:ea typeface="+mn-ea"/>
+                <a:cs typeface="+mn-cs"/>
+              </a:rPr>
+              <a:t>个</a:t>
+            </a:r>
+            <a:r>
+              <a:rPr lang="en-US" altLang="zh-CN" dirty="0" smtClean="0"/>
+              <a:t>epoch</a:t>
+            </a:r>
+            <a:r>
+              <a:rPr lang="zh-CN" altLang="en-US" dirty="0" smtClean="0"/>
+              <a:t>。</a:t>
+            </a:r>
+            <a:endParaRPr lang="en-US" altLang="zh-CN" dirty="0" smtClean="0"/>
+          </a:p>
+          <a:p>
+            <a:r>
+              <a:rPr lang="zh-CN" altLang="en-US" sz="1200" b="0" i="0" kern="1200" dirty="0" smtClean="0">
+                <a:solidFill>
+                  <a:schemeClr val="tx1"/>
+                </a:solidFill>
+                <a:effectLst/>
+                <a:latin typeface="+mn-lt"/>
+                <a:ea typeface="+mn-ea"/>
+                <a:cs typeface="+mn-cs"/>
+              </a:rPr>
+              <a:t>若数据集中有</a:t>
+            </a:r>
+            <a:r>
+              <a:rPr lang="en-US" altLang="zh-CN" sz="1200" b="0" i="0" kern="1200" dirty="0" smtClean="0">
+                <a:solidFill>
+                  <a:schemeClr val="tx1"/>
+                </a:solidFill>
+                <a:effectLst/>
+                <a:latin typeface="+mn-lt"/>
+                <a:ea typeface="+mn-ea"/>
+                <a:cs typeface="+mn-cs"/>
+              </a:rPr>
+              <a:t>1000</a:t>
+            </a:r>
+            <a:r>
+              <a:rPr lang="zh-CN" altLang="en-US" sz="1200" b="0" i="0" kern="1200" dirty="0" smtClean="0">
+                <a:solidFill>
+                  <a:schemeClr val="tx1"/>
+                </a:solidFill>
+                <a:effectLst/>
+                <a:latin typeface="+mn-lt"/>
+                <a:ea typeface="+mn-ea"/>
+                <a:cs typeface="+mn-cs"/>
+              </a:rPr>
+              <a:t>个样本，批大小为</a:t>
+            </a:r>
+            <a:r>
+              <a:rPr lang="en-US" altLang="zh-CN" sz="1200" b="0" i="0" kern="1200" dirty="0" smtClean="0">
+                <a:solidFill>
+                  <a:schemeClr val="tx1"/>
+                </a:solidFill>
+                <a:effectLst/>
+                <a:latin typeface="+mn-lt"/>
+                <a:ea typeface="+mn-ea"/>
+                <a:cs typeface="+mn-cs"/>
+              </a:rPr>
+              <a:t>10</a:t>
+            </a:r>
+            <a:r>
+              <a:rPr lang="zh-CN" altLang="en-US" sz="1200" b="0" i="0" kern="1200" dirty="0" smtClean="0">
+                <a:solidFill>
+                  <a:schemeClr val="tx1"/>
+                </a:solidFill>
+                <a:effectLst/>
+                <a:latin typeface="+mn-lt"/>
+                <a:ea typeface="+mn-ea"/>
+                <a:cs typeface="+mn-cs"/>
+              </a:rPr>
+              <a:t>，那么将全部样本训练</a:t>
+            </a:r>
+            <a:r>
+              <a:rPr lang="en-US" altLang="zh-CN" sz="1200" b="0" i="0" kern="1200" dirty="0" smtClean="0">
+                <a:solidFill>
+                  <a:schemeClr val="tx1"/>
+                </a:solidFill>
+                <a:effectLst/>
+                <a:latin typeface="+mn-lt"/>
+                <a:ea typeface="+mn-ea"/>
+                <a:cs typeface="+mn-cs"/>
+              </a:rPr>
+              <a:t>1</a:t>
+            </a:r>
+            <a:r>
+              <a:rPr lang="zh-CN" altLang="en-US" sz="1200" b="0" i="0" kern="1200" dirty="0" smtClean="0">
+                <a:solidFill>
+                  <a:schemeClr val="tx1"/>
+                </a:solidFill>
+                <a:effectLst/>
+                <a:latin typeface="+mn-lt"/>
+                <a:ea typeface="+mn-ea"/>
+                <a:cs typeface="+mn-cs"/>
+              </a:rPr>
+              <a:t>遍后，网络会被调整</a:t>
+            </a:r>
+            <a:r>
+              <a:rPr lang="en-US" altLang="zh-CN" sz="1200" b="0" i="0" kern="1200" dirty="0" smtClean="0">
+                <a:solidFill>
+                  <a:schemeClr val="tx1"/>
+                </a:solidFill>
+                <a:effectLst/>
+                <a:latin typeface="+mn-lt"/>
+                <a:ea typeface="+mn-ea"/>
+                <a:cs typeface="+mn-cs"/>
+              </a:rPr>
+              <a:t>1000/10=100</a:t>
+            </a:r>
+            <a:r>
+              <a:rPr lang="zh-CN" altLang="en-US" sz="1200" b="0" i="0" kern="1200" dirty="0" smtClean="0">
+                <a:solidFill>
+                  <a:schemeClr val="tx1"/>
+                </a:solidFill>
+                <a:effectLst/>
+                <a:latin typeface="+mn-lt"/>
+                <a:ea typeface="+mn-ea"/>
+                <a:cs typeface="+mn-cs"/>
+              </a:rPr>
+              <a:t>次。但这并不意味着网络已达到最优，我们可重复这个过程，让网络再学</a:t>
+            </a:r>
+            <a:r>
+              <a:rPr lang="en-US" altLang="zh-CN" sz="1200" b="0" i="0" kern="1200" dirty="0" smtClean="0">
+                <a:solidFill>
+                  <a:schemeClr val="tx1"/>
+                </a:solidFill>
+                <a:effectLst/>
+                <a:latin typeface="+mn-lt"/>
+                <a:ea typeface="+mn-ea"/>
+                <a:cs typeface="+mn-cs"/>
+              </a:rPr>
+              <a:t>1</a:t>
+            </a:r>
+            <a:r>
+              <a:rPr lang="zh-CN" altLang="en-US" sz="1200" b="0" i="0" kern="1200" dirty="0" smtClean="0">
+                <a:solidFill>
+                  <a:schemeClr val="tx1"/>
+                </a:solidFill>
+                <a:effectLst/>
+                <a:latin typeface="+mn-lt"/>
+                <a:ea typeface="+mn-ea"/>
+                <a:cs typeface="+mn-cs"/>
+              </a:rPr>
+              <a:t>遍、</a:t>
+            </a:r>
+            <a:r>
+              <a:rPr lang="en-US" altLang="zh-CN" sz="1200" b="0" i="0" kern="1200" dirty="0" smtClean="0">
+                <a:solidFill>
+                  <a:schemeClr val="tx1"/>
+                </a:solidFill>
+                <a:effectLst/>
+                <a:latin typeface="+mn-lt"/>
+                <a:ea typeface="+mn-ea"/>
+                <a:cs typeface="+mn-cs"/>
+              </a:rPr>
+              <a:t>2</a:t>
+            </a:r>
+            <a:r>
+              <a:rPr lang="zh-CN" altLang="en-US" sz="1200" b="0" i="0" kern="1200" dirty="0" smtClean="0">
+                <a:solidFill>
+                  <a:schemeClr val="tx1"/>
+                </a:solidFill>
+                <a:effectLst/>
+                <a:latin typeface="+mn-lt"/>
+                <a:ea typeface="+mn-ea"/>
+                <a:cs typeface="+mn-cs"/>
+              </a:rPr>
+              <a:t>遍、</a:t>
+            </a:r>
+            <a:r>
+              <a:rPr lang="en-US" altLang="zh-CN" sz="1200" b="0" i="0" kern="1200" dirty="0" smtClean="0">
+                <a:solidFill>
+                  <a:schemeClr val="tx1"/>
+                </a:solidFill>
+                <a:effectLst/>
+                <a:latin typeface="+mn-lt"/>
+                <a:ea typeface="+mn-ea"/>
+                <a:cs typeface="+mn-cs"/>
+              </a:rPr>
+              <a:t>3</a:t>
+            </a:r>
+            <a:r>
+              <a:rPr lang="zh-CN" altLang="en-US" sz="1200" b="0" i="0" kern="1200" dirty="0" smtClean="0">
+                <a:solidFill>
+                  <a:schemeClr val="tx1"/>
+                </a:solidFill>
+                <a:effectLst/>
+                <a:latin typeface="+mn-lt"/>
+                <a:ea typeface="+mn-ea"/>
+                <a:cs typeface="+mn-cs"/>
+              </a:rPr>
+              <a:t>遍数据集。</a:t>
+            </a:r>
+            <a:endParaRPr lang="en-US" altLang="zh-CN" sz="1200" b="0" i="0" kern="1200" dirty="0" smtClean="0">
+              <a:solidFill>
+                <a:schemeClr val="tx1"/>
+              </a:solidFill>
+              <a:effectLst/>
+              <a:latin typeface="+mn-lt"/>
+              <a:ea typeface="+mn-ea"/>
+              <a:cs typeface="+mn-cs"/>
+            </a:endParaRPr>
+          </a:p>
+          <a:p>
+            <a:r>
+              <a:rPr lang="zh-CN" altLang="en-US" sz="1200" b="0" i="0" kern="1200" dirty="0" smtClean="0">
+                <a:solidFill>
+                  <a:schemeClr val="tx1"/>
+                </a:solidFill>
+                <a:effectLst/>
+                <a:latin typeface="+mn-lt"/>
+                <a:ea typeface="+mn-ea"/>
+                <a:cs typeface="+mn-cs"/>
+              </a:rPr>
+              <a:t>注意每一个</a:t>
+            </a:r>
+            <a:r>
+              <a:rPr lang="en-US" altLang="zh-CN" dirty="0" smtClean="0"/>
+              <a:t>epoch</a:t>
+            </a:r>
+            <a:r>
+              <a:rPr lang="zh-CN" altLang="en-US" sz="1200" b="0" i="0" kern="1200" dirty="0" smtClean="0">
+                <a:solidFill>
+                  <a:schemeClr val="tx1"/>
+                </a:solidFill>
+                <a:effectLst/>
+                <a:latin typeface="+mn-lt"/>
+                <a:ea typeface="+mn-ea"/>
+                <a:cs typeface="+mn-cs"/>
+              </a:rPr>
+              <a:t>都需</a:t>
+            </a:r>
+            <a:r>
+              <a:rPr lang="zh-CN" altLang="en-US" dirty="0" smtClean="0"/>
+              <a:t>打乱数据的顺序</a:t>
+            </a:r>
+            <a:r>
+              <a:rPr lang="zh-CN" altLang="en-US" sz="1200" b="0" i="0" kern="1200" dirty="0" smtClean="0">
+                <a:solidFill>
+                  <a:schemeClr val="tx1"/>
+                </a:solidFill>
+                <a:effectLst/>
+                <a:latin typeface="+mn-lt"/>
+                <a:ea typeface="+mn-ea"/>
+                <a:cs typeface="+mn-cs"/>
+              </a:rPr>
+              <a:t>，以使网络受到的调整更具有多样性。同时，我们会不断监督网络的训练效果。通常情况下，网络的性能提高速度会越来越慢，在几十到几百个</a:t>
+            </a:r>
+            <a:r>
+              <a:rPr lang="en-US" altLang="zh-CN" dirty="0" smtClean="0"/>
+              <a:t>epoch</a:t>
+            </a:r>
+            <a:r>
+              <a:rPr lang="zh-CN" altLang="en-US" sz="1200" b="0" i="0" kern="1200" dirty="0" smtClean="0">
+                <a:solidFill>
+                  <a:schemeClr val="tx1"/>
+                </a:solidFill>
+                <a:effectLst/>
+                <a:latin typeface="+mn-lt"/>
+                <a:ea typeface="+mn-ea"/>
+                <a:cs typeface="+mn-cs"/>
+              </a:rPr>
+              <a:t>后网络的性能会趋于稳定，即性能基本不再提高。</a:t>
+            </a:r>
+            <a:endParaRPr lang="en-US" dirty="0" smtClean="0"/>
+          </a:p>
+          <a:p>
             <a:endParaRPr lang="zh-CN" altLang="en-US" dirty="0"/>
           </a:p>
         </p:txBody>
@@ -2414,7 +3098,7 @@
     </p:spTree>
     <p:extLst>
       <p:ext uri="{BB962C8B-B14F-4D97-AF65-F5344CB8AC3E}">
-        <p14:creationId xmlns:p14="http://schemas.microsoft.com/office/powerpoint/2010/main" val="2546681700"/>
+        <p14:creationId xmlns:p14="http://schemas.microsoft.com/office/powerpoint/2010/main" val="2810026625"/>
       </p:ext>
     </p:extLst>
   </p:cSld>
@@ -2498,7 +3182,7 @@
     </p:spTree>
     <p:extLst>
       <p:ext uri="{BB962C8B-B14F-4D97-AF65-F5344CB8AC3E}">
-        <p14:creationId xmlns:p14="http://schemas.microsoft.com/office/powerpoint/2010/main" val="4156045285"/>
+        <p14:creationId xmlns:p14="http://schemas.microsoft.com/office/powerpoint/2010/main" val="1949517867"/>
       </p:ext>
     </p:extLst>
   </p:cSld>
@@ -2639,7 +3323,7 @@
           <a:p>
             <a:fld id="{4DC1EE1E-B679-4E92-94F0-53ABBC523923}" type="datetimeFigureOut">
               <a:rPr lang="en-US" smtClean="0"/>
-              <a:t>12/8/2019</a:t>
+              <a:t>12/10/2019</a:t>
             </a:fld>
             <a:endParaRPr lang="en-US"/>
           </a:p>
@@ -2809,7 +3493,7 @@
           <a:p>
             <a:fld id="{4DC1EE1E-B679-4E92-94F0-53ABBC523923}" type="datetimeFigureOut">
               <a:rPr lang="en-US" smtClean="0"/>
-              <a:t>12/8/2019</a:t>
+              <a:t>12/10/2019</a:t>
             </a:fld>
             <a:endParaRPr lang="en-US"/>
           </a:p>
@@ -2989,7 +3673,7 @@
           <a:p>
             <a:fld id="{4DC1EE1E-B679-4E92-94F0-53ABBC523923}" type="datetimeFigureOut">
               <a:rPr lang="en-US" smtClean="0"/>
-              <a:t>12/8/2019</a:t>
+              <a:t>12/10/2019</a:t>
             </a:fld>
             <a:endParaRPr lang="en-US"/>
           </a:p>
@@ -3159,7 +3843,7 @@
           <a:p>
             <a:fld id="{4DC1EE1E-B679-4E92-94F0-53ABBC523923}" type="datetimeFigureOut">
               <a:rPr lang="en-US" smtClean="0"/>
-              <a:t>12/8/2019</a:t>
+              <a:t>12/10/2019</a:t>
             </a:fld>
             <a:endParaRPr lang="en-US"/>
           </a:p>
@@ -3405,7 +4089,7 @@
           <a:p>
             <a:fld id="{4DC1EE1E-B679-4E92-94F0-53ABBC523923}" type="datetimeFigureOut">
               <a:rPr lang="en-US" smtClean="0"/>
-              <a:t>12/8/2019</a:t>
+              <a:t>12/10/2019</a:t>
             </a:fld>
             <a:endParaRPr lang="en-US"/>
           </a:p>
@@ -3637,7 +4321,7 @@
           <a:p>
             <a:fld id="{4DC1EE1E-B679-4E92-94F0-53ABBC523923}" type="datetimeFigureOut">
               <a:rPr lang="en-US" smtClean="0"/>
-              <a:t>12/8/2019</a:t>
+              <a:t>12/10/2019</a:t>
             </a:fld>
             <a:endParaRPr lang="en-US"/>
           </a:p>
@@ -4004,7 +4688,7 @@
           <a:p>
             <a:fld id="{4DC1EE1E-B679-4E92-94F0-53ABBC523923}" type="datetimeFigureOut">
               <a:rPr lang="en-US" smtClean="0"/>
-              <a:t>12/8/2019</a:t>
+              <a:t>12/10/2019</a:t>
             </a:fld>
             <a:endParaRPr lang="en-US"/>
           </a:p>
@@ -4122,7 +4806,7 @@
           <a:p>
             <a:fld id="{4DC1EE1E-B679-4E92-94F0-53ABBC523923}" type="datetimeFigureOut">
               <a:rPr lang="en-US" smtClean="0"/>
-              <a:t>12/8/2019</a:t>
+              <a:t>12/10/2019</a:t>
             </a:fld>
             <a:endParaRPr lang="en-US"/>
           </a:p>
@@ -4217,7 +4901,7 @@
           <a:p>
             <a:fld id="{4DC1EE1E-B679-4E92-94F0-53ABBC523923}" type="datetimeFigureOut">
               <a:rPr lang="en-US" smtClean="0"/>
-              <a:t>12/8/2019</a:t>
+              <a:t>12/10/2019</a:t>
             </a:fld>
             <a:endParaRPr lang="en-US"/>
           </a:p>
@@ -4494,7 +5178,7 @@
           <a:p>
             <a:fld id="{4DC1EE1E-B679-4E92-94F0-53ABBC523923}" type="datetimeFigureOut">
               <a:rPr lang="en-US" smtClean="0"/>
-              <a:t>12/8/2019</a:t>
+              <a:t>12/10/2019</a:t>
             </a:fld>
             <a:endParaRPr lang="en-US"/>
           </a:p>
@@ -4747,7 +5431,7 @@
           <a:p>
             <a:fld id="{4DC1EE1E-B679-4E92-94F0-53ABBC523923}" type="datetimeFigureOut">
               <a:rPr lang="en-US" smtClean="0"/>
-              <a:t>12/8/2019</a:t>
+              <a:t>12/10/2019</a:t>
             </a:fld>
             <a:endParaRPr lang="en-US"/>
           </a:p>
@@ -4960,7 +5644,7 @@
           <a:p>
             <a:fld id="{4DC1EE1E-B679-4E92-94F0-53ABBC523923}" type="datetimeFigureOut">
               <a:rPr lang="en-US" smtClean="0"/>
-              <a:t>12/8/2019</a:t>
+              <a:t>12/10/2019</a:t>
             </a:fld>
             <a:endParaRPr lang="en-US"/>
           </a:p>
@@ -6002,6 +6686,657 @@
 <file path=ppt/slides/slide10.xml><?xml version="1.0" encoding="utf-8"?>
 <p:sld xmlns:a="http://schemas.openxmlformats.org/drawingml/2006/main" xmlns:r="http://schemas.openxmlformats.org/officeDocument/2006/relationships" xmlns:p="http://schemas.openxmlformats.org/presentationml/2006/main">
   <p:cSld>
+    <p:bg>
+      <p:bgPr>
+        <a:solidFill>
+          <a:srgbClr val="0070C0"/>
+        </a:solidFill>
+        <a:effectLst/>
+      </p:bgPr>
+    </p:bg>
+    <p:spTree>
+      <p:nvGrpSpPr>
+        <p:cNvPr id="1" name=""/>
+        <p:cNvGrpSpPr/>
+        <p:nvPr/>
+      </p:nvGrpSpPr>
+      <p:grpSpPr>
+        <a:xfrm>
+          <a:off x="0" y="0"/>
+          <a:ext cx="0" cy="0"/>
+          <a:chOff x="0" y="0"/>
+          <a:chExt cx="0" cy="0"/>
+        </a:xfrm>
+      </p:grpSpPr>
+      <p:sp>
+        <p:nvSpPr>
+          <p:cNvPr id="3" name="Subtitle 2"/>
+          <p:cNvSpPr>
+            <a:spLocks noGrp="1"/>
+          </p:cNvSpPr>
+          <p:nvPr>
+            <p:ph type="subTitle" idx="1"/>
+          </p:nvPr>
+        </p:nvSpPr>
+        <p:spPr>
+          <a:xfrm>
+            <a:off x="1524000" y="1174969"/>
+            <a:ext cx="9144000" cy="981536"/>
+          </a:xfrm>
+        </p:spPr>
+        <p:txBody>
+          <a:bodyPr>
+            <a:normAutofit/>
+          </a:bodyPr>
+          <a:lstStyle/>
+          <a:p>
+            <a:endParaRPr lang="en-US" sz="5400" dirty="0" smtClean="0">
+              <a:solidFill>
+                <a:schemeClr val="bg1"/>
+              </a:solidFill>
+            </a:endParaRPr>
+          </a:p>
+          <a:p>
+            <a:endParaRPr lang="en-US" sz="5400" dirty="0">
+              <a:solidFill>
+                <a:schemeClr val="bg1"/>
+              </a:solidFill>
+            </a:endParaRPr>
+          </a:p>
+        </p:txBody>
+      </p:sp>
+      <p:sp>
+        <p:nvSpPr>
+          <p:cNvPr id="4" name="Subtitle 2"/>
+          <p:cNvSpPr txBox="1">
+            <a:spLocks/>
+          </p:cNvSpPr>
+          <p:nvPr/>
+        </p:nvSpPr>
+        <p:spPr>
+          <a:xfrm>
+            <a:off x="1105382" y="2580763"/>
+            <a:ext cx="10050684" cy="981536"/>
+          </a:xfrm>
+          <a:prstGeom prst="rect">
+            <a:avLst/>
+          </a:prstGeom>
+        </p:spPr>
+        <p:txBody>
+          <a:bodyPr vert="horz" lIns="91440" tIns="45720" rIns="91440" bIns="45720" rtlCol="0">
+            <a:noAutofit/>
+          </a:bodyPr>
+          <a:lstStyle>
+            <a:lvl1pPr marL="0" indent="0" algn="ctr" defTabSz="914400" rtl="0" eaLnBrk="1" latinLnBrk="0" hangingPunct="1">
+              <a:lnSpc>
+                <a:spcPct val="90000"/>
+              </a:lnSpc>
+              <a:spcBef>
+                <a:spcPts val="1000"/>
+              </a:spcBef>
+              <a:buFont typeface="Arial" panose="020B0604020202020204" pitchFamily="34" charset="0"/>
+              <a:buNone/>
+              <a:defRPr sz="2400" kern="1200">
+                <a:solidFill>
+                  <a:schemeClr val="tx1"/>
+                </a:solidFill>
+                <a:latin typeface="+mn-lt"/>
+                <a:ea typeface="+mn-ea"/>
+                <a:cs typeface="+mn-cs"/>
+              </a:defRPr>
+            </a:lvl1pPr>
+            <a:lvl2pPr marL="457200" indent="0" algn="ctr" defTabSz="914400" rtl="0" eaLnBrk="1" latinLnBrk="0" hangingPunct="1">
+              <a:lnSpc>
+                <a:spcPct val="90000"/>
+              </a:lnSpc>
+              <a:spcBef>
+                <a:spcPts val="500"/>
+              </a:spcBef>
+              <a:buFont typeface="Arial" panose="020B0604020202020204" pitchFamily="34" charset="0"/>
+              <a:buNone/>
+              <a:defRPr sz="2000" kern="1200">
+                <a:solidFill>
+                  <a:schemeClr val="tx1"/>
+                </a:solidFill>
+                <a:latin typeface="+mn-lt"/>
+                <a:ea typeface="+mn-ea"/>
+                <a:cs typeface="+mn-cs"/>
+              </a:defRPr>
+            </a:lvl2pPr>
+            <a:lvl3pPr marL="914400" indent="0" algn="ctr" defTabSz="914400" rtl="0" eaLnBrk="1" latinLnBrk="0" hangingPunct="1">
+              <a:lnSpc>
+                <a:spcPct val="90000"/>
+              </a:lnSpc>
+              <a:spcBef>
+                <a:spcPts val="500"/>
+              </a:spcBef>
+              <a:buFont typeface="Arial" panose="020B0604020202020204" pitchFamily="34" charset="0"/>
+              <a:buNone/>
+              <a:defRPr sz="1800" kern="1200">
+                <a:solidFill>
+                  <a:schemeClr val="tx1"/>
+                </a:solidFill>
+                <a:latin typeface="+mn-lt"/>
+                <a:ea typeface="+mn-ea"/>
+                <a:cs typeface="+mn-cs"/>
+              </a:defRPr>
+            </a:lvl3pPr>
+            <a:lvl4pPr marL="1371600" indent="0" algn="ctr" defTabSz="914400" rtl="0" eaLnBrk="1" latinLnBrk="0" hangingPunct="1">
+              <a:lnSpc>
+                <a:spcPct val="90000"/>
+              </a:lnSpc>
+              <a:spcBef>
+                <a:spcPts val="500"/>
+              </a:spcBef>
+              <a:buFont typeface="Arial" panose="020B0604020202020204" pitchFamily="34" charset="0"/>
+              <a:buNone/>
+              <a:defRPr sz="1600" kern="1200">
+                <a:solidFill>
+                  <a:schemeClr val="tx1"/>
+                </a:solidFill>
+                <a:latin typeface="+mn-lt"/>
+                <a:ea typeface="+mn-ea"/>
+                <a:cs typeface="+mn-cs"/>
+              </a:defRPr>
+            </a:lvl4pPr>
+            <a:lvl5pPr marL="1828800" indent="0" algn="ctr" defTabSz="914400" rtl="0" eaLnBrk="1" latinLnBrk="0" hangingPunct="1">
+              <a:lnSpc>
+                <a:spcPct val="90000"/>
+              </a:lnSpc>
+              <a:spcBef>
+                <a:spcPts val="500"/>
+              </a:spcBef>
+              <a:buFont typeface="Arial" panose="020B0604020202020204" pitchFamily="34" charset="0"/>
+              <a:buNone/>
+              <a:defRPr sz="1600" kern="1200">
+                <a:solidFill>
+                  <a:schemeClr val="tx1"/>
+                </a:solidFill>
+                <a:latin typeface="+mn-lt"/>
+                <a:ea typeface="+mn-ea"/>
+                <a:cs typeface="+mn-cs"/>
+              </a:defRPr>
+            </a:lvl5pPr>
+            <a:lvl6pPr marL="2286000" indent="0" algn="ctr" defTabSz="914400" rtl="0" eaLnBrk="1" latinLnBrk="0" hangingPunct="1">
+              <a:lnSpc>
+                <a:spcPct val="90000"/>
+              </a:lnSpc>
+              <a:spcBef>
+                <a:spcPts val="500"/>
+              </a:spcBef>
+              <a:buFont typeface="Arial" panose="020B0604020202020204" pitchFamily="34" charset="0"/>
+              <a:buNone/>
+              <a:defRPr sz="1600" kern="1200">
+                <a:solidFill>
+                  <a:schemeClr val="tx1"/>
+                </a:solidFill>
+                <a:latin typeface="+mn-lt"/>
+                <a:ea typeface="+mn-ea"/>
+                <a:cs typeface="+mn-cs"/>
+              </a:defRPr>
+            </a:lvl6pPr>
+            <a:lvl7pPr marL="2743200" indent="0" algn="ctr" defTabSz="914400" rtl="0" eaLnBrk="1" latinLnBrk="0" hangingPunct="1">
+              <a:lnSpc>
+                <a:spcPct val="90000"/>
+              </a:lnSpc>
+              <a:spcBef>
+                <a:spcPts val="500"/>
+              </a:spcBef>
+              <a:buFont typeface="Arial" panose="020B0604020202020204" pitchFamily="34" charset="0"/>
+              <a:buNone/>
+              <a:defRPr sz="1600" kern="1200">
+                <a:solidFill>
+                  <a:schemeClr val="tx1"/>
+                </a:solidFill>
+                <a:latin typeface="+mn-lt"/>
+                <a:ea typeface="+mn-ea"/>
+                <a:cs typeface="+mn-cs"/>
+              </a:defRPr>
+            </a:lvl7pPr>
+            <a:lvl8pPr marL="3200400" indent="0" algn="ctr" defTabSz="914400" rtl="0" eaLnBrk="1" latinLnBrk="0" hangingPunct="1">
+              <a:lnSpc>
+                <a:spcPct val="90000"/>
+              </a:lnSpc>
+              <a:spcBef>
+                <a:spcPts val="500"/>
+              </a:spcBef>
+              <a:buFont typeface="Arial" panose="020B0604020202020204" pitchFamily="34" charset="0"/>
+              <a:buNone/>
+              <a:defRPr sz="1600" kern="1200">
+                <a:solidFill>
+                  <a:schemeClr val="tx1"/>
+                </a:solidFill>
+                <a:latin typeface="+mn-lt"/>
+                <a:ea typeface="+mn-ea"/>
+                <a:cs typeface="+mn-cs"/>
+              </a:defRPr>
+            </a:lvl8pPr>
+            <a:lvl9pPr marL="3657600" indent="0" algn="ctr" defTabSz="914400" rtl="0" eaLnBrk="1" latinLnBrk="0" hangingPunct="1">
+              <a:lnSpc>
+                <a:spcPct val="90000"/>
+              </a:lnSpc>
+              <a:spcBef>
+                <a:spcPts val="500"/>
+              </a:spcBef>
+              <a:buFont typeface="Arial" panose="020B0604020202020204" pitchFamily="34" charset="0"/>
+              <a:buNone/>
+              <a:defRPr sz="1600" kern="1200">
+                <a:solidFill>
+                  <a:schemeClr val="tx1"/>
+                </a:solidFill>
+                <a:latin typeface="+mn-lt"/>
+                <a:ea typeface="+mn-ea"/>
+                <a:cs typeface="+mn-cs"/>
+              </a:defRPr>
+            </a:lvl9pPr>
+          </a:lstStyle>
+          <a:p>
+            <a:pPr algn="l"/>
+            <a:endParaRPr lang="en-US" sz="5400" dirty="0">
+              <a:solidFill>
+                <a:schemeClr val="bg1"/>
+              </a:solidFill>
+            </a:endParaRPr>
+          </a:p>
+        </p:txBody>
+      </p:sp>
+      <p:sp>
+        <p:nvSpPr>
+          <p:cNvPr id="2" name="Rectangle 1"/>
+          <p:cNvSpPr/>
+          <p:nvPr/>
+        </p:nvSpPr>
+        <p:spPr>
+          <a:xfrm>
+            <a:off x="747738" y="893562"/>
+            <a:ext cx="10765971" cy="1569660"/>
+          </a:xfrm>
+          <a:prstGeom prst="rect">
+            <a:avLst/>
+          </a:prstGeom>
+        </p:spPr>
+        <p:txBody>
+          <a:bodyPr wrap="square">
+            <a:spAutoFit/>
+          </a:bodyPr>
+          <a:lstStyle/>
+          <a:p>
+            <a:pPr algn="ctr"/>
+            <a:r>
+              <a:rPr lang="en-US" altLang="zh-CN" sz="4800" dirty="0" smtClean="0">
+                <a:solidFill>
+                  <a:schemeClr val="bg1"/>
+                </a:solidFill>
+              </a:rPr>
+              <a:t>Introduction of Experiment</a:t>
+            </a:r>
+            <a:r>
+              <a:rPr lang="en-US" altLang="zh-CN" sz="4800" dirty="0">
+                <a:solidFill>
+                  <a:schemeClr val="bg1"/>
+                </a:solidFill>
+              </a:rPr>
+              <a:t>:</a:t>
+            </a:r>
+            <a:endParaRPr lang="en-US" altLang="zh-CN" sz="4800" dirty="0" smtClean="0">
+              <a:solidFill>
+                <a:schemeClr val="bg1"/>
+              </a:solidFill>
+            </a:endParaRPr>
+          </a:p>
+          <a:p>
+            <a:pPr algn="ctr"/>
+            <a:r>
+              <a:rPr lang="en-US" altLang="zh-CN" sz="4800" dirty="0" smtClean="0">
+                <a:solidFill>
+                  <a:schemeClr val="bg1"/>
+                </a:solidFill>
+              </a:rPr>
+              <a:t>Chinese Medical Short Text Classification</a:t>
+            </a:r>
+            <a:endParaRPr lang="en-US" altLang="zh-CN" sz="4800" dirty="0">
+              <a:solidFill>
+                <a:schemeClr val="bg1"/>
+              </a:solidFill>
+            </a:endParaRPr>
+          </a:p>
+        </p:txBody>
+      </p:sp>
+      <p:sp>
+        <p:nvSpPr>
+          <p:cNvPr id="6" name="Shape 94">
+            <a:extLst>
+              <a:ext uri="{FF2B5EF4-FFF2-40B4-BE49-F238E27FC236}">
+                <a16:creationId xmlns:a16="http://schemas.microsoft.com/office/drawing/2014/main" id="{A7725CAB-94AB-4449-9545-280382979BEB}"/>
+              </a:ext>
+            </a:extLst>
+          </p:cNvPr>
+          <p:cNvSpPr txBox="1"/>
+          <p:nvPr/>
+        </p:nvSpPr>
+        <p:spPr>
+          <a:xfrm>
+            <a:off x="6391564" y="3104869"/>
+            <a:ext cx="5048254" cy="2034493"/>
+          </a:xfrm>
+          <a:prstGeom prst="rect">
+            <a:avLst/>
+          </a:prstGeom>
+          <a:noFill/>
+          <a:ln>
+            <a:noFill/>
+          </a:ln>
+        </p:spPr>
+        <p:txBody>
+          <a:bodyPr lIns="34285" tIns="17138" rIns="34285" bIns="17138" anchor="t" anchorCtr="0">
+            <a:noAutofit/>
+          </a:bodyPr>
+          <a:lstStyle/>
+          <a:p>
+            <a:pPr algn="ctr">
+              <a:buSzPct val="25000"/>
+            </a:pPr>
+            <a:r>
+              <a:rPr lang="en-US" altLang="zh-CN" sz="2800" b="1" dirty="0">
+                <a:solidFill>
+                  <a:srgbClr val="FFFFFF"/>
+                </a:solidFill>
+                <a:latin typeface="Calibri" panose="020F0502020204030204"/>
+                <a:ea typeface="Montserrat" panose="02000505000000020004"/>
+                <a:cs typeface="Times New Roman" panose="02020603050405020304" pitchFamily="18" charset="0"/>
+                <a:sym typeface="Montserrat" panose="02000505000000020004"/>
+              </a:rPr>
+              <a:t>Hui </a:t>
+            </a:r>
+            <a:r>
+              <a:rPr lang="en-US" altLang="zh-CN" sz="2800" b="1" dirty="0" smtClean="0">
+                <a:solidFill>
+                  <a:srgbClr val="FFFFFF"/>
+                </a:solidFill>
+                <a:latin typeface="Calibri" panose="020F0502020204030204"/>
+                <a:ea typeface="Montserrat" panose="02000505000000020004"/>
+                <a:cs typeface="Times New Roman" panose="02020603050405020304" pitchFamily="18" charset="0"/>
+                <a:sym typeface="Montserrat" panose="02000505000000020004"/>
+              </a:rPr>
+              <a:t>Zong</a:t>
+            </a:r>
+          </a:p>
+          <a:p>
+            <a:pPr algn="ctr">
+              <a:buSzPct val="25000"/>
+            </a:pPr>
+            <a:r>
+              <a:rPr lang="en-US" altLang="zh-CN" sz="2800" dirty="0" err="1" smtClean="0">
+                <a:solidFill>
+                  <a:srgbClr val="FFFFFF"/>
+                </a:solidFill>
+                <a:latin typeface="Calibri" panose="020F0502020204030204"/>
+                <a:ea typeface="Montserrat" panose="02000505000000020004"/>
+                <a:cs typeface="Times New Roman" panose="02020603050405020304" pitchFamily="18" charset="0"/>
+                <a:sym typeface="Montserrat" panose="02000505000000020004"/>
+              </a:rPr>
+              <a:t>Phd</a:t>
+            </a:r>
+            <a:r>
+              <a:rPr lang="en-US" altLang="zh-CN" sz="2800" dirty="0" smtClean="0">
+                <a:solidFill>
+                  <a:srgbClr val="FFFFFF"/>
+                </a:solidFill>
+                <a:latin typeface="Calibri" panose="020F0502020204030204"/>
+                <a:ea typeface="Montserrat" panose="02000505000000020004"/>
+                <a:cs typeface="Times New Roman" panose="02020603050405020304" pitchFamily="18" charset="0"/>
+                <a:sym typeface="Montserrat" panose="02000505000000020004"/>
+              </a:rPr>
+              <a:t> Candidate,</a:t>
+            </a:r>
+            <a:endParaRPr lang="en-US" altLang="zh-CN" sz="2800" dirty="0">
+              <a:solidFill>
+                <a:srgbClr val="FFFFFF"/>
+              </a:solidFill>
+              <a:latin typeface="Calibri" panose="020F0502020204030204"/>
+              <a:ea typeface="Montserrat" panose="02000505000000020004"/>
+              <a:cs typeface="Times New Roman" panose="02020603050405020304" pitchFamily="18" charset="0"/>
+              <a:sym typeface="Montserrat" panose="02000505000000020004"/>
+            </a:endParaRPr>
+          </a:p>
+          <a:p>
+            <a:pPr algn="ctr">
+              <a:buSzPct val="25000"/>
+            </a:pPr>
+            <a:r>
+              <a:rPr lang="en-US" altLang="zh-CN" sz="2800" dirty="0">
+                <a:solidFill>
+                  <a:srgbClr val="FFFFFF"/>
+                </a:solidFill>
+                <a:latin typeface="Calibri" panose="020F0502020204030204"/>
+                <a:ea typeface="宋体" panose="02010600030101010101" pitchFamily="2" charset="-122"/>
+                <a:sym typeface="Montserrat" panose="02000505000000020004"/>
+              </a:rPr>
+              <a:t>Department of Bioinformatics, </a:t>
+            </a:r>
+          </a:p>
+          <a:p>
+            <a:pPr algn="ctr">
+              <a:buSzPct val="25000"/>
+            </a:pPr>
+            <a:r>
+              <a:rPr lang="en-US" altLang="zh-CN" sz="2800" dirty="0" err="1" smtClean="0">
+                <a:solidFill>
+                  <a:srgbClr val="FFFFFF"/>
+                </a:solidFill>
+                <a:latin typeface="Calibri" panose="020F0502020204030204"/>
+                <a:ea typeface="宋体" panose="02010600030101010101" pitchFamily="2" charset="-122"/>
+                <a:sym typeface="Montserrat" panose="02000505000000020004"/>
+              </a:rPr>
+              <a:t>Tongji</a:t>
+            </a:r>
+            <a:r>
+              <a:rPr lang="en-US" altLang="zh-CN" sz="2800" dirty="0" smtClean="0">
+                <a:solidFill>
+                  <a:srgbClr val="FFFFFF"/>
+                </a:solidFill>
+                <a:latin typeface="Calibri" panose="020F0502020204030204"/>
+                <a:ea typeface="宋体" panose="02010600030101010101" pitchFamily="2" charset="-122"/>
+                <a:sym typeface="Montserrat" panose="02000505000000020004"/>
+              </a:rPr>
+              <a:t> </a:t>
+            </a:r>
+            <a:r>
+              <a:rPr lang="en-US" altLang="zh-CN" sz="2800" dirty="0">
+                <a:solidFill>
+                  <a:srgbClr val="FFFFFF"/>
+                </a:solidFill>
+                <a:latin typeface="Calibri" panose="020F0502020204030204"/>
+                <a:ea typeface="宋体" panose="02010600030101010101" pitchFamily="2" charset="-122"/>
+                <a:sym typeface="Montserrat" panose="02000505000000020004"/>
+              </a:rPr>
+              <a:t>University</a:t>
+            </a:r>
+          </a:p>
+          <a:p>
+            <a:pPr algn="ctr">
+              <a:buSzPct val="25000"/>
+            </a:pPr>
+            <a:endParaRPr lang="en-US" altLang="zh-CN" sz="2800" dirty="0">
+              <a:solidFill>
+                <a:srgbClr val="FFFFFF"/>
+              </a:solidFill>
+              <a:latin typeface="Calibri" panose="020F0502020204030204"/>
+              <a:ea typeface="Montserrat" panose="02000505000000020004"/>
+              <a:cs typeface="Times New Roman" panose="02020603050405020304" pitchFamily="18" charset="0"/>
+              <a:sym typeface="Montserrat" panose="02000505000000020004"/>
+            </a:endParaRPr>
+          </a:p>
+          <a:p>
+            <a:pPr algn="ctr">
+              <a:buSzPct val="25000"/>
+            </a:pPr>
+            <a:endParaRPr lang="en-US" sz="2800" dirty="0">
+              <a:solidFill>
+                <a:srgbClr val="FFFFFF"/>
+              </a:solidFill>
+              <a:latin typeface="Calibri" panose="020F0502020204030204"/>
+              <a:ea typeface="Montserrat" panose="02000505000000020004"/>
+              <a:cs typeface="Times New Roman" panose="02020603050405020304" pitchFamily="18" charset="0"/>
+              <a:sym typeface="Montserrat" panose="02000505000000020004"/>
+            </a:endParaRPr>
+          </a:p>
+        </p:txBody>
+      </p:sp>
+      <p:sp>
+        <p:nvSpPr>
+          <p:cNvPr id="7" name="Shape 94">
+            <a:extLst>
+              <a:ext uri="{FF2B5EF4-FFF2-40B4-BE49-F238E27FC236}">
+                <a16:creationId xmlns:a16="http://schemas.microsoft.com/office/drawing/2014/main" id="{0D3B3206-BA20-5A42-BD31-EC45DFDDABEB}"/>
+              </a:ext>
+            </a:extLst>
+          </p:cNvPr>
+          <p:cNvSpPr txBox="1"/>
+          <p:nvPr/>
+        </p:nvSpPr>
+        <p:spPr>
+          <a:xfrm>
+            <a:off x="846792" y="3104869"/>
+            <a:ext cx="4990589" cy="1984368"/>
+          </a:xfrm>
+          <a:prstGeom prst="rect">
+            <a:avLst/>
+          </a:prstGeom>
+          <a:noFill/>
+          <a:ln>
+            <a:noFill/>
+          </a:ln>
+        </p:spPr>
+        <p:txBody>
+          <a:bodyPr lIns="34285" tIns="17138" rIns="34285" bIns="17138" anchor="t" anchorCtr="0">
+            <a:noAutofit/>
+          </a:bodyPr>
+          <a:lstStyle/>
+          <a:p>
+            <a:pPr algn="ctr">
+              <a:buSzPct val="25000"/>
+            </a:pPr>
+            <a:r>
+              <a:rPr lang="en-US" altLang="zh-CN" sz="2800" b="1" dirty="0" err="1">
+                <a:solidFill>
+                  <a:srgbClr val="FFFFFF"/>
+                </a:solidFill>
+                <a:latin typeface="Calibri" panose="020F0502020204030204"/>
+                <a:ea typeface="Montserrat" panose="02000505000000020004"/>
+                <a:cs typeface="Times New Roman" panose="02020603050405020304" pitchFamily="18" charset="0"/>
+                <a:sym typeface="Montserrat" panose="02000505000000020004"/>
+              </a:rPr>
+              <a:t>ZuoFeng</a:t>
+            </a:r>
+            <a:r>
+              <a:rPr lang="en-US" altLang="zh-CN" sz="2800" b="1" dirty="0">
+                <a:solidFill>
+                  <a:srgbClr val="FFFFFF"/>
+                </a:solidFill>
+                <a:latin typeface="Calibri" panose="020F0502020204030204"/>
+                <a:ea typeface="Montserrat" panose="02000505000000020004"/>
+                <a:cs typeface="Times New Roman" panose="02020603050405020304" pitchFamily="18" charset="0"/>
+                <a:sym typeface="Montserrat" panose="02000505000000020004"/>
+              </a:rPr>
+              <a:t> Li</a:t>
+            </a:r>
+          </a:p>
+          <a:p>
+            <a:pPr algn="ctr"/>
+            <a:r>
+              <a:rPr lang="en-US" sz="2800" dirty="0">
+                <a:solidFill>
+                  <a:srgbClr val="FFFFFF"/>
+                </a:solidFill>
+                <a:latin typeface="Calibri" panose="020F0502020204030204"/>
+              </a:rPr>
+              <a:t>Principal Scientist, </a:t>
+            </a:r>
+          </a:p>
+          <a:p>
+            <a:pPr algn="ctr"/>
+            <a:r>
+              <a:rPr lang="en-US" sz="2800" dirty="0">
+                <a:solidFill>
+                  <a:srgbClr val="FFFFFF"/>
+                </a:solidFill>
+                <a:latin typeface="Calibri" panose="020F0502020204030204"/>
+              </a:rPr>
+              <a:t>Biomedical informatics,</a:t>
+            </a:r>
+            <a:br>
+              <a:rPr lang="en-US" sz="2800" dirty="0">
+                <a:solidFill>
+                  <a:srgbClr val="FFFFFF"/>
+                </a:solidFill>
+                <a:latin typeface="Calibri" panose="020F0502020204030204"/>
+              </a:rPr>
+            </a:br>
+            <a:r>
+              <a:rPr lang="en-US" sz="2800" dirty="0">
+                <a:solidFill>
+                  <a:srgbClr val="FFFFFF"/>
+                </a:solidFill>
+                <a:latin typeface="Calibri" panose="020F0502020204030204"/>
+              </a:rPr>
+              <a:t>Philips Research China – </a:t>
+            </a:r>
+            <a:r>
+              <a:rPr lang="en-US" sz="2800" dirty="0" smtClean="0">
+                <a:solidFill>
+                  <a:srgbClr val="FFFFFF"/>
+                </a:solidFill>
+                <a:latin typeface="Calibri" panose="020F0502020204030204"/>
+              </a:rPr>
+              <a:t>PD&amp;IGT</a:t>
+            </a:r>
+            <a:endParaRPr lang="en-US" sz="2800" dirty="0">
+              <a:solidFill>
+                <a:srgbClr val="FFFFFF"/>
+              </a:solidFill>
+              <a:latin typeface="Calibri" panose="020F0502020204030204"/>
+            </a:endParaRPr>
+          </a:p>
+          <a:p>
+            <a:pPr algn="ctr">
+              <a:buSzPct val="25000"/>
+            </a:pPr>
+            <a:endParaRPr lang="en-US" sz="2800" dirty="0">
+              <a:solidFill>
+                <a:srgbClr val="FFFFFF"/>
+              </a:solidFill>
+              <a:latin typeface="Calibri" panose="020F0502020204030204"/>
+              <a:ea typeface="Montserrat" panose="02000505000000020004"/>
+              <a:cs typeface="Times New Roman" panose="02020603050405020304" pitchFamily="18" charset="0"/>
+              <a:sym typeface="Montserrat" panose="02000505000000020004"/>
+            </a:endParaRPr>
+          </a:p>
+        </p:txBody>
+      </p:sp>
+    </p:spTree>
+    <p:extLst>
+      <p:ext uri="{BB962C8B-B14F-4D97-AF65-F5344CB8AC3E}">
+        <p14:creationId xmlns:p14="http://schemas.microsoft.com/office/powerpoint/2010/main" val="1810473941"/>
+      </p:ext>
+    </p:extLst>
+  </p:cSld>
+  <p:clrMapOvr>
+    <a:masterClrMapping/>
+  </p:clrMapOvr>
+  <p:timing>
+    <p:tnLst>
+      <p:par>
+        <p:cTn id="1" dur="indefinite" restart="never" nodeType="tmRoot"/>
+      </p:par>
+    </p:tnLst>
+  </p:timing>
+</p:sld>
+</file>
+
+<file path=ppt/slides/slide2.xml><?xml version="1.0" encoding="utf-8"?>
+<p:sld xmlns:a="http://schemas.openxmlformats.org/drawingml/2006/main" xmlns:r="http://schemas.openxmlformats.org/officeDocument/2006/relationships" xmlns:p="http://schemas.openxmlformats.org/presentationml/2006/main">
+  <p:cSld>
     <p:spTree>
       <p:nvGrpSpPr>
         <p:cNvPr id="1" name=""/>
@@ -6326,7 +7661,7 @@
           <a:p>
             <a:fld id="{D466C35F-1F30-492D-A3FD-07E7992BCAA9}" type="slidenum">
               <a:rPr lang="en-US" smtClean="0"/>
-              <a:t>10</a:t>
+              <a:t>2</a:t>
             </a:fld>
             <a:endParaRPr lang="en-US"/>
           </a:p>
@@ -6354,14 +7689,24 @@
           <a:lstStyle/>
           <a:p>
             <a:r>
-              <a:rPr lang="zh-CN" altLang="en-US" sz="4400" b="1" kern="100" dirty="0" smtClean="0">
+              <a:rPr lang="zh-CN" altLang="en-US" sz="4400" b="1" kern="100" dirty="0">
                 <a:solidFill>
                   <a:srgbClr val="0070C0"/>
                 </a:solidFill>
                 <a:latin typeface="Times New Roman" panose="02020603050405020304" pitchFamily="18" charset="0"/>
                 <a:cs typeface="Times New Roman" panose="02020603050405020304" pitchFamily="18" charset="0"/>
               </a:rPr>
-              <a:t>朴素贝叶斯</a:t>
+              <a:t>目</a:t>
+            </a:r>
+            <a:r>
+              <a:rPr lang="zh-CN" altLang="en-US" sz="4400" b="1" kern="100" dirty="0" smtClean="0">
+                <a:solidFill>
+                  <a:srgbClr val="0070C0"/>
+                </a:solidFill>
+                <a:latin typeface="Times New Roman" panose="02020603050405020304" pitchFamily="18" charset="0"/>
+                <a:cs typeface="Times New Roman" panose="02020603050405020304" pitchFamily="18" charset="0"/>
+              </a:rPr>
+              <a:t>标</a:t>
             </a:r>
             <a:endParaRPr lang="en-US" altLang="zh-CN" sz="4400" b="1" kern="100" dirty="0">
               <a:solidFill>
@@ -6391,7 +7736,7 @@
         </p:spPr>
         <p:txBody>
           <a:bodyPr>
-            <a:normAutofit/>
+            <a:normAutofit fontScale="92500" lnSpcReduction="20000"/>
           </a:bodyPr>
           <a:lstStyle/>
           <a:p>
@@ -6400,77 +7745,158 @@
                 <a:spcPct val="150000"/>
               </a:lnSpc>
             </a:pPr>
-            <a:endParaRPr lang="en-US" sz="4000" dirty="0">
+            <a:r>
+              <a:rPr lang="zh-CN" altLang="en-US" sz="4000" dirty="0" smtClean="0">
+                <a:latin typeface="微软雅黑" panose="020B0503020204020204" pitchFamily="34" charset="-122"/>
+                <a:ea typeface="微软雅黑" panose="020B0503020204020204" pitchFamily="34" charset="-122"/>
+              </a:rPr>
+              <a:t>了解词向量和</a:t>
+            </a:r>
+            <a:r>
+              <a:rPr lang="en-US" altLang="zh-CN" sz="4000" dirty="0" smtClean="0">
+                <a:latin typeface="微软雅黑" panose="020B0503020204020204" pitchFamily="34" charset="-122"/>
+                <a:ea typeface="微软雅黑" panose="020B0503020204020204" pitchFamily="34" charset="-122"/>
+              </a:rPr>
+              <a:t>TF-IDF</a:t>
+            </a:r>
+            <a:r>
+              <a:rPr lang="zh-CN" altLang="en-US" sz="4000" dirty="0" smtClean="0">
+                <a:latin typeface="微软雅黑" panose="020B0503020204020204" pitchFamily="34" charset="-122"/>
+                <a:ea typeface="微软雅黑" panose="020B0503020204020204" pitchFamily="34" charset="-122"/>
+              </a:rPr>
+              <a:t>的概念。</a:t>
+            </a:r>
+            <a:endParaRPr lang="en-US" altLang="zh-CN" sz="4000" dirty="0" smtClean="0">
               <a:latin typeface="微软雅黑" panose="020B0503020204020204" pitchFamily="34" charset="-122"/>
               <a:ea typeface="微软雅黑" panose="020B0503020204020204" pitchFamily="34" charset="-122"/>
             </a:endParaRPr>
           </a:p>
+          <a:p>
+            <a:pPr>
+              <a:lnSpc>
+                <a:spcPct val="150000"/>
+              </a:lnSpc>
+            </a:pPr>
+            <a:r>
+              <a:rPr lang="zh-CN" altLang="en-US" sz="4000" dirty="0" smtClean="0">
+                <a:latin typeface="微软雅黑" panose="020B0503020204020204" pitchFamily="34" charset="-122"/>
+                <a:ea typeface="微软雅黑" panose="020B0503020204020204" pitchFamily="34" charset="-122"/>
+              </a:rPr>
+              <a:t>基于</a:t>
+            </a:r>
+            <a:r>
+              <a:rPr lang="en-US" altLang="zh-CN" sz="4000" dirty="0" err="1">
+                <a:latin typeface="微软雅黑" panose="020B0503020204020204" pitchFamily="34" charset="-122"/>
+                <a:ea typeface="微软雅黑" panose="020B0503020204020204" pitchFamily="34" charset="-122"/>
+              </a:rPr>
+              <a:t>S</a:t>
+            </a:r>
+            <a:r>
+              <a:rPr lang="en-US" altLang="zh-CN" sz="4000" dirty="0" err="1" smtClean="0">
+                <a:latin typeface="微软雅黑" panose="020B0503020204020204" pitchFamily="34" charset="-122"/>
+                <a:ea typeface="微软雅黑" panose="020B0503020204020204" pitchFamily="34" charset="-122"/>
+              </a:rPr>
+              <a:t>klearn+JupyterNotebook</a:t>
+            </a:r>
+            <a:r>
+              <a:rPr lang="zh-CN" altLang="en-US" sz="4000" dirty="0" smtClean="0">
+                <a:latin typeface="微软雅黑" panose="020B0503020204020204" pitchFamily="34" charset="-122"/>
+                <a:ea typeface="微软雅黑" panose="020B0503020204020204" pitchFamily="34" charset="-122"/>
+              </a:rPr>
+              <a:t>，学会机器学习模型的基本使用。</a:t>
+            </a:r>
+          </a:p>
+          <a:p>
+            <a:pPr>
+              <a:lnSpc>
+                <a:spcPct val="150000"/>
+              </a:lnSpc>
+            </a:pPr>
+            <a:r>
+              <a:rPr lang="zh-CN" altLang="en-US" sz="4000" dirty="0" smtClean="0">
+                <a:latin typeface="微软雅黑" panose="020B0503020204020204" pitchFamily="34" charset="-122"/>
+                <a:ea typeface="微软雅黑" panose="020B0503020204020204" pitchFamily="34" charset="-122"/>
+              </a:rPr>
+              <a:t>能够训练模型解决医学临床中的自然语言处理问题</a:t>
+            </a:r>
+            <a:r>
+              <a:rPr lang="en-US" altLang="zh-CN" sz="4000" dirty="0" smtClean="0">
+                <a:latin typeface="微软雅黑" panose="020B0503020204020204" pitchFamily="34" charset="-122"/>
+                <a:ea typeface="微软雅黑" panose="020B0503020204020204" pitchFamily="34" charset="-122"/>
+              </a:rPr>
+              <a:t>(</a:t>
+            </a:r>
+            <a:r>
+              <a:rPr lang="zh-CN" altLang="en-US" sz="4000" dirty="0" smtClean="0">
+                <a:latin typeface="微软雅黑" panose="020B0503020204020204" pitchFamily="34" charset="-122"/>
+                <a:ea typeface="微软雅黑" panose="020B0503020204020204" pitchFamily="34" charset="-122"/>
+              </a:rPr>
+              <a:t>如文本分类等</a:t>
+            </a:r>
+            <a:r>
+              <a:rPr lang="en-US" altLang="zh-CN" sz="4000" dirty="0" smtClean="0">
+                <a:latin typeface="微软雅黑" panose="020B0503020204020204" pitchFamily="34" charset="-122"/>
+                <a:ea typeface="微软雅黑" panose="020B0503020204020204" pitchFamily="34" charset="-122"/>
+              </a:rPr>
+              <a:t>)</a:t>
+            </a:r>
+            <a:r>
+              <a:rPr lang="zh-CN" altLang="en-US" sz="4000" dirty="0" smtClean="0">
+                <a:latin typeface="微软雅黑" panose="020B0503020204020204" pitchFamily="34" charset="-122"/>
+                <a:ea typeface="微软雅黑" panose="020B0503020204020204" pitchFamily="34" charset="-122"/>
+              </a:rPr>
+              <a:t>。</a:t>
+            </a:r>
+            <a:endParaRPr lang="en-US" altLang="zh-CN" sz="4000" dirty="0" smtClean="0">
+              <a:latin typeface="微软雅黑" panose="020B0503020204020204" pitchFamily="34" charset="-122"/>
+              <a:ea typeface="微软雅黑" panose="020B0503020204020204" pitchFamily="34" charset="-122"/>
+            </a:endParaRPr>
+          </a:p>
+          <a:p>
+            <a:pPr>
+              <a:lnSpc>
+                <a:spcPct val="150000"/>
+              </a:lnSpc>
+            </a:pPr>
+            <a:r>
+              <a:rPr lang="zh-CN" altLang="en-US" sz="4000" dirty="0" smtClean="0">
+                <a:latin typeface="微软雅黑" panose="020B0503020204020204" pitchFamily="34" charset="-122"/>
+                <a:ea typeface="微软雅黑" panose="020B0503020204020204" pitchFamily="34" charset="-122"/>
+              </a:rPr>
+              <a:t>基于</a:t>
+            </a:r>
+            <a:r>
+              <a:rPr lang="en-US" altLang="zh-CN" sz="4000" dirty="0" err="1" smtClean="0">
+                <a:latin typeface="微软雅黑" panose="020B0503020204020204" pitchFamily="34" charset="-122"/>
+                <a:ea typeface="微软雅黑" panose="020B0503020204020204" pitchFamily="34" charset="-122"/>
+              </a:rPr>
+              <a:t>Pyramid+Docker</a:t>
+            </a:r>
+            <a:r>
+              <a:rPr lang="zh-CN" altLang="en-US" sz="4000" dirty="0">
+                <a:latin typeface="微软雅黑" panose="020B0503020204020204" pitchFamily="34" charset="-122"/>
+                <a:ea typeface="微软雅黑" panose="020B0503020204020204" pitchFamily="34" charset="-122"/>
+              </a:rPr>
+              <a:t>，</a:t>
+            </a:r>
+            <a:r>
+              <a:rPr lang="zh-CN" altLang="en-US" sz="4000" dirty="0" smtClean="0">
+                <a:latin typeface="微软雅黑" panose="020B0503020204020204" pitchFamily="34" charset="-122"/>
+                <a:ea typeface="微软雅黑" panose="020B0503020204020204" pitchFamily="34" charset="-122"/>
+              </a:rPr>
+              <a:t>将模型转化为网页应用</a:t>
+            </a:r>
+            <a:endParaRPr lang="en-US" altLang="zh-CN" sz="4000" dirty="0" smtClean="0">
+              <a:latin typeface="微软雅黑" panose="020B0503020204020204" pitchFamily="34" charset="-122"/>
+              <a:ea typeface="微软雅黑" panose="020B0503020204020204" pitchFamily="34" charset="-122"/>
+            </a:endParaRPr>
+          </a:p>
         </p:txBody>
       </p:sp>
-      <p:pic>
-        <p:nvPicPr>
-          <p:cNvPr id="4" name="Picture 3"/>
-          <p:cNvPicPr>
-            <a:picLocks noChangeAspect="1"/>
-          </p:cNvPicPr>
-          <p:nvPr/>
-        </p:nvPicPr>
-        <p:blipFill>
-          <a:blip r:embed="rId3" cstate="print">
-            <a:extLst>
-              <a:ext uri="{28A0092B-C50C-407E-A947-70E740481C1C}">
-                <a14:useLocalDpi xmlns:a14="http://schemas.microsoft.com/office/drawing/2010/main" val="0"/>
-              </a:ext>
-            </a:extLst>
-          </a:blip>
-          <a:stretch>
-            <a:fillRect/>
-          </a:stretch>
-        </p:blipFill>
-        <p:spPr>
-          <a:xfrm>
-            <a:off x="10167687" y="128816"/>
-            <a:ext cx="1349542" cy="523368"/>
-          </a:xfrm>
-          <a:prstGeom prst="rect">
-            <a:avLst/>
-          </a:prstGeom>
-        </p:spPr>
-      </p:pic>
-      <p:pic>
-        <p:nvPicPr>
-          <p:cNvPr id="5" name="Picture 4"/>
-          <p:cNvPicPr>
-            <a:picLocks noChangeAspect="1"/>
-          </p:cNvPicPr>
-          <p:nvPr/>
-        </p:nvPicPr>
-        <p:blipFill>
-          <a:blip r:embed="rId4" cstate="print">
-            <a:extLst>
-              <a:ext uri="{28A0092B-C50C-407E-A947-70E740481C1C}">
-                <a14:useLocalDpi xmlns:a14="http://schemas.microsoft.com/office/drawing/2010/main" val="0"/>
-              </a:ext>
-            </a:extLst>
-          </a:blip>
-          <a:stretch>
-            <a:fillRect/>
-          </a:stretch>
-        </p:blipFill>
-        <p:spPr>
-          <a:xfrm>
-            <a:off x="11480800" y="6022"/>
-            <a:ext cx="711199" cy="711199"/>
-          </a:xfrm>
-          <a:prstGeom prst="rect">
-            <a:avLst/>
-          </a:prstGeom>
-        </p:spPr>
-      </p:pic>
     </p:spTree>
     <p:extLst>
       <p:ext uri="{BB962C8B-B14F-4D97-AF65-F5344CB8AC3E}">
-        <p14:creationId xmlns:p14="http://schemas.microsoft.com/office/powerpoint/2010/main" val="3254522425"/>
+        <p14:creationId xmlns:p14="http://schemas.microsoft.com/office/powerpoint/2010/main" val="855327251"/>
       </p:ext>
     </p:extLst>
   </p:cSld>
@@ -6487,7 +7913,7 @@
 </p:sld>
 </file>
 
-<file path=ppt/slides/slide11.xml><?xml version="1.0" encoding="utf-8"?>
+<file path=ppt/slides/slide3.xml><?xml version="1.0" encoding="utf-8"?>
 <p:sld xmlns:a="http://schemas.openxmlformats.org/drawingml/2006/main" xmlns:r="http://schemas.openxmlformats.org/officeDocument/2006/relationships" xmlns:p="http://schemas.openxmlformats.org/presentationml/2006/main">
   <p:cSld>
     <p:spTree>
@@ -6814,7 +8240,7 @@
           <a:p>
             <a:fld id="{D466C35F-1F30-492D-A3FD-07E7992BCAA9}" type="slidenum">
               <a:rPr lang="en-US" smtClean="0"/>
-              <a:t>11</a:t>
+              <a:t>3</a:t>
             </a:fld>
             <a:endParaRPr lang="en-US"/>
           </a:p>
@@ -6842,2209 +8268,14 @@
           <a:lstStyle/>
           <a:p>
             <a:r>
-              <a:rPr lang="zh-CN" altLang="en-US" sz="4400" b="1" kern="100" dirty="0">
+              <a:rPr lang="zh-CN" altLang="en-US" sz="4400" b="1" kern="100" dirty="0" smtClean="0">
                 <a:solidFill>
                   <a:srgbClr val="0070C0"/>
                 </a:solidFill>
                 <a:latin typeface="Times New Roman" panose="02020603050405020304" pitchFamily="18" charset="0"/>
                 <a:cs typeface="Times New Roman" panose="02020603050405020304" pitchFamily="18" charset="0"/>
               </a:rPr>
-              <a:t>神经网络</a:t>
-            </a:r>
-            <a:endParaRPr lang="en-US" altLang="zh-CN" sz="4400" b="1" kern="100" dirty="0">
-              <a:solidFill>
-                <a:srgbClr val="0070C0"/>
-              </a:solidFill>
-              <a:latin typeface="Times New Roman" panose="02020603050405020304" pitchFamily="18" charset="0"/>
-              <a:cs typeface="Times New Roman" panose="02020603050405020304" pitchFamily="18" charset="0"/>
-            </a:endParaRPr>
-          </a:p>
-        </p:txBody>
-      </p:sp>
-      <p:sp>
-        <p:nvSpPr>
-          <p:cNvPr id="3" name="Content Placeholder 2"/>
-          <p:cNvSpPr>
-            <a:spLocks noGrp="1"/>
-          </p:cNvSpPr>
-          <p:nvPr>
-            <p:ph idx="1"/>
-          </p:nvPr>
-        </p:nvSpPr>
-        <p:spPr>
-          <a:xfrm>
-            <a:off x="838200" y="1175657"/>
-            <a:ext cx="10515600" cy="5001306"/>
-          </a:xfrm>
-        </p:spPr>
-        <p:txBody>
-          <a:bodyPr>
-            <a:noAutofit/>
-          </a:bodyPr>
-          <a:lstStyle/>
-          <a:p>
-            <a:pPr>
-              <a:lnSpc>
-                <a:spcPct val="150000"/>
-              </a:lnSpc>
-            </a:pPr>
-            <a:r>
-              <a:rPr lang="zh-CN" altLang="en-US" sz="2400" dirty="0" smtClean="0">
-                <a:latin typeface="微软雅黑" panose="020B0503020204020204" pitchFamily="34" charset="-122"/>
-                <a:ea typeface="微软雅黑" panose="020B0503020204020204" pitchFamily="34" charset="-122"/>
-              </a:rPr>
-              <a:t>超参数</a:t>
-            </a:r>
-          </a:p>
-          <a:p>
-            <a:pPr lvl="1">
-              <a:lnSpc>
-                <a:spcPct val="150000"/>
-              </a:lnSpc>
-            </a:pPr>
-            <a:r>
-              <a:rPr lang="zh-CN" altLang="en-US" sz="1800" dirty="0" smtClean="0">
-                <a:latin typeface="微软雅黑" panose="020B0503020204020204" pitchFamily="34" charset="-122"/>
-                <a:ea typeface="微软雅黑" panose="020B0503020204020204" pitchFamily="34" charset="-122"/>
-              </a:rPr>
-              <a:t>学习率</a:t>
-            </a:r>
-            <a:r>
-              <a:rPr lang="en-US" altLang="zh-CN" sz="1800" dirty="0" smtClean="0">
-                <a:latin typeface="微软雅黑" panose="020B0503020204020204" pitchFamily="34" charset="-122"/>
-                <a:ea typeface="微软雅黑" panose="020B0503020204020204" pitchFamily="34" charset="-122"/>
-              </a:rPr>
-              <a:t>(</a:t>
-            </a:r>
-            <a:r>
-              <a:rPr lang="en-US" sz="1800" dirty="0" smtClean="0">
-                <a:latin typeface="微软雅黑" panose="020B0503020204020204" pitchFamily="34" charset="-122"/>
-                <a:ea typeface="微软雅黑" panose="020B0503020204020204" pitchFamily="34" charset="-122"/>
-              </a:rPr>
-              <a:t>learning rate)</a:t>
-            </a:r>
-          </a:p>
-          <a:p>
-            <a:pPr lvl="1">
-              <a:lnSpc>
-                <a:spcPct val="150000"/>
-              </a:lnSpc>
-            </a:pPr>
-            <a:r>
-              <a:rPr lang="zh-CN" altLang="en-US" sz="1800" dirty="0" smtClean="0">
-                <a:latin typeface="微软雅黑" panose="020B0503020204020204" pitchFamily="34" charset="-122"/>
-                <a:ea typeface="微软雅黑" panose="020B0503020204020204" pitchFamily="34" charset="-122"/>
-              </a:rPr>
-              <a:t>权值初始化</a:t>
-            </a:r>
-            <a:r>
-              <a:rPr lang="en-US" altLang="zh-CN" sz="1800" dirty="0" smtClean="0">
-                <a:latin typeface="微软雅黑" panose="020B0503020204020204" pitchFamily="34" charset="-122"/>
-                <a:ea typeface="微软雅黑" panose="020B0503020204020204" pitchFamily="34" charset="-122"/>
-              </a:rPr>
-              <a:t>(</a:t>
-            </a:r>
-            <a:r>
-              <a:rPr lang="en-US" sz="1800" dirty="0" smtClean="0">
-                <a:latin typeface="微软雅黑" panose="020B0503020204020204" pitchFamily="34" charset="-122"/>
-                <a:ea typeface="微软雅黑" panose="020B0503020204020204" pitchFamily="34" charset="-122"/>
-              </a:rPr>
-              <a:t>Weight Initialization)</a:t>
-            </a:r>
-          </a:p>
-          <a:p>
-            <a:pPr lvl="1">
-              <a:lnSpc>
-                <a:spcPct val="150000"/>
-              </a:lnSpc>
-            </a:pPr>
-            <a:r>
-              <a:rPr lang="zh-CN" altLang="en-US" sz="1800" dirty="0" smtClean="0">
-                <a:latin typeface="微软雅黑" panose="020B0503020204020204" pitchFamily="34" charset="-122"/>
-                <a:ea typeface="微软雅黑" panose="020B0503020204020204" pitchFamily="34" charset="-122"/>
-              </a:rPr>
-              <a:t>网络层数</a:t>
-            </a:r>
-            <a:r>
-              <a:rPr lang="en-US" altLang="zh-CN" sz="1800" dirty="0" smtClean="0">
-                <a:latin typeface="微软雅黑" panose="020B0503020204020204" pitchFamily="34" charset="-122"/>
-                <a:ea typeface="微软雅黑" panose="020B0503020204020204" pitchFamily="34" charset="-122"/>
-              </a:rPr>
-              <a:t>(</a:t>
-            </a:r>
-            <a:r>
-              <a:rPr lang="en-US" sz="1800" dirty="0" smtClean="0">
-                <a:latin typeface="微软雅黑" panose="020B0503020204020204" pitchFamily="34" charset="-122"/>
-                <a:ea typeface="微软雅黑" panose="020B0503020204020204" pitchFamily="34" charset="-122"/>
-              </a:rPr>
-              <a:t>Layers)</a:t>
-            </a:r>
-          </a:p>
-          <a:p>
-            <a:pPr lvl="1">
-              <a:lnSpc>
-                <a:spcPct val="150000"/>
-              </a:lnSpc>
-            </a:pPr>
-            <a:r>
-              <a:rPr lang="zh-CN" altLang="en-US" sz="1800" dirty="0" smtClean="0">
-                <a:latin typeface="微软雅黑" panose="020B0503020204020204" pitchFamily="34" charset="-122"/>
-                <a:ea typeface="微软雅黑" panose="020B0503020204020204" pitchFamily="34" charset="-122"/>
-              </a:rPr>
-              <a:t>单层神经元数</a:t>
-            </a:r>
-            <a:r>
-              <a:rPr lang="en-US" altLang="zh-CN" sz="1800" dirty="0" smtClean="0">
-                <a:latin typeface="微软雅黑" panose="020B0503020204020204" pitchFamily="34" charset="-122"/>
-                <a:ea typeface="微软雅黑" panose="020B0503020204020204" pitchFamily="34" charset="-122"/>
-              </a:rPr>
-              <a:t>(</a:t>
-            </a:r>
-            <a:r>
-              <a:rPr lang="en-US" sz="1800" dirty="0" smtClean="0">
-                <a:latin typeface="微软雅黑" panose="020B0503020204020204" pitchFamily="34" charset="-122"/>
-                <a:ea typeface="微软雅黑" panose="020B0503020204020204" pitchFamily="34" charset="-122"/>
-              </a:rPr>
-              <a:t>Units)</a:t>
-            </a:r>
-          </a:p>
-          <a:p>
-            <a:pPr>
-              <a:lnSpc>
-                <a:spcPct val="150000"/>
-              </a:lnSpc>
-            </a:pPr>
-            <a:r>
-              <a:rPr lang="zh-CN" altLang="en-US" sz="2400" dirty="0" smtClean="0">
-                <a:latin typeface="微软雅黑" panose="020B0503020204020204" pitchFamily="34" charset="-122"/>
-                <a:ea typeface="微软雅黑" panose="020B0503020204020204" pitchFamily="34" charset="-122"/>
-              </a:rPr>
-              <a:t>随机梯度算法</a:t>
-            </a:r>
-            <a:r>
-              <a:rPr lang="en-US" altLang="zh-CN" sz="2400" dirty="0" smtClean="0">
-                <a:latin typeface="微软雅黑" panose="020B0503020204020204" pitchFamily="34" charset="-122"/>
-                <a:ea typeface="微软雅黑" panose="020B0503020204020204" pitchFamily="34" charset="-122"/>
-              </a:rPr>
-              <a:t>(</a:t>
-            </a:r>
-            <a:r>
-              <a:rPr lang="en-US" sz="2400" dirty="0" smtClean="0">
-                <a:latin typeface="微软雅黑" panose="020B0503020204020204" pitchFamily="34" charset="-122"/>
-                <a:ea typeface="微软雅黑" panose="020B0503020204020204" pitchFamily="34" charset="-122"/>
-              </a:rPr>
-              <a:t>SGD)</a:t>
-            </a:r>
-          </a:p>
-          <a:p>
-            <a:pPr lvl="1">
-              <a:lnSpc>
-                <a:spcPct val="150000"/>
-              </a:lnSpc>
-            </a:pPr>
-            <a:r>
-              <a:rPr lang="zh-CN" altLang="en-US" sz="1800" dirty="0" smtClean="0">
-                <a:latin typeface="微软雅黑" panose="020B0503020204020204" pitchFamily="34" charset="-122"/>
-                <a:ea typeface="微软雅黑" panose="020B0503020204020204" pitchFamily="34" charset="-122"/>
-              </a:rPr>
-              <a:t>迭代期</a:t>
-            </a:r>
-            <a:r>
-              <a:rPr lang="en-US" altLang="zh-CN" sz="1800" dirty="0" smtClean="0">
-                <a:latin typeface="微软雅黑" panose="020B0503020204020204" pitchFamily="34" charset="-122"/>
-                <a:ea typeface="微软雅黑" panose="020B0503020204020204" pitchFamily="34" charset="-122"/>
-              </a:rPr>
-              <a:t>(</a:t>
-            </a:r>
-            <a:r>
-              <a:rPr lang="en-US" sz="1800" dirty="0" smtClean="0">
-                <a:latin typeface="微软雅黑" panose="020B0503020204020204" pitchFamily="34" charset="-122"/>
-                <a:ea typeface="微软雅黑" panose="020B0503020204020204" pitchFamily="34" charset="-122"/>
-              </a:rPr>
-              <a:t>Epoch)</a:t>
-            </a:r>
-          </a:p>
-          <a:p>
-            <a:pPr lvl="1">
-              <a:lnSpc>
-                <a:spcPct val="150000"/>
-              </a:lnSpc>
-            </a:pPr>
-            <a:r>
-              <a:rPr lang="zh-CN" altLang="en-US" sz="1800" dirty="0" smtClean="0">
-                <a:latin typeface="微软雅黑" panose="020B0503020204020204" pitchFamily="34" charset="-122"/>
-                <a:ea typeface="微软雅黑" panose="020B0503020204020204" pitchFamily="34" charset="-122"/>
-              </a:rPr>
-              <a:t>批大小</a:t>
-            </a:r>
-            <a:r>
-              <a:rPr lang="en-US" altLang="zh-CN" sz="1800" dirty="0" smtClean="0">
-                <a:latin typeface="微软雅黑" panose="020B0503020204020204" pitchFamily="34" charset="-122"/>
-                <a:ea typeface="微软雅黑" panose="020B0503020204020204" pitchFamily="34" charset="-122"/>
-              </a:rPr>
-              <a:t>(</a:t>
-            </a:r>
-            <a:r>
-              <a:rPr lang="en-US" sz="1800" dirty="0" smtClean="0">
-                <a:latin typeface="微软雅黑" panose="020B0503020204020204" pitchFamily="34" charset="-122"/>
-                <a:ea typeface="微软雅黑" panose="020B0503020204020204" pitchFamily="34" charset="-122"/>
-              </a:rPr>
-              <a:t>mini-batch)</a:t>
-            </a:r>
-          </a:p>
-          <a:p>
-            <a:pPr>
-              <a:lnSpc>
-                <a:spcPct val="150000"/>
-              </a:lnSpc>
-            </a:pPr>
-            <a:endParaRPr lang="en-US" sz="1600" dirty="0">
-              <a:latin typeface="微软雅黑" panose="020B0503020204020204" pitchFamily="34" charset="-122"/>
-              <a:ea typeface="微软雅黑" panose="020B0503020204020204" pitchFamily="34" charset="-122"/>
-            </a:endParaRPr>
-          </a:p>
-        </p:txBody>
-      </p:sp>
-      <p:pic>
-        <p:nvPicPr>
-          <p:cNvPr id="4" name="Picture 3"/>
-          <p:cNvPicPr>
-            <a:picLocks noChangeAspect="1"/>
-          </p:cNvPicPr>
-          <p:nvPr/>
-        </p:nvPicPr>
-        <p:blipFill>
-          <a:blip r:embed="rId3" cstate="print">
-            <a:extLst>
-              <a:ext uri="{28A0092B-C50C-407E-A947-70E740481C1C}">
-                <a14:useLocalDpi xmlns:a14="http://schemas.microsoft.com/office/drawing/2010/main" val="0"/>
-              </a:ext>
-            </a:extLst>
-          </a:blip>
-          <a:stretch>
-            <a:fillRect/>
-          </a:stretch>
-        </p:blipFill>
-        <p:spPr>
-          <a:xfrm>
-            <a:off x="10167687" y="128816"/>
-            <a:ext cx="1349542" cy="523368"/>
-          </a:xfrm>
-          <a:prstGeom prst="rect">
-            <a:avLst/>
-          </a:prstGeom>
-        </p:spPr>
-      </p:pic>
-      <p:pic>
-        <p:nvPicPr>
-          <p:cNvPr id="5" name="Picture 4"/>
-          <p:cNvPicPr>
-            <a:picLocks noChangeAspect="1"/>
-          </p:cNvPicPr>
-          <p:nvPr/>
-        </p:nvPicPr>
-        <p:blipFill>
-          <a:blip r:embed="rId4" cstate="print">
-            <a:extLst>
-              <a:ext uri="{28A0092B-C50C-407E-A947-70E740481C1C}">
-                <a14:useLocalDpi xmlns:a14="http://schemas.microsoft.com/office/drawing/2010/main" val="0"/>
-              </a:ext>
-            </a:extLst>
-          </a:blip>
-          <a:stretch>
-            <a:fillRect/>
-          </a:stretch>
-        </p:blipFill>
-        <p:spPr>
-          <a:xfrm>
-            <a:off x="11480800" y="6022"/>
-            <a:ext cx="711199" cy="711199"/>
-          </a:xfrm>
-          <a:prstGeom prst="rect">
-            <a:avLst/>
-          </a:prstGeom>
-        </p:spPr>
-      </p:pic>
-      <p:pic>
-        <p:nvPicPr>
-          <p:cNvPr id="16" name="Content Placeholder 3"/>
-          <p:cNvPicPr>
-            <a:picLocks noChangeAspect="1"/>
-          </p:cNvPicPr>
-          <p:nvPr/>
-        </p:nvPicPr>
-        <p:blipFill>
-          <a:blip r:embed="rId5">
-            <a:extLst>
-              <a:ext uri="{28A0092B-C50C-407E-A947-70E740481C1C}">
-                <a14:useLocalDpi xmlns:a14="http://schemas.microsoft.com/office/drawing/2010/main" val="0"/>
-              </a:ext>
-            </a:extLst>
-          </a:blip>
-          <a:stretch>
-            <a:fillRect/>
-          </a:stretch>
-        </p:blipFill>
-        <p:spPr>
-          <a:xfrm>
-            <a:off x="6020058" y="769228"/>
-            <a:ext cx="4797407" cy="5377739"/>
-          </a:xfrm>
-          <a:prstGeom prst="rect">
-            <a:avLst/>
-          </a:prstGeom>
-        </p:spPr>
-      </p:pic>
-      <p:sp>
-        <p:nvSpPr>
-          <p:cNvPr id="18" name="Left Brace 17"/>
-          <p:cNvSpPr/>
-          <p:nvPr/>
-        </p:nvSpPr>
-        <p:spPr>
-          <a:xfrm>
-            <a:off x="5765081" y="2112874"/>
-            <a:ext cx="254977" cy="2690446"/>
-          </a:xfrm>
-          <a:prstGeom prst="leftBrace">
-            <a:avLst/>
-          </a:prstGeom>
-        </p:spPr>
-        <p:style>
-          <a:lnRef idx="1">
-            <a:schemeClr val="dk1"/>
-          </a:lnRef>
-          <a:fillRef idx="0">
-            <a:schemeClr val="dk1"/>
-          </a:fillRef>
-          <a:effectRef idx="0">
-            <a:schemeClr val="dk1"/>
-          </a:effectRef>
-          <a:fontRef idx="minor">
-            <a:schemeClr val="tx1"/>
-          </a:fontRef>
-        </p:style>
-        <p:txBody>
-          <a:bodyPr rtlCol="0" anchor="ctr"/>
-          <a:lstStyle/>
-          <a:p>
-            <a:pPr algn="ctr"/>
-            <a:endParaRPr lang="en-US">
-              <a:latin typeface="Times New Roman" panose="02020603050405020304" pitchFamily="18" charset="0"/>
-              <a:cs typeface="Times New Roman" panose="02020603050405020304" pitchFamily="18" charset="0"/>
-            </a:endParaRPr>
-          </a:p>
-        </p:txBody>
-      </p:sp>
-      <p:sp>
-        <p:nvSpPr>
-          <p:cNvPr id="19" name="TextBox 18"/>
-          <p:cNvSpPr txBox="1"/>
-          <p:nvPr/>
-        </p:nvSpPr>
-        <p:spPr>
-          <a:xfrm>
-            <a:off x="4443464" y="3196487"/>
-            <a:ext cx="1505540" cy="523220"/>
-          </a:xfrm>
-          <a:prstGeom prst="rect">
-            <a:avLst/>
-          </a:prstGeom>
-          <a:noFill/>
-        </p:spPr>
-        <p:txBody>
-          <a:bodyPr wrap="none" rtlCol="0">
-            <a:spAutoFit/>
-          </a:bodyPr>
-          <a:lstStyle/>
-          <a:p>
-            <a:pPr algn="ctr"/>
-            <a:r>
-              <a:rPr lang="zh-CN" altLang="en-US" sz="1400" dirty="0">
-                <a:latin typeface="微软雅黑" panose="020B0503020204020204" pitchFamily="34" charset="-122"/>
-                <a:ea typeface="微软雅黑" panose="020B0503020204020204" pitchFamily="34" charset="-122"/>
-                <a:cs typeface="Times New Roman" panose="02020603050405020304" pitchFamily="18" charset="0"/>
-              </a:rPr>
-              <a:t>输入</a:t>
-            </a:r>
-            <a:r>
-              <a:rPr lang="zh-CN" altLang="en-US" sz="1400" dirty="0" smtClean="0">
-                <a:latin typeface="微软雅黑" panose="020B0503020204020204" pitchFamily="34" charset="-122"/>
-                <a:ea typeface="微软雅黑" panose="020B0503020204020204" pitchFamily="34" charset="-122"/>
-                <a:cs typeface="Times New Roman" panose="02020603050405020304" pitchFamily="18" charset="0"/>
-              </a:rPr>
-              <a:t>层</a:t>
-            </a:r>
-            <a:endParaRPr lang="en-US" altLang="zh-CN" sz="1400" dirty="0" smtClean="0">
-              <a:latin typeface="微软雅黑" panose="020B0503020204020204" pitchFamily="34" charset="-122"/>
-              <a:ea typeface="微软雅黑" panose="020B0503020204020204" pitchFamily="34" charset="-122"/>
-              <a:cs typeface="Times New Roman" panose="02020603050405020304" pitchFamily="18" charset="0"/>
-            </a:endParaRPr>
-          </a:p>
-          <a:p>
-            <a:pPr algn="ctr"/>
-            <a:r>
-              <a:rPr lang="zh-CN" altLang="en-US" sz="1400" dirty="0" smtClean="0">
-                <a:latin typeface="微软雅黑" panose="020B0503020204020204" pitchFamily="34" charset="-122"/>
-                <a:ea typeface="微软雅黑" panose="020B0503020204020204" pitchFamily="34" charset="-122"/>
-                <a:cs typeface="Times New Roman" panose="02020603050405020304" pitchFamily="18" charset="0"/>
-              </a:rPr>
-              <a:t>（</a:t>
-            </a:r>
-            <a:r>
-              <a:rPr lang="en-US" altLang="zh-CN" sz="1400" dirty="0" smtClean="0">
-                <a:latin typeface="微软雅黑" panose="020B0503020204020204" pitchFamily="34" charset="-122"/>
-                <a:ea typeface="微软雅黑" panose="020B0503020204020204" pitchFamily="34" charset="-122"/>
-                <a:cs typeface="Times New Roman" panose="02020603050405020304" pitchFamily="18" charset="0"/>
-              </a:rPr>
-              <a:t>1000</a:t>
-            </a:r>
-            <a:r>
-              <a:rPr lang="zh-CN" altLang="en-US" sz="1400" dirty="0" smtClean="0">
-                <a:latin typeface="微软雅黑" panose="020B0503020204020204" pitchFamily="34" charset="-122"/>
-                <a:ea typeface="微软雅黑" panose="020B0503020204020204" pitchFamily="34" charset="-122"/>
-                <a:cs typeface="Times New Roman" panose="02020603050405020304" pitchFamily="18" charset="0"/>
-              </a:rPr>
-              <a:t>神经元）</a:t>
-            </a:r>
-            <a:endParaRPr lang="en-US" sz="1400" dirty="0">
-              <a:latin typeface="微软雅黑" panose="020B0503020204020204" pitchFamily="34" charset="-122"/>
-              <a:ea typeface="微软雅黑" panose="020B0503020204020204" pitchFamily="34" charset="-122"/>
-              <a:cs typeface="Times New Roman" panose="02020603050405020304" pitchFamily="18" charset="0"/>
-            </a:endParaRPr>
-          </a:p>
-        </p:txBody>
-      </p:sp>
-      <p:sp>
-        <p:nvSpPr>
-          <p:cNvPr id="20" name="TextBox 19"/>
-          <p:cNvSpPr txBox="1"/>
-          <p:nvPr/>
-        </p:nvSpPr>
-        <p:spPr>
-          <a:xfrm>
-            <a:off x="11029759" y="3196487"/>
-            <a:ext cx="1303562" cy="523220"/>
-          </a:xfrm>
-          <a:prstGeom prst="rect">
-            <a:avLst/>
-          </a:prstGeom>
-          <a:noFill/>
-        </p:spPr>
-        <p:txBody>
-          <a:bodyPr wrap="none" rtlCol="0">
-            <a:spAutoFit/>
-          </a:bodyPr>
-          <a:lstStyle/>
-          <a:p>
-            <a:pPr algn="ctr"/>
-            <a:r>
-              <a:rPr lang="zh-CN" altLang="en-US" sz="1400" dirty="0">
-                <a:latin typeface="微软雅黑" panose="020B0503020204020204" pitchFamily="34" charset="-122"/>
-                <a:ea typeface="微软雅黑" panose="020B0503020204020204" pitchFamily="34" charset="-122"/>
-                <a:cs typeface="Times New Roman" panose="02020603050405020304" pitchFamily="18" charset="0"/>
-              </a:rPr>
-              <a:t>输出</a:t>
-            </a:r>
-            <a:r>
-              <a:rPr lang="zh-CN" altLang="en-US" sz="1400" dirty="0" smtClean="0">
-                <a:latin typeface="微软雅黑" panose="020B0503020204020204" pitchFamily="34" charset="-122"/>
-                <a:ea typeface="微软雅黑" panose="020B0503020204020204" pitchFamily="34" charset="-122"/>
-                <a:cs typeface="Times New Roman" panose="02020603050405020304" pitchFamily="18" charset="0"/>
-              </a:rPr>
-              <a:t>层</a:t>
-            </a:r>
-            <a:endParaRPr lang="en-US" altLang="zh-CN" sz="1400" dirty="0" smtClean="0">
-              <a:latin typeface="微软雅黑" panose="020B0503020204020204" pitchFamily="34" charset="-122"/>
-              <a:ea typeface="微软雅黑" panose="020B0503020204020204" pitchFamily="34" charset="-122"/>
-              <a:cs typeface="Times New Roman" panose="02020603050405020304" pitchFamily="18" charset="0"/>
-            </a:endParaRPr>
-          </a:p>
-          <a:p>
-            <a:pPr algn="ctr"/>
-            <a:r>
-              <a:rPr lang="zh-CN" altLang="en-US" sz="1400" dirty="0" smtClean="0">
-                <a:latin typeface="微软雅黑" panose="020B0503020204020204" pitchFamily="34" charset="-122"/>
-                <a:ea typeface="微软雅黑" panose="020B0503020204020204" pitchFamily="34" charset="-122"/>
-                <a:cs typeface="Times New Roman" panose="02020603050405020304" pitchFamily="18" charset="0"/>
-              </a:rPr>
-              <a:t>（</a:t>
-            </a:r>
-            <a:r>
-              <a:rPr lang="en-US" altLang="zh-CN" sz="1400" dirty="0" smtClean="0">
-                <a:latin typeface="微软雅黑" panose="020B0503020204020204" pitchFamily="34" charset="-122"/>
-                <a:ea typeface="微软雅黑" panose="020B0503020204020204" pitchFamily="34" charset="-122"/>
-                <a:cs typeface="Times New Roman" panose="02020603050405020304" pitchFamily="18" charset="0"/>
-              </a:rPr>
-              <a:t>15</a:t>
-            </a:r>
-            <a:r>
-              <a:rPr lang="zh-CN" altLang="en-US" sz="1400" dirty="0" smtClean="0">
-                <a:latin typeface="微软雅黑" panose="020B0503020204020204" pitchFamily="34" charset="-122"/>
-                <a:ea typeface="微软雅黑" panose="020B0503020204020204" pitchFamily="34" charset="-122"/>
-                <a:cs typeface="Times New Roman" panose="02020603050405020304" pitchFamily="18" charset="0"/>
-              </a:rPr>
-              <a:t>神经元）</a:t>
-            </a:r>
-            <a:endParaRPr lang="en-US" sz="1400" dirty="0">
-              <a:latin typeface="微软雅黑" panose="020B0503020204020204" pitchFamily="34" charset="-122"/>
-              <a:ea typeface="微软雅黑" panose="020B0503020204020204" pitchFamily="34" charset="-122"/>
-              <a:cs typeface="Times New Roman" panose="02020603050405020304" pitchFamily="18" charset="0"/>
-            </a:endParaRPr>
-          </a:p>
-        </p:txBody>
-      </p:sp>
-      <p:sp>
-        <p:nvSpPr>
-          <p:cNvPr id="21" name="Right Brace 20"/>
-          <p:cNvSpPr/>
-          <p:nvPr/>
-        </p:nvSpPr>
-        <p:spPr>
-          <a:xfrm>
-            <a:off x="10975726" y="1752388"/>
-            <a:ext cx="246185" cy="3439735"/>
-          </a:xfrm>
-          <a:prstGeom prst="rightBrace">
-            <a:avLst/>
-          </a:prstGeom>
-        </p:spPr>
-        <p:style>
-          <a:lnRef idx="1">
-            <a:schemeClr val="dk1"/>
-          </a:lnRef>
-          <a:fillRef idx="0">
-            <a:schemeClr val="dk1"/>
-          </a:fillRef>
-          <a:effectRef idx="0">
-            <a:schemeClr val="dk1"/>
-          </a:effectRef>
-          <a:fontRef idx="minor">
-            <a:schemeClr val="tx1"/>
-          </a:fontRef>
-        </p:style>
-        <p:txBody>
-          <a:bodyPr rtlCol="0" anchor="ctr"/>
-          <a:lstStyle/>
-          <a:p>
-            <a:pPr algn="ctr"/>
-            <a:endParaRPr lang="en-US">
-              <a:latin typeface="Times New Roman" panose="02020603050405020304" pitchFamily="18" charset="0"/>
-              <a:cs typeface="Times New Roman" panose="02020603050405020304" pitchFamily="18" charset="0"/>
-            </a:endParaRPr>
-          </a:p>
-        </p:txBody>
-      </p:sp>
-      <p:sp>
-        <p:nvSpPr>
-          <p:cNvPr id="22" name="TextBox 21"/>
-          <p:cNvSpPr txBox="1"/>
-          <p:nvPr/>
-        </p:nvSpPr>
-        <p:spPr>
-          <a:xfrm>
-            <a:off x="7858099" y="6146967"/>
-            <a:ext cx="1293945" cy="523220"/>
-          </a:xfrm>
-          <a:prstGeom prst="rect">
-            <a:avLst/>
-          </a:prstGeom>
-          <a:noFill/>
-        </p:spPr>
-        <p:txBody>
-          <a:bodyPr wrap="none" rtlCol="0">
-            <a:spAutoFit/>
-          </a:bodyPr>
-          <a:lstStyle/>
-          <a:p>
-            <a:pPr algn="ctr"/>
-            <a:r>
-              <a:rPr lang="zh-CN" altLang="en-US" sz="1400" dirty="0">
-                <a:latin typeface="微软雅黑" panose="020B0503020204020204" pitchFamily="34" charset="-122"/>
-                <a:ea typeface="微软雅黑" panose="020B0503020204020204" pitchFamily="34" charset="-122"/>
-                <a:cs typeface="Times New Roman" panose="02020603050405020304" pitchFamily="18" charset="0"/>
-              </a:rPr>
-              <a:t>隐藏</a:t>
-            </a:r>
-            <a:r>
-              <a:rPr lang="zh-CN" altLang="en-US" sz="1400" dirty="0" smtClean="0">
-                <a:latin typeface="微软雅黑" panose="020B0503020204020204" pitchFamily="34" charset="-122"/>
-                <a:ea typeface="微软雅黑" panose="020B0503020204020204" pitchFamily="34" charset="-122"/>
-                <a:cs typeface="Times New Roman" panose="02020603050405020304" pitchFamily="18" charset="0"/>
-              </a:rPr>
-              <a:t>层</a:t>
-            </a:r>
-            <a:endParaRPr lang="en-US" altLang="zh-CN" sz="1400" dirty="0" smtClean="0">
-              <a:latin typeface="微软雅黑" panose="020B0503020204020204" pitchFamily="34" charset="-122"/>
-              <a:ea typeface="微软雅黑" panose="020B0503020204020204" pitchFamily="34" charset="-122"/>
-              <a:cs typeface="Times New Roman" panose="02020603050405020304" pitchFamily="18" charset="0"/>
-            </a:endParaRPr>
-          </a:p>
-          <a:p>
-            <a:pPr algn="ctr"/>
-            <a:r>
-              <a:rPr lang="zh-CN" altLang="en-US" sz="1400" dirty="0" smtClean="0">
-                <a:latin typeface="微软雅黑" panose="020B0503020204020204" pitchFamily="34" charset="-122"/>
-                <a:ea typeface="微软雅黑" panose="020B0503020204020204" pitchFamily="34" charset="-122"/>
-                <a:cs typeface="Times New Roman" panose="02020603050405020304" pitchFamily="18" charset="0"/>
-              </a:rPr>
-              <a:t>（</a:t>
-            </a:r>
-            <a:r>
-              <a:rPr lang="en-US" altLang="zh-CN" sz="1400" dirty="0" smtClean="0">
-                <a:latin typeface="微软雅黑" panose="020B0503020204020204" pitchFamily="34" charset="-122"/>
-                <a:ea typeface="微软雅黑" panose="020B0503020204020204" pitchFamily="34" charset="-122"/>
-                <a:cs typeface="Times New Roman" panose="02020603050405020304" pitchFamily="18" charset="0"/>
-              </a:rPr>
-              <a:t>30</a:t>
-            </a:r>
-            <a:r>
-              <a:rPr lang="zh-CN" altLang="en-US" sz="1400" dirty="0" smtClean="0">
-                <a:latin typeface="微软雅黑" panose="020B0503020204020204" pitchFamily="34" charset="-122"/>
-                <a:ea typeface="微软雅黑" panose="020B0503020204020204" pitchFamily="34" charset="-122"/>
-                <a:cs typeface="Times New Roman" panose="02020603050405020304" pitchFamily="18" charset="0"/>
-              </a:rPr>
-              <a:t>神经元）</a:t>
-            </a:r>
-            <a:endParaRPr lang="en-US" sz="1400" dirty="0">
-              <a:latin typeface="微软雅黑" panose="020B0503020204020204" pitchFamily="34" charset="-122"/>
-              <a:ea typeface="微软雅黑" panose="020B0503020204020204" pitchFamily="34" charset="-122"/>
-              <a:cs typeface="Times New Roman" panose="02020603050405020304" pitchFamily="18" charset="0"/>
-            </a:endParaRPr>
-          </a:p>
-        </p:txBody>
-      </p:sp>
-    </p:spTree>
-    <p:extLst>
-      <p:ext uri="{BB962C8B-B14F-4D97-AF65-F5344CB8AC3E}">
-        <p14:creationId xmlns:p14="http://schemas.microsoft.com/office/powerpoint/2010/main" val="3005633800"/>
-      </p:ext>
-    </p:extLst>
-  </p:cSld>
-  <p:clrMapOvr>
-    <a:masterClrMapping/>
-  </p:clrMapOvr>
-  <p:timing>
-    <p:tnLst>
-      <p:par>
-        <p:cTn id="1" dur="indefinite" restart="never" nodeType="tmRoot"/>
-      </p:par>
-    </p:tnLst>
-  </p:timing>
-</p:sld>
-</file>
-
-<file path=ppt/slides/slide12.xml><?xml version="1.0" encoding="utf-8"?>
-<p:sld xmlns:a="http://schemas.openxmlformats.org/drawingml/2006/main" xmlns:r="http://schemas.openxmlformats.org/officeDocument/2006/relationships" xmlns:p="http://schemas.openxmlformats.org/presentationml/2006/main">
-  <p:cSld>
-    <p:spTree>
-      <p:nvGrpSpPr>
-        <p:cNvPr id="1" name=""/>
-        <p:cNvGrpSpPr/>
-        <p:nvPr/>
-      </p:nvGrpSpPr>
-      <p:grpSpPr>
-        <a:xfrm>
-          <a:off x="0" y="0"/>
-          <a:ext cx="0" cy="0"/>
-          <a:chOff x="0" y="0"/>
-          <a:chExt cx="0" cy="0"/>
-        </a:xfrm>
-      </p:grpSpPr>
-      <p:grpSp>
-        <p:nvGrpSpPr>
-          <p:cNvPr id="8" name="组合 20"/>
-          <p:cNvGrpSpPr/>
-          <p:nvPr/>
-        </p:nvGrpSpPr>
-        <p:grpSpPr>
-          <a:xfrm>
-            <a:off x="1054099" y="-105192"/>
-            <a:ext cx="11137901" cy="847027"/>
-            <a:chOff x="1627312" y="3013919"/>
-            <a:chExt cx="14913739" cy="1176066"/>
-          </a:xfrm>
-        </p:grpSpPr>
-        <p:sp>
-          <p:nvSpPr>
-            <p:cNvPr id="9" name="矩形 23"/>
-            <p:cNvSpPr/>
-            <p:nvPr/>
-          </p:nvSpPr>
-          <p:spPr>
-            <a:xfrm rot="16200000">
-              <a:off x="8496149" y="-3854918"/>
-              <a:ext cx="1176066" cy="14913739"/>
-            </a:xfrm>
-            <a:prstGeom prst="rect">
-              <a:avLst/>
-            </a:prstGeom>
-          </p:spPr>
-          <p:txBody>
-            <a:bodyPr vert="eaVert" wrap="square" anchor="t">
-              <a:spAutoFit/>
-            </a:bodyPr>
-            <a:lstStyle/>
-            <a:p>
-              <a:pPr>
-                <a:lnSpc>
-                  <a:spcPct val="150000"/>
-                </a:lnSpc>
-              </a:pPr>
-              <a:endParaRPr lang="en-US" altLang="zh-CN" sz="3200" b="1" kern="100" dirty="0">
-                <a:solidFill>
-                  <a:srgbClr val="0070C0"/>
-                </a:solidFill>
-                <a:cs typeface="Times New Roman" panose="02020603050405020304" pitchFamily="18" charset="0"/>
-              </a:endParaRPr>
-            </a:p>
-          </p:txBody>
-        </p:sp>
-        <p:cxnSp>
-          <p:nvCxnSpPr>
-            <p:cNvPr id="10" name="直接连接符 22"/>
-            <p:cNvCxnSpPr>
-              <a:cxnSpLocks/>
-            </p:cNvCxnSpPr>
-            <p:nvPr/>
-          </p:nvCxnSpPr>
-          <p:spPr>
-            <a:xfrm flipV="1">
-              <a:off x="1627313" y="4179013"/>
-              <a:ext cx="14913738" cy="0"/>
-            </a:xfrm>
-            <a:prstGeom prst="line">
-              <a:avLst/>
-            </a:prstGeom>
-            <a:ln/>
-          </p:spPr>
-          <p:style>
-            <a:lnRef idx="3">
-              <a:schemeClr val="accent5"/>
-            </a:lnRef>
-            <a:fillRef idx="0">
-              <a:schemeClr val="accent5"/>
-            </a:fillRef>
-            <a:effectRef idx="2">
-              <a:schemeClr val="accent5"/>
-            </a:effectRef>
-            <a:fontRef idx="minor">
-              <a:schemeClr val="tx1"/>
-            </a:fontRef>
-          </p:style>
-        </p:cxnSp>
-      </p:grpSp>
-      <p:grpSp>
-        <p:nvGrpSpPr>
-          <p:cNvPr id="11" name="组合 27"/>
-          <p:cNvGrpSpPr/>
-          <p:nvPr/>
-        </p:nvGrpSpPr>
-        <p:grpSpPr>
-          <a:xfrm>
-            <a:off x="0" y="-959"/>
-            <a:ext cx="1054100" cy="744733"/>
-            <a:chOff x="11137900" y="860547"/>
-            <a:chExt cx="1054100" cy="744733"/>
-          </a:xfrm>
-          <a:solidFill>
-            <a:srgbClr val="0070C0"/>
-          </a:solidFill>
-        </p:grpSpPr>
-        <p:sp>
-          <p:nvSpPr>
-            <p:cNvPr id="12" name="矩形 30"/>
-            <p:cNvSpPr/>
-            <p:nvPr/>
-          </p:nvSpPr>
-          <p:spPr>
-            <a:xfrm>
-              <a:off x="11137900" y="860547"/>
-              <a:ext cx="1054100" cy="106604"/>
-            </a:xfrm>
-            <a:prstGeom prst="rect">
-              <a:avLst/>
-            </a:prstGeom>
-            <a:grpFill/>
-            <a:ln>
-              <a:noFill/>
-            </a:ln>
-          </p:spPr>
-          <p:style>
-            <a:lnRef idx="2">
-              <a:schemeClr val="accent1">
-                <a:shade val="50000"/>
-              </a:schemeClr>
-            </a:lnRef>
-            <a:fillRef idx="1">
-              <a:schemeClr val="accent1"/>
-            </a:fillRef>
-            <a:effectRef idx="0">
-              <a:schemeClr val="accent1"/>
-            </a:effectRef>
-            <a:fontRef idx="minor">
-              <a:schemeClr val="lt1"/>
-            </a:fontRef>
-          </p:style>
-          <p:txBody>
-            <a:bodyPr rtlCol="0" anchor="ctr"/>
-            <a:lstStyle/>
-            <a:p>
-              <a:pPr algn="ctr"/>
-              <a:endParaRPr lang="zh-CN" altLang="en-US">
-                <a:solidFill>
-                  <a:srgbClr val="0070C0"/>
-                </a:solidFill>
-              </a:endParaRPr>
-            </a:p>
-          </p:txBody>
-        </p:sp>
-        <p:sp>
-          <p:nvSpPr>
-            <p:cNvPr id="13" name="矩形 40"/>
-            <p:cNvSpPr/>
-            <p:nvPr/>
-          </p:nvSpPr>
-          <p:spPr>
-            <a:xfrm>
-              <a:off x="11137900" y="1073256"/>
-              <a:ext cx="1054100" cy="106604"/>
-            </a:xfrm>
-            <a:prstGeom prst="rect">
-              <a:avLst/>
-            </a:prstGeom>
-            <a:grpFill/>
-            <a:ln>
-              <a:noFill/>
-            </a:ln>
-          </p:spPr>
-          <p:style>
-            <a:lnRef idx="2">
-              <a:schemeClr val="accent1">
-                <a:shade val="50000"/>
-              </a:schemeClr>
-            </a:lnRef>
-            <a:fillRef idx="1">
-              <a:schemeClr val="accent1"/>
-            </a:fillRef>
-            <a:effectRef idx="0">
-              <a:schemeClr val="accent1"/>
-            </a:effectRef>
-            <a:fontRef idx="minor">
-              <a:schemeClr val="lt1"/>
-            </a:fontRef>
-          </p:style>
-          <p:txBody>
-            <a:bodyPr rtlCol="0" anchor="ctr"/>
-            <a:lstStyle/>
-            <a:p>
-              <a:pPr algn="ctr"/>
-              <a:endParaRPr lang="zh-CN" altLang="en-US">
-                <a:solidFill>
-                  <a:srgbClr val="0070C0"/>
-                </a:solidFill>
-              </a:endParaRPr>
-            </a:p>
-          </p:txBody>
-        </p:sp>
-        <p:sp>
-          <p:nvSpPr>
-            <p:cNvPr id="14" name="矩形 41"/>
-            <p:cNvSpPr/>
-            <p:nvPr/>
-          </p:nvSpPr>
-          <p:spPr>
-            <a:xfrm>
-              <a:off x="11137900" y="1285966"/>
-              <a:ext cx="1054100" cy="106604"/>
-            </a:xfrm>
-            <a:prstGeom prst="rect">
-              <a:avLst/>
-            </a:prstGeom>
-            <a:grpFill/>
-            <a:ln>
-              <a:noFill/>
-            </a:ln>
-          </p:spPr>
-          <p:style>
-            <a:lnRef idx="2">
-              <a:schemeClr val="accent1">
-                <a:shade val="50000"/>
-              </a:schemeClr>
-            </a:lnRef>
-            <a:fillRef idx="1">
-              <a:schemeClr val="accent1"/>
-            </a:fillRef>
-            <a:effectRef idx="0">
-              <a:schemeClr val="accent1"/>
-            </a:effectRef>
-            <a:fontRef idx="minor">
-              <a:schemeClr val="lt1"/>
-            </a:fontRef>
-          </p:style>
-          <p:txBody>
-            <a:bodyPr rtlCol="0" anchor="ctr"/>
-            <a:lstStyle/>
-            <a:p>
-              <a:pPr algn="ctr"/>
-              <a:endParaRPr lang="zh-CN" altLang="en-US">
-                <a:solidFill>
-                  <a:srgbClr val="0070C0"/>
-                </a:solidFill>
-              </a:endParaRPr>
-            </a:p>
-          </p:txBody>
-        </p:sp>
-        <p:sp>
-          <p:nvSpPr>
-            <p:cNvPr id="15" name="矩形 42"/>
-            <p:cNvSpPr/>
-            <p:nvPr/>
-          </p:nvSpPr>
-          <p:spPr>
-            <a:xfrm>
-              <a:off x="11137900" y="1498676"/>
-              <a:ext cx="1054100" cy="106604"/>
-            </a:xfrm>
-            <a:prstGeom prst="rect">
-              <a:avLst/>
-            </a:prstGeom>
-            <a:grpFill/>
-            <a:ln>
-              <a:noFill/>
-            </a:ln>
-          </p:spPr>
-          <p:style>
-            <a:lnRef idx="2">
-              <a:schemeClr val="accent1">
-                <a:shade val="50000"/>
-              </a:schemeClr>
-            </a:lnRef>
-            <a:fillRef idx="1">
-              <a:schemeClr val="accent1"/>
-            </a:fillRef>
-            <a:effectRef idx="0">
-              <a:schemeClr val="accent1"/>
-            </a:effectRef>
-            <a:fontRef idx="minor">
-              <a:schemeClr val="lt1"/>
-            </a:fontRef>
-          </p:style>
-          <p:txBody>
-            <a:bodyPr rtlCol="0" anchor="ctr"/>
-            <a:lstStyle/>
-            <a:p>
-              <a:pPr algn="ctr"/>
-              <a:endParaRPr lang="zh-CN" altLang="en-US">
-                <a:solidFill>
-                  <a:srgbClr val="0070C0"/>
-                </a:solidFill>
-              </a:endParaRPr>
-            </a:p>
-          </p:txBody>
-        </p:sp>
-      </p:grpSp>
-      <p:sp>
-        <p:nvSpPr>
-          <p:cNvPr id="2" name="Slide Number Placeholder 1"/>
-          <p:cNvSpPr>
-            <a:spLocks noGrp="1"/>
-          </p:cNvSpPr>
-          <p:nvPr>
-            <p:ph type="sldNum" sz="quarter" idx="12"/>
-          </p:nvPr>
-        </p:nvSpPr>
-        <p:spPr/>
-        <p:txBody>
-          <a:bodyPr/>
-          <a:lstStyle/>
-          <a:p>
-            <a:fld id="{D466C35F-1F30-492D-A3FD-07E7992BCAA9}" type="slidenum">
-              <a:rPr lang="en-US" smtClean="0"/>
-              <a:t>12</a:t>
-            </a:fld>
-            <a:endParaRPr lang="en-US"/>
-          </a:p>
-        </p:txBody>
-      </p:sp>
-      <p:sp>
-        <p:nvSpPr>
-          <p:cNvPr id="17" name="矩形 23"/>
-          <p:cNvSpPr/>
-          <p:nvPr/>
-        </p:nvSpPr>
-        <p:spPr>
-          <a:xfrm rot="16200000">
-            <a:off x="6192164" y="-5184048"/>
-            <a:ext cx="861774" cy="11137901"/>
-          </a:xfrm>
-          <a:prstGeom prst="rect">
-            <a:avLst/>
-          </a:prstGeom>
-        </p:spPr>
-        <p:txBody>
-          <a:bodyPr vert="eaVert" wrap="square" anchor="ctr">
-            <a:spAutoFit/>
-          </a:bodyPr>
-          <a:lstStyle/>
-          <a:p>
-            <a:r>
-              <a:rPr lang="zh-CN" altLang="en-US" sz="4400" b="1" kern="100" dirty="0" smtClean="0">
-                <a:solidFill>
-                  <a:srgbClr val="0070C0"/>
-                </a:solidFill>
-                <a:latin typeface="Times New Roman" panose="02020603050405020304" pitchFamily="18" charset="0"/>
-                <a:cs typeface="Times New Roman" panose="02020603050405020304" pitchFamily="18" charset="0"/>
-              </a:rPr>
-              <a:t>动手操作</a:t>
-            </a:r>
-            <a:endParaRPr lang="en-US" altLang="zh-CN" sz="4400" b="1" kern="100" dirty="0">
-              <a:solidFill>
-                <a:srgbClr val="0070C0"/>
-              </a:solidFill>
-              <a:latin typeface="Times New Roman" panose="02020603050405020304" pitchFamily="18" charset="0"/>
-              <a:cs typeface="Times New Roman" panose="02020603050405020304" pitchFamily="18" charset="0"/>
-            </a:endParaRPr>
-          </a:p>
-        </p:txBody>
-      </p:sp>
-      <p:pic>
-        <p:nvPicPr>
-          <p:cNvPr id="4" name="Picture 3"/>
-          <p:cNvPicPr>
-            <a:picLocks noChangeAspect="1"/>
-          </p:cNvPicPr>
-          <p:nvPr/>
-        </p:nvPicPr>
-        <p:blipFill>
-          <a:blip r:embed="rId3" cstate="print">
-            <a:extLst>
-              <a:ext uri="{28A0092B-C50C-407E-A947-70E740481C1C}">
-                <a14:useLocalDpi xmlns:a14="http://schemas.microsoft.com/office/drawing/2010/main" val="0"/>
-              </a:ext>
-            </a:extLst>
-          </a:blip>
-          <a:stretch>
-            <a:fillRect/>
-          </a:stretch>
-        </p:blipFill>
-        <p:spPr>
-          <a:xfrm>
-            <a:off x="10167687" y="128816"/>
-            <a:ext cx="1349542" cy="523368"/>
-          </a:xfrm>
-          <a:prstGeom prst="rect">
-            <a:avLst/>
-          </a:prstGeom>
-        </p:spPr>
-      </p:pic>
-      <p:pic>
-        <p:nvPicPr>
-          <p:cNvPr id="5" name="Picture 4"/>
-          <p:cNvPicPr>
-            <a:picLocks noChangeAspect="1"/>
-          </p:cNvPicPr>
-          <p:nvPr/>
-        </p:nvPicPr>
-        <p:blipFill>
-          <a:blip r:embed="rId4" cstate="print">
-            <a:extLst>
-              <a:ext uri="{28A0092B-C50C-407E-A947-70E740481C1C}">
-                <a14:useLocalDpi xmlns:a14="http://schemas.microsoft.com/office/drawing/2010/main" val="0"/>
-              </a:ext>
-            </a:extLst>
-          </a:blip>
-          <a:stretch>
-            <a:fillRect/>
-          </a:stretch>
-        </p:blipFill>
-        <p:spPr>
-          <a:xfrm>
-            <a:off x="11480800" y="6022"/>
-            <a:ext cx="711199" cy="711199"/>
-          </a:xfrm>
-          <a:prstGeom prst="rect">
-            <a:avLst/>
-          </a:prstGeom>
-        </p:spPr>
-      </p:pic>
-      <p:sp>
-        <p:nvSpPr>
-          <p:cNvPr id="6" name="Rectangle 5"/>
-          <p:cNvSpPr/>
-          <p:nvPr/>
-        </p:nvSpPr>
-        <p:spPr>
-          <a:xfrm>
-            <a:off x="1054099" y="1303320"/>
-            <a:ext cx="9345443" cy="584775"/>
-          </a:xfrm>
-          <a:prstGeom prst="rect">
-            <a:avLst/>
-          </a:prstGeom>
-        </p:spPr>
-        <p:txBody>
-          <a:bodyPr wrap="none">
-            <a:spAutoFit/>
-          </a:bodyPr>
-          <a:lstStyle/>
-          <a:p>
-            <a:r>
-              <a:rPr lang="en-US" sz="3200" dirty="0" smtClean="0"/>
-              <a:t>https://github.com/zonghui0228/</a:t>
-            </a:r>
-            <a:r>
-              <a:rPr lang="en-US" altLang="zh-CN" sz="3200" dirty="0" smtClean="0"/>
-              <a:t>cn_med_text_class</a:t>
-            </a:r>
-            <a:endParaRPr lang="en-US" sz="3200" dirty="0"/>
-          </a:p>
-        </p:txBody>
-      </p:sp>
-    </p:spTree>
-    <p:extLst>
-      <p:ext uri="{BB962C8B-B14F-4D97-AF65-F5344CB8AC3E}">
-        <p14:creationId xmlns:p14="http://schemas.microsoft.com/office/powerpoint/2010/main" val="1404221173"/>
-      </p:ext>
-    </p:extLst>
-  </p:cSld>
-  <p:clrMapOvr>
-    <a:masterClrMapping/>
-  </p:clrMapOvr>
-  <p:timing>
-    <p:tnLst>
-      <p:par>
-        <p:cTn id="1" dur="indefinite" restart="never" nodeType="tmRoot"/>
-      </p:par>
-    </p:tnLst>
-  </p:timing>
-</p:sld>
-</file>
-
-<file path=ppt/slides/slide13.xml><?xml version="1.0" encoding="utf-8"?>
-<p:sld xmlns:a="http://schemas.openxmlformats.org/drawingml/2006/main" xmlns:r="http://schemas.openxmlformats.org/officeDocument/2006/relationships" xmlns:p="http://schemas.openxmlformats.org/presentationml/2006/main">
-  <p:cSld>
-    <p:bg>
-      <p:bgPr>
-        <a:solidFill>
-          <a:srgbClr val="0070C0"/>
-        </a:solidFill>
-        <a:effectLst/>
-      </p:bgPr>
-    </p:bg>
-    <p:spTree>
-      <p:nvGrpSpPr>
-        <p:cNvPr id="1" name=""/>
-        <p:cNvGrpSpPr/>
-        <p:nvPr/>
-      </p:nvGrpSpPr>
-      <p:grpSpPr>
-        <a:xfrm>
-          <a:off x="0" y="0"/>
-          <a:ext cx="0" cy="0"/>
-          <a:chOff x="0" y="0"/>
-          <a:chExt cx="0" cy="0"/>
-        </a:xfrm>
-      </p:grpSpPr>
-      <p:sp>
-        <p:nvSpPr>
-          <p:cNvPr id="3" name="Subtitle 2"/>
-          <p:cNvSpPr>
-            <a:spLocks noGrp="1"/>
-          </p:cNvSpPr>
-          <p:nvPr>
-            <p:ph type="subTitle" idx="1"/>
-          </p:nvPr>
-        </p:nvSpPr>
-        <p:spPr>
-          <a:xfrm>
-            <a:off x="1524000" y="1174969"/>
-            <a:ext cx="9144000" cy="981536"/>
-          </a:xfrm>
-        </p:spPr>
-        <p:txBody>
-          <a:bodyPr>
-            <a:normAutofit/>
-          </a:bodyPr>
-          <a:lstStyle/>
-          <a:p>
-            <a:endParaRPr lang="en-US" sz="5400" dirty="0" smtClean="0">
-              <a:solidFill>
-                <a:schemeClr val="bg1"/>
-              </a:solidFill>
-            </a:endParaRPr>
-          </a:p>
-          <a:p>
-            <a:endParaRPr lang="en-US" sz="5400" dirty="0">
-              <a:solidFill>
-                <a:schemeClr val="bg1"/>
-              </a:solidFill>
-            </a:endParaRPr>
-          </a:p>
-        </p:txBody>
-      </p:sp>
-      <p:sp>
-        <p:nvSpPr>
-          <p:cNvPr id="4" name="Subtitle 2"/>
-          <p:cNvSpPr txBox="1">
-            <a:spLocks/>
-          </p:cNvSpPr>
-          <p:nvPr/>
-        </p:nvSpPr>
-        <p:spPr>
-          <a:xfrm>
-            <a:off x="1105382" y="2580763"/>
-            <a:ext cx="10050684" cy="981536"/>
-          </a:xfrm>
-          <a:prstGeom prst="rect">
-            <a:avLst/>
-          </a:prstGeom>
-        </p:spPr>
-        <p:txBody>
-          <a:bodyPr vert="horz" lIns="91440" tIns="45720" rIns="91440" bIns="45720" rtlCol="0">
-            <a:noAutofit/>
-          </a:bodyPr>
-          <a:lstStyle>
-            <a:lvl1pPr marL="0" indent="0" algn="ctr" defTabSz="914400" rtl="0" eaLnBrk="1" latinLnBrk="0" hangingPunct="1">
-              <a:lnSpc>
-                <a:spcPct val="90000"/>
-              </a:lnSpc>
-              <a:spcBef>
-                <a:spcPts val="1000"/>
-              </a:spcBef>
-              <a:buFont typeface="Arial" panose="020B0604020202020204" pitchFamily="34" charset="0"/>
-              <a:buNone/>
-              <a:defRPr sz="2400" kern="1200">
-                <a:solidFill>
-                  <a:schemeClr val="tx1"/>
-                </a:solidFill>
-                <a:latin typeface="+mn-lt"/>
-                <a:ea typeface="+mn-ea"/>
-                <a:cs typeface="+mn-cs"/>
-              </a:defRPr>
-            </a:lvl1pPr>
-            <a:lvl2pPr marL="457200" indent="0" algn="ctr" defTabSz="914400" rtl="0" eaLnBrk="1" latinLnBrk="0" hangingPunct="1">
-              <a:lnSpc>
-                <a:spcPct val="90000"/>
-              </a:lnSpc>
-              <a:spcBef>
-                <a:spcPts val="500"/>
-              </a:spcBef>
-              <a:buFont typeface="Arial" panose="020B0604020202020204" pitchFamily="34" charset="0"/>
-              <a:buNone/>
-              <a:defRPr sz="2000" kern="1200">
-                <a:solidFill>
-                  <a:schemeClr val="tx1"/>
-                </a:solidFill>
-                <a:latin typeface="+mn-lt"/>
-                <a:ea typeface="+mn-ea"/>
-                <a:cs typeface="+mn-cs"/>
-              </a:defRPr>
-            </a:lvl2pPr>
-            <a:lvl3pPr marL="914400" indent="0" algn="ctr" defTabSz="914400" rtl="0" eaLnBrk="1" latinLnBrk="0" hangingPunct="1">
-              <a:lnSpc>
-                <a:spcPct val="90000"/>
-              </a:lnSpc>
-              <a:spcBef>
-                <a:spcPts val="500"/>
-              </a:spcBef>
-              <a:buFont typeface="Arial" panose="020B0604020202020204" pitchFamily="34" charset="0"/>
-              <a:buNone/>
-              <a:defRPr sz="1800" kern="1200">
-                <a:solidFill>
-                  <a:schemeClr val="tx1"/>
-                </a:solidFill>
-                <a:latin typeface="+mn-lt"/>
-                <a:ea typeface="+mn-ea"/>
-                <a:cs typeface="+mn-cs"/>
-              </a:defRPr>
-            </a:lvl3pPr>
-            <a:lvl4pPr marL="1371600" indent="0" algn="ctr" defTabSz="914400" rtl="0" eaLnBrk="1" latinLnBrk="0" hangingPunct="1">
-              <a:lnSpc>
-                <a:spcPct val="90000"/>
-              </a:lnSpc>
-              <a:spcBef>
-                <a:spcPts val="500"/>
-              </a:spcBef>
-              <a:buFont typeface="Arial" panose="020B0604020202020204" pitchFamily="34" charset="0"/>
-              <a:buNone/>
-              <a:defRPr sz="1600" kern="1200">
-                <a:solidFill>
-                  <a:schemeClr val="tx1"/>
-                </a:solidFill>
-                <a:latin typeface="+mn-lt"/>
-                <a:ea typeface="+mn-ea"/>
-                <a:cs typeface="+mn-cs"/>
-              </a:defRPr>
-            </a:lvl4pPr>
-            <a:lvl5pPr marL="1828800" indent="0" algn="ctr" defTabSz="914400" rtl="0" eaLnBrk="1" latinLnBrk="0" hangingPunct="1">
-              <a:lnSpc>
-                <a:spcPct val="90000"/>
-              </a:lnSpc>
-              <a:spcBef>
-                <a:spcPts val="500"/>
-              </a:spcBef>
-              <a:buFont typeface="Arial" panose="020B0604020202020204" pitchFamily="34" charset="0"/>
-              <a:buNone/>
-              <a:defRPr sz="1600" kern="1200">
-                <a:solidFill>
-                  <a:schemeClr val="tx1"/>
-                </a:solidFill>
-                <a:latin typeface="+mn-lt"/>
-                <a:ea typeface="+mn-ea"/>
-                <a:cs typeface="+mn-cs"/>
-              </a:defRPr>
-            </a:lvl5pPr>
-            <a:lvl6pPr marL="2286000" indent="0" algn="ctr" defTabSz="914400" rtl="0" eaLnBrk="1" latinLnBrk="0" hangingPunct="1">
-              <a:lnSpc>
-                <a:spcPct val="90000"/>
-              </a:lnSpc>
-              <a:spcBef>
-                <a:spcPts val="500"/>
-              </a:spcBef>
-              <a:buFont typeface="Arial" panose="020B0604020202020204" pitchFamily="34" charset="0"/>
-              <a:buNone/>
-              <a:defRPr sz="1600" kern="1200">
-                <a:solidFill>
-                  <a:schemeClr val="tx1"/>
-                </a:solidFill>
-                <a:latin typeface="+mn-lt"/>
-                <a:ea typeface="+mn-ea"/>
-                <a:cs typeface="+mn-cs"/>
-              </a:defRPr>
-            </a:lvl6pPr>
-            <a:lvl7pPr marL="2743200" indent="0" algn="ctr" defTabSz="914400" rtl="0" eaLnBrk="1" latinLnBrk="0" hangingPunct="1">
-              <a:lnSpc>
-                <a:spcPct val="90000"/>
-              </a:lnSpc>
-              <a:spcBef>
-                <a:spcPts val="500"/>
-              </a:spcBef>
-              <a:buFont typeface="Arial" panose="020B0604020202020204" pitchFamily="34" charset="0"/>
-              <a:buNone/>
-              <a:defRPr sz="1600" kern="1200">
-                <a:solidFill>
-                  <a:schemeClr val="tx1"/>
-                </a:solidFill>
-                <a:latin typeface="+mn-lt"/>
-                <a:ea typeface="+mn-ea"/>
-                <a:cs typeface="+mn-cs"/>
-              </a:defRPr>
-            </a:lvl7pPr>
-            <a:lvl8pPr marL="3200400" indent="0" algn="ctr" defTabSz="914400" rtl="0" eaLnBrk="1" latinLnBrk="0" hangingPunct="1">
-              <a:lnSpc>
-                <a:spcPct val="90000"/>
-              </a:lnSpc>
-              <a:spcBef>
-                <a:spcPts val="500"/>
-              </a:spcBef>
-              <a:buFont typeface="Arial" panose="020B0604020202020204" pitchFamily="34" charset="0"/>
-              <a:buNone/>
-              <a:defRPr sz="1600" kern="1200">
-                <a:solidFill>
-                  <a:schemeClr val="tx1"/>
-                </a:solidFill>
-                <a:latin typeface="+mn-lt"/>
-                <a:ea typeface="+mn-ea"/>
-                <a:cs typeface="+mn-cs"/>
-              </a:defRPr>
-            </a:lvl8pPr>
-            <a:lvl9pPr marL="3657600" indent="0" algn="ctr" defTabSz="914400" rtl="0" eaLnBrk="1" latinLnBrk="0" hangingPunct="1">
-              <a:lnSpc>
-                <a:spcPct val="90000"/>
-              </a:lnSpc>
-              <a:spcBef>
-                <a:spcPts val="500"/>
-              </a:spcBef>
-              <a:buFont typeface="Arial" panose="020B0604020202020204" pitchFamily="34" charset="0"/>
-              <a:buNone/>
-              <a:defRPr sz="1600" kern="1200">
-                <a:solidFill>
-                  <a:schemeClr val="tx1"/>
-                </a:solidFill>
-                <a:latin typeface="+mn-lt"/>
-                <a:ea typeface="+mn-ea"/>
-                <a:cs typeface="+mn-cs"/>
-              </a:defRPr>
-            </a:lvl9pPr>
-          </a:lstStyle>
-          <a:p>
-            <a:pPr algn="l"/>
-            <a:endParaRPr lang="en-US" sz="5400" dirty="0">
-              <a:solidFill>
-                <a:schemeClr val="bg1"/>
-              </a:solidFill>
-            </a:endParaRPr>
-          </a:p>
-        </p:txBody>
-      </p:sp>
-      <p:sp>
-        <p:nvSpPr>
-          <p:cNvPr id="2" name="Rectangle 1"/>
-          <p:cNvSpPr/>
-          <p:nvPr/>
-        </p:nvSpPr>
-        <p:spPr>
-          <a:xfrm>
-            <a:off x="747738" y="893562"/>
-            <a:ext cx="10765971" cy="1569660"/>
-          </a:xfrm>
-          <a:prstGeom prst="rect">
-            <a:avLst/>
-          </a:prstGeom>
-        </p:spPr>
-        <p:txBody>
-          <a:bodyPr wrap="square">
-            <a:spAutoFit/>
-          </a:bodyPr>
-          <a:lstStyle/>
-          <a:p>
-            <a:pPr algn="ctr"/>
-            <a:r>
-              <a:rPr lang="en-US" altLang="zh-CN" sz="4800" dirty="0" smtClean="0">
-                <a:solidFill>
-                  <a:schemeClr val="bg1"/>
-                </a:solidFill>
-              </a:rPr>
-              <a:t>Introduction of Experiment</a:t>
-            </a:r>
-            <a:r>
-              <a:rPr lang="en-US" altLang="zh-CN" sz="4800" dirty="0">
-                <a:solidFill>
-                  <a:schemeClr val="bg1"/>
-                </a:solidFill>
-              </a:rPr>
-              <a:t>:</a:t>
-            </a:r>
-            <a:endParaRPr lang="en-US" altLang="zh-CN" sz="4800" dirty="0" smtClean="0">
-              <a:solidFill>
-                <a:schemeClr val="bg1"/>
-              </a:solidFill>
-            </a:endParaRPr>
-          </a:p>
-          <a:p>
-            <a:pPr algn="ctr"/>
-            <a:r>
-              <a:rPr lang="en-US" altLang="zh-CN" sz="4800" dirty="0" smtClean="0">
-                <a:solidFill>
-                  <a:schemeClr val="bg1"/>
-                </a:solidFill>
-              </a:rPr>
-              <a:t>Chinese Medical Short Text Classification</a:t>
-            </a:r>
-            <a:endParaRPr lang="en-US" altLang="zh-CN" sz="4800" dirty="0">
-              <a:solidFill>
-                <a:schemeClr val="bg1"/>
-              </a:solidFill>
-            </a:endParaRPr>
-          </a:p>
-        </p:txBody>
-      </p:sp>
-      <p:sp>
-        <p:nvSpPr>
-          <p:cNvPr id="6" name="Shape 94">
-            <a:extLst>
-              <a:ext uri="{FF2B5EF4-FFF2-40B4-BE49-F238E27FC236}">
-                <a16:creationId xmlns:a16="http://schemas.microsoft.com/office/drawing/2014/main" id="{A7725CAB-94AB-4449-9545-280382979BEB}"/>
-              </a:ext>
-            </a:extLst>
-          </p:cNvPr>
-          <p:cNvSpPr txBox="1"/>
-          <p:nvPr/>
-        </p:nvSpPr>
-        <p:spPr>
-          <a:xfrm>
-            <a:off x="6391564" y="3104869"/>
-            <a:ext cx="5048254" cy="2034493"/>
-          </a:xfrm>
-          <a:prstGeom prst="rect">
-            <a:avLst/>
-          </a:prstGeom>
-          <a:noFill/>
-          <a:ln>
-            <a:noFill/>
-          </a:ln>
-        </p:spPr>
-        <p:txBody>
-          <a:bodyPr lIns="34285" tIns="17138" rIns="34285" bIns="17138" anchor="t" anchorCtr="0">
-            <a:noAutofit/>
-          </a:bodyPr>
-          <a:lstStyle/>
-          <a:p>
-            <a:pPr algn="ctr">
-              <a:buSzPct val="25000"/>
-            </a:pPr>
-            <a:r>
-              <a:rPr lang="en-US" altLang="zh-CN" sz="2800" b="1" dirty="0">
-                <a:solidFill>
-                  <a:srgbClr val="FFFFFF"/>
-                </a:solidFill>
-                <a:latin typeface="Calibri" panose="020F0502020204030204"/>
-                <a:ea typeface="Montserrat" panose="02000505000000020004"/>
-                <a:cs typeface="Times New Roman" panose="02020603050405020304" pitchFamily="18" charset="0"/>
-                <a:sym typeface="Montserrat" panose="02000505000000020004"/>
-              </a:rPr>
-              <a:t>Hui </a:t>
-            </a:r>
-            <a:r>
-              <a:rPr lang="en-US" altLang="zh-CN" sz="2800" b="1" dirty="0" smtClean="0">
-                <a:solidFill>
-                  <a:srgbClr val="FFFFFF"/>
-                </a:solidFill>
-                <a:latin typeface="Calibri" panose="020F0502020204030204"/>
-                <a:ea typeface="Montserrat" panose="02000505000000020004"/>
-                <a:cs typeface="Times New Roman" panose="02020603050405020304" pitchFamily="18" charset="0"/>
-                <a:sym typeface="Montserrat" panose="02000505000000020004"/>
-              </a:rPr>
-              <a:t>Zong</a:t>
-            </a:r>
-          </a:p>
-          <a:p>
-            <a:pPr algn="ctr">
-              <a:buSzPct val="25000"/>
-            </a:pPr>
-            <a:r>
-              <a:rPr lang="en-US" altLang="zh-CN" sz="2800" dirty="0" err="1" smtClean="0">
-                <a:solidFill>
-                  <a:srgbClr val="FFFFFF"/>
-                </a:solidFill>
-                <a:latin typeface="Calibri" panose="020F0502020204030204"/>
-                <a:ea typeface="Montserrat" panose="02000505000000020004"/>
-                <a:cs typeface="Times New Roman" panose="02020603050405020304" pitchFamily="18" charset="0"/>
-                <a:sym typeface="Montserrat" panose="02000505000000020004"/>
-              </a:rPr>
-              <a:t>Phd</a:t>
-            </a:r>
-            <a:r>
-              <a:rPr lang="en-US" altLang="zh-CN" sz="2800" dirty="0" smtClean="0">
-                <a:solidFill>
-                  <a:srgbClr val="FFFFFF"/>
-                </a:solidFill>
-                <a:latin typeface="Calibri" panose="020F0502020204030204"/>
-                <a:ea typeface="Montserrat" panose="02000505000000020004"/>
-                <a:cs typeface="Times New Roman" panose="02020603050405020304" pitchFamily="18" charset="0"/>
-                <a:sym typeface="Montserrat" panose="02000505000000020004"/>
-              </a:rPr>
-              <a:t> Candidate,</a:t>
-            </a:r>
-            <a:endParaRPr lang="en-US" altLang="zh-CN" sz="2800" dirty="0">
-              <a:solidFill>
-                <a:srgbClr val="FFFFFF"/>
-              </a:solidFill>
-              <a:latin typeface="Calibri" panose="020F0502020204030204"/>
-              <a:ea typeface="Montserrat" panose="02000505000000020004"/>
-              <a:cs typeface="Times New Roman" panose="02020603050405020304" pitchFamily="18" charset="0"/>
-              <a:sym typeface="Montserrat" panose="02000505000000020004"/>
-            </a:endParaRPr>
-          </a:p>
-          <a:p>
-            <a:pPr algn="ctr">
-              <a:buSzPct val="25000"/>
-            </a:pPr>
-            <a:r>
-              <a:rPr lang="en-US" altLang="zh-CN" sz="2800" dirty="0">
-                <a:solidFill>
-                  <a:srgbClr val="FFFFFF"/>
-                </a:solidFill>
-                <a:latin typeface="Calibri" panose="020F0502020204030204"/>
-                <a:ea typeface="宋体" panose="02010600030101010101" pitchFamily="2" charset="-122"/>
-                <a:sym typeface="Montserrat" panose="02000505000000020004"/>
-              </a:rPr>
-              <a:t>Department of Bioinformatics, </a:t>
-            </a:r>
-          </a:p>
-          <a:p>
-            <a:pPr algn="ctr">
-              <a:buSzPct val="25000"/>
-            </a:pPr>
-            <a:r>
-              <a:rPr lang="en-US" altLang="zh-CN" sz="2800" dirty="0" err="1" smtClean="0">
-                <a:solidFill>
-                  <a:srgbClr val="FFFFFF"/>
-                </a:solidFill>
-                <a:latin typeface="Calibri" panose="020F0502020204030204"/>
-                <a:ea typeface="宋体" panose="02010600030101010101" pitchFamily="2" charset="-122"/>
-                <a:sym typeface="Montserrat" panose="02000505000000020004"/>
-              </a:rPr>
-              <a:t>Tongji</a:t>
-            </a:r>
-            <a:r>
-              <a:rPr lang="en-US" altLang="zh-CN" sz="2800" dirty="0" smtClean="0">
-                <a:solidFill>
-                  <a:srgbClr val="FFFFFF"/>
-                </a:solidFill>
-                <a:latin typeface="Calibri" panose="020F0502020204030204"/>
-                <a:ea typeface="宋体" panose="02010600030101010101" pitchFamily="2" charset="-122"/>
-                <a:sym typeface="Montserrat" panose="02000505000000020004"/>
-              </a:rPr>
-              <a:t> </a:t>
-            </a:r>
-            <a:r>
-              <a:rPr lang="en-US" altLang="zh-CN" sz="2800" dirty="0">
-                <a:solidFill>
-                  <a:srgbClr val="FFFFFF"/>
-                </a:solidFill>
-                <a:latin typeface="Calibri" panose="020F0502020204030204"/>
-                <a:ea typeface="宋体" panose="02010600030101010101" pitchFamily="2" charset="-122"/>
-                <a:sym typeface="Montserrat" panose="02000505000000020004"/>
-              </a:rPr>
-              <a:t>University</a:t>
-            </a:r>
-          </a:p>
-          <a:p>
-            <a:pPr algn="ctr">
-              <a:buSzPct val="25000"/>
-            </a:pPr>
-            <a:endParaRPr lang="en-US" altLang="zh-CN" sz="2800" dirty="0">
-              <a:solidFill>
-                <a:srgbClr val="FFFFFF"/>
-              </a:solidFill>
-              <a:latin typeface="Calibri" panose="020F0502020204030204"/>
-              <a:ea typeface="Montserrat" panose="02000505000000020004"/>
-              <a:cs typeface="Times New Roman" panose="02020603050405020304" pitchFamily="18" charset="0"/>
-              <a:sym typeface="Montserrat" panose="02000505000000020004"/>
-            </a:endParaRPr>
-          </a:p>
-          <a:p>
-            <a:pPr algn="ctr">
-              <a:buSzPct val="25000"/>
-            </a:pPr>
-            <a:endParaRPr lang="en-US" sz="2800" dirty="0">
-              <a:solidFill>
-                <a:srgbClr val="FFFFFF"/>
-              </a:solidFill>
-              <a:latin typeface="Calibri" panose="020F0502020204030204"/>
-              <a:ea typeface="Montserrat" panose="02000505000000020004"/>
-              <a:cs typeface="Times New Roman" panose="02020603050405020304" pitchFamily="18" charset="0"/>
-              <a:sym typeface="Montserrat" panose="02000505000000020004"/>
-            </a:endParaRPr>
-          </a:p>
-        </p:txBody>
-      </p:sp>
-      <p:sp>
-        <p:nvSpPr>
-          <p:cNvPr id="7" name="Shape 94">
-            <a:extLst>
-              <a:ext uri="{FF2B5EF4-FFF2-40B4-BE49-F238E27FC236}">
-                <a16:creationId xmlns:a16="http://schemas.microsoft.com/office/drawing/2014/main" id="{0D3B3206-BA20-5A42-BD31-EC45DFDDABEB}"/>
-              </a:ext>
-            </a:extLst>
-          </p:cNvPr>
-          <p:cNvSpPr txBox="1"/>
-          <p:nvPr/>
-        </p:nvSpPr>
-        <p:spPr>
-          <a:xfrm>
-            <a:off x="846792" y="3104869"/>
-            <a:ext cx="4990589" cy="1984368"/>
-          </a:xfrm>
-          <a:prstGeom prst="rect">
-            <a:avLst/>
-          </a:prstGeom>
-          <a:noFill/>
-          <a:ln>
-            <a:noFill/>
-          </a:ln>
-        </p:spPr>
-        <p:txBody>
-          <a:bodyPr lIns="34285" tIns="17138" rIns="34285" bIns="17138" anchor="t" anchorCtr="0">
-            <a:noAutofit/>
-          </a:bodyPr>
-          <a:lstStyle/>
-          <a:p>
-            <a:pPr algn="ctr">
-              <a:buSzPct val="25000"/>
-            </a:pPr>
-            <a:r>
-              <a:rPr lang="en-US" altLang="zh-CN" sz="2800" b="1" dirty="0" err="1">
-                <a:solidFill>
-                  <a:srgbClr val="FFFFFF"/>
-                </a:solidFill>
-                <a:latin typeface="Calibri" panose="020F0502020204030204"/>
-                <a:ea typeface="Montserrat" panose="02000505000000020004"/>
-                <a:cs typeface="Times New Roman" panose="02020603050405020304" pitchFamily="18" charset="0"/>
-                <a:sym typeface="Montserrat" panose="02000505000000020004"/>
-              </a:rPr>
-              <a:t>ZuoFeng</a:t>
-            </a:r>
-            <a:r>
-              <a:rPr lang="en-US" altLang="zh-CN" sz="2800" b="1" dirty="0">
-                <a:solidFill>
-                  <a:srgbClr val="FFFFFF"/>
-                </a:solidFill>
-                <a:latin typeface="Calibri" panose="020F0502020204030204"/>
-                <a:ea typeface="Montserrat" panose="02000505000000020004"/>
-                <a:cs typeface="Times New Roman" panose="02020603050405020304" pitchFamily="18" charset="0"/>
-                <a:sym typeface="Montserrat" panose="02000505000000020004"/>
-              </a:rPr>
-              <a:t> Li</a:t>
-            </a:r>
-          </a:p>
-          <a:p>
-            <a:pPr algn="ctr"/>
-            <a:r>
-              <a:rPr lang="en-US" sz="2800" dirty="0">
-                <a:solidFill>
-                  <a:srgbClr val="FFFFFF"/>
-                </a:solidFill>
-                <a:latin typeface="Calibri" panose="020F0502020204030204"/>
-              </a:rPr>
-              <a:t>Principal Scientist, </a:t>
-            </a:r>
-          </a:p>
-          <a:p>
-            <a:pPr algn="ctr"/>
-            <a:r>
-              <a:rPr lang="en-US" sz="2800" dirty="0">
-                <a:solidFill>
-                  <a:srgbClr val="FFFFFF"/>
-                </a:solidFill>
-                <a:latin typeface="Calibri" panose="020F0502020204030204"/>
-              </a:rPr>
-              <a:t>Biomedical informatics,</a:t>
-            </a:r>
-            <a:br>
-              <a:rPr lang="en-US" sz="2800" dirty="0">
-                <a:solidFill>
-                  <a:srgbClr val="FFFFFF"/>
-                </a:solidFill>
-                <a:latin typeface="Calibri" panose="020F0502020204030204"/>
-              </a:rPr>
-            </a:br>
-            <a:r>
-              <a:rPr lang="en-US" sz="2800" dirty="0">
-                <a:solidFill>
-                  <a:srgbClr val="FFFFFF"/>
-                </a:solidFill>
-                <a:latin typeface="Calibri" panose="020F0502020204030204"/>
-              </a:rPr>
-              <a:t>Philips Research China – </a:t>
-            </a:r>
-            <a:r>
-              <a:rPr lang="en-US" sz="2800" dirty="0" smtClean="0">
-                <a:solidFill>
-                  <a:srgbClr val="FFFFFF"/>
-                </a:solidFill>
-                <a:latin typeface="Calibri" panose="020F0502020204030204"/>
-              </a:rPr>
-              <a:t>PD&amp;IGT</a:t>
-            </a:r>
-            <a:endParaRPr lang="en-US" sz="2800" dirty="0">
-              <a:solidFill>
-                <a:srgbClr val="FFFFFF"/>
-              </a:solidFill>
-              <a:latin typeface="Calibri" panose="020F0502020204030204"/>
-            </a:endParaRPr>
-          </a:p>
-          <a:p>
-            <a:pPr algn="ctr">
-              <a:buSzPct val="25000"/>
-            </a:pPr>
-            <a:endParaRPr lang="en-US" sz="2800" dirty="0">
-              <a:solidFill>
-                <a:srgbClr val="FFFFFF"/>
-              </a:solidFill>
-              <a:latin typeface="Calibri" panose="020F0502020204030204"/>
-              <a:ea typeface="Montserrat" panose="02000505000000020004"/>
-              <a:cs typeface="Times New Roman" panose="02020603050405020304" pitchFamily="18" charset="0"/>
-              <a:sym typeface="Montserrat" panose="02000505000000020004"/>
-            </a:endParaRPr>
-          </a:p>
-        </p:txBody>
-      </p:sp>
-    </p:spTree>
-    <p:extLst>
-      <p:ext uri="{BB962C8B-B14F-4D97-AF65-F5344CB8AC3E}">
-        <p14:creationId xmlns:p14="http://schemas.microsoft.com/office/powerpoint/2010/main" val="1810473941"/>
-      </p:ext>
-    </p:extLst>
-  </p:cSld>
-  <p:clrMapOvr>
-    <a:masterClrMapping/>
-  </p:clrMapOvr>
-  <p:timing>
-    <p:tnLst>
-      <p:par>
-        <p:cTn id="1" dur="indefinite" restart="never" nodeType="tmRoot"/>
-      </p:par>
-    </p:tnLst>
-  </p:timing>
-</p:sld>
-</file>
-
-<file path=ppt/slides/slide2.xml><?xml version="1.0" encoding="utf-8"?>
-<p:sld xmlns:a="http://schemas.openxmlformats.org/drawingml/2006/main" xmlns:r="http://schemas.openxmlformats.org/officeDocument/2006/relationships" xmlns:p="http://schemas.openxmlformats.org/presentationml/2006/main">
-  <p:cSld>
-    <p:spTree>
-      <p:nvGrpSpPr>
-        <p:cNvPr id="1" name=""/>
-        <p:cNvGrpSpPr/>
-        <p:nvPr/>
-      </p:nvGrpSpPr>
-      <p:grpSpPr>
-        <a:xfrm>
-          <a:off x="0" y="0"/>
-          <a:ext cx="0" cy="0"/>
-          <a:chOff x="0" y="0"/>
-          <a:chExt cx="0" cy="0"/>
-        </a:xfrm>
-      </p:grpSpPr>
-      <p:grpSp>
-        <p:nvGrpSpPr>
-          <p:cNvPr id="8" name="组合 20"/>
-          <p:cNvGrpSpPr/>
-          <p:nvPr/>
-        </p:nvGrpSpPr>
-        <p:grpSpPr>
-          <a:xfrm>
-            <a:off x="1054099" y="-105192"/>
-            <a:ext cx="11137901" cy="847027"/>
-            <a:chOff x="1627312" y="3013919"/>
-            <a:chExt cx="14913739" cy="1176066"/>
-          </a:xfrm>
-        </p:grpSpPr>
-        <p:sp>
-          <p:nvSpPr>
-            <p:cNvPr id="9" name="矩形 23"/>
-            <p:cNvSpPr/>
-            <p:nvPr/>
-          </p:nvSpPr>
-          <p:spPr>
-            <a:xfrm rot="16200000">
-              <a:off x="8496149" y="-3854918"/>
-              <a:ext cx="1176066" cy="14913739"/>
-            </a:xfrm>
-            <a:prstGeom prst="rect">
-              <a:avLst/>
-            </a:prstGeom>
-          </p:spPr>
-          <p:txBody>
-            <a:bodyPr vert="eaVert" wrap="square" anchor="t">
-              <a:spAutoFit/>
-            </a:bodyPr>
-            <a:lstStyle/>
-            <a:p>
-              <a:pPr>
-                <a:lnSpc>
-                  <a:spcPct val="150000"/>
-                </a:lnSpc>
-              </a:pPr>
-              <a:endParaRPr lang="en-US" altLang="zh-CN" sz="3200" b="1" kern="100" dirty="0">
-                <a:solidFill>
-                  <a:srgbClr val="0070C0"/>
-                </a:solidFill>
-                <a:cs typeface="Times New Roman" panose="02020603050405020304" pitchFamily="18" charset="0"/>
-              </a:endParaRPr>
-            </a:p>
-          </p:txBody>
-        </p:sp>
-        <p:cxnSp>
-          <p:nvCxnSpPr>
-            <p:cNvPr id="10" name="直接连接符 22"/>
-            <p:cNvCxnSpPr>
-              <a:cxnSpLocks/>
-            </p:cNvCxnSpPr>
-            <p:nvPr/>
-          </p:nvCxnSpPr>
-          <p:spPr>
-            <a:xfrm flipV="1">
-              <a:off x="1627313" y="4179013"/>
-              <a:ext cx="14913738" cy="0"/>
-            </a:xfrm>
-            <a:prstGeom prst="line">
-              <a:avLst/>
-            </a:prstGeom>
-            <a:ln/>
-          </p:spPr>
-          <p:style>
-            <a:lnRef idx="3">
-              <a:schemeClr val="accent5"/>
-            </a:lnRef>
-            <a:fillRef idx="0">
-              <a:schemeClr val="accent5"/>
-            </a:fillRef>
-            <a:effectRef idx="2">
-              <a:schemeClr val="accent5"/>
-            </a:effectRef>
-            <a:fontRef idx="minor">
-              <a:schemeClr val="tx1"/>
-            </a:fontRef>
-          </p:style>
-        </p:cxnSp>
-      </p:grpSp>
-      <p:grpSp>
-        <p:nvGrpSpPr>
-          <p:cNvPr id="11" name="组合 27"/>
-          <p:cNvGrpSpPr/>
-          <p:nvPr/>
-        </p:nvGrpSpPr>
-        <p:grpSpPr>
-          <a:xfrm>
-            <a:off x="0" y="-959"/>
-            <a:ext cx="1054100" cy="744733"/>
-            <a:chOff x="11137900" y="860547"/>
-            <a:chExt cx="1054100" cy="744733"/>
-          </a:xfrm>
-          <a:solidFill>
-            <a:srgbClr val="0070C0"/>
-          </a:solidFill>
-        </p:grpSpPr>
-        <p:sp>
-          <p:nvSpPr>
-            <p:cNvPr id="12" name="矩形 30"/>
-            <p:cNvSpPr/>
-            <p:nvPr/>
-          </p:nvSpPr>
-          <p:spPr>
-            <a:xfrm>
-              <a:off x="11137900" y="860547"/>
-              <a:ext cx="1054100" cy="106604"/>
-            </a:xfrm>
-            <a:prstGeom prst="rect">
-              <a:avLst/>
-            </a:prstGeom>
-            <a:grpFill/>
-            <a:ln>
-              <a:noFill/>
-            </a:ln>
-          </p:spPr>
-          <p:style>
-            <a:lnRef idx="2">
-              <a:schemeClr val="accent1">
-                <a:shade val="50000"/>
-              </a:schemeClr>
-            </a:lnRef>
-            <a:fillRef idx="1">
-              <a:schemeClr val="accent1"/>
-            </a:fillRef>
-            <a:effectRef idx="0">
-              <a:schemeClr val="accent1"/>
-            </a:effectRef>
-            <a:fontRef idx="minor">
-              <a:schemeClr val="lt1"/>
-            </a:fontRef>
-          </p:style>
-          <p:txBody>
-            <a:bodyPr rtlCol="0" anchor="ctr"/>
-            <a:lstStyle/>
-            <a:p>
-              <a:pPr algn="ctr"/>
-              <a:endParaRPr lang="zh-CN" altLang="en-US">
-                <a:solidFill>
-                  <a:srgbClr val="0070C0"/>
-                </a:solidFill>
-              </a:endParaRPr>
-            </a:p>
-          </p:txBody>
-        </p:sp>
-        <p:sp>
-          <p:nvSpPr>
-            <p:cNvPr id="13" name="矩形 40"/>
-            <p:cNvSpPr/>
-            <p:nvPr/>
-          </p:nvSpPr>
-          <p:spPr>
-            <a:xfrm>
-              <a:off x="11137900" y="1073256"/>
-              <a:ext cx="1054100" cy="106604"/>
-            </a:xfrm>
-            <a:prstGeom prst="rect">
-              <a:avLst/>
-            </a:prstGeom>
-            <a:grpFill/>
-            <a:ln>
-              <a:noFill/>
-            </a:ln>
-          </p:spPr>
-          <p:style>
-            <a:lnRef idx="2">
-              <a:schemeClr val="accent1">
-                <a:shade val="50000"/>
-              </a:schemeClr>
-            </a:lnRef>
-            <a:fillRef idx="1">
-              <a:schemeClr val="accent1"/>
-            </a:fillRef>
-            <a:effectRef idx="0">
-              <a:schemeClr val="accent1"/>
-            </a:effectRef>
-            <a:fontRef idx="minor">
-              <a:schemeClr val="lt1"/>
-            </a:fontRef>
-          </p:style>
-          <p:txBody>
-            <a:bodyPr rtlCol="0" anchor="ctr"/>
-            <a:lstStyle/>
-            <a:p>
-              <a:pPr algn="ctr"/>
-              <a:endParaRPr lang="zh-CN" altLang="en-US">
-                <a:solidFill>
-                  <a:srgbClr val="0070C0"/>
-                </a:solidFill>
-              </a:endParaRPr>
-            </a:p>
-          </p:txBody>
-        </p:sp>
-        <p:sp>
-          <p:nvSpPr>
-            <p:cNvPr id="14" name="矩形 41"/>
-            <p:cNvSpPr/>
-            <p:nvPr/>
-          </p:nvSpPr>
-          <p:spPr>
-            <a:xfrm>
-              <a:off x="11137900" y="1285966"/>
-              <a:ext cx="1054100" cy="106604"/>
-            </a:xfrm>
-            <a:prstGeom prst="rect">
-              <a:avLst/>
-            </a:prstGeom>
-            <a:grpFill/>
-            <a:ln>
-              <a:noFill/>
-            </a:ln>
-          </p:spPr>
-          <p:style>
-            <a:lnRef idx="2">
-              <a:schemeClr val="accent1">
-                <a:shade val="50000"/>
-              </a:schemeClr>
-            </a:lnRef>
-            <a:fillRef idx="1">
-              <a:schemeClr val="accent1"/>
-            </a:fillRef>
-            <a:effectRef idx="0">
-              <a:schemeClr val="accent1"/>
-            </a:effectRef>
-            <a:fontRef idx="minor">
-              <a:schemeClr val="lt1"/>
-            </a:fontRef>
-          </p:style>
-          <p:txBody>
-            <a:bodyPr rtlCol="0" anchor="ctr"/>
-            <a:lstStyle/>
-            <a:p>
-              <a:pPr algn="ctr"/>
-              <a:endParaRPr lang="zh-CN" altLang="en-US">
-                <a:solidFill>
-                  <a:srgbClr val="0070C0"/>
-                </a:solidFill>
-              </a:endParaRPr>
-            </a:p>
-          </p:txBody>
-        </p:sp>
-        <p:sp>
-          <p:nvSpPr>
-            <p:cNvPr id="15" name="矩形 42"/>
-            <p:cNvSpPr/>
-            <p:nvPr/>
-          </p:nvSpPr>
-          <p:spPr>
-            <a:xfrm>
-              <a:off x="11137900" y="1498676"/>
-              <a:ext cx="1054100" cy="106604"/>
-            </a:xfrm>
-            <a:prstGeom prst="rect">
-              <a:avLst/>
-            </a:prstGeom>
-            <a:grpFill/>
-            <a:ln>
-              <a:noFill/>
-            </a:ln>
-          </p:spPr>
-          <p:style>
-            <a:lnRef idx="2">
-              <a:schemeClr val="accent1">
-                <a:shade val="50000"/>
-              </a:schemeClr>
-            </a:lnRef>
-            <a:fillRef idx="1">
-              <a:schemeClr val="accent1"/>
-            </a:fillRef>
-            <a:effectRef idx="0">
-              <a:schemeClr val="accent1"/>
-            </a:effectRef>
-            <a:fontRef idx="minor">
-              <a:schemeClr val="lt1"/>
-            </a:fontRef>
-          </p:style>
-          <p:txBody>
-            <a:bodyPr rtlCol="0" anchor="ctr"/>
-            <a:lstStyle/>
-            <a:p>
-              <a:pPr algn="ctr"/>
-              <a:endParaRPr lang="zh-CN" altLang="en-US">
-                <a:solidFill>
-                  <a:srgbClr val="0070C0"/>
-                </a:solidFill>
-              </a:endParaRPr>
-            </a:p>
-          </p:txBody>
-        </p:sp>
-      </p:grpSp>
-      <p:sp>
-        <p:nvSpPr>
-          <p:cNvPr id="2" name="Slide Number Placeholder 1"/>
-          <p:cNvSpPr>
-            <a:spLocks noGrp="1"/>
-          </p:cNvSpPr>
-          <p:nvPr>
-            <p:ph type="sldNum" sz="quarter" idx="12"/>
-          </p:nvPr>
-        </p:nvSpPr>
-        <p:spPr/>
-        <p:txBody>
-          <a:bodyPr/>
-          <a:lstStyle/>
-          <a:p>
-            <a:fld id="{D466C35F-1F30-492D-A3FD-07E7992BCAA9}" type="slidenum">
-              <a:rPr lang="en-US" smtClean="0"/>
-              <a:t>2</a:t>
-            </a:fld>
-            <a:endParaRPr lang="en-US"/>
-          </a:p>
-        </p:txBody>
-      </p:sp>
-      <p:sp>
-        <p:nvSpPr>
-          <p:cNvPr id="17" name="矩形 23"/>
-          <p:cNvSpPr/>
-          <p:nvPr/>
-        </p:nvSpPr>
-        <p:spPr>
-          <a:xfrm rot="16200000">
-            <a:off x="6192164" y="-5184048"/>
-            <a:ext cx="861774" cy="11137901"/>
-          </a:xfrm>
-          <a:prstGeom prst="rect">
-            <a:avLst/>
-          </a:prstGeom>
-        </p:spPr>
-        <p:txBody>
-          <a:bodyPr vert="eaVert" wrap="square" anchor="ctr">
-            <a:spAutoFit/>
-          </a:bodyPr>
-          <a:lstStyle/>
-          <a:p>
-            <a:r>
-              <a:rPr lang="zh-CN" altLang="en-US" sz="4400" b="1" kern="100" dirty="0">
-                <a:solidFill>
-                  <a:srgbClr val="0070C0"/>
-                </a:solidFill>
-                <a:latin typeface="Times New Roman" panose="02020603050405020304" pitchFamily="18" charset="0"/>
-                <a:cs typeface="Times New Roman" panose="02020603050405020304" pitchFamily="18" charset="0"/>
-              </a:rPr>
-              <a:t>目</a:t>
-            </a:r>
-            <a:r>
-              <a:rPr lang="zh-CN" altLang="en-US" sz="4400" b="1" kern="100" dirty="0" smtClean="0">
-                <a:solidFill>
-                  <a:srgbClr val="0070C0"/>
-                </a:solidFill>
-                <a:latin typeface="Times New Roman" panose="02020603050405020304" pitchFamily="18" charset="0"/>
-                <a:cs typeface="Times New Roman" panose="02020603050405020304" pitchFamily="18" charset="0"/>
-              </a:rPr>
-              <a:t>标</a:t>
+              <a:t>介绍</a:t>
             </a:r>
             <a:endParaRPr lang="en-US" altLang="zh-CN" sz="4400" b="1" kern="100" dirty="0">
               <a:solidFill>
@@ -9084,560 +8315,6 @@
               </a:lnSpc>
             </a:pPr>
             <a:r>
-              <a:rPr lang="zh-CN" altLang="en-US" sz="4000" dirty="0" smtClean="0">
-                <a:latin typeface="微软雅黑" panose="020B0503020204020204" pitchFamily="34" charset="-122"/>
-                <a:ea typeface="微软雅黑" panose="020B0503020204020204" pitchFamily="34" charset="-122"/>
-              </a:rPr>
-              <a:t>了解词向量和</a:t>
-            </a:r>
-            <a:r>
-              <a:rPr lang="en-US" altLang="zh-CN" sz="4000" dirty="0" smtClean="0">
-                <a:latin typeface="微软雅黑" panose="020B0503020204020204" pitchFamily="34" charset="-122"/>
-                <a:ea typeface="微软雅黑" panose="020B0503020204020204" pitchFamily="34" charset="-122"/>
-              </a:rPr>
-              <a:t>TF-IDF</a:t>
-            </a:r>
-          </a:p>
-          <a:p>
-            <a:pPr>
-              <a:lnSpc>
-                <a:spcPct val="150000"/>
-              </a:lnSpc>
-            </a:pPr>
-            <a:r>
-              <a:rPr lang="zh-CN" altLang="en-US" sz="4000" dirty="0">
-                <a:latin typeface="微软雅黑" panose="020B0503020204020204" pitchFamily="34" charset="-122"/>
-                <a:ea typeface="微软雅黑" panose="020B0503020204020204" pitchFamily="34" charset="-122"/>
-              </a:rPr>
-              <a:t>学会</a:t>
-            </a:r>
-            <a:r>
-              <a:rPr lang="zh-CN" altLang="en-US" sz="4000" dirty="0" smtClean="0">
-                <a:latin typeface="微软雅黑" panose="020B0503020204020204" pitchFamily="34" charset="-122"/>
-                <a:ea typeface="微软雅黑" panose="020B0503020204020204" pitchFamily="34" charset="-122"/>
-              </a:rPr>
-              <a:t>机器学习的基本使用</a:t>
-            </a:r>
-          </a:p>
-          <a:p>
-            <a:pPr>
-              <a:lnSpc>
-                <a:spcPct val="150000"/>
-              </a:lnSpc>
-            </a:pPr>
-            <a:r>
-              <a:rPr lang="zh-CN" altLang="en-US" sz="4000" dirty="0" smtClean="0">
-                <a:latin typeface="微软雅黑" panose="020B0503020204020204" pitchFamily="34" charset="-122"/>
-                <a:ea typeface="微软雅黑" panose="020B0503020204020204" pitchFamily="34" charset="-122"/>
-              </a:rPr>
-              <a:t>能够训练模型解决医学自然语言处理的问题</a:t>
-            </a:r>
-            <a:r>
-              <a:rPr lang="en-US" altLang="zh-CN" sz="4000" dirty="0" smtClean="0">
-                <a:latin typeface="微软雅黑" panose="020B0503020204020204" pitchFamily="34" charset="-122"/>
-                <a:ea typeface="微软雅黑" panose="020B0503020204020204" pitchFamily="34" charset="-122"/>
-              </a:rPr>
-              <a:t>(</a:t>
-            </a:r>
-            <a:r>
-              <a:rPr lang="zh-CN" altLang="en-US" sz="4000" dirty="0" smtClean="0">
-                <a:latin typeface="微软雅黑" panose="020B0503020204020204" pitchFamily="34" charset="-122"/>
-                <a:ea typeface="微软雅黑" panose="020B0503020204020204" pitchFamily="34" charset="-122"/>
-              </a:rPr>
-              <a:t>如文本分类</a:t>
-            </a:r>
-            <a:r>
-              <a:rPr lang="en-US" altLang="zh-CN" sz="4000" dirty="0" smtClean="0">
-                <a:latin typeface="微软雅黑" panose="020B0503020204020204" pitchFamily="34" charset="-122"/>
-                <a:ea typeface="微软雅黑" panose="020B0503020204020204" pitchFamily="34" charset="-122"/>
-              </a:rPr>
-              <a:t>)</a:t>
-            </a:r>
-          </a:p>
-        </p:txBody>
-      </p:sp>
-      <p:pic>
-        <p:nvPicPr>
-          <p:cNvPr id="4" name="Picture 3"/>
-          <p:cNvPicPr>
-            <a:picLocks noChangeAspect="1"/>
-          </p:cNvPicPr>
-          <p:nvPr/>
-        </p:nvPicPr>
-        <p:blipFill>
-          <a:blip r:embed="rId3" cstate="print">
-            <a:extLst>
-              <a:ext uri="{28A0092B-C50C-407E-A947-70E740481C1C}">
-                <a14:useLocalDpi xmlns:a14="http://schemas.microsoft.com/office/drawing/2010/main" val="0"/>
-              </a:ext>
-            </a:extLst>
-          </a:blip>
-          <a:stretch>
-            <a:fillRect/>
-          </a:stretch>
-        </p:blipFill>
-        <p:spPr>
-          <a:xfrm>
-            <a:off x="10167687" y="128816"/>
-            <a:ext cx="1349542" cy="523368"/>
-          </a:xfrm>
-          <a:prstGeom prst="rect">
-            <a:avLst/>
-          </a:prstGeom>
-        </p:spPr>
-      </p:pic>
-      <p:pic>
-        <p:nvPicPr>
-          <p:cNvPr id="5" name="Picture 4"/>
-          <p:cNvPicPr>
-            <a:picLocks noChangeAspect="1"/>
-          </p:cNvPicPr>
-          <p:nvPr/>
-        </p:nvPicPr>
-        <p:blipFill>
-          <a:blip r:embed="rId4" cstate="print">
-            <a:extLst>
-              <a:ext uri="{28A0092B-C50C-407E-A947-70E740481C1C}">
-                <a14:useLocalDpi xmlns:a14="http://schemas.microsoft.com/office/drawing/2010/main" val="0"/>
-              </a:ext>
-            </a:extLst>
-          </a:blip>
-          <a:stretch>
-            <a:fillRect/>
-          </a:stretch>
-        </p:blipFill>
-        <p:spPr>
-          <a:xfrm>
-            <a:off x="11480800" y="6022"/>
-            <a:ext cx="711199" cy="711199"/>
-          </a:xfrm>
-          <a:prstGeom prst="rect">
-            <a:avLst/>
-          </a:prstGeom>
-        </p:spPr>
-      </p:pic>
-    </p:spTree>
-    <p:extLst>
-      <p:ext uri="{BB962C8B-B14F-4D97-AF65-F5344CB8AC3E}">
-        <p14:creationId xmlns:p14="http://schemas.microsoft.com/office/powerpoint/2010/main" val="855327251"/>
-      </p:ext>
-    </p:extLst>
-  </p:cSld>
-  <p:clrMapOvr>
-    <a:masterClrMapping/>
-  </p:clrMapOvr>
-  <p:timing>
-    <p:tnLst>
-      <p:par>
-        <p:cTn id="1" dur="indefinite" restart="never" nodeType="tmRoot"/>
-      </p:par>
-    </p:tnLst>
-  </p:timing>
-</p:sld>
-</file>
-
-<file path=ppt/slides/slide3.xml><?xml version="1.0" encoding="utf-8"?>
-<p:sld xmlns:a="http://schemas.openxmlformats.org/drawingml/2006/main" xmlns:r="http://schemas.openxmlformats.org/officeDocument/2006/relationships" xmlns:p="http://schemas.openxmlformats.org/presentationml/2006/main">
-  <p:cSld>
-    <p:spTree>
-      <p:nvGrpSpPr>
-        <p:cNvPr id="1" name=""/>
-        <p:cNvGrpSpPr/>
-        <p:nvPr/>
-      </p:nvGrpSpPr>
-      <p:grpSpPr>
-        <a:xfrm>
-          <a:off x="0" y="0"/>
-          <a:ext cx="0" cy="0"/>
-          <a:chOff x="0" y="0"/>
-          <a:chExt cx="0" cy="0"/>
-        </a:xfrm>
-      </p:grpSpPr>
-      <p:grpSp>
-        <p:nvGrpSpPr>
-          <p:cNvPr id="8" name="组合 20"/>
-          <p:cNvGrpSpPr/>
-          <p:nvPr/>
-        </p:nvGrpSpPr>
-        <p:grpSpPr>
-          <a:xfrm>
-            <a:off x="1054099" y="-105192"/>
-            <a:ext cx="11137901" cy="847027"/>
-            <a:chOff x="1627312" y="3013919"/>
-            <a:chExt cx="14913739" cy="1176066"/>
-          </a:xfrm>
-        </p:grpSpPr>
-        <p:sp>
-          <p:nvSpPr>
-            <p:cNvPr id="9" name="矩形 23"/>
-            <p:cNvSpPr/>
-            <p:nvPr/>
-          </p:nvSpPr>
-          <p:spPr>
-            <a:xfrm rot="16200000">
-              <a:off x="8496149" y="-3854918"/>
-              <a:ext cx="1176066" cy="14913739"/>
-            </a:xfrm>
-            <a:prstGeom prst="rect">
-              <a:avLst/>
-            </a:prstGeom>
-          </p:spPr>
-          <p:txBody>
-            <a:bodyPr vert="eaVert" wrap="square" anchor="t">
-              <a:spAutoFit/>
-            </a:bodyPr>
-            <a:lstStyle/>
-            <a:p>
-              <a:pPr>
-                <a:lnSpc>
-                  <a:spcPct val="150000"/>
-                </a:lnSpc>
-              </a:pPr>
-              <a:endParaRPr lang="en-US" altLang="zh-CN" sz="3200" b="1" kern="100" dirty="0">
-                <a:solidFill>
-                  <a:srgbClr val="0070C0"/>
-                </a:solidFill>
-                <a:cs typeface="Times New Roman" panose="02020603050405020304" pitchFamily="18" charset="0"/>
-              </a:endParaRPr>
-            </a:p>
-          </p:txBody>
-        </p:sp>
-        <p:cxnSp>
-          <p:nvCxnSpPr>
-            <p:cNvPr id="10" name="直接连接符 22"/>
-            <p:cNvCxnSpPr>
-              <a:cxnSpLocks/>
-            </p:cNvCxnSpPr>
-            <p:nvPr/>
-          </p:nvCxnSpPr>
-          <p:spPr>
-            <a:xfrm flipV="1">
-              <a:off x="1627313" y="4179013"/>
-              <a:ext cx="14913738" cy="0"/>
-            </a:xfrm>
-            <a:prstGeom prst="line">
-              <a:avLst/>
-            </a:prstGeom>
-            <a:ln/>
-          </p:spPr>
-          <p:style>
-            <a:lnRef idx="3">
-              <a:schemeClr val="accent5"/>
-            </a:lnRef>
-            <a:fillRef idx="0">
-              <a:schemeClr val="accent5"/>
-            </a:fillRef>
-            <a:effectRef idx="2">
-              <a:schemeClr val="accent5"/>
-            </a:effectRef>
-            <a:fontRef idx="minor">
-              <a:schemeClr val="tx1"/>
-            </a:fontRef>
-          </p:style>
-        </p:cxnSp>
-      </p:grpSp>
-      <p:grpSp>
-        <p:nvGrpSpPr>
-          <p:cNvPr id="11" name="组合 27"/>
-          <p:cNvGrpSpPr/>
-          <p:nvPr/>
-        </p:nvGrpSpPr>
-        <p:grpSpPr>
-          <a:xfrm>
-            <a:off x="0" y="-959"/>
-            <a:ext cx="1054100" cy="744733"/>
-            <a:chOff x="11137900" y="860547"/>
-            <a:chExt cx="1054100" cy="744733"/>
-          </a:xfrm>
-          <a:solidFill>
-            <a:srgbClr val="0070C0"/>
-          </a:solidFill>
-        </p:grpSpPr>
-        <p:sp>
-          <p:nvSpPr>
-            <p:cNvPr id="12" name="矩形 30"/>
-            <p:cNvSpPr/>
-            <p:nvPr/>
-          </p:nvSpPr>
-          <p:spPr>
-            <a:xfrm>
-              <a:off x="11137900" y="860547"/>
-              <a:ext cx="1054100" cy="106604"/>
-            </a:xfrm>
-            <a:prstGeom prst="rect">
-              <a:avLst/>
-            </a:prstGeom>
-            <a:grpFill/>
-            <a:ln>
-              <a:noFill/>
-            </a:ln>
-          </p:spPr>
-          <p:style>
-            <a:lnRef idx="2">
-              <a:schemeClr val="accent1">
-                <a:shade val="50000"/>
-              </a:schemeClr>
-            </a:lnRef>
-            <a:fillRef idx="1">
-              <a:schemeClr val="accent1"/>
-            </a:fillRef>
-            <a:effectRef idx="0">
-              <a:schemeClr val="accent1"/>
-            </a:effectRef>
-            <a:fontRef idx="minor">
-              <a:schemeClr val="lt1"/>
-            </a:fontRef>
-          </p:style>
-          <p:txBody>
-            <a:bodyPr rtlCol="0" anchor="ctr"/>
-            <a:lstStyle/>
-            <a:p>
-              <a:pPr algn="ctr"/>
-              <a:endParaRPr lang="zh-CN" altLang="en-US">
-                <a:solidFill>
-                  <a:srgbClr val="0070C0"/>
-                </a:solidFill>
-              </a:endParaRPr>
-            </a:p>
-          </p:txBody>
-        </p:sp>
-        <p:sp>
-          <p:nvSpPr>
-            <p:cNvPr id="13" name="矩形 40"/>
-            <p:cNvSpPr/>
-            <p:nvPr/>
-          </p:nvSpPr>
-          <p:spPr>
-            <a:xfrm>
-              <a:off x="11137900" y="1073256"/>
-              <a:ext cx="1054100" cy="106604"/>
-            </a:xfrm>
-            <a:prstGeom prst="rect">
-              <a:avLst/>
-            </a:prstGeom>
-            <a:grpFill/>
-            <a:ln>
-              <a:noFill/>
-            </a:ln>
-          </p:spPr>
-          <p:style>
-            <a:lnRef idx="2">
-              <a:schemeClr val="accent1">
-                <a:shade val="50000"/>
-              </a:schemeClr>
-            </a:lnRef>
-            <a:fillRef idx="1">
-              <a:schemeClr val="accent1"/>
-            </a:fillRef>
-            <a:effectRef idx="0">
-              <a:schemeClr val="accent1"/>
-            </a:effectRef>
-            <a:fontRef idx="minor">
-              <a:schemeClr val="lt1"/>
-            </a:fontRef>
-          </p:style>
-          <p:txBody>
-            <a:bodyPr rtlCol="0" anchor="ctr"/>
-            <a:lstStyle/>
-            <a:p>
-              <a:pPr algn="ctr"/>
-              <a:endParaRPr lang="zh-CN" altLang="en-US">
-                <a:solidFill>
-                  <a:srgbClr val="0070C0"/>
-                </a:solidFill>
-              </a:endParaRPr>
-            </a:p>
-          </p:txBody>
-        </p:sp>
-        <p:sp>
-          <p:nvSpPr>
-            <p:cNvPr id="14" name="矩形 41"/>
-            <p:cNvSpPr/>
-            <p:nvPr/>
-          </p:nvSpPr>
-          <p:spPr>
-            <a:xfrm>
-              <a:off x="11137900" y="1285966"/>
-              <a:ext cx="1054100" cy="106604"/>
-            </a:xfrm>
-            <a:prstGeom prst="rect">
-              <a:avLst/>
-            </a:prstGeom>
-            <a:grpFill/>
-            <a:ln>
-              <a:noFill/>
-            </a:ln>
-          </p:spPr>
-          <p:style>
-            <a:lnRef idx="2">
-              <a:schemeClr val="accent1">
-                <a:shade val="50000"/>
-              </a:schemeClr>
-            </a:lnRef>
-            <a:fillRef idx="1">
-              <a:schemeClr val="accent1"/>
-            </a:fillRef>
-            <a:effectRef idx="0">
-              <a:schemeClr val="accent1"/>
-            </a:effectRef>
-            <a:fontRef idx="minor">
-              <a:schemeClr val="lt1"/>
-            </a:fontRef>
-          </p:style>
-          <p:txBody>
-            <a:bodyPr rtlCol="0" anchor="ctr"/>
-            <a:lstStyle/>
-            <a:p>
-              <a:pPr algn="ctr"/>
-              <a:endParaRPr lang="zh-CN" altLang="en-US">
-                <a:solidFill>
-                  <a:srgbClr val="0070C0"/>
-                </a:solidFill>
-              </a:endParaRPr>
-            </a:p>
-          </p:txBody>
-        </p:sp>
-        <p:sp>
-          <p:nvSpPr>
-            <p:cNvPr id="15" name="矩形 42"/>
-            <p:cNvSpPr/>
-            <p:nvPr/>
-          </p:nvSpPr>
-          <p:spPr>
-            <a:xfrm>
-              <a:off x="11137900" y="1498676"/>
-              <a:ext cx="1054100" cy="106604"/>
-            </a:xfrm>
-            <a:prstGeom prst="rect">
-              <a:avLst/>
-            </a:prstGeom>
-            <a:grpFill/>
-            <a:ln>
-              <a:noFill/>
-            </a:ln>
-          </p:spPr>
-          <p:style>
-            <a:lnRef idx="2">
-              <a:schemeClr val="accent1">
-                <a:shade val="50000"/>
-              </a:schemeClr>
-            </a:lnRef>
-            <a:fillRef idx="1">
-              <a:schemeClr val="accent1"/>
-            </a:fillRef>
-            <a:effectRef idx="0">
-              <a:schemeClr val="accent1"/>
-            </a:effectRef>
-            <a:fontRef idx="minor">
-              <a:schemeClr val="lt1"/>
-            </a:fontRef>
-          </p:style>
-          <p:txBody>
-            <a:bodyPr rtlCol="0" anchor="ctr"/>
-            <a:lstStyle/>
-            <a:p>
-              <a:pPr algn="ctr"/>
-              <a:endParaRPr lang="zh-CN" altLang="en-US">
-                <a:solidFill>
-                  <a:srgbClr val="0070C0"/>
-                </a:solidFill>
-              </a:endParaRPr>
-            </a:p>
-          </p:txBody>
-        </p:sp>
-      </p:grpSp>
-      <p:sp>
-        <p:nvSpPr>
-          <p:cNvPr id="2" name="Slide Number Placeholder 1"/>
-          <p:cNvSpPr>
-            <a:spLocks noGrp="1"/>
-          </p:cNvSpPr>
-          <p:nvPr>
-            <p:ph type="sldNum" sz="quarter" idx="12"/>
-          </p:nvPr>
-        </p:nvSpPr>
-        <p:spPr/>
-        <p:txBody>
-          <a:bodyPr/>
-          <a:lstStyle/>
-          <a:p>
-            <a:fld id="{D466C35F-1F30-492D-A3FD-07E7992BCAA9}" type="slidenum">
-              <a:rPr lang="en-US" smtClean="0"/>
-              <a:t>3</a:t>
-            </a:fld>
-            <a:endParaRPr lang="en-US"/>
-          </a:p>
-        </p:txBody>
-      </p:sp>
-      <p:sp>
-        <p:nvSpPr>
-          <p:cNvPr id="17" name="矩形 23"/>
-          <p:cNvSpPr/>
-          <p:nvPr/>
-        </p:nvSpPr>
-        <p:spPr>
-          <a:xfrm rot="16200000">
-            <a:off x="6192164" y="-5184048"/>
-            <a:ext cx="861774" cy="11137901"/>
-          </a:xfrm>
-          <a:prstGeom prst="rect">
-            <a:avLst/>
-          </a:prstGeom>
-        </p:spPr>
-        <p:txBody>
-          <a:bodyPr vert="eaVert" wrap="square" anchor="ctr">
-            <a:spAutoFit/>
-          </a:bodyPr>
-          <a:lstStyle/>
-          <a:p>
-            <a:r>
-              <a:rPr lang="zh-CN" altLang="en-US" sz="4400" b="1" kern="100" dirty="0" smtClean="0">
-                <a:solidFill>
-                  <a:srgbClr val="0070C0"/>
-                </a:solidFill>
-                <a:latin typeface="Times New Roman" panose="02020603050405020304" pitchFamily="18" charset="0"/>
-                <a:cs typeface="Times New Roman" panose="02020603050405020304" pitchFamily="18" charset="0"/>
-              </a:rPr>
-              <a:t>介绍</a:t>
-            </a:r>
-            <a:endParaRPr lang="en-US" altLang="zh-CN" sz="4400" b="1" kern="100" dirty="0">
-              <a:solidFill>
-                <a:srgbClr val="0070C0"/>
-              </a:solidFill>
-              <a:latin typeface="Times New Roman" panose="02020603050405020304" pitchFamily="18" charset="0"/>
-              <a:cs typeface="Times New Roman" panose="02020603050405020304" pitchFamily="18" charset="0"/>
-            </a:endParaRPr>
-          </a:p>
-        </p:txBody>
-      </p:sp>
-      <p:sp>
-        <p:nvSpPr>
-          <p:cNvPr id="3" name="Content Placeholder 2"/>
-          <p:cNvSpPr>
-            <a:spLocks noGrp="1"/>
-          </p:cNvSpPr>
-          <p:nvPr>
-            <p:ph idx="1"/>
-          </p:nvPr>
-        </p:nvSpPr>
-        <p:spPr>
-          <a:xfrm>
-            <a:off x="838200" y="1175657"/>
-            <a:ext cx="10515600" cy="5001306"/>
-          </a:xfrm>
-        </p:spPr>
-        <p:txBody>
-          <a:bodyPr>
-            <a:normAutofit/>
-          </a:bodyPr>
-          <a:lstStyle/>
-          <a:p>
-            <a:pPr>
-              <a:lnSpc>
-                <a:spcPct val="150000"/>
-              </a:lnSpc>
-            </a:pPr>
-            <a:r>
               <a:rPr lang="zh-CN" altLang="en-US" sz="2000" dirty="0" smtClean="0">
                 <a:latin typeface="微软雅黑" panose="020B0503020204020204" pitchFamily="34" charset="-122"/>
                 <a:ea typeface="微软雅黑" panose="020B0503020204020204" pitchFamily="34" charset="-122"/>
@@ -9672,66 +8349,6 @@
           </a:p>
         </p:txBody>
       </p:sp>
-      <p:pic>
-        <p:nvPicPr>
-          <p:cNvPr id="4" name="Picture 3"/>
-          <p:cNvPicPr>
-            <a:picLocks noChangeAspect="1"/>
-          </p:cNvPicPr>
-          <p:nvPr/>
-        </p:nvPicPr>
-        <p:blipFill>
-          <a:blip r:embed="rId3" cstate="print">
-            <a:extLst>
-              <a:ext uri="{28A0092B-C50C-407E-A947-70E740481C1C}">
-                <a14:useLocalDpi xmlns:a14="http://schemas.microsoft.com/office/drawing/2010/main" val="0"/>
-              </a:ext>
-            </a:extLst>
-          </a:blip>
-          <a:stretch>
-            <a:fillRect/>
-          </a:stretch>
-        </p:blipFill>
-        <p:spPr>
-          <a:xfrm>
-            <a:off x="10167687" y="128816"/>
-            <a:ext cx="1349542" cy="523368"/>
-          </a:xfrm>
-          <a:prstGeom prst="rect">
-            <a:avLst/>
-          </a:prstGeom>
-        </p:spPr>
-      </p:pic>
-      <p:pic>
-        <p:nvPicPr>
-          <p:cNvPr id="5" name="Picture 4"/>
-          <p:cNvPicPr>
-            <a:picLocks noChangeAspect="1"/>
-          </p:cNvPicPr>
-          <p:nvPr/>
-        </p:nvPicPr>
-        <p:blipFill>
-          <a:blip r:embed="rId4" cstate="print">
-            <a:extLst>
-              <a:ext uri="{28A0092B-C50C-407E-A947-70E740481C1C}">
-                <a14:useLocalDpi xmlns:a14="http://schemas.microsoft.com/office/drawing/2010/main" val="0"/>
-              </a:ext>
-            </a:extLst>
-          </a:blip>
-          <a:stretch>
-            <a:fillRect/>
-          </a:stretch>
-        </p:blipFill>
-        <p:spPr>
-          <a:xfrm>
-            <a:off x="11480800" y="6022"/>
-            <a:ext cx="711199" cy="711199"/>
-          </a:xfrm>
-          <a:prstGeom prst="rect">
-            <a:avLst/>
-          </a:prstGeom>
-        </p:spPr>
-      </p:pic>
       <p:graphicFrame>
         <p:nvGraphicFramePr>
           <p:cNvPr id="16" name="Table 15"/>
@@ -11852,66 +10469,6 @@
           </a:p>
         </p:txBody>
       </p:sp>
-      <p:pic>
-        <p:nvPicPr>
-          <p:cNvPr id="4" name="Picture 3"/>
-          <p:cNvPicPr>
-            <a:picLocks noChangeAspect="1"/>
-          </p:cNvPicPr>
-          <p:nvPr/>
-        </p:nvPicPr>
-        <p:blipFill>
-          <a:blip r:embed="rId3" cstate="print">
-            <a:extLst>
-              <a:ext uri="{28A0092B-C50C-407E-A947-70E740481C1C}">
-                <a14:useLocalDpi xmlns:a14="http://schemas.microsoft.com/office/drawing/2010/main" val="0"/>
-              </a:ext>
-            </a:extLst>
-          </a:blip>
-          <a:stretch>
-            <a:fillRect/>
-          </a:stretch>
-        </p:blipFill>
-        <p:spPr>
-          <a:xfrm>
-            <a:off x="10167687" y="128816"/>
-            <a:ext cx="1349542" cy="523368"/>
-          </a:xfrm>
-          <a:prstGeom prst="rect">
-            <a:avLst/>
-          </a:prstGeom>
-        </p:spPr>
-      </p:pic>
-      <p:pic>
-        <p:nvPicPr>
-          <p:cNvPr id="5" name="Picture 4"/>
-          <p:cNvPicPr>
-            <a:picLocks noChangeAspect="1"/>
-          </p:cNvPicPr>
-          <p:nvPr/>
-        </p:nvPicPr>
-        <p:blipFill>
-          <a:blip r:embed="rId4" cstate="print">
-            <a:extLst>
-              <a:ext uri="{28A0092B-C50C-407E-A947-70E740481C1C}">
-                <a14:useLocalDpi xmlns:a14="http://schemas.microsoft.com/office/drawing/2010/main" val="0"/>
-              </a:ext>
-            </a:extLst>
-          </a:blip>
-          <a:stretch>
-            <a:fillRect/>
-          </a:stretch>
-        </p:blipFill>
-        <p:spPr>
-          <a:xfrm>
-            <a:off x="11480800" y="6022"/>
-            <a:ext cx="711199" cy="711199"/>
-          </a:xfrm>
-          <a:prstGeom prst="rect">
-            <a:avLst/>
-          </a:prstGeom>
-        </p:spPr>
-      </p:pic>
       <p:sp>
         <p:nvSpPr>
           <p:cNvPr id="16" name="矩形 23"/>
@@ -11962,7 +10519,7 @@
           <p:nvPr/>
         </p:nvPicPr>
         <p:blipFill>
-          <a:blip r:embed="rId5"/>
+          <a:blip r:embed="rId3"/>
           <a:stretch>
             <a:fillRect/>
           </a:stretch>
@@ -11986,7 +10543,7 @@
           <p:nvPr/>
         </p:nvPicPr>
         <p:blipFill>
-          <a:blip r:embed="rId6"/>
+          <a:blip r:embed="rId4"/>
           <a:stretch>
             <a:fillRect/>
           </a:stretch>
@@ -12010,14 +10567,14 @@
           <p:nvPr/>
         </p:nvPicPr>
         <p:blipFill>
-          <a:blip r:embed="rId7"/>
+          <a:blip r:embed="rId5"/>
           <a:stretch>
             <a:fillRect/>
           </a:stretch>
         </p:blipFill>
         <p:spPr>
           <a:xfrm>
-            <a:off x="8610600" y="2100263"/>
+            <a:off x="8620125" y="2283910"/>
             <a:ext cx="2733675" cy="4076700"/>
           </a:xfrm>
           <a:prstGeom prst="rect">
@@ -12033,7 +10590,7 @@
         </p:nvSpPr>
         <p:spPr>
           <a:xfrm>
-            <a:off x="8610600" y="1656200"/>
+            <a:off x="8620125" y="1839847"/>
             <a:ext cx="2727029" cy="400110"/>
           </a:xfrm>
           <a:prstGeom prst="rect">
@@ -12497,25 +11054,39 @@
               </a:lnSpc>
             </a:pPr>
             <a:r>
-              <a:rPr lang="zh-CN" altLang="en-US" sz="2000" b="1" dirty="0" smtClean="0">
+              <a:rPr lang="zh-CN" altLang="en-US" b="1" dirty="0" smtClean="0">
                 <a:latin typeface="微软雅黑" panose="020B0503020204020204" pitchFamily="34" charset="-122"/>
                 <a:ea typeface="微软雅黑" panose="020B0503020204020204" pitchFamily="34" charset="-122"/>
               </a:rPr>
               <a:t>实验平台：</a:t>
             </a:r>
             <a:r>
-              <a:rPr lang="en-US" sz="2000" dirty="0" err="1" smtClean="0">
+              <a:rPr lang="en-US" altLang="zh-CN" dirty="0">
                 <a:latin typeface="微软雅黑" panose="020B0503020204020204" pitchFamily="34" charset="-122"/>
                 <a:ea typeface="微软雅黑" panose="020B0503020204020204" pitchFamily="34" charset="-122"/>
               </a:rPr>
-              <a:t>Jupyter</a:t>
-            </a:r>
-            <a:r>
-              <a:rPr lang="en-US" sz="2000" dirty="0" smtClean="0">
+              <a:t>Anaconda3</a:t>
+            </a:r>
+            <a:r>
+              <a:rPr lang="zh-CN" altLang="en-US" dirty="0">
                 <a:latin typeface="微软雅黑" panose="020B0503020204020204" pitchFamily="34" charset="-122"/>
                 <a:ea typeface="微软雅黑" panose="020B0503020204020204" pitchFamily="34" charset="-122"/>
               </a:rPr>
-              <a:t> Notebook, Python3, Docker</a:t>
+              <a:t>，</a:t>
+            </a:r>
+            <a:r>
+              <a:rPr lang="en-US" dirty="0" err="1" smtClean="0">
+                <a:latin typeface="微软雅黑" panose="020B0503020204020204" pitchFamily="34" charset="-122"/>
+                <a:ea typeface="微软雅黑" panose="020B0503020204020204" pitchFamily="34" charset="-122"/>
+              </a:rPr>
+              <a:t>JupyterNotebook</a:t>
+            </a:r>
+            <a:r>
+              <a:rPr lang="en-US" dirty="0" smtClean="0">
+                <a:latin typeface="微软雅黑" panose="020B0503020204020204" pitchFamily="34" charset="-122"/>
+                <a:ea typeface="微软雅黑" panose="020B0503020204020204" pitchFamily="34" charset="-122"/>
+              </a:rPr>
+              <a:t>, Python3, Docker</a:t>
             </a:r>
           </a:p>
           <a:p>
@@ -12524,90 +11095,10 @@
                 <a:spcPct val="150000"/>
               </a:lnSpc>
             </a:pPr>
-            <a:r>
-              <a:rPr lang="zh-CN" altLang="en-US" sz="2000" b="1" dirty="0" smtClean="0">
-                <a:latin typeface="微软雅黑" panose="020B0503020204020204" pitchFamily="34" charset="-122"/>
-                <a:ea typeface="微软雅黑" panose="020B0503020204020204" pitchFamily="34" charset="-122"/>
-              </a:rPr>
-              <a:t>所需</a:t>
-            </a:r>
-            <a:r>
-              <a:rPr lang="en-US" sz="2000" b="1" dirty="0" smtClean="0">
-                <a:latin typeface="微软雅黑" panose="020B0503020204020204" pitchFamily="34" charset="-122"/>
-                <a:ea typeface="微软雅黑" panose="020B0503020204020204" pitchFamily="34" charset="-122"/>
-              </a:rPr>
-              <a:t>python</a:t>
-            </a:r>
-            <a:r>
-              <a:rPr lang="zh-CN" altLang="en-US" sz="2000" b="1" dirty="0" smtClean="0">
-                <a:latin typeface="微软雅黑" panose="020B0503020204020204" pitchFamily="34" charset="-122"/>
-                <a:ea typeface="微软雅黑" panose="020B0503020204020204" pitchFamily="34" charset="-122"/>
-              </a:rPr>
-              <a:t>包：</a:t>
-            </a:r>
-            <a:r>
-              <a:rPr lang="en-US" sz="2000" dirty="0" smtClean="0">
-                <a:latin typeface="微软雅黑" panose="020B0503020204020204" pitchFamily="34" charset="-122"/>
-                <a:ea typeface="微软雅黑" panose="020B0503020204020204" pitchFamily="34" charset="-122"/>
-              </a:rPr>
-              <a:t>pandas, </a:t>
-            </a:r>
-            <a:r>
-              <a:rPr lang="en-US" sz="2000" dirty="0" err="1" smtClean="0">
-                <a:latin typeface="微软雅黑" panose="020B0503020204020204" pitchFamily="34" charset="-122"/>
-                <a:ea typeface="微软雅黑" panose="020B0503020204020204" pitchFamily="34" charset="-122"/>
-              </a:rPr>
-              <a:t>numpy</a:t>
-            </a:r>
-            <a:r>
-              <a:rPr lang="en-US" sz="2000" dirty="0" smtClean="0">
-                <a:latin typeface="微软雅黑" panose="020B0503020204020204" pitchFamily="34" charset="-122"/>
-                <a:ea typeface="微软雅黑" panose="020B0503020204020204" pitchFamily="34" charset="-122"/>
-              </a:rPr>
-              <a:t>, cornice, </a:t>
-            </a:r>
-            <a:r>
-              <a:rPr lang="en-US" sz="2000" dirty="0" err="1" smtClean="0">
-                <a:latin typeface="微软雅黑" panose="020B0503020204020204" pitchFamily="34" charset="-122"/>
-                <a:ea typeface="微软雅黑" panose="020B0503020204020204" pitchFamily="34" charset="-122"/>
-              </a:rPr>
-              <a:t>jieba</a:t>
-            </a:r>
-            <a:r>
-              <a:rPr lang="en-US" sz="2000" dirty="0" smtClean="0">
-                <a:latin typeface="微软雅黑" panose="020B0503020204020204" pitchFamily="34" charset="-122"/>
-                <a:ea typeface="微软雅黑" panose="020B0503020204020204" pitchFamily="34" charset="-122"/>
-              </a:rPr>
-              <a:t>, pickle5,joblib, </a:t>
-            </a:r>
-            <a:r>
-              <a:rPr lang="en-US" sz="2000" dirty="0" err="1" smtClean="0">
-                <a:latin typeface="微软雅黑" panose="020B0503020204020204" pitchFamily="34" charset="-122"/>
-                <a:ea typeface="微软雅黑" panose="020B0503020204020204" pitchFamily="34" charset="-122"/>
-              </a:rPr>
-              <a:t>scipy</a:t>
-            </a:r>
-            <a:r>
-              <a:rPr lang="en-US" sz="2000" dirty="0" smtClean="0">
-                <a:latin typeface="微软雅黑" panose="020B0503020204020204" pitchFamily="34" charset="-122"/>
-                <a:ea typeface="微软雅黑" panose="020B0503020204020204" pitchFamily="34" charset="-122"/>
-              </a:rPr>
-              <a:t>, </a:t>
-            </a:r>
-            <a:r>
-              <a:rPr lang="en-US" sz="2000" dirty="0" err="1" smtClean="0">
-                <a:latin typeface="微软雅黑" panose="020B0503020204020204" pitchFamily="34" charset="-122"/>
-                <a:ea typeface="微软雅黑" panose="020B0503020204020204" pitchFamily="34" charset="-122"/>
-              </a:rPr>
-              <a:t>scikit</a:t>
-            </a:r>
-            <a:r>
-              <a:rPr lang="en-US" sz="2000" dirty="0" smtClean="0">
-                <a:latin typeface="微软雅黑" panose="020B0503020204020204" pitchFamily="34" charset="-122"/>
-                <a:ea typeface="微软雅黑" panose="020B0503020204020204" pitchFamily="34" charset="-122"/>
-              </a:rPr>
-              <a:t>-learn==0.21</a:t>
-            </a:r>
+            <a:endParaRPr lang="en-US" dirty="0" smtClean="0">
+              <a:latin typeface="微软雅黑" panose="020B0503020204020204" pitchFamily="34" charset="-122"/>
+              <a:ea typeface="微软雅黑" panose="020B0503020204020204" pitchFamily="34" charset="-122"/>
+            </a:endParaRPr>
           </a:p>
           <a:p>
             <a:pPr>
@@ -12616,230 +11107,238 @@
               </a:lnSpc>
             </a:pPr>
             <a:r>
-              <a:rPr lang="zh-CN" altLang="en-US" sz="2000" b="1" dirty="0" smtClean="0">
+              <a:rPr lang="zh-CN" altLang="en-US" b="1" dirty="0" smtClean="0">
                 <a:latin typeface="微软雅黑" panose="020B0503020204020204" pitchFamily="34" charset="-122"/>
                 <a:ea typeface="微软雅黑" panose="020B0503020204020204" pitchFamily="34" charset="-122"/>
               </a:rPr>
-              <a:t>方法：</a:t>
-            </a:r>
-            <a:endParaRPr lang="en-US" altLang="zh-CN" sz="2000" b="1" dirty="0" smtClean="0">
+              <a:t>所需</a:t>
+            </a:r>
+            <a:r>
+              <a:rPr lang="en-US" b="1" dirty="0" smtClean="0">
+                <a:latin typeface="微软雅黑" panose="020B0503020204020204" pitchFamily="34" charset="-122"/>
+                <a:ea typeface="微软雅黑" panose="020B0503020204020204" pitchFamily="34" charset="-122"/>
+              </a:rPr>
+              <a:t>python</a:t>
+            </a:r>
+            <a:r>
+              <a:rPr lang="zh-CN" altLang="en-US" b="1" dirty="0" smtClean="0">
+                <a:latin typeface="微软雅黑" panose="020B0503020204020204" pitchFamily="34" charset="-122"/>
+                <a:ea typeface="微软雅黑" panose="020B0503020204020204" pitchFamily="34" charset="-122"/>
+              </a:rPr>
+              <a:t>包：</a:t>
+            </a:r>
+            <a:r>
+              <a:rPr lang="en-US" dirty="0">
+                <a:latin typeface="微软雅黑" panose="020B0503020204020204" pitchFamily="34" charset="-122"/>
+                <a:ea typeface="微软雅黑" panose="020B0503020204020204" pitchFamily="34" charset="-122"/>
+              </a:rPr>
+              <a:t>pandas, </a:t>
+            </a:r>
+            <a:r>
+              <a:rPr lang="en-US" dirty="0" err="1">
+                <a:latin typeface="微软雅黑" panose="020B0503020204020204" pitchFamily="34" charset="-122"/>
+                <a:ea typeface="微软雅黑" panose="020B0503020204020204" pitchFamily="34" charset="-122"/>
+              </a:rPr>
+              <a:t>numpy</a:t>
+            </a:r>
+            <a:r>
+              <a:rPr lang="en-US" dirty="0">
+                <a:latin typeface="微软雅黑" panose="020B0503020204020204" pitchFamily="34" charset="-122"/>
+                <a:ea typeface="微软雅黑" panose="020B0503020204020204" pitchFamily="34" charset="-122"/>
+              </a:rPr>
+              <a:t>, codecs, </a:t>
+            </a:r>
+            <a:r>
+              <a:rPr lang="en-US" dirty="0" err="1">
+                <a:latin typeface="微软雅黑" panose="020B0503020204020204" pitchFamily="34" charset="-122"/>
+                <a:ea typeface="微软雅黑" panose="020B0503020204020204" pitchFamily="34" charset="-122"/>
+              </a:rPr>
+              <a:t>scikit</a:t>
+            </a:r>
+            <a:r>
+              <a:rPr lang="en-US" dirty="0">
+                <a:latin typeface="微软雅黑" panose="020B0503020204020204" pitchFamily="34" charset="-122"/>
+                <a:ea typeface="微软雅黑" panose="020B0503020204020204" pitchFamily="34" charset="-122"/>
+              </a:rPr>
+              <a:t>-learn==0.21, </a:t>
+            </a:r>
+            <a:r>
+              <a:rPr lang="en-US" dirty="0" smtClean="0">
+                <a:latin typeface="微软雅黑" panose="020B0503020204020204" pitchFamily="34" charset="-122"/>
+                <a:ea typeface="微软雅黑" panose="020B0503020204020204" pitchFamily="34" charset="-122"/>
+              </a:rPr>
+              <a:t>    	                    </a:t>
+            </a:r>
+            <a:r>
+              <a:rPr lang="en-US" dirty="0" err="1" smtClean="0">
+                <a:latin typeface="微软雅黑" panose="020B0503020204020204" pitchFamily="34" charset="-122"/>
+                <a:ea typeface="微软雅黑" panose="020B0503020204020204" pitchFamily="34" charset="-122"/>
+              </a:rPr>
+              <a:t>jieba</a:t>
+            </a:r>
+            <a:r>
+              <a:rPr lang="en-US" dirty="0">
+                <a:latin typeface="微软雅黑" panose="020B0503020204020204" pitchFamily="34" charset="-122"/>
+                <a:ea typeface="微软雅黑" panose="020B0503020204020204" pitchFamily="34" charset="-122"/>
+              </a:rPr>
+              <a:t>, </a:t>
+            </a:r>
+            <a:r>
+              <a:rPr lang="en-US" dirty="0" err="1">
+                <a:latin typeface="微软雅黑" panose="020B0503020204020204" pitchFamily="34" charset="-122"/>
+                <a:ea typeface="微软雅黑" panose="020B0503020204020204" pitchFamily="34" charset="-122"/>
+              </a:rPr>
+              <a:t>wordcloud</a:t>
+            </a:r>
+            <a:r>
+              <a:rPr lang="en-US" dirty="0">
+                <a:latin typeface="微软雅黑" panose="020B0503020204020204" pitchFamily="34" charset="-122"/>
+                <a:ea typeface="微软雅黑" panose="020B0503020204020204" pitchFamily="34" charset="-122"/>
+              </a:rPr>
+              <a:t>, cornice, </a:t>
+            </a:r>
+            <a:r>
+              <a:rPr lang="en-US" dirty="0" err="1">
+                <a:latin typeface="微软雅黑" panose="020B0503020204020204" pitchFamily="34" charset="-122"/>
+                <a:ea typeface="微软雅黑" panose="020B0503020204020204" pitchFamily="34" charset="-122"/>
+              </a:rPr>
+              <a:t>xlrd</a:t>
+            </a:r>
+            <a:r>
+              <a:rPr lang="en-US" dirty="0">
+                <a:latin typeface="微软雅黑" panose="020B0503020204020204" pitchFamily="34" charset="-122"/>
+                <a:ea typeface="微软雅黑" panose="020B0503020204020204" pitchFamily="34" charset="-122"/>
+              </a:rPr>
+              <a:t>, pickle5, </a:t>
+            </a:r>
+            <a:r>
+              <a:rPr lang="en-US" dirty="0" smtClean="0">
+                <a:latin typeface="微软雅黑" panose="020B0503020204020204" pitchFamily="34" charset="-122"/>
+                <a:ea typeface="微软雅黑" panose="020B0503020204020204" pitchFamily="34" charset="-122"/>
+              </a:rPr>
+              <a:t>	  		           </a:t>
+            </a:r>
+            <a:r>
+              <a:rPr lang="en-US" dirty="0" err="1" smtClean="0">
+                <a:latin typeface="微软雅黑" panose="020B0503020204020204" pitchFamily="34" charset="-122"/>
+                <a:ea typeface="微软雅黑" panose="020B0503020204020204" pitchFamily="34" charset="-122"/>
+              </a:rPr>
+              <a:t>joblib</a:t>
+            </a:r>
+            <a:r>
+              <a:rPr lang="en-US" dirty="0">
+                <a:latin typeface="微软雅黑" panose="020B0503020204020204" pitchFamily="34" charset="-122"/>
+                <a:ea typeface="微软雅黑" panose="020B0503020204020204" pitchFamily="34" charset="-122"/>
+              </a:rPr>
+              <a:t>, </a:t>
+            </a:r>
+            <a:r>
+              <a:rPr lang="en-US" dirty="0" err="1">
+                <a:latin typeface="微软雅黑" panose="020B0503020204020204" pitchFamily="34" charset="-122"/>
+                <a:ea typeface="微软雅黑" panose="020B0503020204020204" pitchFamily="34" charset="-122"/>
+              </a:rPr>
+              <a:t>scipy</a:t>
+            </a:r>
+            <a:endParaRPr lang="en-US" sz="2400" dirty="0" smtClean="0">
               <a:latin typeface="微软雅黑" panose="020B0503020204020204" pitchFamily="34" charset="-122"/>
               <a:ea typeface="微软雅黑" panose="020B0503020204020204" pitchFamily="34" charset="-122"/>
             </a:endParaRPr>
           </a:p>
-          <a:p>
-            <a:pPr lvl="1">
-              <a:lnSpc>
-                <a:spcPct val="150000"/>
-              </a:lnSpc>
-            </a:pPr>
-            <a:r>
-              <a:rPr lang="zh-CN" altLang="en-US" sz="1800" dirty="0" smtClean="0">
-                <a:latin typeface="微软雅黑" panose="020B0503020204020204" pitchFamily="34" charset="-122"/>
-                <a:ea typeface="微软雅黑" panose="020B0503020204020204" pitchFamily="34" charset="-122"/>
-              </a:rPr>
-              <a:t>逻辑回归</a:t>
-            </a:r>
-            <a:r>
-              <a:rPr lang="en-US" altLang="zh-CN" sz="1800" dirty="0" smtClean="0">
-                <a:latin typeface="微软雅黑" panose="020B0503020204020204" pitchFamily="34" charset="-122"/>
-                <a:ea typeface="微软雅黑" panose="020B0503020204020204" pitchFamily="34" charset="-122"/>
-              </a:rPr>
-              <a:t>, logistic regression</a:t>
-            </a:r>
-          </a:p>
-          <a:p>
-            <a:pPr lvl="1">
-              <a:lnSpc>
-                <a:spcPct val="150000"/>
-              </a:lnSpc>
-            </a:pPr>
-            <a:r>
-              <a:rPr lang="zh-CN" altLang="en-US" sz="1800" dirty="0" smtClean="0">
-                <a:latin typeface="微软雅黑" panose="020B0503020204020204" pitchFamily="34" charset="-122"/>
-                <a:ea typeface="微软雅黑" panose="020B0503020204020204" pitchFamily="34" charset="-122"/>
-              </a:rPr>
-              <a:t>支持向量机</a:t>
-            </a:r>
-            <a:r>
-              <a:rPr lang="en-US" altLang="zh-CN" sz="1800" dirty="0" smtClean="0">
-                <a:latin typeface="微软雅黑" panose="020B0503020204020204" pitchFamily="34" charset="-122"/>
-                <a:ea typeface="微软雅黑" panose="020B0503020204020204" pitchFamily="34" charset="-122"/>
-              </a:rPr>
-              <a:t>, </a:t>
-            </a:r>
-            <a:r>
-              <a:rPr lang="en-US" sz="1800" dirty="0" smtClean="0">
-                <a:latin typeface="微软雅黑" panose="020B0503020204020204" pitchFamily="34" charset="-122"/>
-                <a:ea typeface="微软雅黑" panose="020B0503020204020204" pitchFamily="34" charset="-122"/>
-              </a:rPr>
-              <a:t>support vector machine</a:t>
-            </a:r>
-          </a:p>
-          <a:p>
-            <a:pPr lvl="1">
-              <a:lnSpc>
-                <a:spcPct val="150000"/>
-              </a:lnSpc>
-            </a:pPr>
-            <a:r>
-              <a:rPr lang="en-US" sz="1800" dirty="0" smtClean="0">
-                <a:latin typeface="微软雅黑" panose="020B0503020204020204" pitchFamily="34" charset="-122"/>
-                <a:ea typeface="微软雅黑" panose="020B0503020204020204" pitchFamily="34" charset="-122"/>
-              </a:rPr>
-              <a:t>K</a:t>
-            </a:r>
-            <a:r>
-              <a:rPr lang="zh-CN" altLang="en-US" sz="1800" dirty="0" smtClean="0">
-                <a:latin typeface="微软雅黑" panose="020B0503020204020204" pitchFamily="34" charset="-122"/>
-                <a:ea typeface="微软雅黑" panose="020B0503020204020204" pitchFamily="34" charset="-122"/>
-              </a:rPr>
-              <a:t>近邻算法</a:t>
-            </a:r>
-            <a:r>
-              <a:rPr lang="en-US" altLang="zh-CN" sz="1800" dirty="0" smtClean="0">
-                <a:latin typeface="微软雅黑" panose="020B0503020204020204" pitchFamily="34" charset="-122"/>
-                <a:ea typeface="微软雅黑" panose="020B0503020204020204" pitchFamily="34" charset="-122"/>
-              </a:rPr>
-              <a:t>, </a:t>
-            </a:r>
-            <a:r>
-              <a:rPr lang="en-US" sz="1800" dirty="0" smtClean="0">
-                <a:latin typeface="微软雅黑" panose="020B0503020204020204" pitchFamily="34" charset="-122"/>
-                <a:ea typeface="微软雅黑" panose="020B0503020204020204" pitchFamily="34" charset="-122"/>
-              </a:rPr>
-              <a:t>k nearest neighbors</a:t>
-            </a:r>
-          </a:p>
-          <a:p>
-            <a:pPr lvl="1">
-              <a:lnSpc>
-                <a:spcPct val="150000"/>
-              </a:lnSpc>
-            </a:pPr>
-            <a:r>
-              <a:rPr lang="zh-CN" altLang="en-US" sz="1800" dirty="0" smtClean="0">
-                <a:latin typeface="微软雅黑" panose="020B0503020204020204" pitchFamily="34" charset="-122"/>
-                <a:ea typeface="微软雅黑" panose="020B0503020204020204" pitchFamily="34" charset="-122"/>
-              </a:rPr>
-              <a:t>朴素贝叶斯</a:t>
-            </a:r>
-            <a:r>
-              <a:rPr lang="en-US" altLang="zh-CN" sz="1800" dirty="0" smtClean="0">
-                <a:latin typeface="微软雅黑" panose="020B0503020204020204" pitchFamily="34" charset="-122"/>
-                <a:ea typeface="微软雅黑" panose="020B0503020204020204" pitchFamily="34" charset="-122"/>
-              </a:rPr>
-              <a:t>, </a:t>
-            </a:r>
-            <a:r>
-              <a:rPr lang="en-US" sz="1800" dirty="0" smtClean="0">
-                <a:latin typeface="微软雅黑" panose="020B0503020204020204" pitchFamily="34" charset="-122"/>
-                <a:ea typeface="微软雅黑" panose="020B0503020204020204" pitchFamily="34" charset="-122"/>
-              </a:rPr>
-              <a:t>naive </a:t>
-            </a:r>
-            <a:r>
-              <a:rPr lang="en-US" sz="1800" dirty="0" err="1" smtClean="0">
-                <a:latin typeface="微软雅黑" panose="020B0503020204020204" pitchFamily="34" charset="-122"/>
-                <a:ea typeface="微软雅黑" panose="020B0503020204020204" pitchFamily="34" charset="-122"/>
-              </a:rPr>
-              <a:t>bayes</a:t>
-            </a:r>
-            <a:endParaRPr lang="en-US" sz="1800" dirty="0" smtClean="0">
-              <a:latin typeface="微软雅黑" panose="020B0503020204020204" pitchFamily="34" charset="-122"/>
-              <a:ea typeface="微软雅黑" panose="020B0503020204020204" pitchFamily="34" charset="-122"/>
-            </a:endParaRPr>
-          </a:p>
-          <a:p>
-            <a:pPr lvl="1">
-              <a:lnSpc>
-                <a:spcPct val="150000"/>
-              </a:lnSpc>
-            </a:pPr>
-            <a:r>
-              <a:rPr lang="zh-CN" altLang="en-US" sz="1800" dirty="0" smtClean="0">
-                <a:latin typeface="微软雅黑" panose="020B0503020204020204" pitchFamily="34" charset="-122"/>
-                <a:ea typeface="微软雅黑" panose="020B0503020204020204" pitchFamily="34" charset="-122"/>
-              </a:rPr>
-              <a:t>神经网络</a:t>
-            </a:r>
-            <a:r>
-              <a:rPr lang="en-US" altLang="zh-CN" sz="1800" dirty="0" smtClean="0">
-                <a:latin typeface="微软雅黑" panose="020B0503020204020204" pitchFamily="34" charset="-122"/>
-                <a:ea typeface="微软雅黑" panose="020B0503020204020204" pitchFamily="34" charset="-122"/>
-              </a:rPr>
-              <a:t>, </a:t>
-            </a:r>
-            <a:r>
-              <a:rPr lang="en-US" sz="1800" dirty="0" smtClean="0">
-                <a:latin typeface="微软雅黑" panose="020B0503020204020204" pitchFamily="34" charset="-122"/>
-                <a:ea typeface="微软雅黑" panose="020B0503020204020204" pitchFamily="34" charset="-122"/>
-              </a:rPr>
-              <a:t>Neural network</a:t>
-            </a:r>
-          </a:p>
         </p:txBody>
       </p:sp>
-      <p:pic>
-        <p:nvPicPr>
-          <p:cNvPr id="4" name="Picture 3"/>
-          <p:cNvPicPr>
-            <a:picLocks noChangeAspect="1"/>
-          </p:cNvPicPr>
+      <p:sp>
+        <p:nvSpPr>
+          <p:cNvPr id="6" name="Rectangle 5"/>
+          <p:cNvSpPr/>
           <p:nvPr/>
-        </p:nvPicPr>
-        <p:blipFill>
-          <a:blip r:embed="rId3" cstate="print">
-            <a:extLst>
-              <a:ext uri="{28A0092B-C50C-407E-A947-70E740481C1C}">
-                <a14:useLocalDpi xmlns:a14="http://schemas.microsoft.com/office/drawing/2010/main" val="0"/>
-              </a:ext>
-            </a:extLst>
-          </a:blip>
-          <a:stretch>
-            <a:fillRect/>
-          </a:stretch>
-        </p:blipFill>
+        </p:nvSpPr>
         <p:spPr>
           <a:xfrm>
-            <a:off x="10167687" y="128816"/>
-            <a:ext cx="1349542" cy="523368"/>
+            <a:off x="1385455" y="4909364"/>
+            <a:ext cx="9836727" cy="452582"/>
           </a:xfrm>
           <a:prstGeom prst="rect">
             <a:avLst/>
           </a:prstGeom>
         </p:spPr>
-      </p:pic>
-      <p:pic>
-        <p:nvPicPr>
-          <p:cNvPr id="5" name="Picture 4"/>
-          <p:cNvPicPr>
-            <a:picLocks noChangeAspect="1"/>
-          </p:cNvPicPr>
+        <p:style>
+          <a:lnRef idx="1">
+            <a:schemeClr val="accent3"/>
+          </a:lnRef>
+          <a:fillRef idx="2">
+            <a:schemeClr val="accent3"/>
+          </a:fillRef>
+          <a:effectRef idx="1">
+            <a:schemeClr val="accent3"/>
+          </a:effectRef>
+          <a:fontRef idx="minor">
+            <a:schemeClr val="dk1"/>
+          </a:fontRef>
+        </p:style>
+        <p:txBody>
+          <a:bodyPr rtlCol="0" anchor="ctr"/>
+          <a:lstStyle/>
+          <a:p>
+            <a:r>
+              <a:rPr lang="en-US" sz="2400" dirty="0">
+                <a:solidFill>
+                  <a:schemeClr val="tx1"/>
+                </a:solidFill>
+              </a:rPr>
+              <a:t>pip install -r requirements.txt</a:t>
+            </a:r>
+          </a:p>
+        </p:txBody>
+      </p:sp>
+      <p:sp>
+        <p:nvSpPr>
+          <p:cNvPr id="16" name="Rectangle 15"/>
+          <p:cNvSpPr/>
           <p:nvPr/>
-        </p:nvPicPr>
-        <p:blipFill>
-          <a:blip r:embed="rId4" cstate="print">
-            <a:extLst>
-              <a:ext uri="{28A0092B-C50C-407E-A947-70E740481C1C}">
-                <a14:useLocalDpi xmlns:a14="http://schemas.microsoft.com/office/drawing/2010/main" val="0"/>
-              </a:ext>
-            </a:extLst>
-          </a:blip>
-          <a:stretch>
-            <a:fillRect/>
-          </a:stretch>
-        </p:blipFill>
+        </p:nvSpPr>
         <p:spPr>
           <a:xfrm>
-            <a:off x="11480800" y="6022"/>
-            <a:ext cx="711199" cy="711199"/>
+            <a:off x="1385455" y="2035747"/>
+            <a:ext cx="9836726" cy="452582"/>
           </a:xfrm>
           <a:prstGeom prst="rect">
             <a:avLst/>
           </a:prstGeom>
         </p:spPr>
-      </p:pic>
+        <p:style>
+          <a:lnRef idx="1">
+            <a:schemeClr val="accent3"/>
+          </a:lnRef>
+          <a:fillRef idx="2">
+            <a:schemeClr val="accent3"/>
+          </a:fillRef>
+          <a:effectRef idx="1">
+            <a:schemeClr val="accent3"/>
+          </a:effectRef>
+          <a:fontRef idx="minor">
+            <a:schemeClr val="dk1"/>
+          </a:fontRef>
+        </p:style>
+        <p:txBody>
+          <a:bodyPr rtlCol="0" anchor="ctr"/>
+          <a:lstStyle/>
+          <a:p>
+            <a:r>
+              <a:rPr lang="zh-CN" altLang="en-US" sz="2400" dirty="0" smtClean="0">
+                <a:solidFill>
+                  <a:schemeClr val="tx1"/>
+                </a:solidFill>
+              </a:rPr>
+              <a:t>已经预装好</a:t>
+            </a:r>
+            <a:endParaRPr lang="en-US" sz="2400" dirty="0">
+              <a:solidFill>
+                <a:schemeClr val="tx1"/>
+              </a:solidFill>
+            </a:endParaRPr>
+          </a:p>
+        </p:txBody>
+      </p:sp>
     </p:spTree>
     <p:extLst>
       <p:ext uri="{BB962C8B-B14F-4D97-AF65-F5344CB8AC3E}">
@@ -13516,66 +12015,6 @@
       </p:sp>
       <p:pic>
         <p:nvPicPr>
-          <p:cNvPr id="4" name="Picture 3"/>
-          <p:cNvPicPr>
-            <a:picLocks noChangeAspect="1"/>
-          </p:cNvPicPr>
-          <p:nvPr/>
-        </p:nvPicPr>
-        <p:blipFill>
-          <a:blip r:embed="rId3" cstate="print">
-            <a:extLst>
-              <a:ext uri="{28A0092B-C50C-407E-A947-70E740481C1C}">
-                <a14:useLocalDpi xmlns:a14="http://schemas.microsoft.com/office/drawing/2010/main" val="0"/>
-              </a:ext>
-            </a:extLst>
-          </a:blip>
-          <a:stretch>
-            <a:fillRect/>
-          </a:stretch>
-        </p:blipFill>
-        <p:spPr>
-          <a:xfrm>
-            <a:off x="10167687" y="128816"/>
-            <a:ext cx="1349542" cy="523368"/>
-          </a:xfrm>
-          <a:prstGeom prst="rect">
-            <a:avLst/>
-          </a:prstGeom>
-        </p:spPr>
-      </p:pic>
-      <p:pic>
-        <p:nvPicPr>
-          <p:cNvPr id="5" name="Picture 4"/>
-          <p:cNvPicPr>
-            <a:picLocks noChangeAspect="1"/>
-          </p:cNvPicPr>
-          <p:nvPr/>
-        </p:nvPicPr>
-        <p:blipFill>
-          <a:blip r:embed="rId4" cstate="print">
-            <a:extLst>
-              <a:ext uri="{28A0092B-C50C-407E-A947-70E740481C1C}">
-                <a14:useLocalDpi xmlns:a14="http://schemas.microsoft.com/office/drawing/2010/main" val="0"/>
-              </a:ext>
-            </a:extLst>
-          </a:blip>
-          <a:stretch>
-            <a:fillRect/>
-          </a:stretch>
-        </p:blipFill>
-        <p:spPr>
-          <a:xfrm>
-            <a:off x="11480800" y="6022"/>
-            <a:ext cx="711199" cy="711199"/>
-          </a:xfrm>
-          <a:prstGeom prst="rect">
-            <a:avLst/>
-          </a:prstGeom>
-        </p:spPr>
-      </p:pic>
-      <p:pic>
-        <p:nvPicPr>
           <p:cNvPr id="16" name="Picture 15"/>
           <p:cNvPicPr>
             <a:picLocks noChangeAspect="1"/>
@@ -13583,7 +12022,7 @@
           <p:nvPr/>
         </p:nvPicPr>
         <p:blipFill>
-          <a:blip r:embed="rId5">
+          <a:blip r:embed="rId3">
             <a:extLst>
               <a:ext uri="{28A0092B-C50C-407E-A947-70E740481C1C}">
                 <a14:useLocalDpi xmlns:a14="http://schemas.microsoft.com/office/drawing/2010/main" val="0"/>
@@ -13979,24 +12418,34 @@
           <a:lstStyle/>
           <a:p>
             <a:r>
-              <a:rPr lang="zh-CN" altLang="en-US" sz="4400" b="1" kern="100" dirty="0">
+              <a:rPr lang="zh-CN" altLang="en-US" sz="4400" b="1" kern="100" dirty="0" smtClean="0">
                 <a:solidFill>
                   <a:srgbClr val="0070C0"/>
                 </a:solidFill>
                 <a:latin typeface="Times New Roman" panose="02020603050405020304" pitchFamily="18" charset="0"/>
                 <a:cs typeface="Times New Roman" panose="02020603050405020304" pitchFamily="18" charset="0"/>
               </a:rPr>
-              <a:t>逻辑回</a:t>
-            </a:r>
-            <a:r>
-              <a:rPr lang="zh-CN" altLang="en-US" sz="4400" b="1" kern="100" dirty="0" smtClean="0">
+              <a:t>机器学习</a:t>
+            </a:r>
+            <a:r>
+              <a:rPr lang="en-US" altLang="zh-CN" sz="4400" b="1" kern="100" dirty="0" smtClean="0">
                 <a:solidFill>
                   <a:srgbClr val="0070C0"/>
                 </a:solidFill>
                 <a:latin typeface="Times New Roman" panose="02020603050405020304" pitchFamily="18" charset="0"/>
                 <a:cs typeface="Times New Roman" panose="02020603050405020304" pitchFamily="18" charset="0"/>
               </a:rPr>
-              <a:t>归</a:t>
+              <a:t>-</a:t>
+            </a:r>
+            <a:r>
+              <a:rPr lang="zh-CN" altLang="en-US" sz="4400" b="1" kern="100" dirty="0" smtClean="0">
+                <a:solidFill>
+                  <a:srgbClr val="0070C0"/>
+                </a:solidFill>
+                <a:latin typeface="Times New Roman" panose="02020603050405020304" pitchFamily="18" charset="0"/>
+                <a:cs typeface="Times New Roman" panose="02020603050405020304" pitchFamily="18" charset="0"/>
+              </a:rPr>
+              <a:t>分类模型</a:t>
             </a:r>
             <a:endParaRPr lang="en-US" altLang="zh-CN" sz="4400" b="1" kern="100" dirty="0">
               <a:solidFill>
@@ -14026,7 +12475,7 @@
         </p:spPr>
         <p:txBody>
           <a:bodyPr>
-            <a:normAutofit/>
+            <a:noAutofit/>
           </a:bodyPr>
           <a:lstStyle/>
           <a:p>
@@ -14035,77 +12484,209 @@
                 <a:spcPct val="150000"/>
               </a:lnSpc>
             </a:pPr>
-            <a:endParaRPr lang="en-US" sz="4000" dirty="0">
+            <a:r>
+              <a:rPr lang="zh-CN" altLang="en-US" sz="2400" dirty="0" smtClean="0">
+                <a:latin typeface="微软雅黑" panose="020B0503020204020204" pitchFamily="34" charset="-122"/>
+                <a:ea typeface="微软雅黑" panose="020B0503020204020204" pitchFamily="34" charset="-122"/>
+              </a:rPr>
+              <a:t>逻</a:t>
+            </a:r>
+            <a:r>
+              <a:rPr lang="zh-CN" altLang="en-US" sz="2400" dirty="0">
+                <a:latin typeface="微软雅黑" panose="020B0503020204020204" pitchFamily="34" charset="-122"/>
+                <a:ea typeface="微软雅黑" panose="020B0503020204020204" pitchFamily="34" charset="-122"/>
+              </a:rPr>
+              <a:t>辑回归</a:t>
+            </a:r>
+            <a:r>
+              <a:rPr lang="en-US" altLang="zh-CN" sz="2400" dirty="0">
+                <a:latin typeface="微软雅黑" panose="020B0503020204020204" pitchFamily="34" charset="-122"/>
+                <a:ea typeface="微软雅黑" panose="020B0503020204020204" pitchFamily="34" charset="-122"/>
+              </a:rPr>
+              <a:t>, logistic regression</a:t>
+            </a:r>
+          </a:p>
+          <a:p>
+            <a:pPr>
+              <a:lnSpc>
+                <a:spcPct val="150000"/>
+              </a:lnSpc>
+            </a:pPr>
+            <a:r>
+              <a:rPr lang="zh-CN" altLang="en-US" sz="2400" dirty="0">
+                <a:latin typeface="微软雅黑" panose="020B0503020204020204" pitchFamily="34" charset="-122"/>
+                <a:ea typeface="微软雅黑" panose="020B0503020204020204" pitchFamily="34" charset="-122"/>
+              </a:rPr>
+              <a:t>支持向量机</a:t>
+            </a:r>
+            <a:r>
+              <a:rPr lang="en-US" altLang="zh-CN" sz="2400" dirty="0">
+                <a:latin typeface="微软雅黑" panose="020B0503020204020204" pitchFamily="34" charset="-122"/>
+                <a:ea typeface="微软雅黑" panose="020B0503020204020204" pitchFamily="34" charset="-122"/>
+              </a:rPr>
+              <a:t>, support vector machine</a:t>
+            </a:r>
+          </a:p>
+          <a:p>
+            <a:pPr>
+              <a:lnSpc>
+                <a:spcPct val="150000"/>
+              </a:lnSpc>
+            </a:pPr>
+            <a:r>
+              <a:rPr lang="en-US" altLang="zh-CN" sz="2400" dirty="0">
+                <a:latin typeface="微软雅黑" panose="020B0503020204020204" pitchFamily="34" charset="-122"/>
+                <a:ea typeface="微软雅黑" panose="020B0503020204020204" pitchFamily="34" charset="-122"/>
+              </a:rPr>
+              <a:t>K</a:t>
+            </a:r>
+            <a:r>
+              <a:rPr lang="zh-CN" altLang="en-US" sz="2400" dirty="0">
+                <a:latin typeface="微软雅黑" panose="020B0503020204020204" pitchFamily="34" charset="-122"/>
+                <a:ea typeface="微软雅黑" panose="020B0503020204020204" pitchFamily="34" charset="-122"/>
+              </a:rPr>
+              <a:t>近邻算法</a:t>
+            </a:r>
+            <a:r>
+              <a:rPr lang="en-US" altLang="zh-CN" sz="2400" dirty="0">
+                <a:latin typeface="微软雅黑" panose="020B0503020204020204" pitchFamily="34" charset="-122"/>
+                <a:ea typeface="微软雅黑" panose="020B0503020204020204" pitchFamily="34" charset="-122"/>
+              </a:rPr>
+              <a:t>, k nearest neighbors</a:t>
+            </a:r>
+          </a:p>
+          <a:p>
+            <a:pPr>
+              <a:lnSpc>
+                <a:spcPct val="150000"/>
+              </a:lnSpc>
+            </a:pPr>
+            <a:r>
+              <a:rPr lang="zh-CN" altLang="en-US" sz="2400" dirty="0">
+                <a:latin typeface="微软雅黑" panose="020B0503020204020204" pitchFamily="34" charset="-122"/>
+                <a:ea typeface="微软雅黑" panose="020B0503020204020204" pitchFamily="34" charset="-122"/>
+              </a:rPr>
+              <a:t>朴素贝叶斯</a:t>
+            </a:r>
+            <a:r>
+              <a:rPr lang="en-US" altLang="zh-CN" sz="2400" dirty="0">
+                <a:latin typeface="微软雅黑" panose="020B0503020204020204" pitchFamily="34" charset="-122"/>
+                <a:ea typeface="微软雅黑" panose="020B0503020204020204" pitchFamily="34" charset="-122"/>
+              </a:rPr>
+              <a:t>, naive </a:t>
+            </a:r>
+            <a:r>
+              <a:rPr lang="en-US" altLang="zh-CN" sz="2400" dirty="0" err="1">
+                <a:latin typeface="微软雅黑" panose="020B0503020204020204" pitchFamily="34" charset="-122"/>
+                <a:ea typeface="微软雅黑" panose="020B0503020204020204" pitchFamily="34" charset="-122"/>
+              </a:rPr>
+              <a:t>bayes</a:t>
+            </a:r>
+            <a:endParaRPr lang="en-US" altLang="zh-CN" sz="2400" dirty="0">
               <a:latin typeface="微软雅黑" panose="020B0503020204020204" pitchFamily="34" charset="-122"/>
               <a:ea typeface="微软雅黑" panose="020B0503020204020204" pitchFamily="34" charset="-122"/>
             </a:endParaRPr>
           </a:p>
+          <a:p>
+            <a:pPr>
+              <a:lnSpc>
+                <a:spcPct val="150000"/>
+              </a:lnSpc>
+            </a:pPr>
+            <a:r>
+              <a:rPr lang="zh-CN" altLang="en-US" sz="2400" dirty="0">
+                <a:latin typeface="微软雅黑" panose="020B0503020204020204" pitchFamily="34" charset="-122"/>
+                <a:ea typeface="微软雅黑" panose="020B0503020204020204" pitchFamily="34" charset="-122"/>
+              </a:rPr>
+              <a:t>神经网络</a:t>
+            </a:r>
+            <a:r>
+              <a:rPr lang="en-US" altLang="zh-CN" sz="2400" dirty="0">
+                <a:latin typeface="微软雅黑" panose="020B0503020204020204" pitchFamily="34" charset="-122"/>
+                <a:ea typeface="微软雅黑" panose="020B0503020204020204" pitchFamily="34" charset="-122"/>
+              </a:rPr>
+              <a:t>, Neural network</a:t>
+            </a:r>
+          </a:p>
+          <a:p>
+            <a:pPr>
+              <a:lnSpc>
+                <a:spcPct val="150000"/>
+              </a:lnSpc>
+            </a:pPr>
+            <a:endParaRPr lang="en-US" sz="1600" dirty="0">
+              <a:latin typeface="微软雅黑" panose="020B0503020204020204" pitchFamily="34" charset="-122"/>
+              <a:ea typeface="微软雅黑" panose="020B0503020204020204" pitchFamily="34" charset="-122"/>
+            </a:endParaRPr>
+          </a:p>
         </p:txBody>
       </p:sp>
-      <p:pic>
-        <p:nvPicPr>
-          <p:cNvPr id="4" name="Picture 3"/>
-          <p:cNvPicPr>
-            <a:picLocks noChangeAspect="1"/>
-          </p:cNvPicPr>
+      <p:sp>
+        <p:nvSpPr>
+          <p:cNvPr id="4" name="TextBox 3"/>
+          <p:cNvSpPr txBox="1"/>
           <p:nvPr/>
-        </p:nvPicPr>
-        <p:blipFill>
-          <a:blip r:embed="rId3" cstate="print">
-            <a:extLst>
-              <a:ext uri="{28A0092B-C50C-407E-A947-70E740481C1C}">
-                <a14:useLocalDpi xmlns:a14="http://schemas.microsoft.com/office/drawing/2010/main" val="0"/>
-              </a:ext>
-            </a:extLst>
-          </a:blip>
-          <a:stretch>
-            <a:fillRect/>
-          </a:stretch>
-        </p:blipFill>
+        </p:nvSpPr>
         <p:spPr>
           <a:xfrm>
-            <a:off x="10167687" y="128816"/>
-            <a:ext cx="1349542" cy="523368"/>
+            <a:off x="1054099" y="5218545"/>
+            <a:ext cx="8531823" cy="523220"/>
           </a:xfrm>
           <a:prstGeom prst="rect">
             <a:avLst/>
           </a:prstGeom>
+          <a:noFill/>
         </p:spPr>
-      </p:pic>
-      <p:pic>
-        <p:nvPicPr>
-          <p:cNvPr id="5" name="Picture 4"/>
-          <p:cNvPicPr>
-            <a:picLocks noChangeAspect="1"/>
-          </p:cNvPicPr>
-          <p:nvPr/>
-        </p:nvPicPr>
-        <p:blipFill>
-          <a:blip r:embed="rId4" cstate="print">
-            <a:extLst>
-              <a:ext uri="{28A0092B-C50C-407E-A947-70E740481C1C}">
-                <a14:useLocalDpi xmlns:a14="http://schemas.microsoft.com/office/drawing/2010/main" val="0"/>
-              </a:ext>
-            </a:extLst>
-          </a:blip>
-          <a:stretch>
-            <a:fillRect/>
-          </a:stretch>
-        </p:blipFill>
-        <p:spPr>
-          <a:xfrm>
-            <a:off x="11480800" y="6022"/>
-            <a:ext cx="711199" cy="711199"/>
-          </a:xfrm>
-          <a:prstGeom prst="rect">
-            <a:avLst/>
-          </a:prstGeom>
-        </p:spPr>
-      </p:pic>
+        <p:txBody>
+          <a:bodyPr wrap="none" rtlCol="0">
+            <a:spAutoFit/>
+          </a:bodyPr>
+          <a:lstStyle/>
+          <a:p>
+            <a:r>
+              <a:rPr lang="zh-CN" altLang="en-US" sz="2800" dirty="0" smtClean="0">
+                <a:solidFill>
+                  <a:srgbClr val="FF0000"/>
+                </a:solidFill>
+              </a:rPr>
+              <a:t>以上模型实现的代码，均在对应的</a:t>
+            </a:r>
+            <a:r>
+              <a:rPr lang="en-US" altLang="zh-CN" sz="2800" dirty="0" err="1" smtClean="0">
+                <a:solidFill>
+                  <a:srgbClr val="FF0000"/>
+                </a:solidFill>
+              </a:rPr>
+              <a:t>Jupyter</a:t>
+            </a:r>
+            <a:r>
+              <a:rPr lang="en-US" altLang="zh-CN" sz="2800" dirty="0" smtClean="0">
+                <a:solidFill>
+                  <a:srgbClr val="FF0000"/>
+                </a:solidFill>
+              </a:rPr>
+              <a:t> Notebook</a:t>
+            </a:r>
+            <a:r>
+              <a:rPr lang="zh-CN" altLang="en-US" sz="2800" dirty="0" smtClean="0">
+                <a:solidFill>
+                  <a:srgbClr val="FF0000"/>
+                </a:solidFill>
+              </a:rPr>
+              <a:t>中</a:t>
+            </a:r>
+            <a:endParaRPr lang="en-US" sz="2800" dirty="0">
+              <a:solidFill>
+                <a:srgbClr val="FF0000"/>
+              </a:solidFill>
+            </a:endParaRPr>
+          </a:p>
+        </p:txBody>
+      </p:sp>
     </p:spTree>
     <p:extLst>
       <p:ext uri="{BB962C8B-B14F-4D97-AF65-F5344CB8AC3E}">
-        <p14:creationId xmlns:p14="http://schemas.microsoft.com/office/powerpoint/2010/main" val="2483517013"/>
+        <p14:creationId xmlns:p14="http://schemas.microsoft.com/office/powerpoint/2010/main" val="3266462285"/>
       </p:ext>
     </p:extLst>
   </p:cSld>
@@ -14477,14 +13058,14 @@
           <a:lstStyle/>
           <a:p>
             <a:r>
-              <a:rPr lang="zh-CN" altLang="en-US" sz="4400" b="1" kern="100" dirty="0" smtClean="0">
+              <a:rPr lang="zh-CN" altLang="en-US" sz="4400" b="1" kern="100" dirty="0">
                 <a:solidFill>
                   <a:srgbClr val="0070C0"/>
                 </a:solidFill>
                 <a:latin typeface="Times New Roman" panose="02020603050405020304" pitchFamily="18" charset="0"/>
                 <a:cs typeface="Times New Roman" panose="02020603050405020304" pitchFamily="18" charset="0"/>
               </a:rPr>
-              <a:t>支持向量机</a:t>
+              <a:t>神经网络</a:t>
             </a:r>
             <a:endParaRPr lang="en-US" altLang="zh-CN" sz="4400" b="1" kern="100" dirty="0">
               <a:solidFill>
@@ -14514,7 +13095,7 @@
         </p:spPr>
         <p:txBody>
           <a:bodyPr>
-            <a:normAutofit/>
+            <a:noAutofit/>
           </a:bodyPr>
           <a:lstStyle/>
           <a:p>
@@ -14523,7 +13104,217 @@
                 <a:spcPct val="150000"/>
               </a:lnSpc>
             </a:pPr>
-            <a:endParaRPr lang="en-US" sz="4000" dirty="0">
+            <a:r>
+              <a:rPr lang="zh-CN" altLang="en-US" sz="2400" dirty="0" smtClean="0">
+                <a:latin typeface="微软雅黑" panose="020B0503020204020204" pitchFamily="34" charset="-122"/>
+                <a:ea typeface="微软雅黑" panose="020B0503020204020204" pitchFamily="34" charset="-122"/>
+              </a:rPr>
+              <a:t>超参数</a:t>
+            </a:r>
+          </a:p>
+          <a:p>
+            <a:pPr lvl="1">
+              <a:lnSpc>
+                <a:spcPct val="150000"/>
+              </a:lnSpc>
+            </a:pPr>
+            <a:r>
+              <a:rPr lang="zh-CN" altLang="en-US" sz="1800" dirty="0" smtClean="0">
+                <a:latin typeface="微软雅黑" panose="020B0503020204020204" pitchFamily="34" charset="-122"/>
+                <a:ea typeface="微软雅黑" panose="020B0503020204020204" pitchFamily="34" charset="-122"/>
+              </a:rPr>
+              <a:t>学习率</a:t>
+            </a:r>
+            <a:r>
+              <a:rPr lang="en-US" altLang="zh-CN" sz="1800" dirty="0" smtClean="0">
+                <a:latin typeface="微软雅黑" panose="020B0503020204020204" pitchFamily="34" charset="-122"/>
+                <a:ea typeface="微软雅黑" panose="020B0503020204020204" pitchFamily="34" charset="-122"/>
+              </a:rPr>
+              <a:t>(</a:t>
+            </a:r>
+            <a:r>
+              <a:rPr lang="en-US" sz="1800" dirty="0" smtClean="0">
+                <a:latin typeface="微软雅黑" panose="020B0503020204020204" pitchFamily="34" charset="-122"/>
+                <a:ea typeface="微软雅黑" panose="020B0503020204020204" pitchFamily="34" charset="-122"/>
+              </a:rPr>
+              <a:t>learning rate)</a:t>
+            </a:r>
+          </a:p>
+          <a:p>
+            <a:pPr lvl="1">
+              <a:lnSpc>
+                <a:spcPct val="150000"/>
+              </a:lnSpc>
+            </a:pPr>
+            <a:r>
+              <a:rPr lang="zh-CN" altLang="en-US" sz="1800" dirty="0" smtClean="0">
+                <a:latin typeface="微软雅黑" panose="020B0503020204020204" pitchFamily="34" charset="-122"/>
+                <a:ea typeface="微软雅黑" panose="020B0503020204020204" pitchFamily="34" charset="-122"/>
+              </a:rPr>
+              <a:t>权值初始化</a:t>
+            </a:r>
+            <a:r>
+              <a:rPr lang="en-US" altLang="zh-CN" sz="1800" dirty="0" smtClean="0">
+                <a:latin typeface="微软雅黑" panose="020B0503020204020204" pitchFamily="34" charset="-122"/>
+                <a:ea typeface="微软雅黑" panose="020B0503020204020204" pitchFamily="34" charset="-122"/>
+              </a:rPr>
+              <a:t>(</a:t>
+            </a:r>
+            <a:r>
+              <a:rPr lang="en-US" sz="1800" dirty="0" smtClean="0">
+                <a:latin typeface="微软雅黑" panose="020B0503020204020204" pitchFamily="34" charset="-122"/>
+                <a:ea typeface="微软雅黑" panose="020B0503020204020204" pitchFamily="34" charset="-122"/>
+              </a:rPr>
+              <a:t>Weight Initialization)</a:t>
+            </a:r>
+          </a:p>
+          <a:p>
+            <a:pPr lvl="1">
+              <a:lnSpc>
+                <a:spcPct val="150000"/>
+              </a:lnSpc>
+            </a:pPr>
+            <a:r>
+              <a:rPr lang="zh-CN" altLang="en-US" sz="1800" dirty="0" smtClean="0">
+                <a:latin typeface="微软雅黑" panose="020B0503020204020204" pitchFamily="34" charset="-122"/>
+                <a:ea typeface="微软雅黑" panose="020B0503020204020204" pitchFamily="34" charset="-122"/>
+              </a:rPr>
+              <a:t>网络层数</a:t>
+            </a:r>
+            <a:r>
+              <a:rPr lang="en-US" altLang="zh-CN" sz="1800" dirty="0" smtClean="0">
+                <a:latin typeface="微软雅黑" panose="020B0503020204020204" pitchFamily="34" charset="-122"/>
+                <a:ea typeface="微软雅黑" panose="020B0503020204020204" pitchFamily="34" charset="-122"/>
+              </a:rPr>
+              <a:t>(</a:t>
+            </a:r>
+            <a:r>
+              <a:rPr lang="en-US" sz="1800" dirty="0" smtClean="0">
+                <a:latin typeface="微软雅黑" panose="020B0503020204020204" pitchFamily="34" charset="-122"/>
+                <a:ea typeface="微软雅黑" panose="020B0503020204020204" pitchFamily="34" charset="-122"/>
+              </a:rPr>
+              <a:t>Layers)</a:t>
+            </a:r>
+          </a:p>
+          <a:p>
+            <a:pPr lvl="1">
+              <a:lnSpc>
+                <a:spcPct val="150000"/>
+              </a:lnSpc>
+            </a:pPr>
+            <a:r>
+              <a:rPr lang="zh-CN" altLang="en-US" sz="1800" dirty="0" smtClean="0">
+                <a:latin typeface="微软雅黑" panose="020B0503020204020204" pitchFamily="34" charset="-122"/>
+                <a:ea typeface="微软雅黑" panose="020B0503020204020204" pitchFamily="34" charset="-122"/>
+              </a:rPr>
+              <a:t>单层神经元数</a:t>
+            </a:r>
+            <a:r>
+              <a:rPr lang="en-US" altLang="zh-CN" sz="1800" dirty="0" smtClean="0">
+                <a:latin typeface="微软雅黑" panose="020B0503020204020204" pitchFamily="34" charset="-122"/>
+                <a:ea typeface="微软雅黑" panose="020B0503020204020204" pitchFamily="34" charset="-122"/>
+              </a:rPr>
+              <a:t>(</a:t>
+            </a:r>
+            <a:r>
+              <a:rPr lang="en-US" sz="1800" dirty="0" smtClean="0">
+                <a:latin typeface="微软雅黑" panose="020B0503020204020204" pitchFamily="34" charset="-122"/>
+                <a:ea typeface="微软雅黑" panose="020B0503020204020204" pitchFamily="34" charset="-122"/>
+              </a:rPr>
+              <a:t>Units)</a:t>
+            </a:r>
+          </a:p>
+          <a:p>
+            <a:pPr>
+              <a:lnSpc>
+                <a:spcPct val="150000"/>
+              </a:lnSpc>
+            </a:pPr>
+            <a:r>
+              <a:rPr lang="zh-CN" altLang="en-US" sz="2400" dirty="0" smtClean="0">
+                <a:latin typeface="微软雅黑" panose="020B0503020204020204" pitchFamily="34" charset="-122"/>
+                <a:ea typeface="微软雅黑" panose="020B0503020204020204" pitchFamily="34" charset="-122"/>
+              </a:rPr>
+              <a:t>随机梯度算法</a:t>
+            </a:r>
+            <a:r>
+              <a:rPr lang="en-US" altLang="zh-CN" sz="2400" dirty="0" smtClean="0">
+                <a:latin typeface="微软雅黑" panose="020B0503020204020204" pitchFamily="34" charset="-122"/>
+                <a:ea typeface="微软雅黑" panose="020B0503020204020204" pitchFamily="34" charset="-122"/>
+              </a:rPr>
+              <a:t>(</a:t>
+            </a:r>
+            <a:r>
+              <a:rPr lang="en-US" sz="2400" dirty="0" smtClean="0">
+                <a:latin typeface="微软雅黑" panose="020B0503020204020204" pitchFamily="34" charset="-122"/>
+                <a:ea typeface="微软雅黑" panose="020B0503020204020204" pitchFamily="34" charset="-122"/>
+              </a:rPr>
+              <a:t>SGD)</a:t>
+            </a:r>
+          </a:p>
+          <a:p>
+            <a:pPr lvl="1">
+              <a:lnSpc>
+                <a:spcPct val="150000"/>
+              </a:lnSpc>
+            </a:pPr>
+            <a:r>
+              <a:rPr lang="zh-CN" altLang="en-US" sz="1800" dirty="0" smtClean="0">
+                <a:latin typeface="微软雅黑" panose="020B0503020204020204" pitchFamily="34" charset="-122"/>
+                <a:ea typeface="微软雅黑" panose="020B0503020204020204" pitchFamily="34" charset="-122"/>
+              </a:rPr>
+              <a:t>迭代期</a:t>
+            </a:r>
+            <a:r>
+              <a:rPr lang="en-US" altLang="zh-CN" sz="1800" dirty="0" smtClean="0">
+                <a:latin typeface="微软雅黑" panose="020B0503020204020204" pitchFamily="34" charset="-122"/>
+                <a:ea typeface="微软雅黑" panose="020B0503020204020204" pitchFamily="34" charset="-122"/>
+              </a:rPr>
+              <a:t>(</a:t>
+            </a:r>
+            <a:r>
+              <a:rPr lang="en-US" sz="1800" dirty="0" smtClean="0">
+                <a:latin typeface="微软雅黑" panose="020B0503020204020204" pitchFamily="34" charset="-122"/>
+                <a:ea typeface="微软雅黑" panose="020B0503020204020204" pitchFamily="34" charset="-122"/>
+              </a:rPr>
+              <a:t>Epoch)</a:t>
+            </a:r>
+          </a:p>
+          <a:p>
+            <a:pPr lvl="1">
+              <a:lnSpc>
+                <a:spcPct val="150000"/>
+              </a:lnSpc>
+            </a:pPr>
+            <a:r>
+              <a:rPr lang="zh-CN" altLang="en-US" sz="1800" dirty="0" smtClean="0">
+                <a:latin typeface="微软雅黑" panose="020B0503020204020204" pitchFamily="34" charset="-122"/>
+                <a:ea typeface="微软雅黑" panose="020B0503020204020204" pitchFamily="34" charset="-122"/>
+              </a:rPr>
+              <a:t>批大小</a:t>
+            </a:r>
+            <a:r>
+              <a:rPr lang="en-US" altLang="zh-CN" sz="1800" dirty="0" smtClean="0">
+                <a:latin typeface="微软雅黑" panose="020B0503020204020204" pitchFamily="34" charset="-122"/>
+                <a:ea typeface="微软雅黑" panose="020B0503020204020204" pitchFamily="34" charset="-122"/>
+              </a:rPr>
+              <a:t>(</a:t>
+            </a:r>
+            <a:r>
+              <a:rPr lang="en-US" sz="1800" dirty="0" smtClean="0">
+                <a:latin typeface="微软雅黑" panose="020B0503020204020204" pitchFamily="34" charset="-122"/>
+                <a:ea typeface="微软雅黑" panose="020B0503020204020204" pitchFamily="34" charset="-122"/>
+              </a:rPr>
+              <a:t>mini-batch)</a:t>
+            </a:r>
+          </a:p>
+          <a:p>
+            <a:pPr>
+              <a:lnSpc>
+                <a:spcPct val="150000"/>
+              </a:lnSpc>
+            </a:pPr>
+            <a:endParaRPr lang="en-US" sz="1600" dirty="0">
               <a:latin typeface="微软雅黑" panose="020B0503020204020204" pitchFamily="34" charset="-122"/>
               <a:ea typeface="微软雅黑" panose="020B0503020204020204" pitchFamily="34" charset="-122"/>
             </a:endParaRPr>
@@ -14532,14 +13323,14 @@
       </p:sp>
       <p:pic>
         <p:nvPicPr>
-          <p:cNvPr id="4" name="Picture 3"/>
+          <p:cNvPr id="16" name="Content Placeholder 3"/>
           <p:cNvPicPr>
             <a:picLocks noChangeAspect="1"/>
           </p:cNvPicPr>
           <p:nvPr/>
         </p:nvPicPr>
         <p:blipFill>
-          <a:blip r:embed="rId3" cstate="print">
+          <a:blip r:embed="rId3">
             <a:extLst>
               <a:ext uri="{28A0092B-C50C-407E-A947-70E740481C1C}">
                 <a14:useLocalDpi xmlns:a14="http://schemas.microsoft.com/office/drawing/2010/main" val="0"/>
@@ -14552,48 +13343,337 @@
         </p:blipFill>
         <p:spPr>
           <a:xfrm>
-            <a:off x="10167687" y="128816"/>
-            <a:ext cx="1349542" cy="523368"/>
+            <a:off x="6020058" y="769228"/>
+            <a:ext cx="4797407" cy="5377739"/>
           </a:xfrm>
           <a:prstGeom prst="rect">
             <a:avLst/>
           </a:prstGeom>
         </p:spPr>
       </p:pic>
-      <p:pic>
-        <p:nvPicPr>
-          <p:cNvPr id="5" name="Picture 4"/>
-          <p:cNvPicPr>
-            <a:picLocks noChangeAspect="1"/>
-          </p:cNvPicPr>
+      <p:sp>
+        <p:nvSpPr>
+          <p:cNvPr id="18" name="Left Brace 17"/>
+          <p:cNvSpPr/>
           <p:nvPr/>
-        </p:nvPicPr>
-        <p:blipFill>
-          <a:blip r:embed="rId4" cstate="print">
-            <a:extLst>
-              <a:ext uri="{28A0092B-C50C-407E-A947-70E740481C1C}">
-                <a14:useLocalDpi xmlns:a14="http://schemas.microsoft.com/office/drawing/2010/main" val="0"/>
-              </a:ext>
-            </a:extLst>
-          </a:blip>
-          <a:stretch>
-            <a:fillRect/>
-          </a:stretch>
-        </p:blipFill>
+        </p:nvSpPr>
         <p:spPr>
           <a:xfrm>
-            <a:off x="11480800" y="6022"/>
-            <a:ext cx="711199" cy="711199"/>
+            <a:off x="5765081" y="2112874"/>
+            <a:ext cx="254977" cy="2690446"/>
+          </a:xfrm>
+          <a:prstGeom prst="leftBrace">
+            <a:avLst/>
+          </a:prstGeom>
+        </p:spPr>
+        <p:style>
+          <a:lnRef idx="1">
+            <a:schemeClr val="dk1"/>
+          </a:lnRef>
+          <a:fillRef idx="0">
+            <a:schemeClr val="dk1"/>
+          </a:fillRef>
+          <a:effectRef idx="0">
+            <a:schemeClr val="dk1"/>
+          </a:effectRef>
+          <a:fontRef idx="minor">
+            <a:schemeClr val="tx1"/>
+          </a:fontRef>
+        </p:style>
+        <p:txBody>
+          <a:bodyPr rtlCol="0" anchor="ctr"/>
+          <a:lstStyle/>
+          <a:p>
+            <a:pPr algn="ctr"/>
+            <a:endParaRPr lang="en-US">
+              <a:latin typeface="Times New Roman" panose="02020603050405020304" pitchFamily="18" charset="0"/>
+              <a:cs typeface="Times New Roman" panose="02020603050405020304" pitchFamily="18" charset="0"/>
+            </a:endParaRPr>
+          </a:p>
+        </p:txBody>
+      </p:sp>
+      <p:sp>
+        <p:nvSpPr>
+          <p:cNvPr id="19" name="TextBox 18"/>
+          <p:cNvSpPr txBox="1"/>
+          <p:nvPr/>
+        </p:nvSpPr>
+        <p:spPr>
+          <a:xfrm>
+            <a:off x="4443464" y="3196487"/>
+            <a:ext cx="1505540" cy="523220"/>
           </a:xfrm>
           <a:prstGeom prst="rect">
             <a:avLst/>
           </a:prstGeom>
+          <a:noFill/>
         </p:spPr>
-      </p:pic>
+        <p:txBody>
+          <a:bodyPr wrap="none" rtlCol="0">
+            <a:spAutoFit/>
+          </a:bodyPr>
+          <a:lstStyle/>
+          <a:p>
+            <a:pPr algn="ctr"/>
+            <a:r>
+              <a:rPr lang="zh-CN" altLang="en-US" sz="1400" dirty="0">
+                <a:latin typeface="微软雅黑" panose="020B0503020204020204" pitchFamily="34" charset="-122"/>
+                <a:ea typeface="微软雅黑" panose="020B0503020204020204" pitchFamily="34" charset="-122"/>
+                <a:cs typeface="Times New Roman" panose="02020603050405020304" pitchFamily="18" charset="0"/>
+              </a:rPr>
+              <a:t>输入</a:t>
+            </a:r>
+            <a:r>
+              <a:rPr lang="zh-CN" altLang="en-US" sz="1400" dirty="0" smtClean="0">
+                <a:latin typeface="微软雅黑" panose="020B0503020204020204" pitchFamily="34" charset="-122"/>
+                <a:ea typeface="微软雅黑" panose="020B0503020204020204" pitchFamily="34" charset="-122"/>
+                <a:cs typeface="Times New Roman" panose="02020603050405020304" pitchFamily="18" charset="0"/>
+              </a:rPr>
+              <a:t>层</a:t>
+            </a:r>
+            <a:endParaRPr lang="en-US" altLang="zh-CN" sz="1400" dirty="0" smtClean="0">
+              <a:latin typeface="微软雅黑" panose="020B0503020204020204" pitchFamily="34" charset="-122"/>
+              <a:ea typeface="微软雅黑" panose="020B0503020204020204" pitchFamily="34" charset="-122"/>
+              <a:cs typeface="Times New Roman" panose="02020603050405020304" pitchFamily="18" charset="0"/>
+            </a:endParaRPr>
+          </a:p>
+          <a:p>
+            <a:pPr algn="ctr"/>
+            <a:r>
+              <a:rPr lang="zh-CN" altLang="en-US" sz="1400" dirty="0" smtClean="0">
+                <a:latin typeface="微软雅黑" panose="020B0503020204020204" pitchFamily="34" charset="-122"/>
+                <a:ea typeface="微软雅黑" panose="020B0503020204020204" pitchFamily="34" charset="-122"/>
+                <a:cs typeface="Times New Roman" panose="02020603050405020304" pitchFamily="18" charset="0"/>
+              </a:rPr>
+              <a:t>（</a:t>
+            </a:r>
+            <a:r>
+              <a:rPr lang="en-US" altLang="zh-CN" sz="1400" dirty="0" smtClean="0">
+                <a:latin typeface="微软雅黑" panose="020B0503020204020204" pitchFamily="34" charset="-122"/>
+                <a:ea typeface="微软雅黑" panose="020B0503020204020204" pitchFamily="34" charset="-122"/>
+                <a:cs typeface="Times New Roman" panose="02020603050405020304" pitchFamily="18" charset="0"/>
+              </a:rPr>
+              <a:t>1000</a:t>
+            </a:r>
+            <a:r>
+              <a:rPr lang="zh-CN" altLang="en-US" sz="1400" dirty="0" smtClean="0">
+                <a:latin typeface="微软雅黑" panose="020B0503020204020204" pitchFamily="34" charset="-122"/>
+                <a:ea typeface="微软雅黑" panose="020B0503020204020204" pitchFamily="34" charset="-122"/>
+                <a:cs typeface="Times New Roman" panose="02020603050405020304" pitchFamily="18" charset="0"/>
+              </a:rPr>
+              <a:t>神经元）</a:t>
+            </a:r>
+            <a:endParaRPr lang="en-US" sz="1400" dirty="0">
+              <a:latin typeface="微软雅黑" panose="020B0503020204020204" pitchFamily="34" charset="-122"/>
+              <a:ea typeface="微软雅黑" panose="020B0503020204020204" pitchFamily="34" charset="-122"/>
+              <a:cs typeface="Times New Roman" panose="02020603050405020304" pitchFamily="18" charset="0"/>
+            </a:endParaRPr>
+          </a:p>
+        </p:txBody>
+      </p:sp>
+      <p:sp>
+        <p:nvSpPr>
+          <p:cNvPr id="20" name="TextBox 19"/>
+          <p:cNvSpPr txBox="1"/>
+          <p:nvPr/>
+        </p:nvSpPr>
+        <p:spPr>
+          <a:xfrm>
+            <a:off x="11029759" y="3196487"/>
+            <a:ext cx="1303562" cy="523220"/>
+          </a:xfrm>
+          <a:prstGeom prst="rect">
+            <a:avLst/>
+          </a:prstGeom>
+          <a:noFill/>
+        </p:spPr>
+        <p:txBody>
+          <a:bodyPr wrap="none" rtlCol="0">
+            <a:spAutoFit/>
+          </a:bodyPr>
+          <a:lstStyle/>
+          <a:p>
+            <a:pPr algn="ctr"/>
+            <a:r>
+              <a:rPr lang="zh-CN" altLang="en-US" sz="1400" dirty="0">
+                <a:latin typeface="微软雅黑" panose="020B0503020204020204" pitchFamily="34" charset="-122"/>
+                <a:ea typeface="微软雅黑" panose="020B0503020204020204" pitchFamily="34" charset="-122"/>
+                <a:cs typeface="Times New Roman" panose="02020603050405020304" pitchFamily="18" charset="0"/>
+              </a:rPr>
+              <a:t>输出</a:t>
+            </a:r>
+            <a:r>
+              <a:rPr lang="zh-CN" altLang="en-US" sz="1400" dirty="0" smtClean="0">
+                <a:latin typeface="微软雅黑" panose="020B0503020204020204" pitchFamily="34" charset="-122"/>
+                <a:ea typeface="微软雅黑" panose="020B0503020204020204" pitchFamily="34" charset="-122"/>
+                <a:cs typeface="Times New Roman" panose="02020603050405020304" pitchFamily="18" charset="0"/>
+              </a:rPr>
+              <a:t>层</a:t>
+            </a:r>
+            <a:endParaRPr lang="en-US" altLang="zh-CN" sz="1400" dirty="0" smtClean="0">
+              <a:latin typeface="微软雅黑" panose="020B0503020204020204" pitchFamily="34" charset="-122"/>
+              <a:ea typeface="微软雅黑" panose="020B0503020204020204" pitchFamily="34" charset="-122"/>
+              <a:cs typeface="Times New Roman" panose="02020603050405020304" pitchFamily="18" charset="0"/>
+            </a:endParaRPr>
+          </a:p>
+          <a:p>
+            <a:pPr algn="ctr"/>
+            <a:r>
+              <a:rPr lang="zh-CN" altLang="en-US" sz="1400" dirty="0" smtClean="0">
+                <a:latin typeface="微软雅黑" panose="020B0503020204020204" pitchFamily="34" charset="-122"/>
+                <a:ea typeface="微软雅黑" panose="020B0503020204020204" pitchFamily="34" charset="-122"/>
+                <a:cs typeface="Times New Roman" panose="02020603050405020304" pitchFamily="18" charset="0"/>
+              </a:rPr>
+              <a:t>（</a:t>
+            </a:r>
+            <a:r>
+              <a:rPr lang="en-US" altLang="zh-CN" sz="1400" dirty="0" smtClean="0">
+                <a:latin typeface="微软雅黑" panose="020B0503020204020204" pitchFamily="34" charset="-122"/>
+                <a:ea typeface="微软雅黑" panose="020B0503020204020204" pitchFamily="34" charset="-122"/>
+                <a:cs typeface="Times New Roman" panose="02020603050405020304" pitchFamily="18" charset="0"/>
+              </a:rPr>
+              <a:t>15</a:t>
+            </a:r>
+            <a:r>
+              <a:rPr lang="zh-CN" altLang="en-US" sz="1400" dirty="0" smtClean="0">
+                <a:latin typeface="微软雅黑" panose="020B0503020204020204" pitchFamily="34" charset="-122"/>
+                <a:ea typeface="微软雅黑" panose="020B0503020204020204" pitchFamily="34" charset="-122"/>
+                <a:cs typeface="Times New Roman" panose="02020603050405020304" pitchFamily="18" charset="0"/>
+              </a:rPr>
+              <a:t>神经元）</a:t>
+            </a:r>
+            <a:endParaRPr lang="en-US" sz="1400" dirty="0">
+              <a:latin typeface="微软雅黑" panose="020B0503020204020204" pitchFamily="34" charset="-122"/>
+              <a:ea typeface="微软雅黑" panose="020B0503020204020204" pitchFamily="34" charset="-122"/>
+              <a:cs typeface="Times New Roman" panose="02020603050405020304" pitchFamily="18" charset="0"/>
+            </a:endParaRPr>
+          </a:p>
+        </p:txBody>
+      </p:sp>
+      <p:sp>
+        <p:nvSpPr>
+          <p:cNvPr id="21" name="Right Brace 20"/>
+          <p:cNvSpPr/>
+          <p:nvPr/>
+        </p:nvSpPr>
+        <p:spPr>
+          <a:xfrm>
+            <a:off x="10975726" y="1752388"/>
+            <a:ext cx="246185" cy="3439735"/>
+          </a:xfrm>
+          <a:prstGeom prst="rightBrace">
+            <a:avLst/>
+          </a:prstGeom>
+        </p:spPr>
+        <p:style>
+          <a:lnRef idx="1">
+            <a:schemeClr val="dk1"/>
+          </a:lnRef>
+          <a:fillRef idx="0">
+            <a:schemeClr val="dk1"/>
+          </a:fillRef>
+          <a:effectRef idx="0">
+            <a:schemeClr val="dk1"/>
+          </a:effectRef>
+          <a:fontRef idx="minor">
+            <a:schemeClr val="tx1"/>
+          </a:fontRef>
+        </p:style>
+        <p:txBody>
+          <a:bodyPr rtlCol="0" anchor="ctr"/>
+          <a:lstStyle/>
+          <a:p>
+            <a:pPr algn="ctr"/>
+            <a:endParaRPr lang="en-US">
+              <a:latin typeface="Times New Roman" panose="02020603050405020304" pitchFamily="18" charset="0"/>
+              <a:cs typeface="Times New Roman" panose="02020603050405020304" pitchFamily="18" charset="0"/>
+            </a:endParaRPr>
+          </a:p>
+        </p:txBody>
+      </p:sp>
+      <p:sp>
+        <p:nvSpPr>
+          <p:cNvPr id="22" name="TextBox 21"/>
+          <p:cNvSpPr txBox="1"/>
+          <p:nvPr/>
+        </p:nvSpPr>
+        <p:spPr>
+          <a:xfrm>
+            <a:off x="7858099" y="6146967"/>
+            <a:ext cx="1293945" cy="523220"/>
+          </a:xfrm>
+          <a:prstGeom prst="rect">
+            <a:avLst/>
+          </a:prstGeom>
+          <a:noFill/>
+        </p:spPr>
+        <p:txBody>
+          <a:bodyPr wrap="none" rtlCol="0">
+            <a:spAutoFit/>
+          </a:bodyPr>
+          <a:lstStyle/>
+          <a:p>
+            <a:pPr algn="ctr"/>
+            <a:r>
+              <a:rPr lang="zh-CN" altLang="en-US" sz="1400" dirty="0">
+                <a:latin typeface="微软雅黑" panose="020B0503020204020204" pitchFamily="34" charset="-122"/>
+                <a:ea typeface="微软雅黑" panose="020B0503020204020204" pitchFamily="34" charset="-122"/>
+                <a:cs typeface="Times New Roman" panose="02020603050405020304" pitchFamily="18" charset="0"/>
+              </a:rPr>
+              <a:t>隐藏</a:t>
+            </a:r>
+            <a:r>
+              <a:rPr lang="zh-CN" altLang="en-US" sz="1400" dirty="0" smtClean="0">
+                <a:latin typeface="微软雅黑" panose="020B0503020204020204" pitchFamily="34" charset="-122"/>
+                <a:ea typeface="微软雅黑" panose="020B0503020204020204" pitchFamily="34" charset="-122"/>
+                <a:cs typeface="Times New Roman" panose="02020603050405020304" pitchFamily="18" charset="0"/>
+              </a:rPr>
+              <a:t>层</a:t>
+            </a:r>
+            <a:endParaRPr lang="en-US" altLang="zh-CN" sz="1400" dirty="0" smtClean="0">
+              <a:latin typeface="微软雅黑" panose="020B0503020204020204" pitchFamily="34" charset="-122"/>
+              <a:ea typeface="微软雅黑" panose="020B0503020204020204" pitchFamily="34" charset="-122"/>
+              <a:cs typeface="Times New Roman" panose="02020603050405020304" pitchFamily="18" charset="0"/>
+            </a:endParaRPr>
+          </a:p>
+          <a:p>
+            <a:pPr algn="ctr"/>
+            <a:r>
+              <a:rPr lang="zh-CN" altLang="en-US" sz="1400" dirty="0" smtClean="0">
+                <a:latin typeface="微软雅黑" panose="020B0503020204020204" pitchFamily="34" charset="-122"/>
+                <a:ea typeface="微软雅黑" panose="020B0503020204020204" pitchFamily="34" charset="-122"/>
+                <a:cs typeface="Times New Roman" panose="02020603050405020304" pitchFamily="18" charset="0"/>
+              </a:rPr>
+              <a:t>（</a:t>
+            </a:r>
+            <a:r>
+              <a:rPr lang="en-US" altLang="zh-CN" sz="1400" dirty="0" smtClean="0">
+                <a:latin typeface="微软雅黑" panose="020B0503020204020204" pitchFamily="34" charset="-122"/>
+                <a:ea typeface="微软雅黑" panose="020B0503020204020204" pitchFamily="34" charset="-122"/>
+                <a:cs typeface="Times New Roman" panose="02020603050405020304" pitchFamily="18" charset="0"/>
+              </a:rPr>
+              <a:t>30</a:t>
+            </a:r>
+            <a:r>
+              <a:rPr lang="zh-CN" altLang="en-US" sz="1400" dirty="0" smtClean="0">
+                <a:latin typeface="微软雅黑" panose="020B0503020204020204" pitchFamily="34" charset="-122"/>
+                <a:ea typeface="微软雅黑" panose="020B0503020204020204" pitchFamily="34" charset="-122"/>
+                <a:cs typeface="Times New Roman" panose="02020603050405020304" pitchFamily="18" charset="0"/>
+              </a:rPr>
+              <a:t>神经元）</a:t>
+            </a:r>
+            <a:endParaRPr lang="en-US" sz="1400" dirty="0">
+              <a:latin typeface="微软雅黑" panose="020B0503020204020204" pitchFamily="34" charset="-122"/>
+              <a:ea typeface="微软雅黑" panose="020B0503020204020204" pitchFamily="34" charset="-122"/>
+              <a:cs typeface="Times New Roman" panose="02020603050405020304" pitchFamily="18" charset="0"/>
+            </a:endParaRPr>
+          </a:p>
+        </p:txBody>
+      </p:sp>
     </p:spTree>
     <p:extLst>
       <p:ext uri="{BB962C8B-B14F-4D97-AF65-F5344CB8AC3E}">
-        <p14:creationId xmlns:p14="http://schemas.microsoft.com/office/powerpoint/2010/main" val="731695530"/>
+        <p14:creationId xmlns:p14="http://schemas.microsoft.com/office/powerpoint/2010/main" val="3005633800"/>
       </p:ext>
     </p:extLst>
   </p:cSld>
@@ -14965,24 +14045,14 @@
           <a:lstStyle/>
           <a:p>
             <a:r>
-              <a:rPr lang="en-US" altLang="zh-CN" sz="4400" b="1" kern="100" dirty="0" smtClean="0">
+              <a:rPr lang="zh-CN" altLang="en-US" sz="4400" b="1" kern="100" dirty="0" smtClean="0">
                 <a:solidFill>
                   <a:srgbClr val="0070C0"/>
                 </a:solidFill>
                 <a:latin typeface="Times New Roman" panose="02020603050405020304" pitchFamily="18" charset="0"/>
                 <a:cs typeface="Times New Roman" panose="02020603050405020304" pitchFamily="18" charset="0"/>
               </a:rPr>
-              <a:t>K</a:t>
-            </a:r>
-            <a:r>
-              <a:rPr lang="zh-CN" altLang="en-US" sz="4400" b="1" kern="100" dirty="0" smtClean="0">
-                <a:solidFill>
-                  <a:srgbClr val="0070C0"/>
-                </a:solidFill>
-                <a:latin typeface="Times New Roman" panose="02020603050405020304" pitchFamily="18" charset="0"/>
-                <a:cs typeface="Times New Roman" panose="02020603050405020304" pitchFamily="18" charset="0"/>
-              </a:rPr>
-              <a:t>近邻算法</a:t>
+              <a:t>动手操作</a:t>
             </a:r>
             <a:endParaRPr lang="en-US" altLang="zh-CN" sz="4400" b="1" kern="100" dirty="0">
               <a:solidFill>
@@ -14996,102 +14066,398 @@
       </p:sp>
       <p:sp>
         <p:nvSpPr>
-          <p:cNvPr id="3" name="Content Placeholder 2"/>
-          <p:cNvSpPr>
-            <a:spLocks noGrp="1"/>
-          </p:cNvSpPr>
-          <p:nvPr>
-            <p:ph idx="1"/>
-          </p:nvPr>
+          <p:cNvPr id="6" name="Rectangle 5"/>
+          <p:cNvSpPr/>
+          <p:nvPr/>
         </p:nvSpPr>
         <p:spPr>
           <a:xfrm>
-            <a:off x="838200" y="1175657"/>
-            <a:ext cx="10515600" cy="5001306"/>
-          </a:xfrm>
-        </p:spPr>
-        <p:txBody>
-          <a:bodyPr>
-            <a:normAutofit/>
-          </a:bodyPr>
-          <a:lstStyle/>
-          <a:p>
-            <a:pPr>
-              <a:lnSpc>
-                <a:spcPct val="150000"/>
-              </a:lnSpc>
-            </a:pPr>
-            <a:endParaRPr lang="en-US" sz="4000" dirty="0">
-              <a:latin typeface="微软雅黑" panose="020B0503020204020204" pitchFamily="34" charset="-122"/>
-              <a:ea typeface="微软雅黑" panose="020B0503020204020204" pitchFamily="34" charset="-122"/>
-            </a:endParaRPr>
-          </a:p>
-        </p:txBody>
-      </p:sp>
-      <p:pic>
-        <p:nvPicPr>
-          <p:cNvPr id="4" name="Picture 3"/>
-          <p:cNvPicPr>
-            <a:picLocks noChangeAspect="1"/>
-          </p:cNvPicPr>
-          <p:nvPr/>
-        </p:nvPicPr>
-        <p:blipFill>
-          <a:blip r:embed="rId3" cstate="print">
-            <a:extLst>
-              <a:ext uri="{28A0092B-C50C-407E-A947-70E740481C1C}">
-                <a14:useLocalDpi xmlns:a14="http://schemas.microsoft.com/office/drawing/2010/main" val="0"/>
-              </a:ext>
-            </a:extLst>
-          </a:blip>
-          <a:stretch>
-            <a:fillRect/>
-          </a:stretch>
-        </p:blipFill>
-        <p:spPr>
-          <a:xfrm>
-            <a:off x="10167687" y="128816"/>
-            <a:ext cx="1349542" cy="523368"/>
+            <a:off x="1054099" y="1303320"/>
+            <a:ext cx="8193590" cy="3539430"/>
           </a:xfrm>
           <a:prstGeom prst="rect">
             <a:avLst/>
           </a:prstGeom>
         </p:spPr>
-      </p:pic>
-      <p:pic>
-        <p:nvPicPr>
-          <p:cNvPr id="5" name="Picture 4"/>
-          <p:cNvPicPr>
-            <a:picLocks noChangeAspect="1"/>
-          </p:cNvPicPr>
+        <p:txBody>
+          <a:bodyPr wrap="none">
+            <a:spAutoFit/>
+          </a:bodyPr>
+          <a:lstStyle/>
+          <a:p>
+            <a:pPr marL="457200" indent="-457200">
+              <a:buFont typeface="Wingdings" panose="05000000000000000000" pitchFamily="2" charset="2"/>
+              <a:buChar char="Ø"/>
+            </a:pPr>
+            <a:endParaRPr lang="en-US" altLang="zh-CN" sz="2800" dirty="0" smtClean="0"/>
+          </a:p>
+          <a:p>
+            <a:pPr marL="457200" indent="-457200">
+              <a:buFont typeface="Wingdings" panose="05000000000000000000" pitchFamily="2" charset="2"/>
+              <a:buChar char="Ø"/>
+            </a:pPr>
+            <a:r>
+              <a:rPr lang="zh-CN" altLang="en-US" sz="2800" dirty="0" smtClean="0"/>
+              <a:t>下载</a:t>
+            </a:r>
+            <a:r>
+              <a:rPr lang="en-US" altLang="zh-CN" sz="2800" dirty="0" err="1" smtClean="0"/>
+              <a:t>git</a:t>
+            </a:r>
+            <a:r>
+              <a:rPr lang="zh-CN" altLang="en-US" sz="2800" dirty="0" smtClean="0"/>
+              <a:t>仓库：</a:t>
+            </a:r>
+            <a:endParaRPr lang="en-US" altLang="zh-CN" sz="2800" dirty="0" smtClean="0"/>
+          </a:p>
+          <a:p>
+            <a:pPr marL="457200" indent="-457200">
+              <a:buFont typeface="Wingdings" panose="05000000000000000000" pitchFamily="2" charset="2"/>
+              <a:buChar char="Ø"/>
+            </a:pPr>
+            <a:endParaRPr lang="en-US" altLang="zh-CN" sz="2800" dirty="0" smtClean="0"/>
+          </a:p>
+          <a:p>
+            <a:endParaRPr lang="en-US" altLang="zh-CN" sz="2800" dirty="0" smtClean="0"/>
+          </a:p>
+          <a:p>
+            <a:pPr marL="457200" indent="-457200">
+              <a:buFont typeface="Wingdings" panose="05000000000000000000" pitchFamily="2" charset="2"/>
+              <a:buChar char="Ø"/>
+            </a:pPr>
+            <a:r>
+              <a:rPr lang="zh-CN" altLang="en-US" sz="2800" dirty="0" smtClean="0"/>
+              <a:t>基于</a:t>
+            </a:r>
+            <a:r>
+              <a:rPr lang="en-US" altLang="zh-CN" sz="2800" dirty="0" err="1" smtClean="0"/>
+              <a:t>JupyterNotebook</a:t>
+            </a:r>
+            <a:r>
+              <a:rPr lang="zh-CN" altLang="en-US" sz="2800" dirty="0"/>
+              <a:t>，</a:t>
+            </a:r>
+            <a:r>
+              <a:rPr lang="zh-CN" altLang="en-US" sz="2800" dirty="0" smtClean="0"/>
+              <a:t>训练</a:t>
+            </a:r>
+            <a:r>
+              <a:rPr lang="zh-CN" altLang="en-US" sz="2800" dirty="0"/>
+              <a:t>机器学</a:t>
+            </a:r>
+            <a:r>
+              <a:rPr lang="zh-CN" altLang="en-US" sz="2800" dirty="0" smtClean="0"/>
+              <a:t>习分类器模型</a:t>
+            </a:r>
+            <a:endParaRPr lang="en-US" altLang="zh-CN" sz="2800" dirty="0" smtClean="0"/>
+          </a:p>
+          <a:p>
+            <a:pPr marL="457200" indent="-457200">
+              <a:buFont typeface="Wingdings" panose="05000000000000000000" pitchFamily="2" charset="2"/>
+              <a:buChar char="Ø"/>
+            </a:pPr>
+            <a:endParaRPr lang="en-US" altLang="zh-CN" sz="2800" dirty="0" smtClean="0"/>
+          </a:p>
+          <a:p>
+            <a:pPr marL="457200" indent="-457200">
+              <a:buFont typeface="Wingdings" panose="05000000000000000000" pitchFamily="2" charset="2"/>
+              <a:buChar char="Ø"/>
+            </a:pPr>
+            <a:endParaRPr lang="en-US" altLang="zh-CN" sz="2800" dirty="0" smtClean="0"/>
+          </a:p>
+          <a:p>
+            <a:pPr marL="457200" indent="-457200">
+              <a:buFont typeface="Wingdings" panose="05000000000000000000" pitchFamily="2" charset="2"/>
+              <a:buChar char="Ø"/>
+            </a:pPr>
+            <a:r>
+              <a:rPr lang="zh-CN" altLang="en-US" sz="2800" dirty="0" smtClean="0"/>
+              <a:t>基于</a:t>
+            </a:r>
+            <a:r>
+              <a:rPr lang="en-US" altLang="zh-CN" sz="2800" dirty="0"/>
+              <a:t>D</a:t>
+            </a:r>
+            <a:r>
+              <a:rPr lang="en-US" altLang="zh-CN" sz="2800" dirty="0" smtClean="0"/>
+              <a:t>ocker</a:t>
+            </a:r>
+            <a:r>
+              <a:rPr lang="zh-CN" altLang="en-US" sz="2800" dirty="0" smtClean="0"/>
+              <a:t>，搭建</a:t>
+            </a:r>
+            <a:r>
+              <a:rPr lang="en-US" altLang="zh-CN" sz="2800" dirty="0" smtClean="0"/>
+              <a:t>pyramid</a:t>
+            </a:r>
+            <a:r>
+              <a:rPr lang="zh-CN" altLang="en-US" sz="2800" dirty="0" smtClean="0"/>
+              <a:t>使用界面</a:t>
+            </a:r>
+            <a:endParaRPr lang="en-US" sz="2800" dirty="0"/>
+          </a:p>
+        </p:txBody>
+      </p:sp>
+      <p:sp>
+        <p:nvSpPr>
+          <p:cNvPr id="16" name="Rectangle 15"/>
+          <p:cNvSpPr/>
           <p:nvPr/>
-        </p:nvPicPr>
-        <p:blipFill>
-          <a:blip r:embed="rId4" cstate="print">
-            <a:extLst>
-              <a:ext uri="{28A0092B-C50C-407E-A947-70E740481C1C}">
-                <a14:useLocalDpi xmlns:a14="http://schemas.microsoft.com/office/drawing/2010/main" val="0"/>
-              </a:ext>
-            </a:extLst>
-          </a:blip>
-          <a:stretch>
-            <a:fillRect/>
-          </a:stretch>
-        </p:blipFill>
+        </p:nvSpPr>
         <p:spPr>
           <a:xfrm>
-            <a:off x="11480800" y="6022"/>
-            <a:ext cx="711199" cy="711199"/>
+            <a:off x="1432791" y="2329390"/>
+            <a:ext cx="9836727" cy="452582"/>
           </a:xfrm>
           <a:prstGeom prst="rect">
             <a:avLst/>
           </a:prstGeom>
         </p:spPr>
-      </p:pic>
+        <p:style>
+          <a:lnRef idx="1">
+            <a:schemeClr val="accent3"/>
+          </a:lnRef>
+          <a:fillRef idx="2">
+            <a:schemeClr val="accent3"/>
+          </a:fillRef>
+          <a:effectRef idx="1">
+            <a:schemeClr val="accent3"/>
+          </a:effectRef>
+          <a:fontRef idx="minor">
+            <a:schemeClr val="dk1"/>
+          </a:fontRef>
+        </p:style>
+        <p:txBody>
+          <a:bodyPr rtlCol="0" anchor="ctr"/>
+          <a:lstStyle/>
+          <a:p>
+            <a:r>
+              <a:rPr lang="en-US" altLang="zh-CN" sz="2400" dirty="0" err="1" smtClean="0">
+                <a:solidFill>
+                  <a:schemeClr val="tx1"/>
+                </a:solidFill>
+              </a:rPr>
+              <a:t>git</a:t>
+            </a:r>
+            <a:r>
+              <a:rPr lang="en-US" altLang="zh-CN" sz="2400" dirty="0" smtClean="0">
+                <a:solidFill>
+                  <a:schemeClr val="tx1"/>
+                </a:solidFill>
+              </a:rPr>
+              <a:t> clone https://github.com/zonghui0228/cn_med_text_class</a:t>
+            </a:r>
+            <a:endParaRPr lang="en-US" sz="2400" dirty="0">
+              <a:solidFill>
+                <a:schemeClr val="tx1"/>
+              </a:solidFill>
+            </a:endParaRPr>
+          </a:p>
+        </p:txBody>
+      </p:sp>
+      <p:sp>
+        <p:nvSpPr>
+          <p:cNvPr id="18" name="Rectangle 17"/>
+          <p:cNvSpPr/>
+          <p:nvPr/>
+        </p:nvSpPr>
+        <p:spPr>
+          <a:xfrm>
+            <a:off x="1432790" y="5005897"/>
+            <a:ext cx="9836727" cy="452582"/>
+          </a:xfrm>
+          <a:prstGeom prst="rect">
+            <a:avLst/>
+          </a:prstGeom>
+        </p:spPr>
+        <p:style>
+          <a:lnRef idx="1">
+            <a:schemeClr val="accent3"/>
+          </a:lnRef>
+          <a:fillRef idx="2">
+            <a:schemeClr val="accent3"/>
+          </a:fillRef>
+          <a:effectRef idx="1">
+            <a:schemeClr val="accent3"/>
+          </a:effectRef>
+          <a:fontRef idx="minor">
+            <a:schemeClr val="dk1"/>
+          </a:fontRef>
+        </p:style>
+        <p:txBody>
+          <a:bodyPr rtlCol="0" anchor="ctr"/>
+          <a:lstStyle/>
+          <a:p>
+            <a:r>
+              <a:rPr lang="en-US" sz="2400" dirty="0" err="1">
+                <a:solidFill>
+                  <a:schemeClr val="tx1"/>
+                </a:solidFill>
+              </a:rPr>
+              <a:t>docker</a:t>
+            </a:r>
+            <a:r>
+              <a:rPr lang="en-US" sz="2400" dirty="0">
+                <a:solidFill>
+                  <a:schemeClr val="tx1"/>
+                </a:solidFill>
+              </a:rPr>
+              <a:t> run </a:t>
+            </a:r>
+            <a:r>
+              <a:rPr lang="en-US" sz="2400" dirty="0" smtClean="0">
+                <a:solidFill>
+                  <a:schemeClr val="tx1"/>
+                </a:solidFill>
+              </a:rPr>
+              <a:t>-</a:t>
+            </a:r>
+            <a:r>
+              <a:rPr lang="en-US" altLang="zh-CN" sz="2400" dirty="0" smtClean="0">
+                <a:solidFill>
+                  <a:schemeClr val="tx1"/>
+                </a:solidFill>
+              </a:rPr>
+              <a:t>i</a:t>
+            </a:r>
+            <a:r>
+              <a:rPr lang="en-US" sz="2400" dirty="0" smtClean="0">
+                <a:solidFill>
+                  <a:schemeClr val="tx1"/>
+                </a:solidFill>
+              </a:rPr>
+              <a:t>t </a:t>
+            </a:r>
+            <a:r>
+              <a:rPr lang="en-US" sz="2400" dirty="0">
+                <a:solidFill>
+                  <a:schemeClr val="tx1"/>
+                </a:solidFill>
+              </a:rPr>
+              <a:t>-d -p 6543:6543 zonghui0228/</a:t>
+            </a:r>
+            <a:r>
+              <a:rPr lang="en-US" sz="2400" dirty="0" err="1">
+                <a:solidFill>
+                  <a:schemeClr val="tx1"/>
+                </a:solidFill>
+              </a:rPr>
+              <a:t>cn_med_text_class</a:t>
+            </a:r>
+            <a:endParaRPr lang="en-US" sz="2400" dirty="0">
+              <a:solidFill>
+                <a:schemeClr val="tx1"/>
+              </a:solidFill>
+            </a:endParaRPr>
+          </a:p>
+        </p:txBody>
+      </p:sp>
+      <p:sp>
+        <p:nvSpPr>
+          <p:cNvPr id="19" name="Rectangle 18"/>
+          <p:cNvSpPr/>
+          <p:nvPr/>
+        </p:nvSpPr>
+        <p:spPr>
+          <a:xfrm>
+            <a:off x="1432791" y="3648132"/>
+            <a:ext cx="9836727" cy="452582"/>
+          </a:xfrm>
+          <a:prstGeom prst="rect">
+            <a:avLst/>
+          </a:prstGeom>
+        </p:spPr>
+        <p:style>
+          <a:lnRef idx="1">
+            <a:schemeClr val="accent3"/>
+          </a:lnRef>
+          <a:fillRef idx="2">
+            <a:schemeClr val="accent3"/>
+          </a:fillRef>
+          <a:effectRef idx="1">
+            <a:schemeClr val="accent3"/>
+          </a:effectRef>
+          <a:fontRef idx="minor">
+            <a:schemeClr val="dk1"/>
+          </a:fontRef>
+        </p:style>
+        <p:txBody>
+          <a:bodyPr rtlCol="0" anchor="ctr"/>
+          <a:lstStyle/>
+          <a:p>
+            <a:r>
+              <a:rPr lang="en-US" sz="2400" dirty="0" smtClean="0">
+                <a:solidFill>
+                  <a:schemeClr val="tx1"/>
+                </a:solidFill>
+              </a:rPr>
+              <a:t>KNN,LR, NB, </a:t>
+            </a:r>
+            <a:r>
+              <a:rPr lang="en-US" altLang="zh-CN" sz="2400" dirty="0" smtClean="0">
+                <a:solidFill>
+                  <a:schemeClr val="tx1"/>
+                </a:solidFill>
+              </a:rPr>
+              <a:t>SVM</a:t>
+            </a:r>
+            <a:r>
+              <a:rPr lang="zh-CN" altLang="en-US" sz="2400" dirty="0" smtClean="0">
+                <a:solidFill>
+                  <a:schemeClr val="tx1"/>
+                </a:solidFill>
+              </a:rPr>
+              <a:t>任选其一</a:t>
+            </a:r>
+            <a:endParaRPr lang="en-US" sz="2400" dirty="0">
+              <a:solidFill>
+                <a:schemeClr val="tx1"/>
+              </a:solidFill>
+            </a:endParaRPr>
+          </a:p>
+        </p:txBody>
+      </p:sp>
+      <p:sp>
+        <p:nvSpPr>
+          <p:cNvPr id="3" name="Rectangle 2"/>
+          <p:cNvSpPr/>
+          <p:nvPr/>
+        </p:nvSpPr>
+        <p:spPr>
+          <a:xfrm>
+            <a:off x="970972" y="924357"/>
+            <a:ext cx="10067821" cy="646331"/>
+          </a:xfrm>
+          <a:prstGeom prst="rect">
+            <a:avLst/>
+          </a:prstGeom>
+        </p:spPr>
+        <p:txBody>
+          <a:bodyPr wrap="none">
+            <a:spAutoFit/>
+          </a:bodyPr>
+          <a:lstStyle/>
+          <a:p>
+            <a:r>
+              <a:rPr lang="en-US" altLang="zh-CN" sz="3600" dirty="0">
+                <a:solidFill>
+                  <a:srgbClr val="FF0000"/>
+                </a:solidFill>
+              </a:rPr>
+              <a:t>https://github.com/zonghui0228/cn_med_text_class</a:t>
+            </a:r>
+            <a:endParaRPr lang="en-US" sz="3600" dirty="0">
+              <a:solidFill>
+                <a:srgbClr val="FF0000"/>
+              </a:solidFill>
+            </a:endParaRPr>
+          </a:p>
+        </p:txBody>
+      </p:sp>
     </p:spTree>
     <p:extLst>
       <p:ext uri="{BB962C8B-B14F-4D97-AF65-F5344CB8AC3E}">
-        <p14:creationId xmlns:p14="http://schemas.microsoft.com/office/powerpoint/2010/main" val="4273948172"/>
+        <p14:creationId xmlns:p14="http://schemas.microsoft.com/office/powerpoint/2010/main" val="1404221173"/>
       </p:ext>
     </p:extLst>
   </p:cSld>
